--- a/presentations/Classes.pptx
+++ b/presentations/Classes.pptx
@@ -5,32 +5,46 @@
     <p:sldMasterId id="2147483656" r:id="rId4"/>
   </p:sldMasterIdLst>
   <p:notesMasterIdLst>
-    <p:notesMasterId r:id="rId7"/>
+    <p:notesMasterId r:id="rId21"/>
   </p:notesMasterIdLst>
   <p:sldIdLst>
     <p:sldId id="258" r:id="rId5"/>
-    <p:sldId id="262" r:id="rId6"/>
+    <p:sldId id="263" r:id="rId6"/>
+    <p:sldId id="264" r:id="rId7"/>
+    <p:sldId id="265" r:id="rId8"/>
+    <p:sldId id="266" r:id="rId9"/>
+    <p:sldId id="267" r:id="rId10"/>
+    <p:sldId id="268" r:id="rId11"/>
+    <p:sldId id="269" r:id="rId12"/>
+    <p:sldId id="270" r:id="rId13"/>
+    <p:sldId id="271" r:id="rId14"/>
+    <p:sldId id="272" r:id="rId15"/>
+    <p:sldId id="274" r:id="rId16"/>
+    <p:sldId id="273" r:id="rId17"/>
+    <p:sldId id="275" r:id="rId18"/>
+    <p:sldId id="276" r:id="rId19"/>
+    <p:sldId id="262" r:id="rId20"/>
   </p:sldIdLst>
   <p:sldSz cx="12192000" cy="6858000"/>
   <p:notesSz cx="6858000" cy="9144000"/>
   <p:embeddedFontLst>
     <p:embeddedFont>
       <p:font typeface="Calibri" panose="020F0502020204030204" pitchFamily="34" charset="0"/>
-      <p:regular r:id="rId8"/>
-      <p:bold r:id="rId9"/>
-      <p:italic r:id="rId10"/>
-      <p:boldItalic r:id="rId11"/>
+      <p:regular r:id="rId22"/>
+      <p:bold r:id="rId23"/>
+      <p:italic r:id="rId24"/>
+      <p:boldItalic r:id="rId25"/>
     </p:embeddedFont>
     <p:embeddedFont>
       <p:font typeface="Open Sans" panose="020B0604020202020204" charset="0"/>
-      <p:regular r:id="rId12"/>
-      <p:bold r:id="rId13"/>
-      <p:italic r:id="rId14"/>
-      <p:boldItalic r:id="rId15"/>
+      <p:regular r:id="rId26"/>
+      <p:bold r:id="rId27"/>
+      <p:italic r:id="rId28"/>
+      <p:boldItalic r:id="rId29"/>
     </p:embeddedFont>
     <p:embeddedFont>
       <p:font typeface="Proxima Nova Black" panose="020B0604020202020204" charset="0"/>
-      <p:bold r:id="rId16"/>
+      <p:bold r:id="rId30"/>
     </p:embeddedFont>
   </p:embeddedFontLst>
   <p:defaultTextStyle>
@@ -134,6 +148,20 @@
         <p14:section name="Раздел по умолчанию" id="{4ED83C5E-90E6-472D-AD42-CB1E323BB8D9}">
           <p14:sldIdLst>
             <p14:sldId id="258"/>
+            <p14:sldId id="263"/>
+            <p14:sldId id="264"/>
+            <p14:sldId id="265"/>
+            <p14:sldId id="266"/>
+            <p14:sldId id="267"/>
+            <p14:sldId id="268"/>
+            <p14:sldId id="269"/>
+            <p14:sldId id="270"/>
+            <p14:sldId id="271"/>
+            <p14:sldId id="272"/>
+            <p14:sldId id="274"/>
+            <p14:sldId id="273"/>
+            <p14:sldId id="275"/>
+            <p14:sldId id="276"/>
             <p14:sldId id="262"/>
           </p14:sldIdLst>
         </p14:section>
@@ -228,7 +256,7 @@
           <a:p>
             <a:fld id="{66798AA2-1685-42F9-B308-E0EDFDECAB3C}" type="datetimeFigureOut">
               <a:rPr lang="uk-UA" smtClean="0"/>
-              <a:t>26.02.2020</a:t>
+              <a:t>08.03.2020</a:t>
             </a:fld>
             <a:endParaRPr lang="uk-UA"/>
           </a:p>
@@ -540,6 +568,150 @@
           <a:bodyPr/>
           <a:lstStyle/>
           <a:p>
+            <a:r>
+              <a:rPr lang="uk-UA" sz="1200" b="0" i="0" kern="1200" dirty="0">
+                <a:solidFill>
+                  <a:schemeClr val="tx1"/>
+                </a:solidFill>
+                <a:effectLst/>
+                <a:latin typeface="+mn-lt"/>
+                <a:ea typeface="+mn-ea"/>
+                <a:cs typeface="+mn-cs"/>
+              </a:rPr>
+              <a:t>Класи </a:t>
+            </a:r>
+            <a:r>
+              <a:rPr lang="en-US" sz="1200" b="0" i="0" kern="1200" dirty="0">
+                <a:solidFill>
+                  <a:schemeClr val="tx1"/>
+                </a:solidFill>
+                <a:effectLst/>
+                <a:latin typeface="+mn-lt"/>
+                <a:ea typeface="+mn-ea"/>
+                <a:cs typeface="+mn-cs"/>
+              </a:rPr>
+              <a:t>JavaScript, </a:t>
+            </a:r>
+            <a:r>
+              <a:rPr lang="uk-UA" sz="1200" b="0" i="0" kern="1200" dirty="0">
+                <a:solidFill>
+                  <a:schemeClr val="tx1"/>
+                </a:solidFill>
+                <a:effectLst/>
+                <a:latin typeface="+mn-lt"/>
+                <a:ea typeface="+mn-ea"/>
+                <a:cs typeface="+mn-cs"/>
+              </a:rPr>
+              <a:t>запроваджені в </a:t>
+            </a:r>
+            <a:r>
+              <a:rPr lang="en-US" sz="1200" b="0" i="0" kern="1200" dirty="0">
+                <a:solidFill>
+                  <a:schemeClr val="tx1"/>
+                </a:solidFill>
+                <a:effectLst/>
+                <a:latin typeface="+mn-lt"/>
+                <a:ea typeface="+mn-ea"/>
+                <a:cs typeface="+mn-cs"/>
+              </a:rPr>
+              <a:t>ECMAScript 2015, - </a:t>
+            </a:r>
+            <a:r>
+              <a:rPr lang="uk-UA" sz="1200" b="0" i="0" kern="1200" dirty="0">
+                <a:solidFill>
+                  <a:schemeClr val="tx1"/>
+                </a:solidFill>
+                <a:effectLst/>
+                <a:latin typeface="+mn-lt"/>
+                <a:ea typeface="+mn-ea"/>
+                <a:cs typeface="+mn-cs"/>
+              </a:rPr>
+              <a:t>це головним чином синтаксичний цукор над існуючим </a:t>
+            </a:r>
+            <a:r>
+              <a:rPr lang="en-US" sz="1200" b="0" i="0" kern="1200" dirty="0">
+                <a:solidFill>
+                  <a:schemeClr val="tx1"/>
+                </a:solidFill>
+                <a:effectLst/>
+                <a:latin typeface="+mn-lt"/>
+                <a:ea typeface="+mn-ea"/>
+                <a:cs typeface="+mn-cs"/>
+              </a:rPr>
+              <a:t>JavaScript</a:t>
+            </a:r>
+            <a:r>
+              <a:rPr lang="uk-UA" sz="1200" b="0" i="0" kern="1200" dirty="0">
+                <a:solidFill>
+                  <a:schemeClr val="tx1"/>
+                </a:solidFill>
+                <a:effectLst/>
+                <a:latin typeface="+mn-lt"/>
+                <a:ea typeface="+mn-ea"/>
+                <a:cs typeface="+mn-cs"/>
+              </a:rPr>
+              <a:t> прототипним наслідуванням</a:t>
+            </a:r>
+            <a:r>
+              <a:rPr lang="en-US" sz="1200" b="0" i="0" kern="1200" dirty="0">
+                <a:solidFill>
+                  <a:schemeClr val="tx1"/>
+                </a:solidFill>
+                <a:effectLst/>
+                <a:latin typeface="+mn-lt"/>
+                <a:ea typeface="+mn-ea"/>
+                <a:cs typeface="+mn-cs"/>
+              </a:rPr>
+              <a:t>.</a:t>
+            </a:r>
+            <a:r>
+              <a:rPr lang="uk-UA" sz="1200" b="0" i="0" kern="1200" dirty="0">
+                <a:solidFill>
+                  <a:schemeClr val="tx1"/>
+                </a:solidFill>
+                <a:effectLst/>
+                <a:latin typeface="+mn-lt"/>
+                <a:ea typeface="+mn-ea"/>
+                <a:cs typeface="+mn-cs"/>
+              </a:rPr>
+              <a:t> Синтаксис </a:t>
+            </a:r>
+            <a:r>
+              <a:rPr lang="en-US" sz="1200" b="0" i="0" kern="1200" dirty="0">
+                <a:solidFill>
+                  <a:schemeClr val="tx1"/>
+                </a:solidFill>
+                <a:effectLst/>
+                <a:latin typeface="+mn-lt"/>
+                <a:ea typeface="+mn-ea"/>
+                <a:cs typeface="+mn-cs"/>
+              </a:rPr>
+              <a:t>class</a:t>
+            </a:r>
+            <a:r>
+              <a:rPr lang="uk-UA" sz="1200" b="0" i="0" kern="1200" dirty="0">
+                <a:solidFill>
+                  <a:schemeClr val="tx1"/>
+                </a:solidFill>
+                <a:effectLst/>
+                <a:latin typeface="+mn-lt"/>
+                <a:ea typeface="+mn-ea"/>
+                <a:cs typeface="+mn-cs"/>
+              </a:rPr>
+              <a:t> не вводить нову об'єктно-орієнтовану модель успадкування в </a:t>
+            </a:r>
+            <a:r>
+              <a:rPr lang="en-US" sz="1200" b="0" i="0" kern="1200" dirty="0">
+                <a:solidFill>
+                  <a:schemeClr val="tx1"/>
+                </a:solidFill>
+                <a:effectLst/>
+                <a:latin typeface="+mn-lt"/>
+                <a:ea typeface="+mn-ea"/>
+                <a:cs typeface="+mn-cs"/>
+              </a:rPr>
+              <a:t>JavaScript.</a:t>
+            </a:r>
             <a:endParaRPr lang="uk-UA" dirty="0"/>
           </a:p>
         </p:txBody>
@@ -563,7 +735,7 @@
               <a:rPr lang="uk-UA" smtClean="0"/>
               <a:t>1</a:t>
             </a:fld>
-            <a:endParaRPr lang="uk-UA"/>
+            <a:endParaRPr lang="uk-UA" dirty="0"/>
           </a:p>
         </p:txBody>
       </p:sp>
@@ -571,6 +743,1400 @@
     <p:extLst>
       <p:ext uri="{BB962C8B-B14F-4D97-AF65-F5344CB8AC3E}">
         <p14:creationId xmlns:p14="http://schemas.microsoft.com/office/powerpoint/2010/main" val="3457112171"/>
+      </p:ext>
+    </p:extLst>
+  </p:cSld>
+  <p:clrMapOvr>
+    <a:masterClrMapping/>
+  </p:clrMapOvr>
+</p:notes>
+</file>
+
+<file path=ppt/notesSlides/notesSlide10.xml><?xml version="1.0" encoding="utf-8"?>
+<p:notes xmlns:a="http://schemas.openxmlformats.org/drawingml/2006/main" xmlns:r="http://schemas.openxmlformats.org/officeDocument/2006/relationships" xmlns:p="http://schemas.openxmlformats.org/presentationml/2006/main">
+  <p:cSld>
+    <p:spTree>
+      <p:nvGrpSpPr>
+        <p:cNvPr id="1" name=""/>
+        <p:cNvGrpSpPr/>
+        <p:nvPr/>
+      </p:nvGrpSpPr>
+      <p:grpSpPr>
+        <a:xfrm>
+          <a:off x="0" y="0"/>
+          <a:ext cx="0" cy="0"/>
+          <a:chOff x="0" y="0"/>
+          <a:chExt cx="0" cy="0"/>
+        </a:xfrm>
+      </p:grpSpPr>
+      <p:sp>
+        <p:nvSpPr>
+          <p:cNvPr id="2" name="Образ слайда 1"/>
+          <p:cNvSpPr>
+            <a:spLocks noGrp="1" noRot="1" noChangeAspect="1"/>
+          </p:cNvSpPr>
+          <p:nvPr>
+            <p:ph type="sldImg"/>
+          </p:nvPr>
+        </p:nvSpPr>
+        <p:spPr/>
+      </p:sp>
+      <p:sp>
+        <p:nvSpPr>
+          <p:cNvPr id="3" name="Заметки 2"/>
+          <p:cNvSpPr>
+            <a:spLocks noGrp="1"/>
+          </p:cNvSpPr>
+          <p:nvPr>
+            <p:ph type="body" idx="1"/>
+          </p:nvPr>
+        </p:nvSpPr>
+        <p:spPr/>
+        <p:txBody>
+          <a:bodyPr/>
+          <a:lstStyle/>
+          <a:p>
+            <a:r>
+              <a:rPr lang="uk-UA" sz="1200" b="0" i="0" kern="1200" noProof="0" dirty="0">
+                <a:solidFill>
+                  <a:schemeClr val="tx1"/>
+                </a:solidFill>
+                <a:effectLst/>
+                <a:latin typeface="+mn-lt"/>
+                <a:ea typeface="+mn-ea"/>
+                <a:cs typeface="+mn-cs"/>
+              </a:rPr>
+              <a:t>Властивості екземпляра повинні визначатися всередині методів класу</a:t>
+            </a:r>
+          </a:p>
+          <a:p>
+            <a:endParaRPr lang="uk-UA" sz="1200" b="0" i="0" kern="1200" noProof="0" dirty="0">
+              <a:solidFill>
+                <a:schemeClr val="tx1"/>
+              </a:solidFill>
+              <a:effectLst/>
+              <a:latin typeface="+mn-lt"/>
+              <a:ea typeface="+mn-ea"/>
+              <a:cs typeface="+mn-cs"/>
+            </a:endParaRPr>
+          </a:p>
+          <a:p>
+            <a:r>
+              <a:rPr lang="uk-UA" sz="1200" b="0" i="0" kern="1200" noProof="0" dirty="0">
+                <a:solidFill>
+                  <a:schemeClr val="tx1"/>
+                </a:solidFill>
+                <a:effectLst/>
+                <a:latin typeface="+mn-lt"/>
+                <a:ea typeface="+mn-ea"/>
+                <a:cs typeface="+mn-cs"/>
+              </a:rPr>
+              <a:t>Статичні (на боці класу) властивості-значення та прототипні властивості-значення повинні визначатися за межами оголошення класу</a:t>
+            </a:r>
+            <a:endParaRPr lang="uk-UA" noProof="0" dirty="0"/>
+          </a:p>
+        </p:txBody>
+      </p:sp>
+      <p:sp>
+        <p:nvSpPr>
+          <p:cNvPr id="4" name="Номер слайда 3"/>
+          <p:cNvSpPr>
+            <a:spLocks noGrp="1"/>
+          </p:cNvSpPr>
+          <p:nvPr>
+            <p:ph type="sldNum" sz="quarter" idx="5"/>
+          </p:nvPr>
+        </p:nvSpPr>
+        <p:spPr/>
+        <p:txBody>
+          <a:bodyPr/>
+          <a:lstStyle/>
+          <a:p>
+            <a:fld id="{C6B9B3CE-BC21-41F4-8896-5AF0EBA9693C}" type="slidenum">
+              <a:rPr lang="uk-UA" smtClean="0"/>
+              <a:t>15</a:t>
+            </a:fld>
+            <a:endParaRPr lang="uk-UA"/>
+          </a:p>
+        </p:txBody>
+      </p:sp>
+    </p:spTree>
+    <p:extLst>
+      <p:ext uri="{BB962C8B-B14F-4D97-AF65-F5344CB8AC3E}">
+        <p14:creationId xmlns:p14="http://schemas.microsoft.com/office/powerpoint/2010/main" val="3296748290"/>
+      </p:ext>
+    </p:extLst>
+  </p:cSld>
+  <p:clrMapOvr>
+    <a:masterClrMapping/>
+  </p:clrMapOvr>
+</p:notes>
+</file>
+
+<file path=ppt/notesSlides/notesSlide2.xml><?xml version="1.0" encoding="utf-8"?>
+<p:notes xmlns:a="http://schemas.openxmlformats.org/drawingml/2006/main" xmlns:r="http://schemas.openxmlformats.org/officeDocument/2006/relationships" xmlns:p="http://schemas.openxmlformats.org/presentationml/2006/main">
+  <p:cSld>
+    <p:spTree>
+      <p:nvGrpSpPr>
+        <p:cNvPr id="1" name=""/>
+        <p:cNvGrpSpPr/>
+        <p:nvPr/>
+      </p:nvGrpSpPr>
+      <p:grpSpPr>
+        <a:xfrm>
+          <a:off x="0" y="0"/>
+          <a:ext cx="0" cy="0"/>
+          <a:chOff x="0" y="0"/>
+          <a:chExt cx="0" cy="0"/>
+        </a:xfrm>
+      </p:grpSpPr>
+      <p:sp>
+        <p:nvSpPr>
+          <p:cNvPr id="2" name="Образ слайда 1"/>
+          <p:cNvSpPr>
+            <a:spLocks noGrp="1" noRot="1" noChangeAspect="1"/>
+          </p:cNvSpPr>
+          <p:nvPr>
+            <p:ph type="sldImg"/>
+          </p:nvPr>
+        </p:nvSpPr>
+        <p:spPr/>
+      </p:sp>
+      <p:sp>
+        <p:nvSpPr>
+          <p:cNvPr id="3" name="Заметки 2"/>
+          <p:cNvSpPr>
+            <a:spLocks noGrp="1"/>
+          </p:cNvSpPr>
+          <p:nvPr>
+            <p:ph type="body" idx="1"/>
+          </p:nvPr>
+        </p:nvSpPr>
+        <p:spPr/>
+        <p:txBody>
+          <a:bodyPr/>
+          <a:lstStyle/>
+          <a:p>
+            <a:r>
+              <a:rPr lang="uk-UA" sz="1200" b="0" i="0" kern="1200" dirty="0">
+                <a:solidFill>
+                  <a:schemeClr val="tx1"/>
+                </a:solidFill>
+                <a:effectLst/>
+                <a:latin typeface="+mn-lt"/>
+                <a:ea typeface="+mn-ea"/>
+                <a:cs typeface="+mn-cs"/>
+              </a:rPr>
+              <a:t>Одним зі способів визначення класу є </a:t>
+            </a:r>
+            <a:r>
+              <a:rPr lang="en-US" sz="1200" b="1" i="0" kern="1200" dirty="0">
+                <a:solidFill>
+                  <a:schemeClr val="tx1"/>
+                </a:solidFill>
+                <a:effectLst/>
+                <a:latin typeface="+mn-lt"/>
+                <a:ea typeface="+mn-ea"/>
+                <a:cs typeface="+mn-cs"/>
+              </a:rPr>
+              <a:t>class declaration</a:t>
+            </a:r>
+            <a:r>
+              <a:rPr lang="uk-UA" sz="1200" b="0" i="0" kern="1200" dirty="0">
+                <a:solidFill>
+                  <a:schemeClr val="tx1"/>
+                </a:solidFill>
+                <a:effectLst/>
+                <a:latin typeface="+mn-lt"/>
+                <a:ea typeface="+mn-ea"/>
+                <a:cs typeface="+mn-cs"/>
+              </a:rPr>
+              <a:t>. Для оголошення класу використовується ключове слово </a:t>
+            </a:r>
+            <a:r>
+              <a:rPr lang="en-US" dirty="0"/>
+              <a:t>class</a:t>
+            </a:r>
+            <a:r>
+              <a:rPr lang="en-US" sz="1200" b="0" i="0" kern="1200" dirty="0">
+                <a:solidFill>
+                  <a:schemeClr val="tx1"/>
+                </a:solidFill>
+                <a:effectLst/>
+                <a:latin typeface="+mn-lt"/>
+                <a:ea typeface="+mn-ea"/>
+                <a:cs typeface="+mn-cs"/>
+              </a:rPr>
+              <a:t> </a:t>
+            </a:r>
+            <a:r>
+              <a:rPr lang="uk-UA" sz="1200" b="0" i="0" kern="1200" dirty="0">
+                <a:solidFill>
+                  <a:schemeClr val="tx1"/>
+                </a:solidFill>
+                <a:effectLst/>
+                <a:latin typeface="+mn-lt"/>
+                <a:ea typeface="+mn-ea"/>
+                <a:cs typeface="+mn-cs"/>
+              </a:rPr>
+              <a:t>з назвою класу (у прикладі нижче "</a:t>
+            </a:r>
+            <a:r>
+              <a:rPr lang="en-US" sz="1200" b="0" i="0" kern="1200" dirty="0">
+                <a:solidFill>
+                  <a:schemeClr val="tx1"/>
+                </a:solidFill>
+                <a:effectLst/>
+                <a:latin typeface="+mn-lt"/>
+                <a:ea typeface="+mn-ea"/>
+                <a:cs typeface="+mn-cs"/>
+              </a:rPr>
+              <a:t>Rectangle").</a:t>
+            </a:r>
+            <a:endParaRPr lang="uk-UA" dirty="0"/>
+          </a:p>
+        </p:txBody>
+      </p:sp>
+      <p:sp>
+        <p:nvSpPr>
+          <p:cNvPr id="4" name="Номер слайда 3"/>
+          <p:cNvSpPr>
+            <a:spLocks noGrp="1"/>
+          </p:cNvSpPr>
+          <p:nvPr>
+            <p:ph type="sldNum" sz="quarter" idx="5"/>
+          </p:nvPr>
+        </p:nvSpPr>
+        <p:spPr/>
+        <p:txBody>
+          <a:bodyPr/>
+          <a:lstStyle/>
+          <a:p>
+            <a:fld id="{C6B9B3CE-BC21-41F4-8896-5AF0EBA9693C}" type="slidenum">
+              <a:rPr lang="uk-UA" smtClean="0"/>
+              <a:t>3</a:t>
+            </a:fld>
+            <a:endParaRPr lang="uk-UA"/>
+          </a:p>
+        </p:txBody>
+      </p:sp>
+    </p:spTree>
+    <p:extLst>
+      <p:ext uri="{BB962C8B-B14F-4D97-AF65-F5344CB8AC3E}">
+        <p14:creationId xmlns:p14="http://schemas.microsoft.com/office/powerpoint/2010/main" val="3806599789"/>
+      </p:ext>
+    </p:extLst>
+  </p:cSld>
+  <p:clrMapOvr>
+    <a:masterClrMapping/>
+  </p:clrMapOvr>
+</p:notes>
+</file>
+
+<file path=ppt/notesSlides/notesSlide3.xml><?xml version="1.0" encoding="utf-8"?>
+<p:notes xmlns:a="http://schemas.openxmlformats.org/drawingml/2006/main" xmlns:r="http://schemas.openxmlformats.org/officeDocument/2006/relationships" xmlns:p="http://schemas.openxmlformats.org/presentationml/2006/main">
+  <p:cSld>
+    <p:spTree>
+      <p:nvGrpSpPr>
+        <p:cNvPr id="1" name=""/>
+        <p:cNvGrpSpPr/>
+        <p:nvPr/>
+      </p:nvGrpSpPr>
+      <p:grpSpPr>
+        <a:xfrm>
+          <a:off x="0" y="0"/>
+          <a:ext cx="0" cy="0"/>
+          <a:chOff x="0" y="0"/>
+          <a:chExt cx="0" cy="0"/>
+        </a:xfrm>
+      </p:grpSpPr>
+      <p:sp>
+        <p:nvSpPr>
+          <p:cNvPr id="2" name="Образ слайда 1"/>
+          <p:cNvSpPr>
+            <a:spLocks noGrp="1" noRot="1" noChangeAspect="1"/>
+          </p:cNvSpPr>
+          <p:nvPr>
+            <p:ph type="sldImg"/>
+          </p:nvPr>
+        </p:nvSpPr>
+        <p:spPr/>
+      </p:sp>
+      <p:sp>
+        <p:nvSpPr>
+          <p:cNvPr id="3" name="Заметки 2"/>
+          <p:cNvSpPr>
+            <a:spLocks noGrp="1"/>
+          </p:cNvSpPr>
+          <p:nvPr>
+            <p:ph type="body" idx="1"/>
+          </p:nvPr>
+        </p:nvSpPr>
+        <p:spPr/>
+        <p:txBody>
+          <a:bodyPr/>
+          <a:lstStyle/>
+          <a:p>
+            <a:r>
+              <a:rPr lang="uk-UA" sz="1200" b="0" i="0" kern="1200" dirty="0">
+                <a:solidFill>
+                  <a:schemeClr val="tx1"/>
+                </a:solidFill>
+                <a:effectLst/>
+                <a:latin typeface="+mn-lt"/>
+                <a:ea typeface="+mn-ea"/>
+                <a:cs typeface="+mn-cs"/>
+              </a:rPr>
+              <a:t>Важлива відмінність між </a:t>
+            </a:r>
+            <a:r>
+              <a:rPr lang="en-US" sz="1200" b="1" i="0" kern="1200" dirty="0">
+                <a:solidFill>
+                  <a:schemeClr val="tx1"/>
+                </a:solidFill>
+                <a:effectLst/>
+                <a:latin typeface="+mn-lt"/>
+                <a:ea typeface="+mn-ea"/>
+                <a:cs typeface="+mn-cs"/>
+              </a:rPr>
+              <a:t>function declarations</a:t>
+            </a:r>
+            <a:r>
+              <a:rPr lang="uk-UA" sz="1200" b="0" i="0" kern="1200" dirty="0">
+                <a:solidFill>
+                  <a:schemeClr val="tx1"/>
+                </a:solidFill>
+                <a:effectLst/>
+                <a:latin typeface="+mn-lt"/>
+                <a:ea typeface="+mn-ea"/>
+                <a:cs typeface="+mn-cs"/>
+              </a:rPr>
+              <a:t>та </a:t>
+            </a:r>
+            <a:r>
+              <a:rPr lang="en-US" sz="1200" b="1" i="0" kern="1200" dirty="0">
+                <a:solidFill>
+                  <a:schemeClr val="tx1"/>
+                </a:solidFill>
+                <a:effectLst/>
+                <a:latin typeface="+mn-lt"/>
+                <a:ea typeface="+mn-ea"/>
+                <a:cs typeface="+mn-cs"/>
+              </a:rPr>
+              <a:t>class declarations</a:t>
+            </a:r>
+            <a:r>
+              <a:rPr lang="uk-UA" sz="1200" b="0" i="0" kern="1200" dirty="0">
+                <a:solidFill>
+                  <a:schemeClr val="tx1"/>
+                </a:solidFill>
+                <a:effectLst/>
+                <a:latin typeface="+mn-lt"/>
+                <a:ea typeface="+mn-ea"/>
+                <a:cs typeface="+mn-cs"/>
+              </a:rPr>
+              <a:t> полягає в тому, що оголошення функції </a:t>
+            </a:r>
+            <a:r>
+              <a:rPr lang="uk-UA" sz="1200" b="0" i="0" u="none" strike="noStrike" kern="1200" dirty="0">
+                <a:solidFill>
+                  <a:schemeClr val="tx1"/>
+                </a:solidFill>
+                <a:effectLst/>
+                <a:latin typeface="+mn-lt"/>
+                <a:ea typeface="+mn-ea"/>
+                <a:cs typeface="+mn-cs"/>
+              </a:rPr>
+              <a:t>піднімається (хойститься)</a:t>
+            </a:r>
+            <a:r>
+              <a:rPr lang="uk-UA" sz="1200" b="0" i="0" kern="1200" dirty="0">
+                <a:solidFill>
+                  <a:schemeClr val="tx1"/>
+                </a:solidFill>
+                <a:effectLst/>
+                <a:latin typeface="+mn-lt"/>
+                <a:ea typeface="+mn-ea"/>
+                <a:cs typeface="+mn-cs"/>
+              </a:rPr>
+              <a:t>, а оголошення класу ні. Спочатку необхідно оголосити клас, і тільки потім звертатись до нього, інакше подібний код викине помилку </a:t>
+            </a:r>
+            <a:r>
+              <a:rPr lang="en-US" sz="1200" b="0" i="0" u="none" strike="noStrike" kern="1200" dirty="0">
+                <a:solidFill>
+                  <a:schemeClr val="tx1"/>
+                </a:solidFill>
+                <a:effectLst/>
+                <a:latin typeface="+mn-lt"/>
+                <a:ea typeface="+mn-ea"/>
+                <a:cs typeface="+mn-cs"/>
+              </a:rPr>
+              <a:t>ReferenceError</a:t>
+            </a:r>
+            <a:endParaRPr lang="uk-UA" dirty="0"/>
+          </a:p>
+        </p:txBody>
+      </p:sp>
+      <p:sp>
+        <p:nvSpPr>
+          <p:cNvPr id="4" name="Номер слайда 3"/>
+          <p:cNvSpPr>
+            <a:spLocks noGrp="1"/>
+          </p:cNvSpPr>
+          <p:nvPr>
+            <p:ph type="sldNum" sz="quarter" idx="5"/>
+          </p:nvPr>
+        </p:nvSpPr>
+        <p:spPr/>
+        <p:txBody>
+          <a:bodyPr/>
+          <a:lstStyle/>
+          <a:p>
+            <a:fld id="{C6B9B3CE-BC21-41F4-8896-5AF0EBA9693C}" type="slidenum">
+              <a:rPr lang="uk-UA" smtClean="0"/>
+              <a:t>4</a:t>
+            </a:fld>
+            <a:endParaRPr lang="uk-UA"/>
+          </a:p>
+        </p:txBody>
+      </p:sp>
+    </p:spTree>
+    <p:extLst>
+      <p:ext uri="{BB962C8B-B14F-4D97-AF65-F5344CB8AC3E}">
+        <p14:creationId xmlns:p14="http://schemas.microsoft.com/office/powerpoint/2010/main" val="4178073361"/>
+      </p:ext>
+    </p:extLst>
+  </p:cSld>
+  <p:clrMapOvr>
+    <a:masterClrMapping/>
+  </p:clrMapOvr>
+</p:notes>
+</file>
+
+<file path=ppt/notesSlides/notesSlide4.xml><?xml version="1.0" encoding="utf-8"?>
+<p:notes xmlns:a="http://schemas.openxmlformats.org/drawingml/2006/main" xmlns:r="http://schemas.openxmlformats.org/officeDocument/2006/relationships" xmlns:p="http://schemas.openxmlformats.org/presentationml/2006/main">
+  <p:cSld>
+    <p:spTree>
+      <p:nvGrpSpPr>
+        <p:cNvPr id="1" name=""/>
+        <p:cNvGrpSpPr/>
+        <p:nvPr/>
+      </p:nvGrpSpPr>
+      <p:grpSpPr>
+        <a:xfrm>
+          <a:off x="0" y="0"/>
+          <a:ext cx="0" cy="0"/>
+          <a:chOff x="0" y="0"/>
+          <a:chExt cx="0" cy="0"/>
+        </a:xfrm>
+      </p:grpSpPr>
+      <p:sp>
+        <p:nvSpPr>
+          <p:cNvPr id="2" name="Образ слайда 1"/>
+          <p:cNvSpPr>
+            <a:spLocks noGrp="1" noRot="1" noChangeAspect="1"/>
+          </p:cNvSpPr>
+          <p:nvPr>
+            <p:ph type="sldImg"/>
+          </p:nvPr>
+        </p:nvSpPr>
+        <p:spPr/>
+      </p:sp>
+      <p:sp>
+        <p:nvSpPr>
+          <p:cNvPr id="3" name="Заметки 2"/>
+          <p:cNvSpPr>
+            <a:spLocks noGrp="1"/>
+          </p:cNvSpPr>
+          <p:nvPr>
+            <p:ph type="body" idx="1"/>
+          </p:nvPr>
+        </p:nvSpPr>
+        <p:spPr/>
+        <p:txBody>
+          <a:bodyPr/>
+          <a:lstStyle/>
+          <a:p>
+            <a:r>
+              <a:rPr lang="en-US" sz="1200" b="1" i="0" kern="1200" dirty="0">
+                <a:solidFill>
+                  <a:schemeClr val="tx1"/>
+                </a:solidFill>
+                <a:effectLst/>
+                <a:latin typeface="+mn-lt"/>
+                <a:ea typeface="+mn-ea"/>
+                <a:cs typeface="+mn-cs"/>
+              </a:rPr>
+              <a:t>Class expressions </a:t>
+            </a:r>
+            <a:r>
+              <a:rPr lang="uk-UA" sz="1200" b="0" i="0" kern="1200" dirty="0">
+                <a:solidFill>
+                  <a:schemeClr val="tx1"/>
+                </a:solidFill>
+                <a:effectLst/>
+                <a:latin typeface="+mn-lt"/>
+                <a:ea typeface="+mn-ea"/>
+                <a:cs typeface="+mn-cs"/>
+              </a:rPr>
+              <a:t>- це інший спосіб визначення класу. </a:t>
+            </a:r>
+            <a:r>
+              <a:rPr lang="en-US" sz="1200" b="0" i="0" kern="1200" dirty="0">
+                <a:solidFill>
+                  <a:schemeClr val="tx1"/>
+                </a:solidFill>
+                <a:effectLst/>
+                <a:latin typeface="+mn-lt"/>
+                <a:ea typeface="+mn-ea"/>
+                <a:cs typeface="+mn-cs"/>
+              </a:rPr>
+              <a:t>Class expressions </a:t>
+            </a:r>
+            <a:r>
+              <a:rPr lang="uk-UA" sz="1200" b="0" i="0" kern="1200" dirty="0">
+                <a:solidFill>
+                  <a:schemeClr val="tx1"/>
+                </a:solidFill>
+                <a:effectLst/>
+                <a:latin typeface="+mn-lt"/>
+                <a:ea typeface="+mn-ea"/>
+                <a:cs typeface="+mn-cs"/>
+              </a:rPr>
+              <a:t>може бути іменованим або неіменованим. Ім'я, надане іменованому виразу класу, є локальним для тіла класу. (Хоча його можна отримати через властивість класу </a:t>
+            </a:r>
+            <a:r>
+              <a:rPr lang="en-US" sz="1200" b="0" i="0" u="none" strike="noStrike" kern="1200" dirty="0">
+                <a:solidFill>
+                  <a:schemeClr val="tx1"/>
+                </a:solidFill>
+                <a:effectLst/>
+                <a:latin typeface="+mn-lt"/>
+                <a:ea typeface="+mn-ea"/>
+                <a:cs typeface="+mn-cs"/>
+              </a:rPr>
+              <a:t>name</a:t>
+            </a:r>
+            <a:r>
+              <a:rPr lang="en-US" sz="1200" b="0" i="0" kern="1200" dirty="0">
+                <a:solidFill>
+                  <a:schemeClr val="tx1"/>
+                </a:solidFill>
+                <a:effectLst/>
+                <a:latin typeface="+mn-lt"/>
+                <a:ea typeface="+mn-ea"/>
+                <a:cs typeface="+mn-cs"/>
+              </a:rPr>
+              <a:t>).</a:t>
+            </a:r>
+            <a:endParaRPr lang="uk-UA" dirty="0"/>
+          </a:p>
+        </p:txBody>
+      </p:sp>
+      <p:sp>
+        <p:nvSpPr>
+          <p:cNvPr id="4" name="Номер слайда 3"/>
+          <p:cNvSpPr>
+            <a:spLocks noGrp="1"/>
+          </p:cNvSpPr>
+          <p:nvPr>
+            <p:ph type="sldNum" sz="quarter" idx="5"/>
+          </p:nvPr>
+        </p:nvSpPr>
+        <p:spPr/>
+        <p:txBody>
+          <a:bodyPr/>
+          <a:lstStyle/>
+          <a:p>
+            <a:fld id="{C6B9B3CE-BC21-41F4-8896-5AF0EBA9693C}" type="slidenum">
+              <a:rPr lang="uk-UA" smtClean="0"/>
+              <a:t>5</a:t>
+            </a:fld>
+            <a:endParaRPr lang="uk-UA"/>
+          </a:p>
+        </p:txBody>
+      </p:sp>
+    </p:spTree>
+    <p:extLst>
+      <p:ext uri="{BB962C8B-B14F-4D97-AF65-F5344CB8AC3E}">
+        <p14:creationId xmlns:p14="http://schemas.microsoft.com/office/powerpoint/2010/main" val="4262854607"/>
+      </p:ext>
+    </p:extLst>
+  </p:cSld>
+  <p:clrMapOvr>
+    <a:masterClrMapping/>
+  </p:clrMapOvr>
+</p:notes>
+</file>
+
+<file path=ppt/notesSlides/notesSlide5.xml><?xml version="1.0" encoding="utf-8"?>
+<p:notes xmlns:a="http://schemas.openxmlformats.org/drawingml/2006/main" xmlns:r="http://schemas.openxmlformats.org/officeDocument/2006/relationships" xmlns:p="http://schemas.openxmlformats.org/presentationml/2006/main">
+  <p:cSld>
+    <p:spTree>
+      <p:nvGrpSpPr>
+        <p:cNvPr id="1" name=""/>
+        <p:cNvGrpSpPr/>
+        <p:nvPr/>
+      </p:nvGrpSpPr>
+      <p:grpSpPr>
+        <a:xfrm>
+          <a:off x="0" y="0"/>
+          <a:ext cx="0" cy="0"/>
+          <a:chOff x="0" y="0"/>
+          <a:chExt cx="0" cy="0"/>
+        </a:xfrm>
+      </p:grpSpPr>
+      <p:sp>
+        <p:nvSpPr>
+          <p:cNvPr id="2" name="Образ слайда 1"/>
+          <p:cNvSpPr>
+            <a:spLocks noGrp="1" noRot="1" noChangeAspect="1"/>
+          </p:cNvSpPr>
+          <p:nvPr>
+            <p:ph type="sldImg"/>
+          </p:nvPr>
+        </p:nvSpPr>
+        <p:spPr/>
+      </p:sp>
+      <p:sp>
+        <p:nvSpPr>
+          <p:cNvPr id="3" name="Заметки 2"/>
+          <p:cNvSpPr>
+            <a:spLocks noGrp="1"/>
+          </p:cNvSpPr>
+          <p:nvPr>
+            <p:ph type="body" idx="1"/>
+          </p:nvPr>
+        </p:nvSpPr>
+        <p:spPr/>
+        <p:txBody>
+          <a:bodyPr/>
+          <a:lstStyle/>
+          <a:p>
+            <a:r>
+              <a:rPr lang="uk-UA" noProof="0" dirty="0"/>
+              <a:t>Тіло</a:t>
+            </a:r>
+            <a:r>
+              <a:rPr lang="uk-UA" dirty="0"/>
+              <a:t> </a:t>
+            </a:r>
+            <a:r>
+              <a:rPr lang="uk-UA" noProof="0" dirty="0"/>
+              <a:t>класу</a:t>
+            </a:r>
+            <a:r>
+              <a:rPr lang="uk-UA" dirty="0"/>
+              <a:t> - це та частина, що знаходиться у фігурних дужках {}. Тут ви визначаєте складові класу, такі як методи або конструктор.</a:t>
+            </a:r>
+          </a:p>
+        </p:txBody>
+      </p:sp>
+      <p:sp>
+        <p:nvSpPr>
+          <p:cNvPr id="4" name="Номер слайда 3"/>
+          <p:cNvSpPr>
+            <a:spLocks noGrp="1"/>
+          </p:cNvSpPr>
+          <p:nvPr>
+            <p:ph type="sldNum" sz="quarter" idx="5"/>
+          </p:nvPr>
+        </p:nvSpPr>
+        <p:spPr/>
+        <p:txBody>
+          <a:bodyPr/>
+          <a:lstStyle/>
+          <a:p>
+            <a:fld id="{C6B9B3CE-BC21-41F4-8896-5AF0EBA9693C}" type="slidenum">
+              <a:rPr lang="uk-UA" smtClean="0"/>
+              <a:t>7</a:t>
+            </a:fld>
+            <a:endParaRPr lang="uk-UA"/>
+          </a:p>
+        </p:txBody>
+      </p:sp>
+    </p:spTree>
+    <p:extLst>
+      <p:ext uri="{BB962C8B-B14F-4D97-AF65-F5344CB8AC3E}">
+        <p14:creationId xmlns:p14="http://schemas.microsoft.com/office/powerpoint/2010/main" val="2486931028"/>
+      </p:ext>
+    </p:extLst>
+  </p:cSld>
+  <p:clrMapOvr>
+    <a:masterClrMapping/>
+  </p:clrMapOvr>
+</p:notes>
+</file>
+
+<file path=ppt/notesSlides/notesSlide6.xml><?xml version="1.0" encoding="utf-8"?>
+<p:notes xmlns:a="http://schemas.openxmlformats.org/drawingml/2006/main" xmlns:r="http://schemas.openxmlformats.org/officeDocument/2006/relationships" xmlns:p="http://schemas.openxmlformats.org/presentationml/2006/main">
+  <p:cSld>
+    <p:spTree>
+      <p:nvGrpSpPr>
+        <p:cNvPr id="1" name=""/>
+        <p:cNvGrpSpPr/>
+        <p:nvPr/>
+      </p:nvGrpSpPr>
+      <p:grpSpPr>
+        <a:xfrm>
+          <a:off x="0" y="0"/>
+          <a:ext cx="0" cy="0"/>
+          <a:chOff x="0" y="0"/>
+          <a:chExt cx="0" cy="0"/>
+        </a:xfrm>
+      </p:grpSpPr>
+      <p:sp>
+        <p:nvSpPr>
+          <p:cNvPr id="2" name="Образ слайда 1"/>
+          <p:cNvSpPr>
+            <a:spLocks noGrp="1" noRot="1" noChangeAspect="1"/>
+          </p:cNvSpPr>
+          <p:nvPr>
+            <p:ph type="sldImg"/>
+          </p:nvPr>
+        </p:nvSpPr>
+        <p:spPr/>
+      </p:sp>
+      <p:sp>
+        <p:nvSpPr>
+          <p:cNvPr id="3" name="Заметки 2"/>
+          <p:cNvSpPr>
+            <a:spLocks noGrp="1"/>
+          </p:cNvSpPr>
+          <p:nvPr>
+            <p:ph type="body" idx="1"/>
+          </p:nvPr>
+        </p:nvSpPr>
+        <p:spPr/>
+        <p:txBody>
+          <a:bodyPr/>
+          <a:lstStyle/>
+          <a:p>
+            <a:r>
+              <a:rPr lang="ru-RU" dirty="0"/>
+              <a:t>Код у </a:t>
+            </a:r>
+            <a:r>
+              <a:rPr lang="ru-RU" dirty="0" err="1"/>
+              <a:t>тілі</a:t>
+            </a:r>
+            <a:r>
+              <a:rPr lang="ru-RU" dirty="0"/>
+              <a:t> </a:t>
+            </a:r>
+            <a:r>
+              <a:rPr lang="ru-RU" dirty="0" err="1"/>
+              <a:t>класу</a:t>
+            </a:r>
+            <a:r>
+              <a:rPr lang="ru-RU" dirty="0"/>
+              <a:t> </a:t>
+            </a:r>
+            <a:r>
+              <a:rPr lang="ru-RU" dirty="0" err="1"/>
+              <a:t>виконується</a:t>
+            </a:r>
+            <a:r>
+              <a:rPr lang="ru-RU" dirty="0"/>
+              <a:t> у строгому </a:t>
+            </a:r>
+            <a:r>
+              <a:rPr lang="ru-RU" dirty="0" err="1"/>
+              <a:t>режимі</a:t>
+            </a:r>
+            <a:r>
+              <a:rPr lang="ru-RU" dirty="0"/>
+              <a:t>, </a:t>
+            </a:r>
+            <a:r>
+              <a:rPr lang="ru-RU" dirty="0" err="1"/>
+              <a:t>тобто</a:t>
+            </a:r>
+            <a:r>
+              <a:rPr lang="ru-RU" dirty="0"/>
+              <a:t>, код, </a:t>
+            </a:r>
+            <a:r>
+              <a:rPr lang="ru-RU" dirty="0" err="1"/>
+              <a:t>записаний</a:t>
+            </a:r>
+            <a:r>
+              <a:rPr lang="ru-RU" dirty="0"/>
+              <a:t> тут, є предметом </a:t>
+            </a:r>
+            <a:r>
+              <a:rPr lang="ru-RU" dirty="0" err="1"/>
+              <a:t>більш</a:t>
+            </a:r>
+            <a:r>
+              <a:rPr lang="ru-RU" dirty="0"/>
+              <a:t> строгого синтаксису </a:t>
+            </a:r>
+            <a:r>
+              <a:rPr lang="ru-RU" dirty="0" err="1"/>
+              <a:t>заради</a:t>
+            </a:r>
+            <a:r>
+              <a:rPr lang="ru-RU" dirty="0"/>
+              <a:t> </a:t>
+            </a:r>
+            <a:r>
+              <a:rPr lang="ru-RU" dirty="0" err="1"/>
+              <a:t>підвищення</a:t>
+            </a:r>
+            <a:r>
+              <a:rPr lang="ru-RU" dirty="0"/>
+              <a:t> </a:t>
+            </a:r>
+            <a:r>
+              <a:rPr lang="ru-RU" dirty="0" err="1"/>
+              <a:t>продуктивності</a:t>
+            </a:r>
+            <a:r>
+              <a:rPr lang="ru-RU" dirty="0"/>
+              <a:t>.</a:t>
+            </a:r>
+            <a:endParaRPr lang="uk-UA" dirty="0"/>
+          </a:p>
+        </p:txBody>
+      </p:sp>
+      <p:sp>
+        <p:nvSpPr>
+          <p:cNvPr id="4" name="Номер слайда 3"/>
+          <p:cNvSpPr>
+            <a:spLocks noGrp="1"/>
+          </p:cNvSpPr>
+          <p:nvPr>
+            <p:ph type="sldNum" sz="quarter" idx="5"/>
+          </p:nvPr>
+        </p:nvSpPr>
+        <p:spPr/>
+        <p:txBody>
+          <a:bodyPr/>
+          <a:lstStyle/>
+          <a:p>
+            <a:fld id="{C6B9B3CE-BC21-41F4-8896-5AF0EBA9693C}" type="slidenum">
+              <a:rPr lang="uk-UA" smtClean="0"/>
+              <a:t>8</a:t>
+            </a:fld>
+            <a:endParaRPr lang="uk-UA"/>
+          </a:p>
+        </p:txBody>
+      </p:sp>
+    </p:spTree>
+    <p:extLst>
+      <p:ext uri="{BB962C8B-B14F-4D97-AF65-F5344CB8AC3E}">
+        <p14:creationId xmlns:p14="http://schemas.microsoft.com/office/powerpoint/2010/main" val="2553078922"/>
+      </p:ext>
+    </p:extLst>
+  </p:cSld>
+  <p:clrMapOvr>
+    <a:masterClrMapping/>
+  </p:clrMapOvr>
+</p:notes>
+</file>
+
+<file path=ppt/notesSlides/notesSlide7.xml><?xml version="1.0" encoding="utf-8"?>
+<p:notes xmlns:a="http://schemas.openxmlformats.org/drawingml/2006/main" xmlns:r="http://schemas.openxmlformats.org/officeDocument/2006/relationships" xmlns:p="http://schemas.openxmlformats.org/presentationml/2006/main">
+  <p:cSld>
+    <p:spTree>
+      <p:nvGrpSpPr>
+        <p:cNvPr id="1" name=""/>
+        <p:cNvGrpSpPr/>
+        <p:nvPr/>
+      </p:nvGrpSpPr>
+      <p:grpSpPr>
+        <a:xfrm>
+          <a:off x="0" y="0"/>
+          <a:ext cx="0" cy="0"/>
+          <a:chOff x="0" y="0"/>
+          <a:chExt cx="0" cy="0"/>
+        </a:xfrm>
+      </p:grpSpPr>
+      <p:sp>
+        <p:nvSpPr>
+          <p:cNvPr id="2" name="Образ слайда 1"/>
+          <p:cNvSpPr>
+            <a:spLocks noGrp="1" noRot="1" noChangeAspect="1"/>
+          </p:cNvSpPr>
+          <p:nvPr>
+            <p:ph type="sldImg"/>
+          </p:nvPr>
+        </p:nvSpPr>
+        <p:spPr/>
+      </p:sp>
+      <p:sp>
+        <p:nvSpPr>
+          <p:cNvPr id="3" name="Заметки 2"/>
+          <p:cNvSpPr>
+            <a:spLocks noGrp="1"/>
+          </p:cNvSpPr>
+          <p:nvPr>
+            <p:ph type="body" idx="1"/>
+          </p:nvPr>
+        </p:nvSpPr>
+        <p:spPr/>
+        <p:txBody>
+          <a:bodyPr/>
+          <a:lstStyle/>
+          <a:p>
+            <a:r>
+              <a:rPr lang="uk-UA" sz="1200" b="0" i="0" kern="1200" dirty="0">
+                <a:solidFill>
+                  <a:schemeClr val="tx1"/>
+                </a:solidFill>
+                <a:effectLst/>
+                <a:latin typeface="+mn-lt"/>
+                <a:ea typeface="+mn-ea"/>
+                <a:cs typeface="+mn-cs"/>
+              </a:rPr>
+              <a:t>Метод </a:t>
+            </a:r>
+            <a:r>
+              <a:rPr lang="en-US" sz="1200" b="0" i="0" u="none" strike="noStrike" kern="1200" dirty="0">
+                <a:solidFill>
+                  <a:schemeClr val="tx1"/>
+                </a:solidFill>
+                <a:effectLst/>
+                <a:latin typeface="+mn-lt"/>
+                <a:ea typeface="+mn-ea"/>
+                <a:cs typeface="+mn-cs"/>
+                <a:hlinkClick r:id="rId3"/>
+              </a:rPr>
+              <a:t>constructor</a:t>
+            </a:r>
+            <a:r>
+              <a:rPr lang="en-US" sz="1200" b="0" i="0" kern="1200" dirty="0">
+                <a:solidFill>
+                  <a:schemeClr val="tx1"/>
+                </a:solidFill>
+                <a:effectLst/>
+                <a:latin typeface="+mn-lt"/>
+                <a:ea typeface="+mn-ea"/>
+                <a:cs typeface="+mn-cs"/>
+              </a:rPr>
+              <a:t> - </a:t>
+            </a:r>
+            <a:r>
+              <a:rPr lang="uk-UA" sz="1200" b="0" i="0" kern="1200" dirty="0">
+                <a:solidFill>
+                  <a:schemeClr val="tx1"/>
+                </a:solidFill>
+                <a:effectLst/>
+                <a:latin typeface="+mn-lt"/>
+                <a:ea typeface="+mn-ea"/>
+                <a:cs typeface="+mn-cs"/>
+              </a:rPr>
+              <a:t>це спеціальний метод для створення та ініціалізації об'єктів, створених ключовим словом </a:t>
+            </a:r>
+            <a:r>
+              <a:rPr lang="en-US" sz="1200" b="0" i="0" kern="1200" dirty="0">
+                <a:solidFill>
+                  <a:schemeClr val="tx1"/>
+                </a:solidFill>
+                <a:effectLst/>
+                <a:latin typeface="+mn-lt"/>
+                <a:ea typeface="+mn-ea"/>
+                <a:cs typeface="+mn-cs"/>
+              </a:rPr>
+              <a:t>class. </a:t>
+            </a:r>
+            <a:r>
+              <a:rPr lang="uk-UA" sz="1200" b="0" i="0" kern="1200" dirty="0">
+                <a:solidFill>
+                  <a:schemeClr val="tx1"/>
+                </a:solidFill>
+                <a:effectLst/>
+                <a:latin typeface="+mn-lt"/>
+                <a:ea typeface="+mn-ea"/>
+                <a:cs typeface="+mn-cs"/>
+              </a:rPr>
+              <a:t>У класі може бути лише один спеціальний метод з ім'ям "</a:t>
+            </a:r>
+            <a:r>
+              <a:rPr lang="en-US" sz="1200" b="0" i="0" kern="1200" dirty="0">
+                <a:solidFill>
+                  <a:schemeClr val="tx1"/>
+                </a:solidFill>
+                <a:effectLst/>
+                <a:latin typeface="+mn-lt"/>
+                <a:ea typeface="+mn-ea"/>
+                <a:cs typeface="+mn-cs"/>
+              </a:rPr>
+              <a:t>constructor". </a:t>
+            </a:r>
+            <a:r>
+              <a:rPr lang="uk-UA" sz="1200" b="0" i="0" kern="1200" dirty="0">
+                <a:solidFill>
+                  <a:schemeClr val="tx1"/>
+                </a:solidFill>
+                <a:effectLst/>
+                <a:latin typeface="+mn-lt"/>
+                <a:ea typeface="+mn-ea"/>
+                <a:cs typeface="+mn-cs"/>
+              </a:rPr>
+              <a:t>Якщо клас містить більше одного метода </a:t>
+            </a:r>
+            <a:r>
+              <a:rPr lang="en-US" sz="1200" b="0" i="0" kern="1200" dirty="0">
+                <a:solidFill>
+                  <a:schemeClr val="tx1"/>
+                </a:solidFill>
+                <a:effectLst/>
+                <a:latin typeface="+mn-lt"/>
+                <a:ea typeface="+mn-ea"/>
+                <a:cs typeface="+mn-cs"/>
+              </a:rPr>
+              <a:t>constructor, </a:t>
+            </a:r>
+            <a:r>
+              <a:rPr lang="uk-UA" sz="1200" b="0" i="0" kern="1200" dirty="0">
+                <a:solidFill>
+                  <a:schemeClr val="tx1"/>
+                </a:solidFill>
+                <a:effectLst/>
+                <a:latin typeface="+mn-lt"/>
+                <a:ea typeface="+mn-ea"/>
+                <a:cs typeface="+mn-cs"/>
+              </a:rPr>
+              <a:t>виникне помилка </a:t>
+            </a:r>
+            <a:r>
+              <a:rPr lang="en-US" sz="1200" b="0" i="0" u="none" strike="noStrike" kern="1200" dirty="0">
+                <a:solidFill>
+                  <a:schemeClr val="tx1"/>
+                </a:solidFill>
+                <a:effectLst/>
+                <a:latin typeface="+mn-lt"/>
+                <a:ea typeface="+mn-ea"/>
+                <a:cs typeface="+mn-cs"/>
+                <a:hlinkClick r:id="rId4"/>
+              </a:rPr>
+              <a:t>SyntaxError</a:t>
+            </a:r>
+            <a:r>
+              <a:rPr lang="en-US" sz="1200" b="0" i="0" kern="1200" dirty="0">
+                <a:solidFill>
+                  <a:schemeClr val="tx1"/>
+                </a:solidFill>
+                <a:effectLst/>
+                <a:latin typeface="+mn-lt"/>
+                <a:ea typeface="+mn-ea"/>
+                <a:cs typeface="+mn-cs"/>
+              </a:rPr>
+              <a:t>.</a:t>
+            </a:r>
+          </a:p>
+          <a:p>
+            <a:r>
+              <a:rPr lang="uk-UA" sz="1200" b="0" i="0" kern="1200" dirty="0">
+                <a:solidFill>
+                  <a:schemeClr val="tx1"/>
+                </a:solidFill>
+                <a:effectLst/>
+                <a:latin typeface="+mn-lt"/>
+                <a:ea typeface="+mn-ea"/>
+                <a:cs typeface="+mn-cs"/>
+              </a:rPr>
+              <a:t>Конструктор може звертатися до конструктора батьківського класу за допомогою ключового слова </a:t>
+            </a:r>
+            <a:r>
+              <a:rPr lang="en-US" sz="1200" b="0" i="0" kern="1200" dirty="0">
+                <a:solidFill>
+                  <a:schemeClr val="tx1"/>
+                </a:solidFill>
+                <a:effectLst/>
+                <a:latin typeface="+mn-lt"/>
+                <a:ea typeface="+mn-ea"/>
+                <a:cs typeface="+mn-cs"/>
+              </a:rPr>
+              <a:t>super.</a:t>
+            </a:r>
+          </a:p>
+          <a:p>
+            <a:endParaRPr lang="uk-UA" dirty="0"/>
+          </a:p>
+        </p:txBody>
+      </p:sp>
+      <p:sp>
+        <p:nvSpPr>
+          <p:cNvPr id="4" name="Номер слайда 3"/>
+          <p:cNvSpPr>
+            <a:spLocks noGrp="1"/>
+          </p:cNvSpPr>
+          <p:nvPr>
+            <p:ph type="sldNum" sz="quarter" idx="5"/>
+          </p:nvPr>
+        </p:nvSpPr>
+        <p:spPr/>
+        <p:txBody>
+          <a:bodyPr/>
+          <a:lstStyle/>
+          <a:p>
+            <a:fld id="{C6B9B3CE-BC21-41F4-8896-5AF0EBA9693C}" type="slidenum">
+              <a:rPr lang="uk-UA" smtClean="0"/>
+              <a:t>9</a:t>
+            </a:fld>
+            <a:endParaRPr lang="uk-UA"/>
+          </a:p>
+        </p:txBody>
+      </p:sp>
+    </p:spTree>
+    <p:extLst>
+      <p:ext uri="{BB962C8B-B14F-4D97-AF65-F5344CB8AC3E}">
+        <p14:creationId xmlns:p14="http://schemas.microsoft.com/office/powerpoint/2010/main" val="1798076765"/>
+      </p:ext>
+    </p:extLst>
+  </p:cSld>
+  <p:clrMapOvr>
+    <a:masterClrMapping/>
+  </p:clrMapOvr>
+</p:notes>
+</file>
+
+<file path=ppt/notesSlides/notesSlide8.xml><?xml version="1.0" encoding="utf-8"?>
+<p:notes xmlns:a="http://schemas.openxmlformats.org/drawingml/2006/main" xmlns:r="http://schemas.openxmlformats.org/officeDocument/2006/relationships" xmlns:p="http://schemas.openxmlformats.org/presentationml/2006/main">
+  <p:cSld>
+    <p:spTree>
+      <p:nvGrpSpPr>
+        <p:cNvPr id="1" name=""/>
+        <p:cNvGrpSpPr/>
+        <p:nvPr/>
+      </p:nvGrpSpPr>
+      <p:grpSpPr>
+        <a:xfrm>
+          <a:off x="0" y="0"/>
+          <a:ext cx="0" cy="0"/>
+          <a:chOff x="0" y="0"/>
+          <a:chExt cx="0" cy="0"/>
+        </a:xfrm>
+      </p:grpSpPr>
+      <p:sp>
+        <p:nvSpPr>
+          <p:cNvPr id="2" name="Образ слайда 1"/>
+          <p:cNvSpPr>
+            <a:spLocks noGrp="1" noRot="1" noChangeAspect="1"/>
+          </p:cNvSpPr>
+          <p:nvPr>
+            <p:ph type="sldImg"/>
+          </p:nvPr>
+        </p:nvSpPr>
+        <p:spPr/>
+      </p:sp>
+      <p:sp>
+        <p:nvSpPr>
+          <p:cNvPr id="3" name="Заметки 2"/>
+          <p:cNvSpPr>
+            <a:spLocks noGrp="1"/>
+          </p:cNvSpPr>
+          <p:nvPr>
+            <p:ph type="body" idx="1"/>
+          </p:nvPr>
+        </p:nvSpPr>
+        <p:spPr/>
+        <p:txBody>
+          <a:bodyPr/>
+          <a:lstStyle/>
+          <a:p>
+            <a:endParaRPr lang="uk-UA" dirty="0"/>
+          </a:p>
+        </p:txBody>
+      </p:sp>
+      <p:sp>
+        <p:nvSpPr>
+          <p:cNvPr id="4" name="Номер слайда 3"/>
+          <p:cNvSpPr>
+            <a:spLocks noGrp="1"/>
+          </p:cNvSpPr>
+          <p:nvPr>
+            <p:ph type="sldNum" sz="quarter" idx="5"/>
+          </p:nvPr>
+        </p:nvSpPr>
+        <p:spPr/>
+        <p:txBody>
+          <a:bodyPr/>
+          <a:lstStyle/>
+          <a:p>
+            <a:fld id="{C6B9B3CE-BC21-41F4-8896-5AF0EBA9693C}" type="slidenum">
+              <a:rPr lang="uk-UA" smtClean="0"/>
+              <a:t>10</a:t>
+            </a:fld>
+            <a:endParaRPr lang="uk-UA"/>
+          </a:p>
+        </p:txBody>
+      </p:sp>
+    </p:spTree>
+    <p:extLst>
+      <p:ext uri="{BB962C8B-B14F-4D97-AF65-F5344CB8AC3E}">
+        <p14:creationId xmlns:p14="http://schemas.microsoft.com/office/powerpoint/2010/main" val="1263950274"/>
+      </p:ext>
+    </p:extLst>
+  </p:cSld>
+  <p:clrMapOvr>
+    <a:masterClrMapping/>
+  </p:clrMapOvr>
+</p:notes>
+</file>
+
+<file path=ppt/notesSlides/notesSlide9.xml><?xml version="1.0" encoding="utf-8"?>
+<p:notes xmlns:a="http://schemas.openxmlformats.org/drawingml/2006/main" xmlns:r="http://schemas.openxmlformats.org/officeDocument/2006/relationships" xmlns:p="http://schemas.openxmlformats.org/presentationml/2006/main">
+  <p:cSld>
+    <p:spTree>
+      <p:nvGrpSpPr>
+        <p:cNvPr id="1" name=""/>
+        <p:cNvGrpSpPr/>
+        <p:nvPr/>
+      </p:nvGrpSpPr>
+      <p:grpSpPr>
+        <a:xfrm>
+          <a:off x="0" y="0"/>
+          <a:ext cx="0" cy="0"/>
+          <a:chOff x="0" y="0"/>
+          <a:chExt cx="0" cy="0"/>
+        </a:xfrm>
+      </p:grpSpPr>
+      <p:sp>
+        <p:nvSpPr>
+          <p:cNvPr id="2" name="Образ слайда 1"/>
+          <p:cNvSpPr>
+            <a:spLocks noGrp="1" noRot="1" noChangeAspect="1"/>
+          </p:cNvSpPr>
+          <p:nvPr>
+            <p:ph type="sldImg"/>
+          </p:nvPr>
+        </p:nvSpPr>
+        <p:spPr/>
+      </p:sp>
+      <p:sp>
+        <p:nvSpPr>
+          <p:cNvPr id="3" name="Заметки 2"/>
+          <p:cNvSpPr>
+            <a:spLocks noGrp="1"/>
+          </p:cNvSpPr>
+          <p:nvPr>
+            <p:ph type="body" idx="1"/>
+          </p:nvPr>
+        </p:nvSpPr>
+        <p:spPr/>
+        <p:txBody>
+          <a:bodyPr/>
+          <a:lstStyle/>
+          <a:p>
+            <a:r>
+              <a:rPr lang="uk-UA" sz="1200" b="0" i="0" kern="1200" noProof="0" dirty="0">
+                <a:solidFill>
+                  <a:schemeClr val="tx1"/>
+                </a:solidFill>
+                <a:effectLst/>
+                <a:latin typeface="+mn-lt"/>
+                <a:ea typeface="+mn-ea"/>
+                <a:cs typeface="+mn-cs"/>
+              </a:rPr>
+              <a:t>Ключове слово </a:t>
+            </a:r>
+            <a:r>
+              <a:rPr lang="uk-UA" sz="1200" b="1" u="none" strike="noStrike" kern="1200" noProof="0" dirty="0" err="1">
+                <a:solidFill>
+                  <a:schemeClr val="tx1"/>
+                </a:solidFill>
+                <a:effectLst/>
+                <a:latin typeface="+mn-lt"/>
+                <a:ea typeface="+mn-ea"/>
+                <a:cs typeface="+mn-cs"/>
+              </a:rPr>
+              <a:t>static</a:t>
+            </a:r>
+            <a:r>
+              <a:rPr lang="uk-UA" sz="1200" b="0" i="0" kern="1200" noProof="0" dirty="0">
+                <a:solidFill>
+                  <a:schemeClr val="tx1"/>
+                </a:solidFill>
+                <a:effectLst/>
+                <a:latin typeface="+mn-lt"/>
+                <a:ea typeface="+mn-ea"/>
+                <a:cs typeface="+mn-cs"/>
+              </a:rPr>
+              <a:t> визначає статичний метод класу. Статичні методи класу викликаються без </a:t>
+            </a:r>
+            <a:r>
+              <a:rPr lang="uk-UA" sz="1200" b="0" i="0" u="none" strike="noStrike" kern="1200" noProof="0" dirty="0">
+                <a:solidFill>
+                  <a:schemeClr val="tx1"/>
+                </a:solidFill>
+                <a:effectLst/>
+                <a:latin typeface="+mn-lt"/>
+                <a:ea typeface="+mn-ea"/>
+                <a:cs typeface="+mn-cs"/>
+              </a:rPr>
+              <a:t>створення екземпляра </a:t>
+            </a:r>
+            <a:r>
+              <a:rPr lang="uk-UA" sz="1200" b="0" i="0" kern="1200" noProof="0" dirty="0">
+                <a:solidFill>
+                  <a:schemeClr val="tx1"/>
+                </a:solidFill>
+                <a:effectLst/>
+                <a:latin typeface="+mn-lt"/>
+                <a:ea typeface="+mn-ea"/>
+                <a:cs typeface="+mn-cs"/>
+              </a:rPr>
+              <a:t>свого класу і </a:t>
+            </a:r>
+            <a:r>
+              <a:rPr lang="uk-UA" sz="1200" b="1" i="0" kern="1200" noProof="0" dirty="0">
+                <a:solidFill>
+                  <a:schemeClr val="tx1"/>
+                </a:solidFill>
+                <a:effectLst/>
+                <a:latin typeface="+mn-lt"/>
+                <a:ea typeface="+mn-ea"/>
+                <a:cs typeface="+mn-cs"/>
+              </a:rPr>
+              <a:t>не можуть</a:t>
+            </a:r>
+            <a:r>
+              <a:rPr lang="uk-UA" sz="1200" b="0" i="0" kern="1200" noProof="0" dirty="0">
+                <a:solidFill>
+                  <a:schemeClr val="tx1"/>
+                </a:solidFill>
+                <a:effectLst/>
+                <a:latin typeface="+mn-lt"/>
+                <a:ea typeface="+mn-ea"/>
+                <a:cs typeface="+mn-cs"/>
+              </a:rPr>
+              <a:t> бути викликані через екземпляр класу.</a:t>
+            </a:r>
+            <a:endParaRPr lang="uk-UA" noProof="0" dirty="0"/>
+          </a:p>
+        </p:txBody>
+      </p:sp>
+      <p:sp>
+        <p:nvSpPr>
+          <p:cNvPr id="4" name="Номер слайда 3"/>
+          <p:cNvSpPr>
+            <a:spLocks noGrp="1"/>
+          </p:cNvSpPr>
+          <p:nvPr>
+            <p:ph type="sldNum" sz="quarter" idx="5"/>
+          </p:nvPr>
+        </p:nvSpPr>
+        <p:spPr/>
+        <p:txBody>
+          <a:bodyPr/>
+          <a:lstStyle/>
+          <a:p>
+            <a:fld id="{C6B9B3CE-BC21-41F4-8896-5AF0EBA9693C}" type="slidenum">
+              <a:rPr lang="uk-UA" smtClean="0"/>
+              <a:t>11</a:t>
+            </a:fld>
+            <a:endParaRPr lang="uk-UA"/>
+          </a:p>
+        </p:txBody>
+      </p:sp>
+    </p:spTree>
+    <p:extLst>
+      <p:ext uri="{BB962C8B-B14F-4D97-AF65-F5344CB8AC3E}">
+        <p14:creationId xmlns:p14="http://schemas.microsoft.com/office/powerpoint/2010/main" val="3822177570"/>
       </p:ext>
     </p:extLst>
   </p:cSld>
@@ -5742,6 +7308,847 @@
 </p:sld>
 </file>
 
+<file path=ppt/slides/slide10.xml><?xml version="1.0" encoding="utf-8"?>
+<p:sld xmlns:a="http://schemas.openxmlformats.org/drawingml/2006/main" xmlns:r="http://schemas.openxmlformats.org/officeDocument/2006/relationships" xmlns:p="http://schemas.openxmlformats.org/presentationml/2006/main">
+  <p:cSld>
+    <p:spTree>
+      <p:nvGrpSpPr>
+        <p:cNvPr id="1" name=""/>
+        <p:cNvGrpSpPr/>
+        <p:nvPr/>
+      </p:nvGrpSpPr>
+      <p:grpSpPr>
+        <a:xfrm>
+          <a:off x="0" y="0"/>
+          <a:ext cx="0" cy="0"/>
+          <a:chOff x="0" y="0"/>
+          <a:chExt cx="0" cy="0"/>
+        </a:xfrm>
+      </p:grpSpPr>
+      <p:sp>
+        <p:nvSpPr>
+          <p:cNvPr id="2" name="Заголовок 1">
+            <a:extLst>
+              <a:ext uri="{FF2B5EF4-FFF2-40B4-BE49-F238E27FC236}">
+                <a16:creationId xmlns:a16="http://schemas.microsoft.com/office/drawing/2014/main" id="{BFAF5A3D-E905-42E2-A44D-8BCD1A7565A4}"/>
+              </a:ext>
+            </a:extLst>
+          </p:cNvPr>
+          <p:cNvSpPr>
+            <a:spLocks noGrp="1"/>
+          </p:cNvSpPr>
+          <p:nvPr>
+            <p:ph type="title"/>
+          </p:nvPr>
+        </p:nvSpPr>
+        <p:spPr/>
+        <p:txBody>
+          <a:bodyPr/>
+          <a:lstStyle/>
+          <a:p>
+            <a:pPr>
+              <a:lnSpc>
+                <a:spcPct val="100000"/>
+              </a:lnSpc>
+            </a:pPr>
+            <a:r>
+              <a:rPr lang="en-US" sz="3000" dirty="0"/>
+              <a:t>Prototype methods</a:t>
+            </a:r>
+            <a:br>
+              <a:rPr lang="en-US" sz="3000" dirty="0"/>
+            </a:br>
+            <a:endParaRPr lang="uk-UA" sz="3000" dirty="0"/>
+          </a:p>
+        </p:txBody>
+      </p:sp>
+      <p:pic>
+        <p:nvPicPr>
+          <p:cNvPr id="5" name="Рисунок 4">
+            <a:extLst>
+              <a:ext uri="{FF2B5EF4-FFF2-40B4-BE49-F238E27FC236}">
+                <a16:creationId xmlns:a16="http://schemas.microsoft.com/office/drawing/2014/main" id="{CC221738-C3FF-4DCE-A354-3115570F5018}"/>
+              </a:ext>
+            </a:extLst>
+          </p:cNvPr>
+          <p:cNvPicPr>
+            <a:picLocks noChangeAspect="1"/>
+          </p:cNvPicPr>
+          <p:nvPr/>
+        </p:nvPicPr>
+        <p:blipFill>
+          <a:blip r:embed="rId3">
+            <a:extLst>
+              <a:ext uri="{28A0092B-C50C-407E-A947-70E740481C1C}">
+                <a14:useLocalDpi xmlns:a14="http://schemas.microsoft.com/office/drawing/2010/main" val="0"/>
+              </a:ext>
+            </a:extLst>
+          </a:blip>
+          <a:stretch>
+            <a:fillRect/>
+          </a:stretch>
+        </p:blipFill>
+        <p:spPr>
+          <a:xfrm>
+            <a:off x="1826868" y="1479430"/>
+            <a:ext cx="8538263" cy="3899139"/>
+          </a:xfrm>
+          <a:prstGeom prst="rect">
+            <a:avLst/>
+          </a:prstGeom>
+        </p:spPr>
+      </p:pic>
+    </p:spTree>
+    <p:extLst>
+      <p:ext uri="{BB962C8B-B14F-4D97-AF65-F5344CB8AC3E}">
+        <p14:creationId xmlns:p14="http://schemas.microsoft.com/office/powerpoint/2010/main" val="3297773092"/>
+      </p:ext>
+    </p:extLst>
+  </p:cSld>
+  <p:clrMapOvr>
+    <a:masterClrMapping/>
+  </p:clrMapOvr>
+</p:sld>
+</file>
+
+<file path=ppt/slides/slide11.xml><?xml version="1.0" encoding="utf-8"?>
+<p:sld xmlns:a="http://schemas.openxmlformats.org/drawingml/2006/main" xmlns:r="http://schemas.openxmlformats.org/officeDocument/2006/relationships" xmlns:p="http://schemas.openxmlformats.org/presentationml/2006/main">
+  <p:cSld>
+    <p:spTree>
+      <p:nvGrpSpPr>
+        <p:cNvPr id="1" name=""/>
+        <p:cNvGrpSpPr/>
+        <p:nvPr/>
+      </p:nvGrpSpPr>
+      <p:grpSpPr>
+        <a:xfrm>
+          <a:off x="0" y="0"/>
+          <a:ext cx="0" cy="0"/>
+          <a:chOff x="0" y="0"/>
+          <a:chExt cx="0" cy="0"/>
+        </a:xfrm>
+      </p:grpSpPr>
+      <p:sp>
+        <p:nvSpPr>
+          <p:cNvPr id="2" name="Заголовок 1">
+            <a:extLst>
+              <a:ext uri="{FF2B5EF4-FFF2-40B4-BE49-F238E27FC236}">
+                <a16:creationId xmlns:a16="http://schemas.microsoft.com/office/drawing/2014/main" id="{61C3770C-495D-45FF-958D-4EAA3283412E}"/>
+              </a:ext>
+            </a:extLst>
+          </p:cNvPr>
+          <p:cNvSpPr>
+            <a:spLocks noGrp="1"/>
+          </p:cNvSpPr>
+          <p:nvPr>
+            <p:ph type="title"/>
+          </p:nvPr>
+        </p:nvSpPr>
+        <p:spPr/>
+        <p:txBody>
+          <a:bodyPr/>
+          <a:lstStyle/>
+          <a:p>
+            <a:pPr>
+              <a:lnSpc>
+                <a:spcPct val="100000"/>
+              </a:lnSpc>
+            </a:pPr>
+            <a:r>
+              <a:rPr lang="en-US" sz="3000" dirty="0"/>
+              <a:t>Static methods</a:t>
+            </a:r>
+            <a:br>
+              <a:rPr lang="en-US" sz="3000" dirty="0"/>
+            </a:br>
+            <a:r>
+              <a:rPr lang="en-US" sz="2400" dirty="0">
+                <a:latin typeface="Open Sans" panose="020B0604020202020204" charset="0"/>
+                <a:ea typeface="Open Sans" panose="020B0604020202020204" charset="0"/>
+                <a:cs typeface="Open Sans" panose="020B0604020202020204" charset="0"/>
+              </a:rPr>
+              <a:t>The </a:t>
+            </a:r>
+            <a:r>
+              <a:rPr lang="en-US" sz="2400" b="1" dirty="0">
+                <a:latin typeface="Open Sans" panose="020B0604020202020204" charset="0"/>
+                <a:ea typeface="Open Sans" panose="020B0604020202020204" charset="0"/>
+                <a:cs typeface="Open Sans" panose="020B0604020202020204" charset="0"/>
+              </a:rPr>
+              <a:t>static</a:t>
+            </a:r>
+            <a:r>
+              <a:rPr lang="en-US" sz="2400" dirty="0">
+                <a:latin typeface="Open Sans" panose="020B0604020202020204" charset="0"/>
+                <a:ea typeface="Open Sans" panose="020B0604020202020204" charset="0"/>
+                <a:cs typeface="Open Sans" panose="020B0604020202020204" charset="0"/>
+              </a:rPr>
+              <a:t> keyword defines a static method for a class. Static methods are called without instantiating their class and cannot be called through a class instance.</a:t>
+            </a:r>
+            <a:endParaRPr lang="uk-UA" sz="2400" dirty="0">
+              <a:latin typeface="Open Sans" panose="020B0604020202020204" charset="0"/>
+              <a:ea typeface="Open Sans" panose="020B0604020202020204" charset="0"/>
+              <a:cs typeface="Open Sans" panose="020B0604020202020204" charset="0"/>
+            </a:endParaRPr>
+          </a:p>
+        </p:txBody>
+      </p:sp>
+    </p:spTree>
+    <p:extLst>
+      <p:ext uri="{BB962C8B-B14F-4D97-AF65-F5344CB8AC3E}">
+        <p14:creationId xmlns:p14="http://schemas.microsoft.com/office/powerpoint/2010/main" val="1768503913"/>
+      </p:ext>
+    </p:extLst>
+  </p:cSld>
+  <p:clrMapOvr>
+    <a:masterClrMapping/>
+  </p:clrMapOvr>
+</p:sld>
+</file>
+
+<file path=ppt/slides/slide12.xml><?xml version="1.0" encoding="utf-8"?>
+<p:sld xmlns:a="http://schemas.openxmlformats.org/drawingml/2006/main" xmlns:r="http://schemas.openxmlformats.org/officeDocument/2006/relationships" xmlns:p="http://schemas.openxmlformats.org/presentationml/2006/main">
+  <p:cSld>
+    <p:spTree>
+      <p:nvGrpSpPr>
+        <p:cNvPr id="1" name=""/>
+        <p:cNvGrpSpPr/>
+        <p:nvPr/>
+      </p:nvGrpSpPr>
+      <p:grpSpPr>
+        <a:xfrm>
+          <a:off x="0" y="0"/>
+          <a:ext cx="0" cy="0"/>
+          <a:chOff x="0" y="0"/>
+          <a:chExt cx="0" cy="0"/>
+        </a:xfrm>
+      </p:grpSpPr>
+      <p:sp>
+        <p:nvSpPr>
+          <p:cNvPr id="2" name="Заголовок 1">
+            <a:extLst>
+              <a:ext uri="{FF2B5EF4-FFF2-40B4-BE49-F238E27FC236}">
+                <a16:creationId xmlns:a16="http://schemas.microsoft.com/office/drawing/2014/main" id="{11FBEDC6-F863-45C4-9E52-A2AA24C8C245}"/>
+              </a:ext>
+            </a:extLst>
+          </p:cNvPr>
+          <p:cNvSpPr>
+            <a:spLocks noGrp="1"/>
+          </p:cNvSpPr>
+          <p:nvPr>
+            <p:ph type="title"/>
+          </p:nvPr>
+        </p:nvSpPr>
+        <p:spPr/>
+        <p:txBody>
+          <a:bodyPr/>
+          <a:lstStyle/>
+          <a:p>
+            <a:pPr>
+              <a:lnSpc>
+                <a:spcPct val="100000"/>
+              </a:lnSpc>
+            </a:pPr>
+            <a:r>
+              <a:rPr lang="en-US" sz="3000" dirty="0"/>
+              <a:t>Example</a:t>
+            </a:r>
+            <a:endParaRPr lang="uk-UA" sz="3000" dirty="0"/>
+          </a:p>
+        </p:txBody>
+      </p:sp>
+      <p:pic>
+        <p:nvPicPr>
+          <p:cNvPr id="5" name="Рисунок 4">
+            <a:extLst>
+              <a:ext uri="{FF2B5EF4-FFF2-40B4-BE49-F238E27FC236}">
+                <a16:creationId xmlns:a16="http://schemas.microsoft.com/office/drawing/2014/main" id="{AE67909D-B572-4D65-994C-2524F74559B9}"/>
+              </a:ext>
+            </a:extLst>
+          </p:cNvPr>
+          <p:cNvPicPr>
+            <a:picLocks noChangeAspect="1"/>
+          </p:cNvPicPr>
+          <p:nvPr/>
+        </p:nvPicPr>
+        <p:blipFill>
+          <a:blip r:embed="rId2">
+            <a:extLst>
+              <a:ext uri="{28A0092B-C50C-407E-A947-70E740481C1C}">
+                <a14:useLocalDpi xmlns:a14="http://schemas.microsoft.com/office/drawing/2010/main" val="0"/>
+              </a:ext>
+            </a:extLst>
+          </a:blip>
+          <a:stretch>
+            <a:fillRect/>
+          </a:stretch>
+        </p:blipFill>
+        <p:spPr>
+          <a:xfrm>
+            <a:off x="2338239" y="1054987"/>
+            <a:ext cx="7515522" cy="4860038"/>
+          </a:xfrm>
+          <a:prstGeom prst="rect">
+            <a:avLst/>
+          </a:prstGeom>
+        </p:spPr>
+      </p:pic>
+    </p:spTree>
+    <p:extLst>
+      <p:ext uri="{BB962C8B-B14F-4D97-AF65-F5344CB8AC3E}">
+        <p14:creationId xmlns:p14="http://schemas.microsoft.com/office/powerpoint/2010/main" val="216569070"/>
+      </p:ext>
+    </p:extLst>
+  </p:cSld>
+  <p:clrMapOvr>
+    <a:masterClrMapping/>
+  </p:clrMapOvr>
+</p:sld>
+</file>
+
+<file path=ppt/slides/slide13.xml><?xml version="1.0" encoding="utf-8"?>
+<p:sld xmlns:a="http://schemas.openxmlformats.org/drawingml/2006/main" xmlns:r="http://schemas.openxmlformats.org/officeDocument/2006/relationships" xmlns:p="http://schemas.openxmlformats.org/presentationml/2006/main">
+  <p:cSld>
+    <p:spTree>
+      <p:nvGrpSpPr>
+        <p:cNvPr id="1" name=""/>
+        <p:cNvGrpSpPr/>
+        <p:nvPr/>
+      </p:nvGrpSpPr>
+      <p:grpSpPr>
+        <a:xfrm>
+          <a:off x="0" y="0"/>
+          <a:ext cx="0" cy="0"/>
+          <a:chOff x="0" y="0"/>
+          <a:chExt cx="0" cy="0"/>
+        </a:xfrm>
+      </p:grpSpPr>
+      <p:sp>
+        <p:nvSpPr>
+          <p:cNvPr id="2" name="Заголовок 1">
+            <a:extLst>
+              <a:ext uri="{FF2B5EF4-FFF2-40B4-BE49-F238E27FC236}">
+                <a16:creationId xmlns:a16="http://schemas.microsoft.com/office/drawing/2014/main" id="{62EBCD23-4FD0-4BD6-AFE8-21E45751C9DF}"/>
+              </a:ext>
+            </a:extLst>
+          </p:cNvPr>
+          <p:cNvSpPr>
+            <a:spLocks noGrp="1"/>
+          </p:cNvSpPr>
+          <p:nvPr>
+            <p:ph type="title"/>
+          </p:nvPr>
+        </p:nvSpPr>
+        <p:spPr/>
+        <p:txBody>
+          <a:bodyPr/>
+          <a:lstStyle/>
+          <a:p>
+            <a:pPr>
+              <a:lnSpc>
+                <a:spcPct val="100000"/>
+              </a:lnSpc>
+            </a:pPr>
+            <a:r>
+              <a:rPr lang="en-US" sz="3000" dirty="0"/>
+              <a:t>Boxing with prototype and static methods</a:t>
+            </a:r>
+            <a:br>
+              <a:rPr lang="en-US" sz="3000" dirty="0"/>
+            </a:br>
+            <a:r>
+              <a:rPr lang="en-US" sz="2400" dirty="0">
+                <a:latin typeface="Open Sans" panose="020B0604020202020204" charset="0"/>
+                <a:ea typeface="Open Sans" panose="020B0604020202020204" charset="0"/>
+                <a:cs typeface="Open Sans" panose="020B0604020202020204" charset="0"/>
+              </a:rPr>
+              <a:t>When a static or prototype method is called without a value for this, the this value will be undefined inside the method.</a:t>
+            </a:r>
+            <a:endParaRPr lang="uk-UA" sz="2400" dirty="0">
+              <a:latin typeface="Open Sans" panose="020B0604020202020204" charset="0"/>
+              <a:ea typeface="Open Sans" panose="020B0604020202020204" charset="0"/>
+              <a:cs typeface="Open Sans" panose="020B0604020202020204" charset="0"/>
+            </a:endParaRPr>
+          </a:p>
+        </p:txBody>
+      </p:sp>
+    </p:spTree>
+    <p:extLst>
+      <p:ext uri="{BB962C8B-B14F-4D97-AF65-F5344CB8AC3E}">
+        <p14:creationId xmlns:p14="http://schemas.microsoft.com/office/powerpoint/2010/main" val="355834493"/>
+      </p:ext>
+    </p:extLst>
+  </p:cSld>
+  <p:clrMapOvr>
+    <a:masterClrMapping/>
+  </p:clrMapOvr>
+</p:sld>
+</file>
+
+<file path=ppt/slides/slide14.xml><?xml version="1.0" encoding="utf-8"?>
+<p:sld xmlns:a="http://schemas.openxmlformats.org/drawingml/2006/main" xmlns:r="http://schemas.openxmlformats.org/officeDocument/2006/relationships" xmlns:p="http://schemas.openxmlformats.org/presentationml/2006/main">
+  <p:cSld>
+    <p:spTree>
+      <p:nvGrpSpPr>
+        <p:cNvPr id="1" name=""/>
+        <p:cNvGrpSpPr/>
+        <p:nvPr/>
+      </p:nvGrpSpPr>
+      <p:grpSpPr>
+        <a:xfrm>
+          <a:off x="0" y="0"/>
+          <a:ext cx="0" cy="0"/>
+          <a:chOff x="0" y="0"/>
+          <a:chExt cx="0" cy="0"/>
+        </a:xfrm>
+      </p:grpSpPr>
+      <p:sp>
+        <p:nvSpPr>
+          <p:cNvPr id="2" name="Заголовок 1">
+            <a:extLst>
+              <a:ext uri="{FF2B5EF4-FFF2-40B4-BE49-F238E27FC236}">
+                <a16:creationId xmlns:a16="http://schemas.microsoft.com/office/drawing/2014/main" id="{EF4BC44A-4C28-4787-8BBF-9F88DE04664A}"/>
+              </a:ext>
+            </a:extLst>
+          </p:cNvPr>
+          <p:cNvSpPr>
+            <a:spLocks noGrp="1"/>
+          </p:cNvSpPr>
+          <p:nvPr>
+            <p:ph type="title"/>
+          </p:nvPr>
+        </p:nvSpPr>
+        <p:spPr/>
+        <p:txBody>
+          <a:bodyPr/>
+          <a:lstStyle/>
+          <a:p>
+            <a:pPr>
+              <a:lnSpc>
+                <a:spcPct val="100000"/>
+              </a:lnSpc>
+            </a:pPr>
+            <a:r>
+              <a:rPr lang="en-US" sz="3000" dirty="0"/>
+              <a:t>Example</a:t>
+            </a:r>
+            <a:endParaRPr lang="uk-UA" sz="3000" dirty="0"/>
+          </a:p>
+        </p:txBody>
+      </p:sp>
+      <p:pic>
+        <p:nvPicPr>
+          <p:cNvPr id="5" name="Рисунок 4">
+            <a:extLst>
+              <a:ext uri="{FF2B5EF4-FFF2-40B4-BE49-F238E27FC236}">
+                <a16:creationId xmlns:a16="http://schemas.microsoft.com/office/drawing/2014/main" id="{0C5D60FE-2CFF-4130-BD66-53AD2A4EC788}"/>
+              </a:ext>
+            </a:extLst>
+          </p:cNvPr>
+          <p:cNvPicPr>
+            <a:picLocks noChangeAspect="1"/>
+          </p:cNvPicPr>
+          <p:nvPr/>
+        </p:nvPicPr>
+        <p:blipFill>
+          <a:blip r:embed="rId2">
+            <a:extLst>
+              <a:ext uri="{28A0092B-C50C-407E-A947-70E740481C1C}">
+                <a14:useLocalDpi xmlns:a14="http://schemas.microsoft.com/office/drawing/2010/main" val="0"/>
+              </a:ext>
+            </a:extLst>
+          </a:blip>
+          <a:stretch>
+            <a:fillRect/>
+          </a:stretch>
+        </p:blipFill>
+        <p:spPr>
+          <a:xfrm>
+            <a:off x="2297448" y="1295331"/>
+            <a:ext cx="7597103" cy="4191069"/>
+          </a:xfrm>
+          <a:prstGeom prst="rect">
+            <a:avLst/>
+          </a:prstGeom>
+        </p:spPr>
+      </p:pic>
+    </p:spTree>
+    <p:extLst>
+      <p:ext uri="{BB962C8B-B14F-4D97-AF65-F5344CB8AC3E}">
+        <p14:creationId xmlns:p14="http://schemas.microsoft.com/office/powerpoint/2010/main" val="4001797752"/>
+      </p:ext>
+    </p:extLst>
+  </p:cSld>
+  <p:clrMapOvr>
+    <a:masterClrMapping/>
+  </p:clrMapOvr>
+</p:sld>
+</file>
+
+<file path=ppt/slides/slide15.xml><?xml version="1.0" encoding="utf-8"?>
+<p:sld xmlns:a="http://schemas.openxmlformats.org/drawingml/2006/main" xmlns:r="http://schemas.openxmlformats.org/officeDocument/2006/relationships" xmlns:p="http://schemas.openxmlformats.org/presentationml/2006/main">
+  <p:cSld>
+    <p:spTree>
+      <p:nvGrpSpPr>
+        <p:cNvPr id="1" name=""/>
+        <p:cNvGrpSpPr/>
+        <p:nvPr/>
+      </p:nvGrpSpPr>
+      <p:grpSpPr>
+        <a:xfrm>
+          <a:off x="0" y="0"/>
+          <a:ext cx="0" cy="0"/>
+          <a:chOff x="0" y="0"/>
+          <a:chExt cx="0" cy="0"/>
+        </a:xfrm>
+      </p:grpSpPr>
+      <p:sp>
+        <p:nvSpPr>
+          <p:cNvPr id="2" name="Заголовок 1">
+            <a:extLst>
+              <a:ext uri="{FF2B5EF4-FFF2-40B4-BE49-F238E27FC236}">
+                <a16:creationId xmlns:a16="http://schemas.microsoft.com/office/drawing/2014/main" id="{AC00C6AC-D6DC-495A-B9A9-29272D96E22C}"/>
+              </a:ext>
+            </a:extLst>
+          </p:cNvPr>
+          <p:cNvSpPr>
+            <a:spLocks noGrp="1"/>
+          </p:cNvSpPr>
+          <p:nvPr>
+            <p:ph type="title"/>
+          </p:nvPr>
+        </p:nvSpPr>
+        <p:spPr/>
+        <p:txBody>
+          <a:bodyPr/>
+          <a:lstStyle/>
+          <a:p>
+            <a:pPr>
+              <a:lnSpc>
+                <a:spcPct val="100000"/>
+              </a:lnSpc>
+            </a:pPr>
+            <a:r>
+              <a:rPr lang="en-US" sz="3000" dirty="0"/>
+              <a:t>Instance properties</a:t>
+            </a:r>
+            <a:br>
+              <a:rPr lang="en-US" sz="3000" dirty="0"/>
+            </a:br>
+            <a:r>
+              <a:rPr lang="en-US" sz="2400" dirty="0">
+                <a:latin typeface="Open Sans" panose="020B0604020202020204" charset="0"/>
+                <a:ea typeface="Open Sans" panose="020B0604020202020204" charset="0"/>
+                <a:cs typeface="Open Sans" panose="020B0604020202020204" charset="0"/>
+              </a:rPr>
+              <a:t>Instance properties must be defined inside of class methods:</a:t>
+            </a:r>
+            <a:br>
+              <a:rPr lang="en-US" sz="2400" dirty="0">
+                <a:latin typeface="Open Sans" panose="020B0604020202020204" charset="0"/>
+                <a:ea typeface="Open Sans" panose="020B0604020202020204" charset="0"/>
+                <a:cs typeface="Open Sans" panose="020B0604020202020204" charset="0"/>
+              </a:rPr>
+            </a:br>
+            <a:br>
+              <a:rPr lang="en-US" sz="2400" dirty="0">
+                <a:latin typeface="Open Sans" panose="020B0604020202020204" charset="0"/>
+                <a:ea typeface="Open Sans" panose="020B0604020202020204" charset="0"/>
+                <a:cs typeface="Open Sans" panose="020B0604020202020204" charset="0"/>
+              </a:rPr>
+            </a:br>
+            <a:br>
+              <a:rPr lang="en-US" sz="2400" dirty="0">
+                <a:latin typeface="Open Sans" panose="020B0604020202020204" charset="0"/>
+                <a:ea typeface="Open Sans" panose="020B0604020202020204" charset="0"/>
+                <a:cs typeface="Open Sans" panose="020B0604020202020204" charset="0"/>
+              </a:rPr>
+            </a:br>
+            <a:br>
+              <a:rPr lang="en-US" sz="2400" dirty="0">
+                <a:latin typeface="Open Sans" panose="020B0604020202020204" charset="0"/>
+                <a:ea typeface="Open Sans" panose="020B0604020202020204" charset="0"/>
+                <a:cs typeface="Open Sans" panose="020B0604020202020204" charset="0"/>
+              </a:rPr>
+            </a:br>
+            <a:br>
+              <a:rPr lang="en-US" sz="2400" dirty="0">
+                <a:latin typeface="Open Sans" panose="020B0604020202020204" charset="0"/>
+                <a:ea typeface="Open Sans" panose="020B0604020202020204" charset="0"/>
+                <a:cs typeface="Open Sans" panose="020B0604020202020204" charset="0"/>
+              </a:rPr>
+            </a:br>
+            <a:br>
+              <a:rPr lang="en-US" sz="2400" dirty="0">
+                <a:latin typeface="Open Sans" panose="020B0604020202020204" charset="0"/>
+                <a:ea typeface="Open Sans" panose="020B0604020202020204" charset="0"/>
+                <a:cs typeface="Open Sans" panose="020B0604020202020204" charset="0"/>
+              </a:rPr>
+            </a:br>
+            <a:br>
+              <a:rPr lang="en-US" sz="2400" dirty="0">
+                <a:latin typeface="Open Sans" panose="020B0604020202020204" charset="0"/>
+                <a:ea typeface="Open Sans" panose="020B0604020202020204" charset="0"/>
+                <a:cs typeface="Open Sans" panose="020B0604020202020204" charset="0"/>
+              </a:rPr>
+            </a:br>
+            <a:r>
+              <a:rPr lang="en-US" sz="2400" dirty="0">
+                <a:latin typeface="Open Sans" panose="020B0604020202020204" charset="0"/>
+                <a:ea typeface="Open Sans" panose="020B0604020202020204" charset="0"/>
+                <a:cs typeface="Open Sans" panose="020B0604020202020204" charset="0"/>
+              </a:rPr>
+              <a:t>Static (class-side) data properties and prototype data properties must be defined outside of the </a:t>
+            </a:r>
+            <a:r>
+              <a:rPr lang="en-US" sz="2400" dirty="0" err="1">
+                <a:latin typeface="Open Sans" panose="020B0604020202020204" charset="0"/>
+                <a:ea typeface="Open Sans" panose="020B0604020202020204" charset="0"/>
+                <a:cs typeface="Open Sans" panose="020B0604020202020204" charset="0"/>
+              </a:rPr>
+              <a:t>ClassBody</a:t>
+            </a:r>
+            <a:r>
+              <a:rPr lang="en-US" sz="2400" dirty="0">
+                <a:latin typeface="Open Sans" panose="020B0604020202020204" charset="0"/>
+                <a:ea typeface="Open Sans" panose="020B0604020202020204" charset="0"/>
+                <a:cs typeface="Open Sans" panose="020B0604020202020204" charset="0"/>
+              </a:rPr>
+              <a:t> declaration:</a:t>
+            </a:r>
+            <a:br>
+              <a:rPr lang="en-US" sz="2400" dirty="0">
+                <a:latin typeface="Open Sans" panose="020B0604020202020204" charset="0"/>
+                <a:ea typeface="Open Sans" panose="020B0604020202020204" charset="0"/>
+                <a:cs typeface="Open Sans" panose="020B0604020202020204" charset="0"/>
+              </a:rPr>
+            </a:br>
+            <a:br>
+              <a:rPr lang="en-US" sz="2400" dirty="0">
+                <a:latin typeface="Open Sans" panose="020B0604020202020204" charset="0"/>
+                <a:ea typeface="Open Sans" panose="020B0604020202020204" charset="0"/>
+                <a:cs typeface="Open Sans" panose="020B0604020202020204" charset="0"/>
+              </a:rPr>
+            </a:br>
+            <a:br>
+              <a:rPr lang="en-US" sz="2400" dirty="0">
+                <a:latin typeface="Open Sans" panose="020B0604020202020204" charset="0"/>
+                <a:ea typeface="Open Sans" panose="020B0604020202020204" charset="0"/>
+                <a:cs typeface="Open Sans" panose="020B0604020202020204" charset="0"/>
+              </a:rPr>
+            </a:br>
+            <a:br>
+              <a:rPr lang="en-US" sz="2400" dirty="0">
+                <a:latin typeface="Open Sans" panose="020B0604020202020204" charset="0"/>
+                <a:ea typeface="Open Sans" panose="020B0604020202020204" charset="0"/>
+                <a:cs typeface="Open Sans" panose="020B0604020202020204" charset="0"/>
+              </a:rPr>
+            </a:br>
+            <a:endParaRPr lang="uk-UA" sz="2400" dirty="0">
+              <a:latin typeface="Open Sans" panose="020B0604020202020204" charset="0"/>
+              <a:ea typeface="Open Sans" panose="020B0604020202020204" charset="0"/>
+              <a:cs typeface="Open Sans" panose="020B0604020202020204" charset="0"/>
+            </a:endParaRPr>
+          </a:p>
+        </p:txBody>
+      </p:sp>
+      <p:pic>
+        <p:nvPicPr>
+          <p:cNvPr id="5" name="Рисунок 4">
+            <a:extLst>
+              <a:ext uri="{FF2B5EF4-FFF2-40B4-BE49-F238E27FC236}">
+                <a16:creationId xmlns:a16="http://schemas.microsoft.com/office/drawing/2014/main" id="{A5A14784-5426-4DC8-975A-8F71F1506D6E}"/>
+              </a:ext>
+            </a:extLst>
+          </p:cNvPr>
+          <p:cNvPicPr>
+            <a:picLocks noChangeAspect="1"/>
+          </p:cNvPicPr>
+          <p:nvPr/>
+        </p:nvPicPr>
+        <p:blipFill>
+          <a:blip r:embed="rId3">
+            <a:extLst>
+              <a:ext uri="{28A0092B-C50C-407E-A947-70E740481C1C}">
+                <a14:useLocalDpi xmlns:a14="http://schemas.microsoft.com/office/drawing/2010/main" val="0"/>
+              </a:ext>
+            </a:extLst>
+          </a:blip>
+          <a:stretch>
+            <a:fillRect/>
+          </a:stretch>
+        </p:blipFill>
+        <p:spPr>
+          <a:xfrm>
+            <a:off x="1487853" y="1746351"/>
+            <a:ext cx="9216292" cy="1858620"/>
+          </a:xfrm>
+          <a:prstGeom prst="rect">
+            <a:avLst/>
+          </a:prstGeom>
+        </p:spPr>
+      </p:pic>
+      <p:pic>
+        <p:nvPicPr>
+          <p:cNvPr id="7" name="Рисунок 6">
+            <a:extLst>
+              <a:ext uri="{FF2B5EF4-FFF2-40B4-BE49-F238E27FC236}">
+                <a16:creationId xmlns:a16="http://schemas.microsoft.com/office/drawing/2014/main" id="{860CE701-C439-4711-91B5-7898ABCB38B4}"/>
+              </a:ext>
+            </a:extLst>
+          </p:cNvPr>
+          <p:cNvPicPr>
+            <a:picLocks noChangeAspect="1"/>
+          </p:cNvPicPr>
+          <p:nvPr/>
+        </p:nvPicPr>
+        <p:blipFill>
+          <a:blip r:embed="rId4">
+            <a:extLst>
+              <a:ext uri="{28A0092B-C50C-407E-A947-70E740481C1C}">
+                <a14:useLocalDpi xmlns:a14="http://schemas.microsoft.com/office/drawing/2010/main" val="0"/>
+              </a:ext>
+            </a:extLst>
+          </a:blip>
+          <a:stretch>
+            <a:fillRect/>
+          </a:stretch>
+        </p:blipFill>
+        <p:spPr>
+          <a:xfrm>
+            <a:off x="1487854" y="4779818"/>
+            <a:ext cx="9216291" cy="706582"/>
+          </a:xfrm>
+          <a:prstGeom prst="rect">
+            <a:avLst/>
+          </a:prstGeom>
+        </p:spPr>
+      </p:pic>
+    </p:spTree>
+    <p:extLst>
+      <p:ext uri="{BB962C8B-B14F-4D97-AF65-F5344CB8AC3E}">
+        <p14:creationId xmlns:p14="http://schemas.microsoft.com/office/powerpoint/2010/main" val="1765928441"/>
+      </p:ext>
+    </p:extLst>
+  </p:cSld>
+  <p:clrMapOvr>
+    <a:masterClrMapping/>
+  </p:clrMapOvr>
+</p:sld>
+</file>
+
+<file path=ppt/slides/slide16.xml><?xml version="1.0" encoding="utf-8"?>
+<p:sld xmlns:a="http://schemas.openxmlformats.org/drawingml/2006/main" xmlns:r="http://schemas.openxmlformats.org/officeDocument/2006/relationships" xmlns:p="http://schemas.openxmlformats.org/presentationml/2006/main">
+  <p:cSld>
+    <p:spTree>
+      <p:nvGrpSpPr>
+        <p:cNvPr id="1" name=""/>
+        <p:cNvGrpSpPr/>
+        <p:nvPr/>
+      </p:nvGrpSpPr>
+      <p:grpSpPr>
+        <a:xfrm>
+          <a:off x="0" y="0"/>
+          <a:ext cx="0" cy="0"/>
+          <a:chOff x="0" y="0"/>
+          <a:chExt cx="0" cy="0"/>
+        </a:xfrm>
+      </p:grpSpPr>
+      <p:sp>
+        <p:nvSpPr>
+          <p:cNvPr id="2" name="Заголовок 1">
+            <a:extLst>
+              <a:ext uri="{FF2B5EF4-FFF2-40B4-BE49-F238E27FC236}">
+                <a16:creationId xmlns:a16="http://schemas.microsoft.com/office/drawing/2014/main" id="{F42C39E6-A4C3-40E0-93D6-11AEB330067F}"/>
+              </a:ext>
+            </a:extLst>
+          </p:cNvPr>
+          <p:cNvSpPr>
+            <a:spLocks noGrp="1"/>
+          </p:cNvSpPr>
+          <p:nvPr>
+            <p:ph type="title"/>
+          </p:nvPr>
+        </p:nvSpPr>
+        <p:spPr/>
+        <p:txBody>
+          <a:bodyPr/>
+          <a:lstStyle/>
+          <a:p>
+            <a:pPr>
+              <a:lnSpc>
+                <a:spcPct val="100000"/>
+              </a:lnSpc>
+            </a:pPr>
+            <a:r>
+              <a:rPr lang="en-US" sz="4000" dirty="0"/>
+              <a:t>Links</a:t>
+            </a:r>
+            <a:br>
+              <a:rPr lang="en-US" sz="4000" dirty="0"/>
+            </a:br>
+            <a:r>
+              <a:rPr lang="en-US" sz="2400" dirty="0">
+                <a:latin typeface="Open Sans" panose="020B0604020202020204" charset="0"/>
+                <a:ea typeface="Open Sans" panose="020B0604020202020204" charset="0"/>
+                <a:cs typeface="Open Sans" panose="020B0604020202020204" charset="0"/>
+              </a:rPr>
+              <a:t>1. </a:t>
+            </a:r>
+            <a:r>
+              <a:rPr lang="en-US" sz="2400" dirty="0">
+                <a:latin typeface="Open Sans" panose="020B0604020202020204" charset="0"/>
+                <a:ea typeface="Open Sans" panose="020B0604020202020204" charset="0"/>
+                <a:cs typeface="Open Sans" panose="020B0604020202020204" charset="0"/>
+                <a:hlinkClick r:id="rId2"/>
+              </a:rPr>
+              <a:t>https://developer.mozilla.org/en-US/docs/Web/JavaScript/Reference/Classes</a:t>
+            </a:r>
+            <a:br>
+              <a:rPr lang="en-US" sz="2400" dirty="0">
+                <a:latin typeface="Open Sans" panose="020B0604020202020204" charset="0"/>
+                <a:ea typeface="Open Sans" panose="020B0604020202020204" charset="0"/>
+                <a:cs typeface="Open Sans" panose="020B0604020202020204" charset="0"/>
+              </a:rPr>
+            </a:br>
+            <a:r>
+              <a:rPr lang="en-US" sz="2400" dirty="0">
+                <a:latin typeface="Open Sans" panose="020B0604020202020204" charset="0"/>
+                <a:ea typeface="Open Sans" panose="020B0604020202020204" charset="0"/>
+                <a:cs typeface="Open Sans" panose="020B0604020202020204" charset="0"/>
+              </a:rPr>
+              <a:t>2. </a:t>
+            </a:r>
+            <a:r>
+              <a:rPr lang="en-US" sz="2400" dirty="0">
+                <a:latin typeface="Open Sans" panose="020B0604020202020204" charset="0"/>
+                <a:ea typeface="Open Sans" panose="020B0604020202020204" charset="0"/>
+                <a:cs typeface="Open Sans" panose="020B0604020202020204" charset="0"/>
+                <a:hlinkClick r:id="rId3"/>
+              </a:rPr>
+              <a:t>https://javascript.info/class</a:t>
+            </a:r>
+            <a:endParaRPr lang="uk-UA" sz="2400" dirty="0">
+              <a:latin typeface="Open Sans" panose="020B0604020202020204" charset="0"/>
+              <a:ea typeface="Open Sans" panose="020B0604020202020204" charset="0"/>
+              <a:cs typeface="Open Sans" panose="020B0604020202020204" charset="0"/>
+            </a:endParaRPr>
+          </a:p>
+        </p:txBody>
+      </p:sp>
+    </p:spTree>
+    <p:extLst>
+      <p:ext uri="{BB962C8B-B14F-4D97-AF65-F5344CB8AC3E}">
+        <p14:creationId xmlns:p14="http://schemas.microsoft.com/office/powerpoint/2010/main" val="1031338415"/>
+      </p:ext>
+    </p:extLst>
+  </p:cSld>
+  <p:clrMapOvr>
+    <a:masterClrMapping/>
+  </p:clrMapOvr>
+</p:sld>
+</file>
+
 <file path=ppt/slides/slide2.xml><?xml version="1.0" encoding="utf-8"?>
 <p:sld xmlns:a="http://schemas.openxmlformats.org/drawingml/2006/main" xmlns:r="http://schemas.openxmlformats.org/officeDocument/2006/relationships" xmlns:p="http://schemas.openxmlformats.org/presentationml/2006/main">
   <p:cSld>
@@ -5764,7 +8171,7 @@
           <p:cNvPr id="2" name="Заголовок 1">
             <a:extLst>
               <a:ext uri="{FF2B5EF4-FFF2-40B4-BE49-F238E27FC236}">
-                <a16:creationId xmlns:a16="http://schemas.microsoft.com/office/drawing/2014/main" id="{F42C39E6-A4C3-40E0-93D6-11AEB330067F}"/>
+                <a16:creationId xmlns:a16="http://schemas.microsoft.com/office/drawing/2014/main" id="{8A9AE9D0-374F-4157-8EDF-9F95C1FE700E}"/>
               </a:ext>
             </a:extLst>
           </p:cNvPr>
@@ -5787,18 +8194,26 @@
             </a:pPr>
             <a:r>
               <a:rPr lang="en-US" sz="4000" dirty="0"/>
-              <a:t>Links</a:t>
+              <a:t>Defining classes</a:t>
             </a:r>
             <a:br>
-              <a:rPr lang="en-US" sz="4000" dirty="0"/>
+              <a:rPr lang="en-US" b="1" dirty="0"/>
             </a:br>
+            <a:r>
+              <a:rPr lang="en-US" sz="2400" dirty="0" err="1">
+                <a:latin typeface="Open Sans" panose="020B0604020202020204" charset="0"/>
+                <a:ea typeface="Open Sans" panose="020B0604020202020204" charset="0"/>
+                <a:cs typeface="Open Sans" panose="020B0604020202020204" charset="0"/>
+              </a:rPr>
+              <a:t>Classes</a:t>
+            </a:r>
             <a:r>
               <a:rPr lang="en-US" sz="2400" dirty="0">
                 <a:latin typeface="Open Sans" panose="020B0604020202020204" charset="0"/>
                 <a:ea typeface="Open Sans" panose="020B0604020202020204" charset="0"/>
                 <a:cs typeface="Open Sans" panose="020B0604020202020204" charset="0"/>
               </a:rPr>
-              <a:t>1. </a:t>
+              <a:t> are in fact "special functions", and just as you can define function expressions and function declarations, the class syntax has two components: class expressions and class declarations.</a:t>
             </a:r>
             <a:endParaRPr lang="uk-UA" sz="2400" dirty="0">
               <a:latin typeface="Open Sans" panose="020B0604020202020204" charset="0"/>
@@ -5811,7 +8226,723 @@
     </p:spTree>
     <p:extLst>
       <p:ext uri="{BB962C8B-B14F-4D97-AF65-F5344CB8AC3E}">
-        <p14:creationId xmlns:p14="http://schemas.microsoft.com/office/powerpoint/2010/main" val="1031338415"/>
+        <p14:creationId xmlns:p14="http://schemas.microsoft.com/office/powerpoint/2010/main" val="844288738"/>
+      </p:ext>
+    </p:extLst>
+  </p:cSld>
+  <p:clrMapOvr>
+    <a:masterClrMapping/>
+  </p:clrMapOvr>
+</p:sld>
+</file>
+
+<file path=ppt/slides/slide3.xml><?xml version="1.0" encoding="utf-8"?>
+<p:sld xmlns:a="http://schemas.openxmlformats.org/drawingml/2006/main" xmlns:r="http://schemas.openxmlformats.org/officeDocument/2006/relationships" xmlns:p="http://schemas.openxmlformats.org/presentationml/2006/main">
+  <p:cSld>
+    <p:spTree>
+      <p:nvGrpSpPr>
+        <p:cNvPr id="1" name=""/>
+        <p:cNvGrpSpPr/>
+        <p:nvPr/>
+      </p:nvGrpSpPr>
+      <p:grpSpPr>
+        <a:xfrm>
+          <a:off x="0" y="0"/>
+          <a:ext cx="0" cy="0"/>
+          <a:chOff x="0" y="0"/>
+          <a:chExt cx="0" cy="0"/>
+        </a:xfrm>
+      </p:grpSpPr>
+      <p:sp>
+        <p:nvSpPr>
+          <p:cNvPr id="2" name="Заголовок 1">
+            <a:extLst>
+              <a:ext uri="{FF2B5EF4-FFF2-40B4-BE49-F238E27FC236}">
+                <a16:creationId xmlns:a16="http://schemas.microsoft.com/office/drawing/2014/main" id="{9C95E9B3-8D70-4B5D-9EB0-FCB6FAC683FC}"/>
+              </a:ext>
+            </a:extLst>
+          </p:cNvPr>
+          <p:cNvSpPr>
+            <a:spLocks noGrp="1"/>
+          </p:cNvSpPr>
+          <p:nvPr>
+            <p:ph type="title"/>
+          </p:nvPr>
+        </p:nvSpPr>
+        <p:spPr/>
+        <p:txBody>
+          <a:bodyPr/>
+          <a:lstStyle/>
+          <a:p>
+            <a:pPr>
+              <a:lnSpc>
+                <a:spcPct val="100000"/>
+              </a:lnSpc>
+            </a:pPr>
+            <a:r>
+              <a:rPr lang="en-US" sz="4000" dirty="0"/>
+              <a:t>Class declarations</a:t>
+            </a:r>
+            <a:br>
+              <a:rPr lang="en-US" sz="4000" dirty="0"/>
+            </a:br>
+            <a:br>
+              <a:rPr lang="en-US" sz="4000" dirty="0"/>
+            </a:br>
+            <a:endParaRPr lang="uk-UA" sz="4000" dirty="0"/>
+          </a:p>
+        </p:txBody>
+      </p:sp>
+      <p:pic>
+        <p:nvPicPr>
+          <p:cNvPr id="5" name="Рисунок 4">
+            <a:extLst>
+              <a:ext uri="{FF2B5EF4-FFF2-40B4-BE49-F238E27FC236}">
+                <a16:creationId xmlns:a16="http://schemas.microsoft.com/office/drawing/2014/main" id="{0666FCEA-F306-46EF-86C7-CC7740158FEE}"/>
+              </a:ext>
+            </a:extLst>
+          </p:cNvPr>
+          <p:cNvPicPr>
+            <a:picLocks noChangeAspect="1"/>
+          </p:cNvPicPr>
+          <p:nvPr/>
+        </p:nvPicPr>
+        <p:blipFill>
+          <a:blip r:embed="rId3">
+            <a:extLst>
+              <a:ext uri="{28A0092B-C50C-407E-A947-70E740481C1C}">
+                <a14:useLocalDpi xmlns:a14="http://schemas.microsoft.com/office/drawing/2010/main" val="0"/>
+              </a:ext>
+            </a:extLst>
+          </a:blip>
+          <a:stretch>
+            <a:fillRect/>
+          </a:stretch>
+        </p:blipFill>
+        <p:spPr>
+          <a:xfrm>
+            <a:off x="1498673" y="2494210"/>
+            <a:ext cx="9194653" cy="1869579"/>
+          </a:xfrm>
+          <a:prstGeom prst="rect">
+            <a:avLst/>
+          </a:prstGeom>
+        </p:spPr>
+      </p:pic>
+    </p:spTree>
+    <p:extLst>
+      <p:ext uri="{BB962C8B-B14F-4D97-AF65-F5344CB8AC3E}">
+        <p14:creationId xmlns:p14="http://schemas.microsoft.com/office/powerpoint/2010/main" val="2476717178"/>
+      </p:ext>
+    </p:extLst>
+  </p:cSld>
+  <p:clrMapOvr>
+    <a:masterClrMapping/>
+  </p:clrMapOvr>
+</p:sld>
+</file>
+
+<file path=ppt/slides/slide4.xml><?xml version="1.0" encoding="utf-8"?>
+<p:sld xmlns:a="http://schemas.openxmlformats.org/drawingml/2006/main" xmlns:r="http://schemas.openxmlformats.org/officeDocument/2006/relationships" xmlns:p="http://schemas.openxmlformats.org/presentationml/2006/main">
+  <p:cSld>
+    <p:spTree>
+      <p:nvGrpSpPr>
+        <p:cNvPr id="1" name=""/>
+        <p:cNvGrpSpPr/>
+        <p:nvPr/>
+      </p:nvGrpSpPr>
+      <p:grpSpPr>
+        <a:xfrm>
+          <a:off x="0" y="0"/>
+          <a:ext cx="0" cy="0"/>
+          <a:chOff x="0" y="0"/>
+          <a:chExt cx="0" cy="0"/>
+        </a:xfrm>
+      </p:grpSpPr>
+      <p:sp>
+        <p:nvSpPr>
+          <p:cNvPr id="2" name="Заголовок 1">
+            <a:extLst>
+              <a:ext uri="{FF2B5EF4-FFF2-40B4-BE49-F238E27FC236}">
+                <a16:creationId xmlns:a16="http://schemas.microsoft.com/office/drawing/2014/main" id="{8E64BFD5-8EE2-40A3-8DC4-2C42E893B03D}"/>
+              </a:ext>
+            </a:extLst>
+          </p:cNvPr>
+          <p:cNvSpPr>
+            <a:spLocks noGrp="1"/>
+          </p:cNvSpPr>
+          <p:nvPr>
+            <p:ph type="title"/>
+          </p:nvPr>
+        </p:nvSpPr>
+        <p:spPr/>
+        <p:txBody>
+          <a:bodyPr/>
+          <a:lstStyle/>
+          <a:p>
+            <a:pPr>
+              <a:lnSpc>
+                <a:spcPct val="100000"/>
+              </a:lnSpc>
+            </a:pPr>
+            <a:r>
+              <a:rPr lang="en-US" sz="3000" b="1" dirty="0"/>
+              <a:t>Hoisting</a:t>
+            </a:r>
+            <a:br>
+              <a:rPr lang="en-US" b="1" dirty="0"/>
+            </a:br>
+            <a:r>
+              <a:rPr lang="en-US" sz="2400" dirty="0">
+                <a:latin typeface="Open Sans" panose="020B0604020202020204" charset="0"/>
+                <a:ea typeface="Open Sans" panose="020B0604020202020204" charset="0"/>
+                <a:cs typeface="Open Sans" panose="020B0604020202020204" charset="0"/>
+              </a:rPr>
+              <a:t>An important difference between function declarations and class declarations is that function declarations are hoisted and class declarations are not. You first need to declare your class and then access it, otherwise code like the following will throw a </a:t>
+            </a:r>
+            <a:r>
+              <a:rPr lang="en-US" sz="2400" dirty="0">
+                <a:solidFill>
+                  <a:srgbClr val="FF0000"/>
+                </a:solidFill>
+                <a:latin typeface="Open Sans" panose="020B0604020202020204" charset="0"/>
+                <a:ea typeface="Open Sans" panose="020B0604020202020204" charset="0"/>
+                <a:cs typeface="Open Sans" panose="020B0604020202020204" charset="0"/>
+              </a:rPr>
+              <a:t>ReferenceError</a:t>
+            </a:r>
+            <a:r>
+              <a:rPr lang="en-US" sz="2400" dirty="0">
+                <a:latin typeface="Open Sans" panose="020B0604020202020204" charset="0"/>
+                <a:ea typeface="Open Sans" panose="020B0604020202020204" charset="0"/>
+                <a:cs typeface="Open Sans" panose="020B0604020202020204" charset="0"/>
+              </a:rPr>
+              <a:t>:</a:t>
+            </a:r>
+            <a:endParaRPr lang="uk-UA" sz="2400" dirty="0">
+              <a:latin typeface="Open Sans" panose="020B0604020202020204" charset="0"/>
+              <a:ea typeface="Open Sans" panose="020B0604020202020204" charset="0"/>
+              <a:cs typeface="Open Sans" panose="020B0604020202020204" charset="0"/>
+            </a:endParaRPr>
+          </a:p>
+        </p:txBody>
+      </p:sp>
+      <p:pic>
+        <p:nvPicPr>
+          <p:cNvPr id="5" name="Рисунок 4">
+            <a:extLst>
+              <a:ext uri="{FF2B5EF4-FFF2-40B4-BE49-F238E27FC236}">
+                <a16:creationId xmlns:a16="http://schemas.microsoft.com/office/drawing/2014/main" id="{47F0FC6F-FB10-4010-92D1-039898CEE9F8}"/>
+              </a:ext>
+            </a:extLst>
+          </p:cNvPr>
+          <p:cNvPicPr>
+            <a:picLocks noChangeAspect="1"/>
+          </p:cNvPicPr>
+          <p:nvPr/>
+        </p:nvPicPr>
+        <p:blipFill>
+          <a:blip r:embed="rId3">
+            <a:extLst>
+              <a:ext uri="{28A0092B-C50C-407E-A947-70E740481C1C}">
+                <a14:useLocalDpi xmlns:a14="http://schemas.microsoft.com/office/drawing/2010/main" val="0"/>
+              </a:ext>
+            </a:extLst>
+          </a:blip>
+          <a:stretch>
+            <a:fillRect/>
+          </a:stretch>
+        </p:blipFill>
+        <p:spPr>
+          <a:xfrm>
+            <a:off x="1446068" y="3429000"/>
+            <a:ext cx="9299863" cy="976485"/>
+          </a:xfrm>
+          <a:prstGeom prst="rect">
+            <a:avLst/>
+          </a:prstGeom>
+        </p:spPr>
+      </p:pic>
+    </p:spTree>
+    <p:extLst>
+      <p:ext uri="{BB962C8B-B14F-4D97-AF65-F5344CB8AC3E}">
+        <p14:creationId xmlns:p14="http://schemas.microsoft.com/office/powerpoint/2010/main" val="2218405373"/>
+      </p:ext>
+    </p:extLst>
+  </p:cSld>
+  <p:clrMapOvr>
+    <a:masterClrMapping/>
+  </p:clrMapOvr>
+</p:sld>
+</file>
+
+<file path=ppt/slides/slide5.xml><?xml version="1.0" encoding="utf-8"?>
+<p:sld xmlns:a="http://schemas.openxmlformats.org/drawingml/2006/main" xmlns:r="http://schemas.openxmlformats.org/officeDocument/2006/relationships" xmlns:p="http://schemas.openxmlformats.org/presentationml/2006/main">
+  <p:cSld>
+    <p:spTree>
+      <p:nvGrpSpPr>
+        <p:cNvPr id="1" name=""/>
+        <p:cNvGrpSpPr/>
+        <p:nvPr/>
+      </p:nvGrpSpPr>
+      <p:grpSpPr>
+        <a:xfrm>
+          <a:off x="0" y="0"/>
+          <a:ext cx="0" cy="0"/>
+          <a:chOff x="0" y="0"/>
+          <a:chExt cx="0" cy="0"/>
+        </a:xfrm>
+      </p:grpSpPr>
+      <p:sp>
+        <p:nvSpPr>
+          <p:cNvPr id="2" name="Заголовок 1">
+            <a:extLst>
+              <a:ext uri="{FF2B5EF4-FFF2-40B4-BE49-F238E27FC236}">
+                <a16:creationId xmlns:a16="http://schemas.microsoft.com/office/drawing/2014/main" id="{739764BA-FE17-476A-BDB7-494F3C724AC2}"/>
+              </a:ext>
+            </a:extLst>
+          </p:cNvPr>
+          <p:cNvSpPr>
+            <a:spLocks noGrp="1"/>
+          </p:cNvSpPr>
+          <p:nvPr>
+            <p:ph type="title"/>
+          </p:nvPr>
+        </p:nvSpPr>
+        <p:spPr/>
+        <p:txBody>
+          <a:bodyPr/>
+          <a:lstStyle/>
+          <a:p>
+            <a:pPr>
+              <a:lnSpc>
+                <a:spcPct val="100000"/>
+              </a:lnSpc>
+            </a:pPr>
+            <a:r>
+              <a:rPr lang="en-US" sz="4000" dirty="0"/>
+              <a:t>Class expressions</a:t>
+            </a:r>
+            <a:br>
+              <a:rPr lang="uk-UA" sz="4000" dirty="0"/>
+            </a:br>
+            <a:r>
+              <a:rPr lang="en-US" sz="2400" dirty="0">
+                <a:latin typeface="Open Sans" panose="020B0604020202020204" charset="0"/>
+                <a:ea typeface="Open Sans" panose="020B0604020202020204" charset="0"/>
+                <a:cs typeface="Open Sans" panose="020B0604020202020204" charset="0"/>
+              </a:rPr>
+              <a:t>Class expressions can be named or unnamed. The name given to a named class expression is local to the class's body. (it can be retrieved through the class’s name property, though).</a:t>
+            </a:r>
+            <a:endParaRPr lang="uk-UA" sz="2400" dirty="0">
+              <a:latin typeface="Open Sans" panose="020B0604020202020204" charset="0"/>
+              <a:ea typeface="Open Sans" panose="020B0604020202020204" charset="0"/>
+              <a:cs typeface="Open Sans" panose="020B0604020202020204" charset="0"/>
+            </a:endParaRPr>
+          </a:p>
+        </p:txBody>
+      </p:sp>
+    </p:spTree>
+    <p:extLst>
+      <p:ext uri="{BB962C8B-B14F-4D97-AF65-F5344CB8AC3E}">
+        <p14:creationId xmlns:p14="http://schemas.microsoft.com/office/powerpoint/2010/main" val="438119294"/>
+      </p:ext>
+    </p:extLst>
+  </p:cSld>
+  <p:clrMapOvr>
+    <a:masterClrMapping/>
+  </p:clrMapOvr>
+</p:sld>
+</file>
+
+<file path=ppt/slides/slide6.xml><?xml version="1.0" encoding="utf-8"?>
+<p:sld xmlns:a="http://schemas.openxmlformats.org/drawingml/2006/main" xmlns:r="http://schemas.openxmlformats.org/officeDocument/2006/relationships" xmlns:p="http://schemas.openxmlformats.org/presentationml/2006/main">
+  <p:cSld>
+    <p:spTree>
+      <p:nvGrpSpPr>
+        <p:cNvPr id="1" name=""/>
+        <p:cNvGrpSpPr/>
+        <p:nvPr/>
+      </p:nvGrpSpPr>
+      <p:grpSpPr>
+        <a:xfrm>
+          <a:off x="0" y="0"/>
+          <a:ext cx="0" cy="0"/>
+          <a:chOff x="0" y="0"/>
+          <a:chExt cx="0" cy="0"/>
+        </a:xfrm>
+      </p:grpSpPr>
+      <p:sp>
+        <p:nvSpPr>
+          <p:cNvPr id="2" name="Заголовок 1">
+            <a:extLst>
+              <a:ext uri="{FF2B5EF4-FFF2-40B4-BE49-F238E27FC236}">
+                <a16:creationId xmlns:a16="http://schemas.microsoft.com/office/drawing/2014/main" id="{D148E350-1FED-408D-8648-D5B797898FB0}"/>
+              </a:ext>
+            </a:extLst>
+          </p:cNvPr>
+          <p:cNvSpPr>
+            <a:spLocks noGrp="1"/>
+          </p:cNvSpPr>
+          <p:nvPr>
+            <p:ph type="title"/>
+          </p:nvPr>
+        </p:nvSpPr>
+        <p:spPr/>
+        <p:txBody>
+          <a:bodyPr/>
+          <a:lstStyle/>
+          <a:p>
+            <a:pPr>
+              <a:lnSpc>
+                <a:spcPct val="100000"/>
+              </a:lnSpc>
+            </a:pPr>
+            <a:r>
+              <a:rPr lang="en-US" sz="3000" dirty="0"/>
+              <a:t>Example</a:t>
+            </a:r>
+            <a:br>
+              <a:rPr lang="en-US" sz="3000" dirty="0"/>
+            </a:br>
+            <a:endParaRPr lang="uk-UA" sz="3000" dirty="0"/>
+          </a:p>
+        </p:txBody>
+      </p:sp>
+      <p:pic>
+        <p:nvPicPr>
+          <p:cNvPr id="5" name="Рисунок 4">
+            <a:extLst>
+              <a:ext uri="{FF2B5EF4-FFF2-40B4-BE49-F238E27FC236}">
+                <a16:creationId xmlns:a16="http://schemas.microsoft.com/office/drawing/2014/main" id="{22341107-740A-4A05-8895-F3F407F411F7}"/>
+              </a:ext>
+            </a:extLst>
+          </p:cNvPr>
+          <p:cNvPicPr>
+            <a:picLocks noChangeAspect="1"/>
+          </p:cNvPicPr>
+          <p:nvPr/>
+        </p:nvPicPr>
+        <p:blipFill>
+          <a:blip r:embed="rId2">
+            <a:extLst>
+              <a:ext uri="{28A0092B-C50C-407E-A947-70E740481C1C}">
+                <a14:useLocalDpi xmlns:a14="http://schemas.microsoft.com/office/drawing/2010/main" val="0"/>
+              </a:ext>
+            </a:extLst>
+          </a:blip>
+          <a:stretch>
+            <a:fillRect/>
+          </a:stretch>
+        </p:blipFill>
+        <p:spPr>
+          <a:xfrm>
+            <a:off x="2325632" y="1338996"/>
+            <a:ext cx="7540735" cy="4147404"/>
+          </a:xfrm>
+          <a:prstGeom prst="rect">
+            <a:avLst/>
+          </a:prstGeom>
+        </p:spPr>
+      </p:pic>
+    </p:spTree>
+    <p:extLst>
+      <p:ext uri="{BB962C8B-B14F-4D97-AF65-F5344CB8AC3E}">
+        <p14:creationId xmlns:p14="http://schemas.microsoft.com/office/powerpoint/2010/main" val="3791356059"/>
+      </p:ext>
+    </p:extLst>
+  </p:cSld>
+  <p:clrMapOvr>
+    <a:masterClrMapping/>
+  </p:clrMapOvr>
+</p:sld>
+</file>
+
+<file path=ppt/slides/slide7.xml><?xml version="1.0" encoding="utf-8"?>
+<p:sld xmlns:a="http://schemas.openxmlformats.org/drawingml/2006/main" xmlns:r="http://schemas.openxmlformats.org/officeDocument/2006/relationships" xmlns:p="http://schemas.openxmlformats.org/presentationml/2006/main">
+  <p:cSld>
+    <p:spTree>
+      <p:nvGrpSpPr>
+        <p:cNvPr id="1" name=""/>
+        <p:cNvGrpSpPr/>
+        <p:nvPr/>
+      </p:nvGrpSpPr>
+      <p:grpSpPr>
+        <a:xfrm>
+          <a:off x="0" y="0"/>
+          <a:ext cx="0" cy="0"/>
+          <a:chOff x="0" y="0"/>
+          <a:chExt cx="0" cy="0"/>
+        </a:xfrm>
+      </p:grpSpPr>
+      <p:sp>
+        <p:nvSpPr>
+          <p:cNvPr id="2" name="Заголовок 1">
+            <a:extLst>
+              <a:ext uri="{FF2B5EF4-FFF2-40B4-BE49-F238E27FC236}">
+                <a16:creationId xmlns:a16="http://schemas.microsoft.com/office/drawing/2014/main" id="{F4FA1C96-46D8-40FB-951B-A0BD5E0B7187}"/>
+              </a:ext>
+            </a:extLst>
+          </p:cNvPr>
+          <p:cNvSpPr>
+            <a:spLocks noGrp="1"/>
+          </p:cNvSpPr>
+          <p:nvPr>
+            <p:ph type="title"/>
+          </p:nvPr>
+        </p:nvSpPr>
+        <p:spPr/>
+        <p:txBody>
+          <a:bodyPr/>
+          <a:lstStyle/>
+          <a:p>
+            <a:pPr>
+              <a:lnSpc>
+                <a:spcPct val="100000"/>
+              </a:lnSpc>
+            </a:pPr>
+            <a:r>
+              <a:rPr lang="en-US" sz="4000" b="1" dirty="0"/>
+              <a:t>Class body and method definitions</a:t>
+            </a:r>
+            <a:br>
+              <a:rPr lang="en-US" sz="4000" b="1" dirty="0"/>
+            </a:br>
+            <a:r>
+              <a:rPr lang="en-US" sz="2400" dirty="0">
+                <a:latin typeface="Open Sans" panose="020B0604020202020204" charset="0"/>
+                <a:ea typeface="Open Sans" panose="020B0604020202020204" charset="0"/>
+                <a:cs typeface="Open Sans" panose="020B0604020202020204" charset="0"/>
+              </a:rPr>
+              <a:t>The body of a class is the part that is in curly brackets {}. This is where you define class members, such as methods or constructor.</a:t>
+            </a:r>
+            <a:endParaRPr lang="uk-UA" sz="2400" dirty="0">
+              <a:latin typeface="Open Sans" panose="020B0604020202020204" charset="0"/>
+              <a:ea typeface="Open Sans" panose="020B0604020202020204" charset="0"/>
+              <a:cs typeface="Open Sans" panose="020B0604020202020204" charset="0"/>
+            </a:endParaRPr>
+          </a:p>
+        </p:txBody>
+      </p:sp>
+    </p:spTree>
+    <p:extLst>
+      <p:ext uri="{BB962C8B-B14F-4D97-AF65-F5344CB8AC3E}">
+        <p14:creationId xmlns:p14="http://schemas.microsoft.com/office/powerpoint/2010/main" val="1113609595"/>
+      </p:ext>
+    </p:extLst>
+  </p:cSld>
+  <p:clrMapOvr>
+    <a:masterClrMapping/>
+  </p:clrMapOvr>
+</p:sld>
+</file>
+
+<file path=ppt/slides/slide8.xml><?xml version="1.0" encoding="utf-8"?>
+<p:sld xmlns:a="http://schemas.openxmlformats.org/drawingml/2006/main" xmlns:r="http://schemas.openxmlformats.org/officeDocument/2006/relationships" xmlns:p="http://schemas.openxmlformats.org/presentationml/2006/main">
+  <p:cSld>
+    <p:spTree>
+      <p:nvGrpSpPr>
+        <p:cNvPr id="1" name=""/>
+        <p:cNvGrpSpPr/>
+        <p:nvPr/>
+      </p:nvGrpSpPr>
+      <p:grpSpPr>
+        <a:xfrm>
+          <a:off x="0" y="0"/>
+          <a:ext cx="0" cy="0"/>
+          <a:chOff x="0" y="0"/>
+          <a:chExt cx="0" cy="0"/>
+        </a:xfrm>
+      </p:grpSpPr>
+      <p:sp>
+        <p:nvSpPr>
+          <p:cNvPr id="2" name="Заголовок 1">
+            <a:extLst>
+              <a:ext uri="{FF2B5EF4-FFF2-40B4-BE49-F238E27FC236}">
+                <a16:creationId xmlns:a16="http://schemas.microsoft.com/office/drawing/2014/main" id="{70BAB76B-065D-4D0F-A898-53A263A946E0}"/>
+              </a:ext>
+            </a:extLst>
+          </p:cNvPr>
+          <p:cNvSpPr>
+            <a:spLocks noGrp="1"/>
+          </p:cNvSpPr>
+          <p:nvPr>
+            <p:ph type="title"/>
+          </p:nvPr>
+        </p:nvSpPr>
+        <p:spPr/>
+        <p:txBody>
+          <a:bodyPr/>
+          <a:lstStyle/>
+          <a:p>
+            <a:pPr>
+              <a:lnSpc>
+                <a:spcPct val="100000"/>
+              </a:lnSpc>
+            </a:pPr>
+            <a:r>
+              <a:rPr lang="en-US" sz="3000" dirty="0"/>
+              <a:t>Strict mode</a:t>
+            </a:r>
+            <a:br>
+              <a:rPr lang="en-US" sz="3000" dirty="0"/>
+            </a:br>
+            <a:r>
+              <a:rPr lang="en-US" sz="2400" dirty="0">
+                <a:latin typeface="Open Sans" panose="020B0604020202020204" charset="0"/>
+                <a:ea typeface="Open Sans" panose="020B0604020202020204" charset="0"/>
+                <a:cs typeface="Open Sans" panose="020B0604020202020204" charset="0"/>
+              </a:rPr>
+              <a:t>The body of a class is executed in strict mode, i.e., code written here is subject to stricter syntax for increased performance.</a:t>
+            </a:r>
+            <a:endParaRPr lang="uk-UA" sz="2400" dirty="0">
+              <a:latin typeface="Open Sans" panose="020B0604020202020204" charset="0"/>
+              <a:ea typeface="Open Sans" panose="020B0604020202020204" charset="0"/>
+              <a:cs typeface="Open Sans" panose="020B0604020202020204" charset="0"/>
+            </a:endParaRPr>
+          </a:p>
+        </p:txBody>
+      </p:sp>
+    </p:spTree>
+    <p:extLst>
+      <p:ext uri="{BB962C8B-B14F-4D97-AF65-F5344CB8AC3E}">
+        <p14:creationId xmlns:p14="http://schemas.microsoft.com/office/powerpoint/2010/main" val="2269056358"/>
+      </p:ext>
+    </p:extLst>
+  </p:cSld>
+  <p:clrMapOvr>
+    <a:masterClrMapping/>
+  </p:clrMapOvr>
+</p:sld>
+</file>
+
+<file path=ppt/slides/slide9.xml><?xml version="1.0" encoding="utf-8"?>
+<p:sld xmlns:a="http://schemas.openxmlformats.org/drawingml/2006/main" xmlns:r="http://schemas.openxmlformats.org/officeDocument/2006/relationships" xmlns:p="http://schemas.openxmlformats.org/presentationml/2006/main">
+  <p:cSld>
+    <p:spTree>
+      <p:nvGrpSpPr>
+        <p:cNvPr id="1" name=""/>
+        <p:cNvGrpSpPr/>
+        <p:nvPr/>
+      </p:nvGrpSpPr>
+      <p:grpSpPr>
+        <a:xfrm>
+          <a:off x="0" y="0"/>
+          <a:ext cx="0" cy="0"/>
+          <a:chOff x="0" y="0"/>
+          <a:chExt cx="0" cy="0"/>
+        </a:xfrm>
+      </p:grpSpPr>
+      <p:sp>
+        <p:nvSpPr>
+          <p:cNvPr id="2" name="Заголовок 1">
+            <a:extLst>
+              <a:ext uri="{FF2B5EF4-FFF2-40B4-BE49-F238E27FC236}">
+                <a16:creationId xmlns:a16="http://schemas.microsoft.com/office/drawing/2014/main" id="{14ED87CA-3DEB-410E-800F-FAB6FEFC6430}"/>
+              </a:ext>
+            </a:extLst>
+          </p:cNvPr>
+          <p:cNvSpPr>
+            <a:spLocks noGrp="1"/>
+          </p:cNvSpPr>
+          <p:nvPr>
+            <p:ph type="title"/>
+          </p:nvPr>
+        </p:nvSpPr>
+        <p:spPr/>
+        <p:txBody>
+          <a:bodyPr/>
+          <a:lstStyle/>
+          <a:p>
+            <a:pPr>
+              <a:lnSpc>
+                <a:spcPct val="100000"/>
+              </a:lnSpc>
+            </a:pPr>
+            <a:r>
+              <a:rPr lang="en-US" sz="3000" dirty="0"/>
+              <a:t>Constructor</a:t>
+            </a:r>
+            <a:br>
+              <a:rPr lang="en-US" sz="3000" dirty="0"/>
+            </a:br>
+            <a:r>
+              <a:rPr lang="en-US" sz="2400" dirty="0">
+                <a:latin typeface="Open Sans" panose="020B0604020202020204" charset="0"/>
+                <a:ea typeface="Open Sans" panose="020B0604020202020204" charset="0"/>
+                <a:cs typeface="Open Sans" panose="020B0604020202020204" charset="0"/>
+              </a:rPr>
+              <a:t>The constructor method is a special method for creating and initializing an object created with a class. There can only be one special method with the name "constructor" in a class. A </a:t>
+            </a:r>
+            <a:r>
+              <a:rPr lang="en-US" sz="2400" dirty="0">
+                <a:solidFill>
+                  <a:srgbClr val="FF0000"/>
+                </a:solidFill>
+                <a:latin typeface="Open Sans" panose="020B0604020202020204" charset="0"/>
+                <a:ea typeface="Open Sans" panose="020B0604020202020204" charset="0"/>
+                <a:cs typeface="Open Sans" panose="020B0604020202020204" charset="0"/>
+              </a:rPr>
+              <a:t>SyntaxError</a:t>
+            </a:r>
+            <a:r>
+              <a:rPr lang="en-US" sz="2400" dirty="0">
+                <a:latin typeface="Open Sans" panose="020B0604020202020204" charset="0"/>
+                <a:ea typeface="Open Sans" panose="020B0604020202020204" charset="0"/>
+                <a:cs typeface="Open Sans" panose="020B0604020202020204" charset="0"/>
+              </a:rPr>
+              <a:t> will be thrown if the class contains more than one occurrence of a constructor method.</a:t>
+            </a:r>
+            <a:br>
+              <a:rPr lang="en-US" sz="2400" dirty="0">
+                <a:latin typeface="Open Sans" panose="020B0604020202020204" charset="0"/>
+                <a:ea typeface="Open Sans" panose="020B0604020202020204" charset="0"/>
+                <a:cs typeface="Open Sans" panose="020B0604020202020204" charset="0"/>
+              </a:rPr>
+            </a:br>
+            <a:br>
+              <a:rPr lang="en-US" sz="2400" dirty="0">
+                <a:latin typeface="Open Sans" panose="020B0604020202020204" charset="0"/>
+                <a:ea typeface="Open Sans" panose="020B0604020202020204" charset="0"/>
+                <a:cs typeface="Open Sans" panose="020B0604020202020204" charset="0"/>
+              </a:rPr>
+            </a:br>
+            <a:r>
+              <a:rPr lang="en-US" sz="2400" dirty="0">
+                <a:latin typeface="Open Sans" panose="020B0604020202020204" charset="0"/>
+                <a:ea typeface="Open Sans" panose="020B0604020202020204" charset="0"/>
+                <a:cs typeface="Open Sans" panose="020B0604020202020204" charset="0"/>
+              </a:rPr>
+              <a:t>A constructor can use the </a:t>
+            </a:r>
+            <a:r>
+              <a:rPr lang="en-US" sz="2400" b="1" dirty="0">
+                <a:latin typeface="Open Sans" panose="020B0604020202020204" charset="0"/>
+                <a:ea typeface="Open Sans" panose="020B0604020202020204" charset="0"/>
+                <a:cs typeface="Open Sans" panose="020B0604020202020204" charset="0"/>
+              </a:rPr>
+              <a:t>super</a:t>
+            </a:r>
+            <a:r>
+              <a:rPr lang="en-US" sz="2400" dirty="0">
+                <a:latin typeface="Open Sans" panose="020B0604020202020204" charset="0"/>
+                <a:ea typeface="Open Sans" panose="020B0604020202020204" charset="0"/>
+                <a:cs typeface="Open Sans" panose="020B0604020202020204" charset="0"/>
+              </a:rPr>
+              <a:t> keyword to call the constructor of the super class.</a:t>
+            </a:r>
+            <a:endParaRPr lang="uk-UA" sz="2400" dirty="0">
+              <a:latin typeface="Open Sans" panose="020B0604020202020204" charset="0"/>
+              <a:ea typeface="Open Sans" panose="020B0604020202020204" charset="0"/>
+              <a:cs typeface="Open Sans" panose="020B0604020202020204" charset="0"/>
+            </a:endParaRPr>
+          </a:p>
+        </p:txBody>
+      </p:sp>
+    </p:spTree>
+    <p:extLst>
+      <p:ext uri="{BB962C8B-B14F-4D97-AF65-F5344CB8AC3E}">
+        <p14:creationId xmlns:p14="http://schemas.microsoft.com/office/powerpoint/2010/main" val="3583978474"/>
       </p:ext>
     </p:extLst>
   </p:cSld>
@@ -6387,14 +9518,6 @@
 </file>
 
 <file path=customXml/item2.xml><?xml version="1.0" encoding="utf-8"?>
-<p:properties xmlns:p="http://schemas.microsoft.com/office/2006/metadata/properties" xmlns:xsi="http://www.w3.org/2001/XMLSchema-instance" xmlns:pc="http://schemas.microsoft.com/office/infopath/2007/PartnerControls">
-  <documentManagement>
-    <_x041a__x043e__x043c__x0435__x0442__x0430__x0440_ xmlns="835f28f2-30f1-4728-84d2-86d96e143488" xsi:nil="true"/>
-  </documentManagement>
-</p:properties>
-</file>
-
-<file path=customXml/item3.xml><?xml version="1.0" encoding="utf-8"?>
 <ct:contentTypeSchema xmlns:ct="http://schemas.microsoft.com/office/2006/metadata/contentType" xmlns:ma="http://schemas.microsoft.com/office/2006/metadata/properties/metaAttributes" ct:_="" ma:_="" ma:contentTypeName="Документ" ma:contentTypeID="0x0101004195FC54A15F344D83577B1CDDD67A5D" ma:contentTypeVersion="9" ma:contentTypeDescription="Создание документа." ma:contentTypeScope="" ma:versionID="961ec8db58076c7d3e9f84b9cd82fd45">
   <xsd:schema xmlns:xsd="http://www.w3.org/2001/XMLSchema" xmlns:xs="http://www.w3.org/2001/XMLSchema" xmlns:p="http://schemas.microsoft.com/office/2006/metadata/properties" xmlns:ns2="341e6018-ac0a-4dfb-8409-db9e0d25502e" xmlns:ns3="835f28f2-30f1-4728-84d2-86d96e143488" targetNamespace="http://schemas.microsoft.com/office/2006/metadata/properties" ma:root="true" ma:fieldsID="bd9f0c80ada20ee560e77d723f3ef44e" ns2:_="" ns3:_="">
     <xsd:import namespace="341e6018-ac0a-4dfb-8409-db9e0d25502e"/>
@@ -6593,6 +9716,14 @@
 </ct:contentTypeSchema>
 </file>
 
+<file path=customXml/item3.xml><?xml version="1.0" encoding="utf-8"?>
+<p:properties xmlns:p="http://schemas.microsoft.com/office/2006/metadata/properties" xmlns:xsi="http://www.w3.org/2001/XMLSchema-instance" xmlns:pc="http://schemas.microsoft.com/office/infopath/2007/PartnerControls">
+  <documentManagement>
+    <_x041a__x043e__x043c__x0435__x0442__x0430__x0440_ xmlns="835f28f2-30f1-4728-84d2-86d96e143488" xsi:nil="true"/>
+  </documentManagement>
+</p:properties>
+</file>
+
 <file path=customXml/itemProps1.xml><?xml version="1.0" encoding="utf-8"?>
 <ds:datastoreItem xmlns:ds="http://schemas.openxmlformats.org/officeDocument/2006/customXml" ds:itemID="{296B3B9E-03D8-4766-BF45-6129617CF026}">
   <ds:schemaRefs>
@@ -6602,23 +9733,6 @@
 </file>
 
 <file path=customXml/itemProps2.xml><?xml version="1.0" encoding="utf-8"?>
-<ds:datastoreItem xmlns:ds="http://schemas.openxmlformats.org/officeDocument/2006/customXml" ds:itemID="{B3A1340B-3A1B-4156-ADE3-51DF6C2C795D}">
-  <ds:schemaRefs>
-    <ds:schemaRef ds:uri="http://schemas.microsoft.com/office/2006/documentManagement/types"/>
-    <ds:schemaRef ds:uri="http://purl.org/dc/elements/1.1/"/>
-    <ds:schemaRef ds:uri="835f28f2-30f1-4728-84d2-86d96e143488"/>
-    <ds:schemaRef ds:uri="http://purl.org/dc/dcmitype/"/>
-    <ds:schemaRef ds:uri="http://schemas.microsoft.com/office/infopath/2007/PartnerControls"/>
-    <ds:schemaRef ds:uri="341e6018-ac0a-4dfb-8409-db9e0d25502e"/>
-    <ds:schemaRef ds:uri="http://purl.org/dc/terms/"/>
-    <ds:schemaRef ds:uri="http://schemas.openxmlformats.org/package/2006/metadata/core-properties"/>
-    <ds:schemaRef ds:uri="http://schemas.microsoft.com/office/2006/metadata/properties"/>
-    <ds:schemaRef ds:uri="http://www.w3.org/XML/1998/namespace"/>
-  </ds:schemaRefs>
-</ds:datastoreItem>
-</file>
-
-<file path=customXml/itemProps3.xml><?xml version="1.0" encoding="utf-8"?>
 <ds:datastoreItem xmlns:ds="http://schemas.openxmlformats.org/officeDocument/2006/customXml" ds:itemID="{CAFDAB34-20E1-438F-BCB2-ECDA5496F36D}">
   <ds:schemaRefs>
     <ds:schemaRef ds:uri="http://schemas.microsoft.com/office/2006/metadata/contentType"/>
@@ -6635,4 +9749,21 @@
     <ds:schemaRef ds:uri="http://schemas.microsoft.com/internal/obd"/>
   </ds:schemaRefs>
 </ds:datastoreItem>
+</file>
+
+<file path=customXml/itemProps3.xml><?xml version="1.0" encoding="utf-8"?>
+<ds:datastoreItem xmlns:ds="http://schemas.openxmlformats.org/officeDocument/2006/customXml" ds:itemID="{B3A1340B-3A1B-4156-ADE3-51DF6C2C795D}">
+  <ds:schemaRefs>
+    <ds:schemaRef ds:uri="http://schemas.microsoft.com/office/2006/documentManagement/types"/>
+    <ds:schemaRef ds:uri="http://purl.org/dc/elements/1.1/"/>
+    <ds:schemaRef ds:uri="835f28f2-30f1-4728-84d2-86d96e143488"/>
+    <ds:schemaRef ds:uri="http://purl.org/dc/dcmitype/"/>
+    <ds:schemaRef ds:uri="http://schemas.microsoft.com/office/infopath/2007/PartnerControls"/>
+    <ds:schemaRef ds:uri="341e6018-ac0a-4dfb-8409-db9e0d25502e"/>
+    <ds:schemaRef ds:uri="http://purl.org/dc/terms/"/>
+    <ds:schemaRef ds:uri="http://schemas.openxmlformats.org/package/2006/metadata/core-properties"/>
+    <ds:schemaRef ds:uri="http://schemas.microsoft.com/office/2006/metadata/properties"/>
+    <ds:schemaRef ds:uri="http://www.w3.org/XML/1998/namespace"/>
+  </ds:schemaRefs>
+</ds:datastoreItem>
 </file>
--- a/presentations/Classes.pptx
+++ b/presentations/Classes.pptx
@@ -5,7 +5,7 @@
     <p:sldMasterId id="2147483656" r:id="rId4"/>
   </p:sldMasterIdLst>
   <p:notesMasterIdLst>
-    <p:notesMasterId r:id="rId21"/>
+    <p:notesMasterId r:id="rId33"/>
   </p:notesMasterIdLst>
   <p:sldIdLst>
     <p:sldId id="258" r:id="rId5"/>
@@ -23,28 +23,40 @@
     <p:sldId id="273" r:id="rId17"/>
     <p:sldId id="275" r:id="rId18"/>
     <p:sldId id="276" r:id="rId19"/>
-    <p:sldId id="262" r:id="rId20"/>
+    <p:sldId id="277" r:id="rId20"/>
+    <p:sldId id="278" r:id="rId21"/>
+    <p:sldId id="279" r:id="rId22"/>
+    <p:sldId id="280" r:id="rId23"/>
+    <p:sldId id="281" r:id="rId24"/>
+    <p:sldId id="282" r:id="rId25"/>
+    <p:sldId id="283" r:id="rId26"/>
+    <p:sldId id="284" r:id="rId27"/>
+    <p:sldId id="285" r:id="rId28"/>
+    <p:sldId id="286" r:id="rId29"/>
+    <p:sldId id="287" r:id="rId30"/>
+    <p:sldId id="288" r:id="rId31"/>
+    <p:sldId id="262" r:id="rId32"/>
   </p:sldIdLst>
   <p:sldSz cx="12192000" cy="6858000"/>
   <p:notesSz cx="6858000" cy="9144000"/>
   <p:embeddedFontLst>
     <p:embeddedFont>
       <p:font typeface="Calibri" panose="020F0502020204030204" pitchFamily="34" charset="0"/>
-      <p:regular r:id="rId22"/>
-      <p:bold r:id="rId23"/>
-      <p:italic r:id="rId24"/>
-      <p:boldItalic r:id="rId25"/>
+      <p:regular r:id="rId34"/>
+      <p:bold r:id="rId35"/>
+      <p:italic r:id="rId36"/>
+      <p:boldItalic r:id="rId37"/>
     </p:embeddedFont>
     <p:embeddedFont>
       <p:font typeface="Open Sans" panose="020B0604020202020204" charset="0"/>
-      <p:regular r:id="rId26"/>
-      <p:bold r:id="rId27"/>
-      <p:italic r:id="rId28"/>
-      <p:boldItalic r:id="rId29"/>
+      <p:regular r:id="rId38"/>
+      <p:bold r:id="rId39"/>
+      <p:italic r:id="rId40"/>
+      <p:boldItalic r:id="rId41"/>
     </p:embeddedFont>
     <p:embeddedFont>
       <p:font typeface="Proxima Nova Black" panose="020B0604020202020204" charset="0"/>
-      <p:bold r:id="rId30"/>
+      <p:bold r:id="rId42"/>
     </p:embeddedFont>
   </p:embeddedFontLst>
   <p:defaultTextStyle>
@@ -162,6 +174,18 @@
             <p14:sldId id="273"/>
             <p14:sldId id="275"/>
             <p14:sldId id="276"/>
+            <p14:sldId id="277"/>
+            <p14:sldId id="278"/>
+            <p14:sldId id="279"/>
+            <p14:sldId id="280"/>
+            <p14:sldId id="281"/>
+            <p14:sldId id="282"/>
+            <p14:sldId id="283"/>
+            <p14:sldId id="284"/>
+            <p14:sldId id="285"/>
+            <p14:sldId id="286"/>
+            <p14:sldId id="287"/>
+            <p14:sldId id="288"/>
             <p14:sldId id="262"/>
           </p14:sldIdLst>
         </p14:section>
@@ -864,6 +888,832 @@
     <p:extLst>
       <p:ext uri="{BB962C8B-B14F-4D97-AF65-F5344CB8AC3E}">
         <p14:creationId xmlns:p14="http://schemas.microsoft.com/office/powerpoint/2010/main" val="3296748290"/>
+      </p:ext>
+    </p:extLst>
+  </p:cSld>
+  <p:clrMapOvr>
+    <a:masterClrMapping/>
+  </p:clrMapOvr>
+</p:notes>
+</file>
+
+<file path=ppt/notesSlides/notesSlide11.xml><?xml version="1.0" encoding="utf-8"?>
+<p:notes xmlns:a="http://schemas.openxmlformats.org/drawingml/2006/main" xmlns:r="http://schemas.openxmlformats.org/officeDocument/2006/relationships" xmlns:p="http://schemas.openxmlformats.org/presentationml/2006/main">
+  <p:cSld>
+    <p:spTree>
+      <p:nvGrpSpPr>
+        <p:cNvPr id="1" name=""/>
+        <p:cNvGrpSpPr/>
+        <p:nvPr/>
+      </p:nvGrpSpPr>
+      <p:grpSpPr>
+        <a:xfrm>
+          <a:off x="0" y="0"/>
+          <a:ext cx="0" cy="0"/>
+          <a:chOff x="0" y="0"/>
+          <a:chExt cx="0" cy="0"/>
+        </a:xfrm>
+      </p:grpSpPr>
+      <p:sp>
+        <p:nvSpPr>
+          <p:cNvPr id="2" name="Образ слайда 1"/>
+          <p:cNvSpPr>
+            <a:spLocks noGrp="1" noRot="1" noChangeAspect="1"/>
+          </p:cNvSpPr>
+          <p:nvPr>
+            <p:ph type="sldImg"/>
+          </p:nvPr>
+        </p:nvSpPr>
+        <p:spPr/>
+      </p:sp>
+      <p:sp>
+        <p:nvSpPr>
+          <p:cNvPr id="3" name="Заметки 2"/>
+          <p:cNvSpPr>
+            <a:spLocks noGrp="1"/>
+          </p:cNvSpPr>
+          <p:nvPr>
+            <p:ph type="body" idx="1"/>
+          </p:nvPr>
+        </p:nvSpPr>
+        <p:spPr/>
+        <p:txBody>
+          <a:bodyPr/>
+          <a:lstStyle/>
+          <a:p>
+            <a:r>
+              <a:rPr lang="uk-UA" sz="1200" b="0" i="0" kern="1200" dirty="0">
+                <a:solidFill>
+                  <a:schemeClr val="tx1"/>
+                </a:solidFill>
+                <a:effectLst/>
+                <a:latin typeface="+mn-lt"/>
+                <a:ea typeface="+mn-ea"/>
+                <a:cs typeface="+mn-cs"/>
+              </a:rPr>
+              <a:t>Оголошення публічних та приватних полів є </a:t>
+            </a:r>
+            <a:r>
+              <a:rPr lang="uk-UA" sz="1200" b="0" i="0" u="none" strike="noStrike" kern="1200" dirty="0">
+                <a:solidFill>
+                  <a:schemeClr val="tx1"/>
+                </a:solidFill>
+                <a:effectLst/>
+                <a:latin typeface="+mn-lt"/>
+                <a:ea typeface="+mn-ea"/>
+                <a:cs typeface="+mn-cs"/>
+                <a:hlinkClick r:id="rId3"/>
+              </a:rPr>
+              <a:t>експериментальною функціональністю (</a:t>
+            </a:r>
+            <a:r>
+              <a:rPr lang="en-US" sz="1200" b="0" i="0" u="none" strike="noStrike" kern="1200" dirty="0">
+                <a:solidFill>
+                  <a:schemeClr val="tx1"/>
+                </a:solidFill>
+                <a:effectLst/>
+                <a:latin typeface="+mn-lt"/>
+                <a:ea typeface="+mn-ea"/>
+                <a:cs typeface="+mn-cs"/>
+                <a:hlinkClick r:id="rId3"/>
+              </a:rPr>
+              <a:t>stage 3)</a:t>
+            </a:r>
+            <a:r>
+              <a:rPr lang="en-US" sz="1200" b="0" i="0" kern="1200" dirty="0">
+                <a:solidFill>
+                  <a:schemeClr val="tx1"/>
+                </a:solidFill>
+                <a:effectLst/>
+                <a:latin typeface="+mn-lt"/>
+                <a:ea typeface="+mn-ea"/>
+                <a:cs typeface="+mn-cs"/>
+              </a:rPr>
+              <a:t>, </a:t>
+            </a:r>
+            <a:r>
+              <a:rPr lang="uk-UA" sz="1200" b="0" i="0" kern="1200" dirty="0">
+                <a:solidFill>
+                  <a:schemeClr val="tx1"/>
+                </a:solidFill>
+                <a:effectLst/>
+                <a:latin typeface="+mn-lt"/>
+                <a:ea typeface="+mn-ea"/>
+                <a:cs typeface="+mn-cs"/>
+              </a:rPr>
+              <a:t>запропонованою на </a:t>
+            </a:r>
+            <a:r>
+              <a:rPr lang="en-US" sz="1200" b="0" i="0" u="none" strike="noStrike" kern="1200" dirty="0">
+                <a:solidFill>
+                  <a:schemeClr val="tx1"/>
+                </a:solidFill>
+                <a:effectLst/>
+                <a:latin typeface="+mn-lt"/>
+                <a:ea typeface="+mn-ea"/>
+                <a:cs typeface="+mn-cs"/>
+                <a:hlinkClick r:id="rId4"/>
+              </a:rPr>
+              <a:t>TC39</a:t>
+            </a:r>
+            <a:r>
+              <a:rPr lang="en-US" sz="1200" b="0" i="0" kern="1200" dirty="0">
+                <a:solidFill>
+                  <a:schemeClr val="tx1"/>
+                </a:solidFill>
+                <a:effectLst/>
+                <a:latin typeface="+mn-lt"/>
+                <a:ea typeface="+mn-ea"/>
+                <a:cs typeface="+mn-cs"/>
+              </a:rPr>
+              <a:t>, </a:t>
+            </a:r>
+            <a:r>
+              <a:rPr lang="uk-UA" sz="1200" b="0" i="0" kern="1200" dirty="0">
+                <a:solidFill>
+                  <a:schemeClr val="tx1"/>
+                </a:solidFill>
+                <a:effectLst/>
+                <a:latin typeface="+mn-lt"/>
+                <a:ea typeface="+mn-ea"/>
+                <a:cs typeface="+mn-cs"/>
+              </a:rPr>
+              <a:t>комітеті стандартів </a:t>
+            </a:r>
+            <a:r>
+              <a:rPr lang="en-US" sz="1200" b="0" i="0" kern="1200" dirty="0">
+                <a:solidFill>
+                  <a:schemeClr val="tx1"/>
+                </a:solidFill>
+                <a:effectLst/>
+                <a:latin typeface="+mn-lt"/>
+                <a:ea typeface="+mn-ea"/>
+                <a:cs typeface="+mn-cs"/>
+              </a:rPr>
+              <a:t>JavaScript. </a:t>
+            </a:r>
+            <a:r>
+              <a:rPr lang="uk-UA" sz="1200" b="0" i="0" kern="1200" dirty="0">
+                <a:solidFill>
+                  <a:schemeClr val="tx1"/>
+                </a:solidFill>
+                <a:effectLst/>
+                <a:latin typeface="+mn-lt"/>
+                <a:ea typeface="+mn-ea"/>
+                <a:cs typeface="+mn-cs"/>
+              </a:rPr>
+              <a:t>Підтримка у переглядачах є обмеженою, але функціональність можна використовувати через збирачі пакетів з системами на кшталт </a:t>
+            </a:r>
+            <a:r>
+              <a:rPr lang="en-US" sz="1200" b="0" i="0" u="none" strike="noStrike" kern="1200" dirty="0">
+                <a:solidFill>
+                  <a:schemeClr val="tx1"/>
+                </a:solidFill>
+                <a:effectLst/>
+                <a:latin typeface="+mn-lt"/>
+                <a:ea typeface="+mn-ea"/>
+                <a:cs typeface="+mn-cs"/>
+                <a:hlinkClick r:id="rId5"/>
+              </a:rPr>
+              <a:t>Babel</a:t>
+            </a:r>
+            <a:r>
+              <a:rPr lang="en-US" sz="1200" b="0" i="0" kern="1200" dirty="0">
+                <a:solidFill>
+                  <a:schemeClr val="tx1"/>
+                </a:solidFill>
+                <a:effectLst/>
+                <a:latin typeface="+mn-lt"/>
+                <a:ea typeface="+mn-ea"/>
+                <a:cs typeface="+mn-cs"/>
+              </a:rPr>
+              <a:t>.</a:t>
+            </a:r>
+            <a:endParaRPr lang="uk-UA" dirty="0"/>
+          </a:p>
+        </p:txBody>
+      </p:sp>
+      <p:sp>
+        <p:nvSpPr>
+          <p:cNvPr id="4" name="Номер слайда 3"/>
+          <p:cNvSpPr>
+            <a:spLocks noGrp="1"/>
+          </p:cNvSpPr>
+          <p:nvPr>
+            <p:ph type="sldNum" sz="quarter" idx="5"/>
+          </p:nvPr>
+        </p:nvSpPr>
+        <p:spPr/>
+        <p:txBody>
+          <a:bodyPr/>
+          <a:lstStyle/>
+          <a:p>
+            <a:fld id="{C6B9B3CE-BC21-41F4-8896-5AF0EBA9693C}" type="slidenum">
+              <a:rPr lang="uk-UA" smtClean="0"/>
+              <a:t>16</a:t>
+            </a:fld>
+            <a:endParaRPr lang="uk-UA"/>
+          </a:p>
+        </p:txBody>
+      </p:sp>
+    </p:spTree>
+    <p:extLst>
+      <p:ext uri="{BB962C8B-B14F-4D97-AF65-F5344CB8AC3E}">
+        <p14:creationId xmlns:p14="http://schemas.microsoft.com/office/powerpoint/2010/main" val="2600733341"/>
+      </p:ext>
+    </p:extLst>
+  </p:cSld>
+  <p:clrMapOvr>
+    <a:masterClrMapping/>
+  </p:clrMapOvr>
+</p:notes>
+</file>
+
+<file path=ppt/notesSlides/notesSlide12.xml><?xml version="1.0" encoding="utf-8"?>
+<p:notes xmlns:a="http://schemas.openxmlformats.org/drawingml/2006/main" xmlns:r="http://schemas.openxmlformats.org/officeDocument/2006/relationships" xmlns:p="http://schemas.openxmlformats.org/presentationml/2006/main">
+  <p:cSld>
+    <p:spTree>
+      <p:nvGrpSpPr>
+        <p:cNvPr id="1" name=""/>
+        <p:cNvGrpSpPr/>
+        <p:nvPr/>
+      </p:nvGrpSpPr>
+      <p:grpSpPr>
+        <a:xfrm>
+          <a:off x="0" y="0"/>
+          <a:ext cx="0" cy="0"/>
+          <a:chOff x="0" y="0"/>
+          <a:chExt cx="0" cy="0"/>
+        </a:xfrm>
+      </p:grpSpPr>
+      <p:sp>
+        <p:nvSpPr>
+          <p:cNvPr id="2" name="Образ слайда 1"/>
+          <p:cNvSpPr>
+            <a:spLocks noGrp="1" noRot="1" noChangeAspect="1"/>
+          </p:cNvSpPr>
+          <p:nvPr>
+            <p:ph type="sldImg"/>
+          </p:nvPr>
+        </p:nvSpPr>
+        <p:spPr/>
+      </p:sp>
+      <p:sp>
+        <p:nvSpPr>
+          <p:cNvPr id="3" name="Заметки 2"/>
+          <p:cNvSpPr>
+            <a:spLocks noGrp="1"/>
+          </p:cNvSpPr>
+          <p:nvPr>
+            <p:ph type="body" idx="1"/>
+          </p:nvPr>
+        </p:nvSpPr>
+        <p:spPr/>
+        <p:txBody>
+          <a:bodyPr/>
+          <a:lstStyle/>
+          <a:p>
+            <a:r>
+              <a:rPr lang="uk-UA" sz="1200" b="0" i="0" kern="1200" noProof="0" dirty="0">
+                <a:solidFill>
+                  <a:schemeClr val="tx1"/>
+                </a:solidFill>
+                <a:effectLst/>
+                <a:latin typeface="+mn-lt"/>
+                <a:ea typeface="+mn-ea"/>
+                <a:cs typeface="+mn-cs"/>
+              </a:rPr>
+              <a:t>З оголошенням полів заздалегідь оголошення класу стає більш </a:t>
+            </a:r>
+            <a:r>
+              <a:rPr lang="uk-UA" sz="1200" b="0" i="0" kern="1200" noProof="0" dirty="0" err="1">
+                <a:solidFill>
+                  <a:schemeClr val="tx1"/>
+                </a:solidFill>
+                <a:effectLst/>
+                <a:latin typeface="+mn-lt"/>
+                <a:ea typeface="+mn-ea"/>
+                <a:cs typeface="+mn-cs"/>
+              </a:rPr>
+              <a:t>самозадокументованим</a:t>
+            </a:r>
+            <a:r>
+              <a:rPr lang="uk-UA" sz="1200" b="0" i="0" kern="1200" noProof="0" dirty="0">
+                <a:solidFill>
+                  <a:schemeClr val="tx1"/>
+                </a:solidFill>
+                <a:effectLst/>
+                <a:latin typeface="+mn-lt"/>
+                <a:ea typeface="+mn-ea"/>
+                <a:cs typeface="+mn-cs"/>
+              </a:rPr>
+              <a:t>, а поля завжди присутні.</a:t>
+            </a:r>
+          </a:p>
+          <a:p>
+            <a:r>
+              <a:rPr lang="uk-UA" sz="1200" b="0" i="0" kern="1200" noProof="0" dirty="0">
+                <a:solidFill>
+                  <a:schemeClr val="tx1"/>
+                </a:solidFill>
+                <a:effectLst/>
+                <a:latin typeface="+mn-lt"/>
+                <a:ea typeface="+mn-ea"/>
+                <a:cs typeface="+mn-cs"/>
+              </a:rPr>
+              <a:t>Як бачимо, оголошені поля можуть мати або не мати значення за замовчуванням.</a:t>
+            </a:r>
+          </a:p>
+          <a:p>
+            <a:endParaRPr lang="uk-UA" noProof="0" dirty="0"/>
+          </a:p>
+        </p:txBody>
+      </p:sp>
+      <p:sp>
+        <p:nvSpPr>
+          <p:cNvPr id="4" name="Номер слайда 3"/>
+          <p:cNvSpPr>
+            <a:spLocks noGrp="1"/>
+          </p:cNvSpPr>
+          <p:nvPr>
+            <p:ph type="sldNum" sz="quarter" idx="5"/>
+          </p:nvPr>
+        </p:nvSpPr>
+        <p:spPr/>
+        <p:txBody>
+          <a:bodyPr/>
+          <a:lstStyle/>
+          <a:p>
+            <a:fld id="{C6B9B3CE-BC21-41F4-8896-5AF0EBA9693C}" type="slidenum">
+              <a:rPr lang="uk-UA" smtClean="0"/>
+              <a:t>17</a:t>
+            </a:fld>
+            <a:endParaRPr lang="uk-UA"/>
+          </a:p>
+        </p:txBody>
+      </p:sp>
+    </p:spTree>
+    <p:extLst>
+      <p:ext uri="{BB962C8B-B14F-4D97-AF65-F5344CB8AC3E}">
+        <p14:creationId xmlns:p14="http://schemas.microsoft.com/office/powerpoint/2010/main" val="4118397583"/>
+      </p:ext>
+    </p:extLst>
+  </p:cSld>
+  <p:clrMapOvr>
+    <a:masterClrMapping/>
+  </p:clrMapOvr>
+</p:notes>
+</file>
+
+<file path=ppt/notesSlides/notesSlide13.xml><?xml version="1.0" encoding="utf-8"?>
+<p:notes xmlns:a="http://schemas.openxmlformats.org/drawingml/2006/main" xmlns:r="http://schemas.openxmlformats.org/officeDocument/2006/relationships" xmlns:p="http://schemas.openxmlformats.org/presentationml/2006/main">
+  <p:cSld>
+    <p:spTree>
+      <p:nvGrpSpPr>
+        <p:cNvPr id="1" name=""/>
+        <p:cNvGrpSpPr/>
+        <p:nvPr/>
+      </p:nvGrpSpPr>
+      <p:grpSpPr>
+        <a:xfrm>
+          <a:off x="0" y="0"/>
+          <a:ext cx="0" cy="0"/>
+          <a:chOff x="0" y="0"/>
+          <a:chExt cx="0" cy="0"/>
+        </a:xfrm>
+      </p:grpSpPr>
+      <p:sp>
+        <p:nvSpPr>
+          <p:cNvPr id="2" name="Образ слайда 1"/>
+          <p:cNvSpPr>
+            <a:spLocks noGrp="1" noRot="1" noChangeAspect="1"/>
+          </p:cNvSpPr>
+          <p:nvPr>
+            <p:ph type="sldImg"/>
+          </p:nvPr>
+        </p:nvSpPr>
+        <p:spPr/>
+      </p:sp>
+      <p:sp>
+        <p:nvSpPr>
+          <p:cNvPr id="3" name="Заметки 2"/>
+          <p:cNvSpPr>
+            <a:spLocks noGrp="1"/>
+          </p:cNvSpPr>
+          <p:nvPr>
+            <p:ph type="body" idx="1"/>
+          </p:nvPr>
+        </p:nvSpPr>
+        <p:spPr/>
+        <p:txBody>
+          <a:bodyPr/>
+          <a:lstStyle/>
+          <a:p>
+            <a:r>
+              <a:rPr lang="uk-UA" sz="1200" b="0" i="0" kern="1200" noProof="0" dirty="0">
+                <a:solidFill>
+                  <a:schemeClr val="tx1"/>
+                </a:solidFill>
+                <a:effectLst/>
+                <a:latin typeface="+mn-lt"/>
+                <a:ea typeface="+mn-ea"/>
+                <a:cs typeface="+mn-cs"/>
+              </a:rPr>
+              <a:t>Буде помилкою посилатися на приватні поля поза межами класу; вони доступні для читання або запису тільки всередині тіла класу. Визначаючи щось, невидиме за межами класу, ви забезпечуєте умови, за яких користувачі ваших класів не зможуть покладатися на внутрішні властивості, які можуть змінюватись між версіями.</a:t>
+            </a:r>
+            <a:endParaRPr lang="en-US" sz="1200" b="0" i="0" kern="1200" noProof="0" dirty="0">
+              <a:solidFill>
+                <a:schemeClr val="tx1"/>
+              </a:solidFill>
+              <a:effectLst/>
+              <a:latin typeface="+mn-lt"/>
+              <a:ea typeface="+mn-ea"/>
+              <a:cs typeface="+mn-cs"/>
+            </a:endParaRPr>
+          </a:p>
+          <a:p>
+            <a:endParaRPr lang="uk-UA" sz="1200" b="0" i="0" kern="1200" noProof="0" dirty="0">
+              <a:solidFill>
+                <a:schemeClr val="tx1"/>
+              </a:solidFill>
+              <a:effectLst/>
+              <a:latin typeface="+mn-lt"/>
+              <a:ea typeface="+mn-ea"/>
+              <a:cs typeface="+mn-cs"/>
+            </a:endParaRPr>
+          </a:p>
+          <a:p>
+            <a:r>
+              <a:rPr lang="uk-UA" sz="1200" b="0" i="0" kern="1200" noProof="0" dirty="0">
+                <a:solidFill>
+                  <a:schemeClr val="tx1"/>
+                </a:solidFill>
+                <a:effectLst/>
+                <a:latin typeface="+mn-lt"/>
+                <a:ea typeface="+mn-ea"/>
+                <a:cs typeface="+mn-cs"/>
+              </a:rPr>
+              <a:t>Приватні поля можуть оголошуватися лише одразу при оголошенні полів.</a:t>
+            </a:r>
+          </a:p>
+          <a:p>
+            <a:r>
+              <a:rPr lang="uk-UA" sz="1200" b="0" i="0" kern="1200" noProof="0" dirty="0">
+                <a:solidFill>
+                  <a:schemeClr val="tx1"/>
+                </a:solidFill>
+                <a:effectLst/>
+                <a:latin typeface="+mn-lt"/>
+                <a:ea typeface="+mn-ea"/>
+                <a:cs typeface="+mn-cs"/>
+              </a:rPr>
+              <a:t>Приватні поля не можуть створюватись пізніше через присвоювання, як це роблять нормальні властивості.</a:t>
+            </a:r>
+          </a:p>
+        </p:txBody>
+      </p:sp>
+      <p:sp>
+        <p:nvSpPr>
+          <p:cNvPr id="4" name="Номер слайда 3"/>
+          <p:cNvSpPr>
+            <a:spLocks noGrp="1"/>
+          </p:cNvSpPr>
+          <p:nvPr>
+            <p:ph type="sldNum" sz="quarter" idx="5"/>
+          </p:nvPr>
+        </p:nvSpPr>
+        <p:spPr/>
+        <p:txBody>
+          <a:bodyPr/>
+          <a:lstStyle/>
+          <a:p>
+            <a:fld id="{C6B9B3CE-BC21-41F4-8896-5AF0EBA9693C}" type="slidenum">
+              <a:rPr lang="uk-UA" smtClean="0"/>
+              <a:t>19</a:t>
+            </a:fld>
+            <a:endParaRPr lang="uk-UA"/>
+          </a:p>
+        </p:txBody>
+      </p:sp>
+    </p:spTree>
+    <p:extLst>
+      <p:ext uri="{BB962C8B-B14F-4D97-AF65-F5344CB8AC3E}">
+        <p14:creationId xmlns:p14="http://schemas.microsoft.com/office/powerpoint/2010/main" val="2948871792"/>
+      </p:ext>
+    </p:extLst>
+  </p:cSld>
+  <p:clrMapOvr>
+    <a:masterClrMapping/>
+  </p:clrMapOvr>
+</p:notes>
+</file>
+
+<file path=ppt/notesSlides/notesSlide14.xml><?xml version="1.0" encoding="utf-8"?>
+<p:notes xmlns:a="http://schemas.openxmlformats.org/drawingml/2006/main" xmlns:r="http://schemas.openxmlformats.org/officeDocument/2006/relationships" xmlns:p="http://schemas.openxmlformats.org/presentationml/2006/main">
+  <p:cSld>
+    <p:spTree>
+      <p:nvGrpSpPr>
+        <p:cNvPr id="1" name=""/>
+        <p:cNvGrpSpPr/>
+        <p:nvPr/>
+      </p:nvGrpSpPr>
+      <p:grpSpPr>
+        <a:xfrm>
+          <a:off x="0" y="0"/>
+          <a:ext cx="0" cy="0"/>
+          <a:chOff x="0" y="0"/>
+          <a:chExt cx="0" cy="0"/>
+        </a:xfrm>
+      </p:grpSpPr>
+      <p:sp>
+        <p:nvSpPr>
+          <p:cNvPr id="2" name="Образ слайда 1"/>
+          <p:cNvSpPr>
+            <a:spLocks noGrp="1" noRot="1" noChangeAspect="1"/>
+          </p:cNvSpPr>
+          <p:nvPr>
+            <p:ph type="sldImg"/>
+          </p:nvPr>
+        </p:nvSpPr>
+        <p:spPr/>
+      </p:sp>
+      <p:sp>
+        <p:nvSpPr>
+          <p:cNvPr id="3" name="Заметки 2"/>
+          <p:cNvSpPr>
+            <a:spLocks noGrp="1"/>
+          </p:cNvSpPr>
+          <p:nvPr>
+            <p:ph type="body" idx="1"/>
+          </p:nvPr>
+        </p:nvSpPr>
+        <p:spPr/>
+        <p:txBody>
+          <a:bodyPr/>
+          <a:lstStyle/>
+          <a:p>
+            <a:r>
+              <a:rPr lang="uk-UA" sz="1200" b="0" i="0" kern="1200" noProof="0" dirty="0">
+                <a:solidFill>
+                  <a:schemeClr val="tx1"/>
+                </a:solidFill>
+                <a:effectLst/>
+                <a:latin typeface="+mn-lt"/>
+                <a:ea typeface="+mn-ea"/>
+                <a:cs typeface="+mn-cs"/>
+              </a:rPr>
+              <a:t>Ключове слово </a:t>
+            </a:r>
+            <a:r>
+              <a:rPr lang="uk-UA" sz="1200" u="none" strike="noStrike" kern="1200" noProof="0" dirty="0" err="1">
+                <a:solidFill>
+                  <a:schemeClr val="tx1"/>
+                </a:solidFill>
+                <a:effectLst/>
+                <a:latin typeface="+mn-lt"/>
+                <a:ea typeface="+mn-ea"/>
+                <a:cs typeface="+mn-cs"/>
+                <a:hlinkClick r:id="rId3"/>
+              </a:rPr>
+              <a:t>extends</a:t>
+            </a:r>
+            <a:r>
+              <a:rPr lang="uk-UA" sz="1200" b="0" i="0" kern="1200" noProof="0" dirty="0">
+                <a:solidFill>
+                  <a:schemeClr val="tx1"/>
+                </a:solidFill>
+                <a:effectLst/>
+                <a:latin typeface="+mn-lt"/>
+                <a:ea typeface="+mn-ea"/>
+                <a:cs typeface="+mn-cs"/>
+              </a:rPr>
+              <a:t> використовують у </a:t>
+            </a:r>
+            <a:r>
+              <a:rPr lang="uk-UA" sz="1200" b="0" i="1" kern="1200" noProof="0" dirty="0">
+                <a:solidFill>
+                  <a:schemeClr val="tx1"/>
+                </a:solidFill>
+                <a:effectLst/>
+                <a:latin typeface="+mn-lt"/>
+                <a:ea typeface="+mn-ea"/>
+                <a:cs typeface="+mn-cs"/>
+              </a:rPr>
+              <a:t>оголошенні класу</a:t>
+            </a:r>
+            <a:r>
+              <a:rPr lang="uk-UA" sz="1200" b="0" i="0" kern="1200" noProof="0" dirty="0">
+                <a:solidFill>
+                  <a:schemeClr val="tx1"/>
+                </a:solidFill>
+                <a:effectLst/>
+                <a:latin typeface="+mn-lt"/>
+                <a:ea typeface="+mn-ea"/>
+                <a:cs typeface="+mn-cs"/>
+              </a:rPr>
+              <a:t> або у </a:t>
+            </a:r>
+            <a:r>
+              <a:rPr lang="uk-UA" sz="1200" b="0" i="1" kern="1200" noProof="0" dirty="0">
+                <a:solidFill>
+                  <a:schemeClr val="tx1"/>
+                </a:solidFill>
+                <a:effectLst/>
+                <a:latin typeface="+mn-lt"/>
+                <a:ea typeface="+mn-ea"/>
+                <a:cs typeface="+mn-cs"/>
+              </a:rPr>
+              <a:t>виразі класу</a:t>
+            </a:r>
+            <a:r>
+              <a:rPr lang="uk-UA" sz="1200" b="0" i="0" kern="1200" noProof="0" dirty="0">
+                <a:solidFill>
+                  <a:schemeClr val="tx1"/>
+                </a:solidFill>
+                <a:effectLst/>
+                <a:latin typeface="+mn-lt"/>
+                <a:ea typeface="+mn-ea"/>
+                <a:cs typeface="+mn-cs"/>
+              </a:rPr>
+              <a:t>, щоб створити клас, як дочірній від іншого класу.</a:t>
+            </a:r>
+          </a:p>
+          <a:p>
+            <a:r>
+              <a:rPr lang="uk-UA" sz="1200" b="0" i="0" kern="1200" noProof="0" dirty="0">
+                <a:solidFill>
+                  <a:schemeClr val="tx1"/>
+                </a:solidFill>
+                <a:effectLst/>
+                <a:latin typeface="+mn-lt"/>
+                <a:ea typeface="+mn-ea"/>
+                <a:cs typeface="+mn-cs"/>
+              </a:rPr>
+              <a:t>Якщо у підкласі присутній конструктор, він має спочатку викликати </a:t>
+            </a:r>
+            <a:r>
+              <a:rPr lang="uk-UA" sz="1200" b="0" i="0" kern="1200" noProof="0" dirty="0" err="1">
+                <a:solidFill>
+                  <a:schemeClr val="tx1"/>
+                </a:solidFill>
+                <a:effectLst/>
+                <a:latin typeface="+mn-lt"/>
+                <a:ea typeface="+mn-ea"/>
+                <a:cs typeface="+mn-cs"/>
+              </a:rPr>
+              <a:t>super</a:t>
+            </a:r>
+            <a:r>
+              <a:rPr lang="uk-UA" sz="1200" b="0" i="0" kern="1200" noProof="0" dirty="0">
+                <a:solidFill>
+                  <a:schemeClr val="tx1"/>
+                </a:solidFill>
+                <a:effectLst/>
+                <a:latin typeface="+mn-lt"/>
+                <a:ea typeface="+mn-ea"/>
+                <a:cs typeface="+mn-cs"/>
+              </a:rPr>
+              <a:t>(), перед використанням "</a:t>
+            </a:r>
+            <a:r>
+              <a:rPr lang="uk-UA" sz="1200" b="0" i="0" kern="1200" noProof="0" dirty="0" err="1">
+                <a:solidFill>
+                  <a:schemeClr val="tx1"/>
+                </a:solidFill>
+                <a:effectLst/>
+                <a:latin typeface="+mn-lt"/>
+                <a:ea typeface="+mn-ea"/>
+                <a:cs typeface="+mn-cs"/>
+              </a:rPr>
+              <a:t>this</a:t>
+            </a:r>
+            <a:r>
+              <a:rPr lang="uk-UA" sz="1200" b="0" i="0" kern="1200" noProof="0" dirty="0">
+                <a:solidFill>
+                  <a:schemeClr val="tx1"/>
+                </a:solidFill>
+                <a:effectLst/>
+                <a:latin typeface="+mn-lt"/>
+                <a:ea typeface="+mn-ea"/>
+                <a:cs typeface="+mn-cs"/>
+              </a:rPr>
+              <a:t>".</a:t>
+            </a:r>
+            <a:endParaRPr lang="uk-UA" noProof="0" dirty="0"/>
+          </a:p>
+        </p:txBody>
+      </p:sp>
+      <p:sp>
+        <p:nvSpPr>
+          <p:cNvPr id="4" name="Номер слайда 3"/>
+          <p:cNvSpPr>
+            <a:spLocks noGrp="1"/>
+          </p:cNvSpPr>
+          <p:nvPr>
+            <p:ph type="sldNum" sz="quarter" idx="5"/>
+          </p:nvPr>
+        </p:nvSpPr>
+        <p:spPr/>
+        <p:txBody>
+          <a:bodyPr/>
+          <a:lstStyle/>
+          <a:p>
+            <a:fld id="{C6B9B3CE-BC21-41F4-8896-5AF0EBA9693C}" type="slidenum">
+              <a:rPr lang="uk-UA" smtClean="0"/>
+              <a:t>20</a:t>
+            </a:fld>
+            <a:endParaRPr lang="uk-UA"/>
+          </a:p>
+        </p:txBody>
+      </p:sp>
+    </p:spTree>
+    <p:extLst>
+      <p:ext uri="{BB962C8B-B14F-4D97-AF65-F5344CB8AC3E}">
+        <p14:creationId xmlns:p14="http://schemas.microsoft.com/office/powerpoint/2010/main" val="2145653742"/>
+      </p:ext>
+    </p:extLst>
+  </p:cSld>
+  <p:clrMapOvr>
+    <a:masterClrMapping/>
+  </p:clrMapOvr>
+</p:notes>
+</file>
+
+<file path=ppt/notesSlides/notesSlide15.xml><?xml version="1.0" encoding="utf-8"?>
+<p:notes xmlns:a="http://schemas.openxmlformats.org/drawingml/2006/main" xmlns:r="http://schemas.openxmlformats.org/officeDocument/2006/relationships" xmlns:p="http://schemas.openxmlformats.org/presentationml/2006/main">
+  <p:cSld>
+    <p:spTree>
+      <p:nvGrpSpPr>
+        <p:cNvPr id="1" name=""/>
+        <p:cNvGrpSpPr/>
+        <p:nvPr/>
+      </p:nvGrpSpPr>
+      <p:grpSpPr>
+        <a:xfrm>
+          <a:off x="0" y="0"/>
+          <a:ext cx="0" cy="0"/>
+          <a:chOff x="0" y="0"/>
+          <a:chExt cx="0" cy="0"/>
+        </a:xfrm>
+      </p:grpSpPr>
+      <p:sp>
+        <p:nvSpPr>
+          <p:cNvPr id="2" name="Образ слайда 1"/>
+          <p:cNvSpPr>
+            <a:spLocks noGrp="1" noRot="1" noChangeAspect="1"/>
+          </p:cNvSpPr>
+          <p:nvPr>
+            <p:ph type="sldImg"/>
+          </p:nvPr>
+        </p:nvSpPr>
+        <p:spPr/>
+      </p:sp>
+      <p:sp>
+        <p:nvSpPr>
+          <p:cNvPr id="3" name="Заметки 2"/>
+          <p:cNvSpPr>
+            <a:spLocks noGrp="1"/>
+          </p:cNvSpPr>
+          <p:nvPr>
+            <p:ph type="body" idx="1"/>
+          </p:nvPr>
+        </p:nvSpPr>
+        <p:spPr/>
+        <p:txBody>
+          <a:bodyPr/>
+          <a:lstStyle/>
+          <a:p>
+            <a:endParaRPr lang="uk-UA" dirty="0"/>
+          </a:p>
+        </p:txBody>
+      </p:sp>
+      <p:sp>
+        <p:nvSpPr>
+          <p:cNvPr id="4" name="Номер слайда 3"/>
+          <p:cNvSpPr>
+            <a:spLocks noGrp="1"/>
+          </p:cNvSpPr>
+          <p:nvPr>
+            <p:ph type="sldNum" sz="quarter" idx="5"/>
+          </p:nvPr>
+        </p:nvSpPr>
+        <p:spPr/>
+        <p:txBody>
+          <a:bodyPr/>
+          <a:lstStyle/>
+          <a:p>
+            <a:fld id="{C6B9B3CE-BC21-41F4-8896-5AF0EBA9693C}" type="slidenum">
+              <a:rPr lang="uk-UA" smtClean="0"/>
+              <a:t>21</a:t>
+            </a:fld>
+            <a:endParaRPr lang="uk-UA"/>
+          </a:p>
+        </p:txBody>
+      </p:sp>
+    </p:spTree>
+    <p:extLst>
+      <p:ext uri="{BB962C8B-B14F-4D97-AF65-F5344CB8AC3E}">
+        <p14:creationId xmlns:p14="http://schemas.microsoft.com/office/powerpoint/2010/main" val="1864716982"/>
       </p:ext>
     </p:extLst>
   </p:cSld>
@@ -8059,7 +8909,7 @@
           <p:cNvPr id="2" name="Заголовок 1">
             <a:extLst>
               <a:ext uri="{FF2B5EF4-FFF2-40B4-BE49-F238E27FC236}">
-                <a16:creationId xmlns:a16="http://schemas.microsoft.com/office/drawing/2014/main" id="{F42C39E6-A4C3-40E0-93D6-11AEB330067F}"/>
+                <a16:creationId xmlns:a16="http://schemas.microsoft.com/office/drawing/2014/main" id="{932F24C2-5683-4E79-8C2A-59A2E45B2216}"/>
               </a:ext>
             </a:extLst>
           </p:cNvPr>
@@ -8081,29 +8931,12 @@
               </a:lnSpc>
             </a:pPr>
             <a:r>
-              <a:rPr lang="en-US" sz="4000" dirty="0"/>
-              <a:t>Links</a:t>
+              <a:rPr lang="en-US" sz="3000" dirty="0"/>
+              <a:t>Field declarations</a:t>
             </a:r>
             <a:br>
-              <a:rPr lang="en-US" sz="4000" dirty="0"/>
+              <a:rPr lang="en-US" sz="3000" dirty="0"/>
             </a:br>
-            <a:r>
-              <a:rPr lang="en-US" sz="2400" dirty="0">
-                <a:latin typeface="Open Sans" panose="020B0604020202020204" charset="0"/>
-                <a:ea typeface="Open Sans" panose="020B0604020202020204" charset="0"/>
-                <a:cs typeface="Open Sans" panose="020B0604020202020204" charset="0"/>
-              </a:rPr>
-              <a:t>1. </a:t>
-            </a:r>
-            <a:r>
-              <a:rPr lang="en-US" sz="2400" dirty="0">
-                <a:latin typeface="Open Sans" panose="020B0604020202020204" charset="0"/>
-                <a:ea typeface="Open Sans" panose="020B0604020202020204" charset="0"/>
-                <a:cs typeface="Open Sans" panose="020B0604020202020204" charset="0"/>
-                <a:hlinkClick r:id="rId2"/>
-              </a:rPr>
-              <a:t>https://developer.mozilla.org/en-US/docs/Web/JavaScript/Reference/Classes</a:t>
-            </a:r>
             <a:br>
               <a:rPr lang="en-US" sz="2400" dirty="0">
                 <a:latin typeface="Open Sans" panose="020B0604020202020204" charset="0"/>
@@ -8117,16 +8950,22 @@
                 <a:ea typeface="Open Sans" panose="020B0604020202020204" charset="0"/>
                 <a:cs typeface="Open Sans" panose="020B0604020202020204" charset="0"/>
               </a:rPr>
-              <a:t>2. </a:t>
-            </a:r>
-            <a:r>
+              <a:t>Public field declarations</a:t>
+            </a:r>
+            <a:br>
               <a:rPr lang="en-US" sz="2400" dirty="0">
                 <a:latin typeface="Open Sans" panose="020B0604020202020204" charset="0"/>
                 <a:ea typeface="Open Sans" panose="020B0604020202020204" charset="0"/>
                 <a:cs typeface="Open Sans" panose="020B0604020202020204" charset="0"/>
-                <a:hlinkClick r:id="rId3"/>
-              </a:rPr>
-              <a:t>https://javascript.info/class</a:t>
+              </a:rPr>
+            </a:br>
+            <a:r>
+              <a:rPr lang="en-US" sz="2400" dirty="0">
+                <a:latin typeface="Open Sans" panose="020B0604020202020204" charset="0"/>
+                <a:ea typeface="Open Sans" panose="020B0604020202020204" charset="0"/>
+                <a:cs typeface="Open Sans" panose="020B0604020202020204" charset="0"/>
+              </a:rPr>
+              <a:t>Private field declarations</a:t>
             </a:r>
             <a:endParaRPr lang="uk-UA" sz="2400" dirty="0">
               <a:latin typeface="Open Sans" panose="020B0604020202020204" charset="0"/>
@@ -8136,16 +8975,765 @@
           </a:p>
         </p:txBody>
       </p:sp>
+      <p:pic>
+        <p:nvPicPr>
+          <p:cNvPr id="5" name="Рисунок 4">
+            <a:extLst>
+              <a:ext uri="{FF2B5EF4-FFF2-40B4-BE49-F238E27FC236}">
+                <a16:creationId xmlns:a16="http://schemas.microsoft.com/office/drawing/2014/main" id="{82B7DAD7-FF90-4F47-903E-5BBC5DF00480}"/>
+              </a:ext>
+            </a:extLst>
+          </p:cNvPr>
+          <p:cNvPicPr>
+            <a:picLocks noChangeAspect="1"/>
+          </p:cNvPicPr>
+          <p:nvPr/>
+        </p:nvPicPr>
+        <p:blipFill>
+          <a:blip r:embed="rId3">
+            <a:extLst>
+              <a:ext uri="{28A0092B-C50C-407E-A947-70E740481C1C}">
+                <a14:useLocalDpi xmlns:a14="http://schemas.microsoft.com/office/drawing/2010/main" val="0"/>
+              </a:ext>
+            </a:extLst>
+          </a:blip>
+          <a:stretch>
+            <a:fillRect/>
+          </a:stretch>
+        </p:blipFill>
+        <p:spPr>
+          <a:xfrm>
+            <a:off x="1003618" y="3429000"/>
+            <a:ext cx="10184763" cy="1464586"/>
+          </a:xfrm>
+          <a:prstGeom prst="rect">
+            <a:avLst/>
+          </a:prstGeom>
+        </p:spPr>
+      </p:pic>
     </p:spTree>
     <p:extLst>
       <p:ext uri="{BB962C8B-B14F-4D97-AF65-F5344CB8AC3E}">
-        <p14:creationId xmlns:p14="http://schemas.microsoft.com/office/powerpoint/2010/main" val="1031338415"/>
+        <p14:creationId xmlns:p14="http://schemas.microsoft.com/office/powerpoint/2010/main" val="2946136463"/>
       </p:ext>
     </p:extLst>
   </p:cSld>
   <p:clrMapOvr>
     <a:masterClrMapping/>
   </p:clrMapOvr>
+  <p:timing>
+    <p:tnLst>
+      <p:par>
+        <p:cTn id="1" dur="indefinite" restart="never" nodeType="tmRoot">
+          <p:childTnLst>
+            <p:seq concurrent="1" nextAc="seek">
+              <p:cTn id="2" dur="indefinite" nodeType="mainSeq">
+                <p:childTnLst>
+                  <p:par>
+                    <p:cTn id="3" fill="hold">
+                      <p:stCondLst>
+                        <p:cond delay="indefinite"/>
+                      </p:stCondLst>
+                      <p:childTnLst>
+                        <p:par>
+                          <p:cTn id="4" fill="hold">
+                            <p:stCondLst>
+                              <p:cond delay="0"/>
+                            </p:stCondLst>
+                            <p:childTnLst>
+                              <p:par>
+                                <p:cTn id="5" presetID="2" presetClass="entr" presetSubtype="4" fill="hold" nodeType="clickEffect">
+                                  <p:stCondLst>
+                                    <p:cond delay="0"/>
+                                  </p:stCondLst>
+                                  <p:childTnLst>
+                                    <p:set>
+                                      <p:cBhvr>
+                                        <p:cTn id="6" dur="1" fill="hold">
+                                          <p:stCondLst>
+                                            <p:cond delay="0"/>
+                                          </p:stCondLst>
+                                        </p:cTn>
+                                        <p:tgtEl>
+                                          <p:spTgt spid="5"/>
+                                        </p:tgtEl>
+                                        <p:attrNameLst>
+                                          <p:attrName>style.visibility</p:attrName>
+                                        </p:attrNameLst>
+                                      </p:cBhvr>
+                                      <p:to>
+                                        <p:strVal val="visible"/>
+                                      </p:to>
+                                    </p:set>
+                                    <p:anim calcmode="lin" valueType="num">
+                                      <p:cBhvr additive="base">
+                                        <p:cTn id="7" dur="500" fill="hold"/>
+                                        <p:tgtEl>
+                                          <p:spTgt spid="5"/>
+                                        </p:tgtEl>
+                                        <p:attrNameLst>
+                                          <p:attrName>ppt_x</p:attrName>
+                                        </p:attrNameLst>
+                                      </p:cBhvr>
+                                      <p:tavLst>
+                                        <p:tav tm="0">
+                                          <p:val>
+                                            <p:strVal val="#ppt_x"/>
+                                          </p:val>
+                                        </p:tav>
+                                        <p:tav tm="100000">
+                                          <p:val>
+                                            <p:strVal val="#ppt_x"/>
+                                          </p:val>
+                                        </p:tav>
+                                      </p:tavLst>
+                                    </p:anim>
+                                    <p:anim calcmode="lin" valueType="num">
+                                      <p:cBhvr additive="base">
+                                        <p:cTn id="8" dur="500" fill="hold"/>
+                                        <p:tgtEl>
+                                          <p:spTgt spid="5"/>
+                                        </p:tgtEl>
+                                        <p:attrNameLst>
+                                          <p:attrName>ppt_y</p:attrName>
+                                        </p:attrNameLst>
+                                      </p:cBhvr>
+                                      <p:tavLst>
+                                        <p:tav tm="0">
+                                          <p:val>
+                                            <p:strVal val="1+#ppt_h/2"/>
+                                          </p:val>
+                                        </p:tav>
+                                        <p:tav tm="100000">
+                                          <p:val>
+                                            <p:strVal val="#ppt_y"/>
+                                          </p:val>
+                                        </p:tav>
+                                      </p:tavLst>
+                                    </p:anim>
+                                  </p:childTnLst>
+                                </p:cTn>
+                              </p:par>
+                            </p:childTnLst>
+                          </p:cTn>
+                        </p:par>
+                      </p:childTnLst>
+                    </p:cTn>
+                  </p:par>
+                </p:childTnLst>
+              </p:cTn>
+              <p:prevCondLst>
+                <p:cond evt="onPrev" delay="0">
+                  <p:tgtEl>
+                    <p:sldTgt/>
+                  </p:tgtEl>
+                </p:cond>
+              </p:prevCondLst>
+              <p:nextCondLst>
+                <p:cond evt="onNext" delay="0">
+                  <p:tgtEl>
+                    <p:sldTgt/>
+                  </p:tgtEl>
+                </p:cond>
+              </p:nextCondLst>
+            </p:seq>
+          </p:childTnLst>
+        </p:cTn>
+      </p:par>
+    </p:tnLst>
+  </p:timing>
+</p:sld>
+</file>
+
+<file path=ppt/slides/slide17.xml><?xml version="1.0" encoding="utf-8"?>
+<p:sld xmlns:a="http://schemas.openxmlformats.org/drawingml/2006/main" xmlns:r="http://schemas.openxmlformats.org/officeDocument/2006/relationships" xmlns:p="http://schemas.openxmlformats.org/presentationml/2006/main">
+  <p:cSld>
+    <p:spTree>
+      <p:nvGrpSpPr>
+        <p:cNvPr id="1" name=""/>
+        <p:cNvGrpSpPr/>
+        <p:nvPr/>
+      </p:nvGrpSpPr>
+      <p:grpSpPr>
+        <a:xfrm>
+          <a:off x="0" y="0"/>
+          <a:ext cx="0" cy="0"/>
+          <a:chOff x="0" y="0"/>
+          <a:chExt cx="0" cy="0"/>
+        </a:xfrm>
+      </p:grpSpPr>
+      <p:sp>
+        <p:nvSpPr>
+          <p:cNvPr id="2" name="Заголовок 1">
+            <a:extLst>
+              <a:ext uri="{FF2B5EF4-FFF2-40B4-BE49-F238E27FC236}">
+                <a16:creationId xmlns:a16="http://schemas.microsoft.com/office/drawing/2014/main" id="{81B664B0-3A08-4D4D-AF68-807F1EB3A032}"/>
+              </a:ext>
+            </a:extLst>
+          </p:cNvPr>
+          <p:cNvSpPr>
+            <a:spLocks noGrp="1"/>
+          </p:cNvSpPr>
+          <p:nvPr>
+            <p:ph type="title"/>
+          </p:nvPr>
+        </p:nvSpPr>
+        <p:spPr/>
+        <p:txBody>
+          <a:bodyPr/>
+          <a:lstStyle/>
+          <a:p>
+            <a:pPr>
+              <a:lnSpc>
+                <a:spcPct val="100000"/>
+              </a:lnSpc>
+            </a:pPr>
+            <a:r>
+              <a:rPr lang="en-US" sz="3000" b="1" dirty="0"/>
+              <a:t>Public field declarations</a:t>
+            </a:r>
+            <a:br>
+              <a:rPr lang="en-US" sz="3000" b="1" dirty="0"/>
+            </a:br>
+            <a:r>
+              <a:rPr lang="en-US" sz="2400" dirty="0">
+                <a:latin typeface="Open Sans" panose="020B0604020202020204" charset="0"/>
+                <a:ea typeface="Open Sans" panose="020B0604020202020204" charset="0"/>
+                <a:cs typeface="Open Sans" panose="020B0604020202020204" charset="0"/>
+              </a:rPr>
+              <a:t>With the JavaScript field declaration syntax, the above example can be written as:</a:t>
+            </a:r>
+            <a:br>
+              <a:rPr lang="en-US" sz="2400" dirty="0">
+                <a:latin typeface="Open Sans" panose="020B0604020202020204" charset="0"/>
+                <a:ea typeface="Open Sans" panose="020B0604020202020204" charset="0"/>
+                <a:cs typeface="Open Sans" panose="020B0604020202020204" charset="0"/>
+              </a:rPr>
+            </a:br>
+            <a:br>
+              <a:rPr lang="en-US" sz="2400" dirty="0">
+                <a:latin typeface="Open Sans" panose="020B0604020202020204" charset="0"/>
+                <a:ea typeface="Open Sans" panose="020B0604020202020204" charset="0"/>
+                <a:cs typeface="Open Sans" panose="020B0604020202020204" charset="0"/>
+              </a:rPr>
+            </a:br>
+            <a:br>
+              <a:rPr lang="en-US" sz="2400" dirty="0">
+                <a:latin typeface="Open Sans" panose="020B0604020202020204" charset="0"/>
+                <a:ea typeface="Open Sans" panose="020B0604020202020204" charset="0"/>
+                <a:cs typeface="Open Sans" panose="020B0604020202020204" charset="0"/>
+              </a:rPr>
+            </a:br>
+            <a:br>
+              <a:rPr lang="en-US" sz="2400" dirty="0">
+                <a:latin typeface="Open Sans" panose="020B0604020202020204" charset="0"/>
+                <a:ea typeface="Open Sans" panose="020B0604020202020204" charset="0"/>
+                <a:cs typeface="Open Sans" panose="020B0604020202020204" charset="0"/>
+              </a:rPr>
+            </a:br>
+            <a:br>
+              <a:rPr lang="en-US" sz="2400" dirty="0">
+                <a:latin typeface="Open Sans" panose="020B0604020202020204" charset="0"/>
+                <a:ea typeface="Open Sans" panose="020B0604020202020204" charset="0"/>
+                <a:cs typeface="Open Sans" panose="020B0604020202020204" charset="0"/>
+              </a:rPr>
+            </a:br>
+            <a:br>
+              <a:rPr lang="en-US" sz="2400" dirty="0">
+                <a:latin typeface="Open Sans" panose="020B0604020202020204" charset="0"/>
+                <a:ea typeface="Open Sans" panose="020B0604020202020204" charset="0"/>
+                <a:cs typeface="Open Sans" panose="020B0604020202020204" charset="0"/>
+              </a:rPr>
+            </a:br>
+            <a:br>
+              <a:rPr lang="en-US" sz="2400" dirty="0">
+                <a:latin typeface="Open Sans" panose="020B0604020202020204" charset="0"/>
+                <a:ea typeface="Open Sans" panose="020B0604020202020204" charset="0"/>
+                <a:cs typeface="Open Sans" panose="020B0604020202020204" charset="0"/>
+              </a:rPr>
+            </a:br>
+            <a:br>
+              <a:rPr lang="en-US" sz="2400" dirty="0">
+                <a:latin typeface="Open Sans" panose="020B0604020202020204" charset="0"/>
+                <a:ea typeface="Open Sans" panose="020B0604020202020204" charset="0"/>
+                <a:cs typeface="Open Sans" panose="020B0604020202020204" charset="0"/>
+              </a:rPr>
+            </a:br>
+            <a:br>
+              <a:rPr lang="en-US" sz="2400" dirty="0">
+                <a:latin typeface="Open Sans" panose="020B0604020202020204" charset="0"/>
+                <a:ea typeface="Open Sans" panose="020B0604020202020204" charset="0"/>
+                <a:cs typeface="Open Sans" panose="020B0604020202020204" charset="0"/>
+              </a:rPr>
+            </a:br>
+            <a:br>
+              <a:rPr lang="en-US" sz="2400" dirty="0">
+                <a:latin typeface="Open Sans" panose="020B0604020202020204" charset="0"/>
+                <a:ea typeface="Open Sans" panose="020B0604020202020204" charset="0"/>
+                <a:cs typeface="Open Sans" panose="020B0604020202020204" charset="0"/>
+              </a:rPr>
+            </a:br>
+            <a:endParaRPr lang="en-US" sz="2400" dirty="0">
+              <a:latin typeface="Open Sans" panose="020B0604020202020204" charset="0"/>
+              <a:ea typeface="Open Sans" panose="020B0604020202020204" charset="0"/>
+              <a:cs typeface="Open Sans" panose="020B0604020202020204" charset="0"/>
+            </a:endParaRPr>
+          </a:p>
+        </p:txBody>
+      </p:sp>
+      <p:pic>
+        <p:nvPicPr>
+          <p:cNvPr id="5" name="Рисунок 4">
+            <a:extLst>
+              <a:ext uri="{FF2B5EF4-FFF2-40B4-BE49-F238E27FC236}">
+                <a16:creationId xmlns:a16="http://schemas.microsoft.com/office/drawing/2014/main" id="{4EFBC611-9374-4546-81A0-9CFF23FD251E}"/>
+              </a:ext>
+            </a:extLst>
+          </p:cNvPr>
+          <p:cNvPicPr>
+            <a:picLocks noChangeAspect="1"/>
+          </p:cNvPicPr>
+          <p:nvPr/>
+        </p:nvPicPr>
+        <p:blipFill>
+          <a:blip r:embed="rId3">
+            <a:extLst>
+              <a:ext uri="{28A0092B-C50C-407E-A947-70E740481C1C}">
+                <a14:useLocalDpi xmlns:a14="http://schemas.microsoft.com/office/drawing/2010/main" val="0"/>
+              </a:ext>
+            </a:extLst>
+          </a:blip>
+          <a:stretch>
+            <a:fillRect/>
+          </a:stretch>
+        </p:blipFill>
+        <p:spPr>
+          <a:xfrm>
+            <a:off x="2039914" y="2354137"/>
+            <a:ext cx="8112172" cy="2149725"/>
+          </a:xfrm>
+          <a:prstGeom prst="rect">
+            <a:avLst/>
+          </a:prstGeom>
+        </p:spPr>
+      </p:pic>
+    </p:spTree>
+    <p:extLst>
+      <p:ext uri="{BB962C8B-B14F-4D97-AF65-F5344CB8AC3E}">
+        <p14:creationId xmlns:p14="http://schemas.microsoft.com/office/powerpoint/2010/main" val="149657399"/>
+      </p:ext>
+    </p:extLst>
+  </p:cSld>
+  <p:clrMapOvr>
+    <a:masterClrMapping/>
+  </p:clrMapOvr>
+</p:sld>
+</file>
+
+<file path=ppt/slides/slide18.xml><?xml version="1.0" encoding="utf-8"?>
+<p:sld xmlns:a="http://schemas.openxmlformats.org/drawingml/2006/main" xmlns:r="http://schemas.openxmlformats.org/officeDocument/2006/relationships" xmlns:p="http://schemas.openxmlformats.org/presentationml/2006/main">
+  <p:cSld>
+    <p:spTree>
+      <p:nvGrpSpPr>
+        <p:cNvPr id="1" name=""/>
+        <p:cNvGrpSpPr/>
+        <p:nvPr/>
+      </p:nvGrpSpPr>
+      <p:grpSpPr>
+        <a:xfrm>
+          <a:off x="0" y="0"/>
+          <a:ext cx="0" cy="0"/>
+          <a:chOff x="0" y="0"/>
+          <a:chExt cx="0" cy="0"/>
+        </a:xfrm>
+      </p:grpSpPr>
+      <p:sp>
+        <p:nvSpPr>
+          <p:cNvPr id="2" name="Заголовок 1">
+            <a:extLst>
+              <a:ext uri="{FF2B5EF4-FFF2-40B4-BE49-F238E27FC236}">
+                <a16:creationId xmlns:a16="http://schemas.microsoft.com/office/drawing/2014/main" id="{15447ED2-94B6-415B-8DE2-5228DC9A3920}"/>
+              </a:ext>
+            </a:extLst>
+          </p:cNvPr>
+          <p:cNvSpPr>
+            <a:spLocks noGrp="1"/>
+          </p:cNvSpPr>
+          <p:nvPr>
+            <p:ph type="title"/>
+          </p:nvPr>
+        </p:nvSpPr>
+        <p:spPr/>
+        <p:txBody>
+          <a:bodyPr/>
+          <a:lstStyle/>
+          <a:p>
+            <a:pPr>
+              <a:lnSpc>
+                <a:spcPct val="100000"/>
+              </a:lnSpc>
+            </a:pPr>
+            <a:r>
+              <a:rPr lang="en-US" sz="3000" b="1" dirty="0"/>
+              <a:t>Private field declarations</a:t>
+            </a:r>
+            <a:br>
+              <a:rPr lang="en-US" sz="3000" b="1" dirty="0"/>
+            </a:br>
+            <a:r>
+              <a:rPr lang="en-US" sz="2400" dirty="0">
+                <a:latin typeface="Open Sans" panose="020B0604020202020204" charset="0"/>
+                <a:ea typeface="Open Sans" panose="020B0604020202020204" charset="0"/>
+                <a:cs typeface="Open Sans" panose="020B0604020202020204" charset="0"/>
+              </a:rPr>
+              <a:t>Using private fields, the definition can be refined as below.</a:t>
+            </a:r>
+            <a:br>
+              <a:rPr lang="en-US" sz="2400" dirty="0">
+                <a:latin typeface="Open Sans" panose="020B0604020202020204" charset="0"/>
+                <a:ea typeface="Open Sans" panose="020B0604020202020204" charset="0"/>
+                <a:cs typeface="Open Sans" panose="020B0604020202020204" charset="0"/>
+              </a:rPr>
+            </a:br>
+            <a:br>
+              <a:rPr lang="en-US" sz="2400" dirty="0">
+                <a:latin typeface="Open Sans" panose="020B0604020202020204" charset="0"/>
+                <a:ea typeface="Open Sans" panose="020B0604020202020204" charset="0"/>
+                <a:cs typeface="Open Sans" panose="020B0604020202020204" charset="0"/>
+              </a:rPr>
+            </a:br>
+            <a:endParaRPr lang="en-US" sz="2400" dirty="0">
+              <a:latin typeface="Open Sans" panose="020B0604020202020204" charset="0"/>
+              <a:ea typeface="Open Sans" panose="020B0604020202020204" charset="0"/>
+              <a:cs typeface="Open Sans" panose="020B0604020202020204" charset="0"/>
+            </a:endParaRPr>
+          </a:p>
+        </p:txBody>
+      </p:sp>
+      <p:pic>
+        <p:nvPicPr>
+          <p:cNvPr id="5" name="Рисунок 4">
+            <a:extLst>
+              <a:ext uri="{FF2B5EF4-FFF2-40B4-BE49-F238E27FC236}">
+                <a16:creationId xmlns:a16="http://schemas.microsoft.com/office/drawing/2014/main" id="{E30A1689-9355-43CD-A226-B1303032200D}"/>
+              </a:ext>
+            </a:extLst>
+          </p:cNvPr>
+          <p:cNvPicPr>
+            <a:picLocks noChangeAspect="1"/>
+          </p:cNvPicPr>
+          <p:nvPr/>
+        </p:nvPicPr>
+        <p:blipFill>
+          <a:blip r:embed="rId2">
+            <a:extLst>
+              <a:ext uri="{28A0092B-C50C-407E-A947-70E740481C1C}">
+                <a14:useLocalDpi xmlns:a14="http://schemas.microsoft.com/office/drawing/2010/main" val="0"/>
+              </a:ext>
+            </a:extLst>
+          </a:blip>
+          <a:stretch>
+            <a:fillRect/>
+          </a:stretch>
+        </p:blipFill>
+        <p:spPr>
+          <a:xfrm>
+            <a:off x="1944370" y="1992836"/>
+            <a:ext cx="8303260" cy="2186525"/>
+          </a:xfrm>
+          <a:prstGeom prst="rect">
+            <a:avLst/>
+          </a:prstGeom>
+        </p:spPr>
+      </p:pic>
+    </p:spTree>
+    <p:extLst>
+      <p:ext uri="{BB962C8B-B14F-4D97-AF65-F5344CB8AC3E}">
+        <p14:creationId xmlns:p14="http://schemas.microsoft.com/office/powerpoint/2010/main" val="2249757417"/>
+      </p:ext>
+    </p:extLst>
+  </p:cSld>
+  <p:clrMapOvr>
+    <a:masterClrMapping/>
+  </p:clrMapOvr>
+</p:sld>
+</file>
+
+<file path=ppt/slides/slide19.xml><?xml version="1.0" encoding="utf-8"?>
+<p:sld xmlns:a="http://schemas.openxmlformats.org/drawingml/2006/main" xmlns:r="http://schemas.openxmlformats.org/officeDocument/2006/relationships" xmlns:p="http://schemas.openxmlformats.org/presentationml/2006/main">
+  <p:cSld>
+    <p:spTree>
+      <p:nvGrpSpPr>
+        <p:cNvPr id="1" name=""/>
+        <p:cNvGrpSpPr/>
+        <p:nvPr/>
+      </p:nvGrpSpPr>
+      <p:grpSpPr>
+        <a:xfrm>
+          <a:off x="0" y="0"/>
+          <a:ext cx="0" cy="0"/>
+          <a:chOff x="0" y="0"/>
+          <a:chExt cx="0" cy="0"/>
+        </a:xfrm>
+      </p:grpSpPr>
+      <p:sp>
+        <p:nvSpPr>
+          <p:cNvPr id="2" name="Заголовок 1">
+            <a:extLst>
+              <a:ext uri="{FF2B5EF4-FFF2-40B4-BE49-F238E27FC236}">
+                <a16:creationId xmlns:a16="http://schemas.microsoft.com/office/drawing/2014/main" id="{CAF7AC86-B294-4D49-BC34-20F857F1997D}"/>
+              </a:ext>
+            </a:extLst>
+          </p:cNvPr>
+          <p:cNvSpPr>
+            <a:spLocks noGrp="1"/>
+          </p:cNvSpPr>
+          <p:nvPr>
+            <p:ph type="title"/>
+          </p:nvPr>
+        </p:nvSpPr>
+        <p:spPr/>
+        <p:txBody>
+          <a:bodyPr/>
+          <a:lstStyle/>
+          <a:p>
+            <a:pPr>
+              <a:lnSpc>
+                <a:spcPct val="100000"/>
+              </a:lnSpc>
+            </a:pPr>
+            <a:r>
+              <a:rPr lang="en-US" sz="2400" dirty="0">
+                <a:latin typeface="Open Sans" panose="020B0604020202020204" charset="0"/>
+                <a:ea typeface="Open Sans" panose="020B0604020202020204" charset="0"/>
+                <a:cs typeface="Open Sans" panose="020B0604020202020204" charset="0"/>
+              </a:rPr>
+              <a:t>It's an error to reference private fields from outside of the class; they can only be read or written within the class body. By defining things which are not visible outside of the class, you ensure that your classes' users can't depend on internals, which may change version to version.</a:t>
+            </a:r>
+            <a:br>
+              <a:rPr lang="en-US" sz="2400" dirty="0">
+                <a:latin typeface="Open Sans" panose="020B0604020202020204" charset="0"/>
+                <a:ea typeface="Open Sans" panose="020B0604020202020204" charset="0"/>
+                <a:cs typeface="Open Sans" panose="020B0604020202020204" charset="0"/>
+              </a:rPr>
+            </a:br>
+            <a:br>
+              <a:rPr lang="en-US" sz="2400" dirty="0">
+                <a:latin typeface="Open Sans" panose="020B0604020202020204" charset="0"/>
+                <a:ea typeface="Open Sans" panose="020B0604020202020204" charset="0"/>
+                <a:cs typeface="Open Sans" panose="020B0604020202020204" charset="0"/>
+              </a:rPr>
+            </a:br>
+            <a:br>
+              <a:rPr lang="en-US" sz="2400" dirty="0">
+                <a:latin typeface="Open Sans" panose="020B0604020202020204" charset="0"/>
+                <a:ea typeface="Open Sans" panose="020B0604020202020204" charset="0"/>
+                <a:cs typeface="Open Sans" panose="020B0604020202020204" charset="0"/>
+              </a:rPr>
+            </a:br>
+            <a:br>
+              <a:rPr lang="en-US" sz="2400" dirty="0">
+                <a:latin typeface="Open Sans" panose="020B0604020202020204" charset="0"/>
+                <a:ea typeface="Open Sans" panose="020B0604020202020204" charset="0"/>
+                <a:cs typeface="Open Sans" panose="020B0604020202020204" charset="0"/>
+              </a:rPr>
+            </a:br>
+            <a:br>
+              <a:rPr lang="en-US" sz="2400" dirty="0">
+                <a:latin typeface="Open Sans" panose="020B0604020202020204" charset="0"/>
+                <a:ea typeface="Open Sans" panose="020B0604020202020204" charset="0"/>
+                <a:cs typeface="Open Sans" panose="020B0604020202020204" charset="0"/>
+              </a:rPr>
+            </a:br>
+            <a:br>
+              <a:rPr lang="en-US" sz="2400" dirty="0">
+                <a:latin typeface="Open Sans" panose="020B0604020202020204" charset="0"/>
+                <a:ea typeface="Open Sans" panose="020B0604020202020204" charset="0"/>
+                <a:cs typeface="Open Sans" panose="020B0604020202020204" charset="0"/>
+              </a:rPr>
+            </a:br>
+            <a:br>
+              <a:rPr lang="en-US" sz="2400" dirty="0">
+                <a:latin typeface="Open Sans" panose="020B0604020202020204" charset="0"/>
+                <a:ea typeface="Open Sans" panose="020B0604020202020204" charset="0"/>
+                <a:cs typeface="Open Sans" panose="020B0604020202020204" charset="0"/>
+              </a:rPr>
+            </a:br>
+            <a:endParaRPr lang="uk-UA" sz="2400" dirty="0">
+              <a:latin typeface="Open Sans" panose="020B0604020202020204" charset="0"/>
+              <a:ea typeface="Open Sans" panose="020B0604020202020204" charset="0"/>
+              <a:cs typeface="Open Sans" panose="020B0604020202020204" charset="0"/>
+            </a:endParaRPr>
+          </a:p>
+        </p:txBody>
+      </p:sp>
+      <p:pic>
+        <p:nvPicPr>
+          <p:cNvPr id="5" name="Рисунок 4">
+            <a:extLst>
+              <a:ext uri="{FF2B5EF4-FFF2-40B4-BE49-F238E27FC236}">
+                <a16:creationId xmlns:a16="http://schemas.microsoft.com/office/drawing/2014/main" id="{AA9DA3EE-D23A-46FC-BBE9-9416566F9AD8}"/>
+              </a:ext>
+            </a:extLst>
+          </p:cNvPr>
+          <p:cNvPicPr>
+            <a:picLocks noChangeAspect="1"/>
+          </p:cNvPicPr>
+          <p:nvPr/>
+        </p:nvPicPr>
+        <p:blipFill>
+          <a:blip r:embed="rId3">
+            <a:extLst>
+              <a:ext uri="{28A0092B-C50C-407E-A947-70E740481C1C}">
+                <a14:useLocalDpi xmlns:a14="http://schemas.microsoft.com/office/drawing/2010/main" val="0"/>
+              </a:ext>
+            </a:extLst>
+          </a:blip>
+          <a:stretch>
+            <a:fillRect/>
+          </a:stretch>
+        </p:blipFill>
+        <p:spPr>
+          <a:xfrm>
+            <a:off x="685800" y="2915739"/>
+            <a:ext cx="10640292" cy="721078"/>
+          </a:xfrm>
+          <a:prstGeom prst="rect">
+            <a:avLst/>
+          </a:prstGeom>
+        </p:spPr>
+      </p:pic>
+    </p:spTree>
+    <p:extLst>
+      <p:ext uri="{BB962C8B-B14F-4D97-AF65-F5344CB8AC3E}">
+        <p14:creationId xmlns:p14="http://schemas.microsoft.com/office/powerpoint/2010/main" val="2918983569"/>
+      </p:ext>
+    </p:extLst>
+  </p:cSld>
+  <p:clrMapOvr>
+    <a:masterClrMapping/>
+  </p:clrMapOvr>
+  <p:timing>
+    <p:tnLst>
+      <p:par>
+        <p:cTn id="1" dur="indefinite" restart="never" nodeType="tmRoot">
+          <p:childTnLst>
+            <p:seq concurrent="1" nextAc="seek">
+              <p:cTn id="2" dur="indefinite" nodeType="mainSeq">
+                <p:childTnLst>
+                  <p:par>
+                    <p:cTn id="3" fill="hold">
+                      <p:stCondLst>
+                        <p:cond delay="indefinite"/>
+                      </p:stCondLst>
+                      <p:childTnLst>
+                        <p:par>
+                          <p:cTn id="4" fill="hold">
+                            <p:stCondLst>
+                              <p:cond delay="0"/>
+                            </p:stCondLst>
+                            <p:childTnLst>
+                              <p:par>
+                                <p:cTn id="5" presetID="2" presetClass="entr" presetSubtype="4" fill="hold" nodeType="clickEffect">
+                                  <p:stCondLst>
+                                    <p:cond delay="0"/>
+                                  </p:stCondLst>
+                                  <p:childTnLst>
+                                    <p:set>
+                                      <p:cBhvr>
+                                        <p:cTn id="6" dur="1" fill="hold">
+                                          <p:stCondLst>
+                                            <p:cond delay="0"/>
+                                          </p:stCondLst>
+                                        </p:cTn>
+                                        <p:tgtEl>
+                                          <p:spTgt spid="5"/>
+                                        </p:tgtEl>
+                                        <p:attrNameLst>
+                                          <p:attrName>style.visibility</p:attrName>
+                                        </p:attrNameLst>
+                                      </p:cBhvr>
+                                      <p:to>
+                                        <p:strVal val="visible"/>
+                                      </p:to>
+                                    </p:set>
+                                    <p:anim calcmode="lin" valueType="num">
+                                      <p:cBhvr additive="base">
+                                        <p:cTn id="7" dur="500" fill="hold"/>
+                                        <p:tgtEl>
+                                          <p:spTgt spid="5"/>
+                                        </p:tgtEl>
+                                        <p:attrNameLst>
+                                          <p:attrName>ppt_x</p:attrName>
+                                        </p:attrNameLst>
+                                      </p:cBhvr>
+                                      <p:tavLst>
+                                        <p:tav tm="0">
+                                          <p:val>
+                                            <p:strVal val="#ppt_x"/>
+                                          </p:val>
+                                        </p:tav>
+                                        <p:tav tm="100000">
+                                          <p:val>
+                                            <p:strVal val="#ppt_x"/>
+                                          </p:val>
+                                        </p:tav>
+                                      </p:tavLst>
+                                    </p:anim>
+                                    <p:anim calcmode="lin" valueType="num">
+                                      <p:cBhvr additive="base">
+                                        <p:cTn id="8" dur="500" fill="hold"/>
+                                        <p:tgtEl>
+                                          <p:spTgt spid="5"/>
+                                        </p:tgtEl>
+                                        <p:attrNameLst>
+                                          <p:attrName>ppt_y</p:attrName>
+                                        </p:attrNameLst>
+                                      </p:cBhvr>
+                                      <p:tavLst>
+                                        <p:tav tm="0">
+                                          <p:val>
+                                            <p:strVal val="1+#ppt_h/2"/>
+                                          </p:val>
+                                        </p:tav>
+                                        <p:tav tm="100000">
+                                          <p:val>
+                                            <p:strVal val="#ppt_y"/>
+                                          </p:val>
+                                        </p:tav>
+                                      </p:tavLst>
+                                    </p:anim>
+                                  </p:childTnLst>
+                                </p:cTn>
+                              </p:par>
+                            </p:childTnLst>
+                          </p:cTn>
+                        </p:par>
+                      </p:childTnLst>
+                    </p:cTn>
+                  </p:par>
+                </p:childTnLst>
+              </p:cTn>
+              <p:prevCondLst>
+                <p:cond evt="onPrev" delay="0">
+                  <p:tgtEl>
+                    <p:sldTgt/>
+                  </p:tgtEl>
+                </p:cond>
+              </p:prevCondLst>
+              <p:nextCondLst>
+                <p:cond evt="onNext" delay="0">
+                  <p:tgtEl>
+                    <p:sldTgt/>
+                  </p:tgtEl>
+                </p:cond>
+              </p:nextCondLst>
+            </p:seq>
+          </p:childTnLst>
+        </p:cTn>
+      </p:par>
+    </p:tnLst>
+  </p:timing>
 </p:sld>
 </file>
 
@@ -8227,6 +9815,844 @@
     <p:extLst>
       <p:ext uri="{BB962C8B-B14F-4D97-AF65-F5344CB8AC3E}">
         <p14:creationId xmlns:p14="http://schemas.microsoft.com/office/powerpoint/2010/main" val="844288738"/>
+      </p:ext>
+    </p:extLst>
+  </p:cSld>
+  <p:clrMapOvr>
+    <a:masterClrMapping/>
+  </p:clrMapOvr>
+</p:sld>
+</file>
+
+<file path=ppt/slides/slide20.xml><?xml version="1.0" encoding="utf-8"?>
+<p:sld xmlns:a="http://schemas.openxmlformats.org/drawingml/2006/main" xmlns:r="http://schemas.openxmlformats.org/officeDocument/2006/relationships" xmlns:p="http://schemas.openxmlformats.org/presentationml/2006/main">
+  <p:cSld>
+    <p:spTree>
+      <p:nvGrpSpPr>
+        <p:cNvPr id="1" name=""/>
+        <p:cNvGrpSpPr/>
+        <p:nvPr/>
+      </p:nvGrpSpPr>
+      <p:grpSpPr>
+        <a:xfrm>
+          <a:off x="0" y="0"/>
+          <a:ext cx="0" cy="0"/>
+          <a:chOff x="0" y="0"/>
+          <a:chExt cx="0" cy="0"/>
+        </a:xfrm>
+      </p:grpSpPr>
+      <p:sp>
+        <p:nvSpPr>
+          <p:cNvPr id="2" name="Заголовок 1">
+            <a:extLst>
+              <a:ext uri="{FF2B5EF4-FFF2-40B4-BE49-F238E27FC236}">
+                <a16:creationId xmlns:a16="http://schemas.microsoft.com/office/drawing/2014/main" id="{78C26C71-8FA9-4DAB-8749-73FC96575522}"/>
+              </a:ext>
+            </a:extLst>
+          </p:cNvPr>
+          <p:cNvSpPr>
+            <a:spLocks noGrp="1"/>
+          </p:cNvSpPr>
+          <p:nvPr>
+            <p:ph type="title"/>
+          </p:nvPr>
+        </p:nvSpPr>
+        <p:spPr/>
+        <p:txBody>
+          <a:bodyPr/>
+          <a:lstStyle/>
+          <a:p>
+            <a:pPr>
+              <a:lnSpc>
+                <a:spcPct val="100000"/>
+              </a:lnSpc>
+            </a:pPr>
+            <a:r>
+              <a:rPr lang="en-US" sz="4000" dirty="0"/>
+              <a:t>Sub classing with extends</a:t>
+            </a:r>
+            <a:br>
+              <a:rPr lang="en-US" sz="4000" dirty="0"/>
+            </a:br>
+            <a:r>
+              <a:rPr lang="en-US" sz="2400" dirty="0">
+                <a:latin typeface="Open Sans" panose="020B0604020202020204" charset="0"/>
+                <a:ea typeface="Open Sans" panose="020B0604020202020204" charset="0"/>
+                <a:cs typeface="Open Sans" panose="020B0604020202020204" charset="0"/>
+              </a:rPr>
+              <a:t>The extends keyword is used in class declarations or class expressions to create a class as a child of another class.</a:t>
+            </a:r>
+            <a:br>
+              <a:rPr lang="en-US" sz="2400" dirty="0">
+                <a:latin typeface="Open Sans" panose="020B0604020202020204" charset="0"/>
+                <a:ea typeface="Open Sans" panose="020B0604020202020204" charset="0"/>
+                <a:cs typeface="Open Sans" panose="020B0604020202020204" charset="0"/>
+              </a:rPr>
+            </a:br>
+            <a:br>
+              <a:rPr lang="en-US" sz="2400" dirty="0">
+                <a:latin typeface="Open Sans" panose="020B0604020202020204" charset="0"/>
+                <a:ea typeface="Open Sans" panose="020B0604020202020204" charset="0"/>
+                <a:cs typeface="Open Sans" panose="020B0604020202020204" charset="0"/>
+              </a:rPr>
+            </a:br>
+            <a:r>
+              <a:rPr lang="en-US" sz="2400" dirty="0">
+                <a:latin typeface="Open Sans" panose="020B0604020202020204" charset="0"/>
+                <a:ea typeface="Open Sans" panose="020B0604020202020204" charset="0"/>
+                <a:cs typeface="Open Sans" panose="020B0604020202020204" charset="0"/>
+              </a:rPr>
+              <a:t>If there is a constructor present in the subclass, it needs to first call super() before using "this".</a:t>
+            </a:r>
+            <a:endParaRPr lang="uk-UA" sz="2400" dirty="0">
+              <a:latin typeface="Open Sans" panose="020B0604020202020204" charset="0"/>
+              <a:ea typeface="Open Sans" panose="020B0604020202020204" charset="0"/>
+              <a:cs typeface="Open Sans" panose="020B0604020202020204" charset="0"/>
+            </a:endParaRPr>
+          </a:p>
+        </p:txBody>
+      </p:sp>
+    </p:spTree>
+    <p:extLst>
+      <p:ext uri="{BB962C8B-B14F-4D97-AF65-F5344CB8AC3E}">
+        <p14:creationId xmlns:p14="http://schemas.microsoft.com/office/powerpoint/2010/main" val="3435234074"/>
+      </p:ext>
+    </p:extLst>
+  </p:cSld>
+  <p:clrMapOvr>
+    <a:masterClrMapping/>
+  </p:clrMapOvr>
+</p:sld>
+</file>
+
+<file path=ppt/slides/slide21.xml><?xml version="1.0" encoding="utf-8"?>
+<p:sld xmlns:a="http://schemas.openxmlformats.org/drawingml/2006/main" xmlns:r="http://schemas.openxmlformats.org/officeDocument/2006/relationships" xmlns:p="http://schemas.openxmlformats.org/presentationml/2006/main">
+  <p:cSld>
+    <p:spTree>
+      <p:nvGrpSpPr>
+        <p:cNvPr id="1" name=""/>
+        <p:cNvGrpSpPr/>
+        <p:nvPr/>
+      </p:nvGrpSpPr>
+      <p:grpSpPr>
+        <a:xfrm>
+          <a:off x="0" y="0"/>
+          <a:ext cx="0" cy="0"/>
+          <a:chOff x="0" y="0"/>
+          <a:chExt cx="0" cy="0"/>
+        </a:xfrm>
+      </p:grpSpPr>
+      <p:sp>
+        <p:nvSpPr>
+          <p:cNvPr id="2" name="Заголовок 1">
+            <a:extLst>
+              <a:ext uri="{FF2B5EF4-FFF2-40B4-BE49-F238E27FC236}">
+                <a16:creationId xmlns:a16="http://schemas.microsoft.com/office/drawing/2014/main" id="{9F2AFDCD-B8F2-4F14-8BE1-E82BC89A60C2}"/>
+              </a:ext>
+            </a:extLst>
+          </p:cNvPr>
+          <p:cNvSpPr>
+            <a:spLocks noGrp="1"/>
+          </p:cNvSpPr>
+          <p:nvPr>
+            <p:ph type="title"/>
+          </p:nvPr>
+        </p:nvSpPr>
+        <p:spPr/>
+        <p:txBody>
+          <a:bodyPr/>
+          <a:lstStyle/>
+          <a:p>
+            <a:pPr>
+              <a:lnSpc>
+                <a:spcPct val="100000"/>
+              </a:lnSpc>
+            </a:pPr>
+            <a:r>
+              <a:rPr lang="en-US" sz="3000" dirty="0"/>
+              <a:t>Example</a:t>
+            </a:r>
+            <a:endParaRPr lang="uk-UA" sz="3000" dirty="0"/>
+          </a:p>
+        </p:txBody>
+      </p:sp>
+      <p:pic>
+        <p:nvPicPr>
+          <p:cNvPr id="5" name="Рисунок 4">
+            <a:extLst>
+              <a:ext uri="{FF2B5EF4-FFF2-40B4-BE49-F238E27FC236}">
+                <a16:creationId xmlns:a16="http://schemas.microsoft.com/office/drawing/2014/main" id="{C0DF9D4E-FA64-4FB6-89D3-696F59FECA57}"/>
+              </a:ext>
+            </a:extLst>
+          </p:cNvPr>
+          <p:cNvPicPr>
+            <a:picLocks noChangeAspect="1"/>
+          </p:cNvPicPr>
+          <p:nvPr/>
+        </p:nvPicPr>
+        <p:blipFill>
+          <a:blip r:embed="rId3">
+            <a:extLst>
+              <a:ext uri="{28A0092B-C50C-407E-A947-70E740481C1C}">
+                <a14:useLocalDpi xmlns:a14="http://schemas.microsoft.com/office/drawing/2010/main" val="0"/>
+              </a:ext>
+            </a:extLst>
+          </a:blip>
+          <a:stretch>
+            <a:fillRect/>
+          </a:stretch>
+        </p:blipFill>
+        <p:spPr>
+          <a:xfrm>
+            <a:off x="2370234" y="1212273"/>
+            <a:ext cx="7451532" cy="4433453"/>
+          </a:xfrm>
+          <a:prstGeom prst="rect">
+            <a:avLst/>
+          </a:prstGeom>
+        </p:spPr>
+      </p:pic>
+    </p:spTree>
+    <p:extLst>
+      <p:ext uri="{BB962C8B-B14F-4D97-AF65-F5344CB8AC3E}">
+        <p14:creationId xmlns:p14="http://schemas.microsoft.com/office/powerpoint/2010/main" val="3086600050"/>
+      </p:ext>
+    </p:extLst>
+  </p:cSld>
+  <p:clrMapOvr>
+    <a:masterClrMapping/>
+  </p:clrMapOvr>
+</p:sld>
+</file>
+
+<file path=ppt/slides/slide22.xml><?xml version="1.0" encoding="utf-8"?>
+<p:sld xmlns:a="http://schemas.openxmlformats.org/drawingml/2006/main" xmlns:r="http://schemas.openxmlformats.org/officeDocument/2006/relationships" xmlns:p="http://schemas.openxmlformats.org/presentationml/2006/main">
+  <p:cSld>
+    <p:spTree>
+      <p:nvGrpSpPr>
+        <p:cNvPr id="1" name=""/>
+        <p:cNvGrpSpPr/>
+        <p:nvPr/>
+      </p:nvGrpSpPr>
+      <p:grpSpPr>
+        <a:xfrm>
+          <a:off x="0" y="0"/>
+          <a:ext cx="0" cy="0"/>
+          <a:chOff x="0" y="0"/>
+          <a:chExt cx="0" cy="0"/>
+        </a:xfrm>
+      </p:grpSpPr>
+      <p:sp>
+        <p:nvSpPr>
+          <p:cNvPr id="2" name="Заголовок 1">
+            <a:extLst>
+              <a:ext uri="{FF2B5EF4-FFF2-40B4-BE49-F238E27FC236}">
+                <a16:creationId xmlns:a16="http://schemas.microsoft.com/office/drawing/2014/main" id="{FC4FE51D-EB1A-4E26-AAE7-15FF467122A7}"/>
+              </a:ext>
+            </a:extLst>
+          </p:cNvPr>
+          <p:cNvSpPr>
+            <a:spLocks noGrp="1"/>
+          </p:cNvSpPr>
+          <p:nvPr>
+            <p:ph type="title"/>
+          </p:nvPr>
+        </p:nvSpPr>
+        <p:spPr/>
+        <p:txBody>
+          <a:bodyPr/>
+          <a:lstStyle/>
+          <a:p>
+            <a:pPr>
+              <a:lnSpc>
+                <a:spcPct val="100000"/>
+              </a:lnSpc>
+            </a:pPr>
+            <a:r>
+              <a:rPr lang="en-US" sz="2400" dirty="0">
+                <a:latin typeface="Open Sans" panose="020B0604020202020204" charset="0"/>
+                <a:ea typeface="Open Sans" panose="020B0604020202020204" charset="0"/>
+                <a:cs typeface="Open Sans" panose="020B0604020202020204" charset="0"/>
+              </a:rPr>
+              <a:t>One may also extend traditional function-based "classes":</a:t>
+            </a:r>
+            <a:endParaRPr lang="uk-UA" sz="2400" dirty="0">
+              <a:latin typeface="Open Sans" panose="020B0604020202020204" charset="0"/>
+              <a:ea typeface="Open Sans" panose="020B0604020202020204" charset="0"/>
+              <a:cs typeface="Open Sans" panose="020B0604020202020204" charset="0"/>
+            </a:endParaRPr>
+          </a:p>
+        </p:txBody>
+      </p:sp>
+      <p:pic>
+        <p:nvPicPr>
+          <p:cNvPr id="5" name="Рисунок 4">
+            <a:extLst>
+              <a:ext uri="{FF2B5EF4-FFF2-40B4-BE49-F238E27FC236}">
+                <a16:creationId xmlns:a16="http://schemas.microsoft.com/office/drawing/2014/main" id="{F4903879-EFC9-496C-8D5D-24F3B44522F4}"/>
+              </a:ext>
+            </a:extLst>
+          </p:cNvPr>
+          <p:cNvPicPr>
+            <a:picLocks noChangeAspect="1"/>
+          </p:cNvPicPr>
+          <p:nvPr/>
+        </p:nvPicPr>
+        <p:blipFill>
+          <a:blip r:embed="rId2">
+            <a:extLst>
+              <a:ext uri="{28A0092B-C50C-407E-A947-70E740481C1C}">
+                <a14:useLocalDpi xmlns:a14="http://schemas.microsoft.com/office/drawing/2010/main" val="0"/>
+              </a:ext>
+            </a:extLst>
+          </a:blip>
+          <a:stretch>
+            <a:fillRect/>
+          </a:stretch>
+        </p:blipFill>
+        <p:spPr>
+          <a:xfrm>
+            <a:off x="1893024" y="1371600"/>
+            <a:ext cx="8405951" cy="4114800"/>
+          </a:xfrm>
+          <a:prstGeom prst="rect">
+            <a:avLst/>
+          </a:prstGeom>
+        </p:spPr>
+      </p:pic>
+    </p:spTree>
+    <p:extLst>
+      <p:ext uri="{BB962C8B-B14F-4D97-AF65-F5344CB8AC3E}">
+        <p14:creationId xmlns:p14="http://schemas.microsoft.com/office/powerpoint/2010/main" val="3821854505"/>
+      </p:ext>
+    </p:extLst>
+  </p:cSld>
+  <p:clrMapOvr>
+    <a:masterClrMapping/>
+  </p:clrMapOvr>
+</p:sld>
+</file>
+
+<file path=ppt/slides/slide23.xml><?xml version="1.0" encoding="utf-8"?>
+<p:sld xmlns:a="http://schemas.openxmlformats.org/drawingml/2006/main" xmlns:r="http://schemas.openxmlformats.org/officeDocument/2006/relationships" xmlns:p="http://schemas.openxmlformats.org/presentationml/2006/main">
+  <p:cSld>
+    <p:spTree>
+      <p:nvGrpSpPr>
+        <p:cNvPr id="1" name=""/>
+        <p:cNvGrpSpPr/>
+        <p:nvPr/>
+      </p:nvGrpSpPr>
+      <p:grpSpPr>
+        <a:xfrm>
+          <a:off x="0" y="0"/>
+          <a:ext cx="0" cy="0"/>
+          <a:chOff x="0" y="0"/>
+          <a:chExt cx="0" cy="0"/>
+        </a:xfrm>
+      </p:grpSpPr>
+      <p:sp>
+        <p:nvSpPr>
+          <p:cNvPr id="2" name="Заголовок 1">
+            <a:extLst>
+              <a:ext uri="{FF2B5EF4-FFF2-40B4-BE49-F238E27FC236}">
+                <a16:creationId xmlns:a16="http://schemas.microsoft.com/office/drawing/2014/main" id="{2A59E761-BAF9-42A2-916C-77C44DF28FB5}"/>
+              </a:ext>
+            </a:extLst>
+          </p:cNvPr>
+          <p:cNvSpPr>
+            <a:spLocks noGrp="1"/>
+          </p:cNvSpPr>
+          <p:nvPr>
+            <p:ph type="title"/>
+          </p:nvPr>
+        </p:nvSpPr>
+        <p:spPr/>
+        <p:txBody>
+          <a:bodyPr/>
+          <a:lstStyle/>
+          <a:p>
+            <a:pPr>
+              <a:lnSpc>
+                <a:spcPct val="100000"/>
+              </a:lnSpc>
+            </a:pPr>
+            <a:r>
+              <a:rPr lang="en-US" sz="4000" dirty="0"/>
+              <a:t>Super class calls with super</a:t>
+            </a:r>
+            <a:br>
+              <a:rPr lang="en-US" sz="4000" dirty="0"/>
+            </a:br>
+            <a:r>
+              <a:rPr lang="en-US" sz="2400" dirty="0">
+                <a:latin typeface="Open Sans" panose="020B0604020202020204" charset="0"/>
+                <a:ea typeface="Open Sans" panose="020B0604020202020204" charset="0"/>
+                <a:cs typeface="Open Sans" panose="020B0604020202020204" charset="0"/>
+              </a:rPr>
+              <a:t>The super keyword is used to call corresponding methods of super class. This is one advantage over prototype-based inheritance.</a:t>
+            </a:r>
+            <a:endParaRPr lang="uk-UA" sz="2400" dirty="0">
+              <a:latin typeface="Open Sans" panose="020B0604020202020204" charset="0"/>
+              <a:ea typeface="Open Sans" panose="020B0604020202020204" charset="0"/>
+              <a:cs typeface="Open Sans" panose="020B0604020202020204" charset="0"/>
+            </a:endParaRPr>
+          </a:p>
+        </p:txBody>
+      </p:sp>
+    </p:spTree>
+    <p:extLst>
+      <p:ext uri="{BB962C8B-B14F-4D97-AF65-F5344CB8AC3E}">
+        <p14:creationId xmlns:p14="http://schemas.microsoft.com/office/powerpoint/2010/main" val="2212749375"/>
+      </p:ext>
+    </p:extLst>
+  </p:cSld>
+  <p:clrMapOvr>
+    <a:masterClrMapping/>
+  </p:clrMapOvr>
+</p:sld>
+</file>
+
+<file path=ppt/slides/slide24.xml><?xml version="1.0" encoding="utf-8"?>
+<p:sld xmlns:a="http://schemas.openxmlformats.org/drawingml/2006/main" xmlns:r="http://schemas.openxmlformats.org/officeDocument/2006/relationships" xmlns:p="http://schemas.openxmlformats.org/presentationml/2006/main">
+  <p:cSld>
+    <p:spTree>
+      <p:nvGrpSpPr>
+        <p:cNvPr id="1" name=""/>
+        <p:cNvGrpSpPr/>
+        <p:nvPr/>
+      </p:nvGrpSpPr>
+      <p:grpSpPr>
+        <a:xfrm>
+          <a:off x="0" y="0"/>
+          <a:ext cx="0" cy="0"/>
+          <a:chOff x="0" y="0"/>
+          <a:chExt cx="0" cy="0"/>
+        </a:xfrm>
+      </p:grpSpPr>
+      <p:sp>
+        <p:nvSpPr>
+          <p:cNvPr id="2" name="Заголовок 1">
+            <a:extLst>
+              <a:ext uri="{FF2B5EF4-FFF2-40B4-BE49-F238E27FC236}">
+                <a16:creationId xmlns:a16="http://schemas.microsoft.com/office/drawing/2014/main" id="{6525FB77-80D7-4E66-8E87-EDE250739B84}"/>
+              </a:ext>
+            </a:extLst>
+          </p:cNvPr>
+          <p:cNvSpPr>
+            <a:spLocks noGrp="1"/>
+          </p:cNvSpPr>
+          <p:nvPr>
+            <p:ph type="title"/>
+          </p:nvPr>
+        </p:nvSpPr>
+        <p:spPr/>
+        <p:txBody>
+          <a:bodyPr/>
+          <a:lstStyle/>
+          <a:p>
+            <a:pPr>
+              <a:lnSpc>
+                <a:spcPct val="100000"/>
+              </a:lnSpc>
+            </a:pPr>
+            <a:r>
+              <a:rPr lang="en-US" sz="3000" dirty="0"/>
+              <a:t>Example</a:t>
+            </a:r>
+            <a:endParaRPr lang="uk-UA" sz="3000" dirty="0"/>
+          </a:p>
+        </p:txBody>
+      </p:sp>
+      <p:pic>
+        <p:nvPicPr>
+          <p:cNvPr id="5" name="Рисунок 4">
+            <a:extLst>
+              <a:ext uri="{FF2B5EF4-FFF2-40B4-BE49-F238E27FC236}">
+                <a16:creationId xmlns:a16="http://schemas.microsoft.com/office/drawing/2014/main" id="{0B4EE839-C10D-45C3-BE65-04F6EE6209A8}"/>
+              </a:ext>
+            </a:extLst>
+          </p:cNvPr>
+          <p:cNvPicPr>
+            <a:picLocks noChangeAspect="1"/>
+          </p:cNvPicPr>
+          <p:nvPr/>
+        </p:nvPicPr>
+        <p:blipFill>
+          <a:blip r:embed="rId2">
+            <a:extLst>
+              <a:ext uri="{28A0092B-C50C-407E-A947-70E740481C1C}">
+                <a14:useLocalDpi xmlns:a14="http://schemas.microsoft.com/office/drawing/2010/main" val="0"/>
+              </a:ext>
+            </a:extLst>
+          </a:blip>
+          <a:stretch>
+            <a:fillRect/>
+          </a:stretch>
+        </p:blipFill>
+        <p:spPr>
+          <a:xfrm>
+            <a:off x="2841714" y="1226933"/>
+            <a:ext cx="6508572" cy="4404134"/>
+          </a:xfrm>
+          <a:prstGeom prst="rect">
+            <a:avLst/>
+          </a:prstGeom>
+        </p:spPr>
+      </p:pic>
+    </p:spTree>
+    <p:extLst>
+      <p:ext uri="{BB962C8B-B14F-4D97-AF65-F5344CB8AC3E}">
+        <p14:creationId xmlns:p14="http://schemas.microsoft.com/office/powerpoint/2010/main" val="3603824211"/>
+      </p:ext>
+    </p:extLst>
+  </p:cSld>
+  <p:clrMapOvr>
+    <a:masterClrMapping/>
+  </p:clrMapOvr>
+</p:sld>
+</file>
+
+<file path=ppt/slides/slide25.xml><?xml version="1.0" encoding="utf-8"?>
+<p:sld xmlns:a="http://schemas.openxmlformats.org/drawingml/2006/main" xmlns:r="http://schemas.openxmlformats.org/officeDocument/2006/relationships" xmlns:p="http://schemas.openxmlformats.org/presentationml/2006/main">
+  <p:cSld>
+    <p:spTree>
+      <p:nvGrpSpPr>
+        <p:cNvPr id="1" name=""/>
+        <p:cNvGrpSpPr/>
+        <p:nvPr/>
+      </p:nvGrpSpPr>
+      <p:grpSpPr>
+        <a:xfrm>
+          <a:off x="0" y="0"/>
+          <a:ext cx="0" cy="0"/>
+          <a:chOff x="0" y="0"/>
+          <a:chExt cx="0" cy="0"/>
+        </a:xfrm>
+      </p:grpSpPr>
+      <p:sp>
+        <p:nvSpPr>
+          <p:cNvPr id="2" name="Заголовок 1">
+            <a:extLst>
+              <a:ext uri="{FF2B5EF4-FFF2-40B4-BE49-F238E27FC236}">
+                <a16:creationId xmlns:a16="http://schemas.microsoft.com/office/drawing/2014/main" id="{01439332-D036-4D08-B171-FC0B9708DAA2}"/>
+              </a:ext>
+            </a:extLst>
+          </p:cNvPr>
+          <p:cNvSpPr>
+            <a:spLocks noGrp="1"/>
+          </p:cNvSpPr>
+          <p:nvPr>
+            <p:ph type="title"/>
+          </p:nvPr>
+        </p:nvSpPr>
+        <p:spPr/>
+        <p:txBody>
+          <a:bodyPr/>
+          <a:lstStyle/>
+          <a:p>
+            <a:pPr>
+              <a:lnSpc>
+                <a:spcPct val="100000"/>
+              </a:lnSpc>
+            </a:pPr>
+            <a:r>
+              <a:rPr lang="en-US" sz="4000" dirty="0"/>
+              <a:t>Getters/setters</a:t>
+            </a:r>
+            <a:br>
+              <a:rPr lang="en-US" sz="4000" dirty="0"/>
+            </a:br>
+            <a:r>
+              <a:rPr lang="en-US" sz="2400" dirty="0">
+                <a:latin typeface="Open Sans" panose="020B0604020202020204" charset="0"/>
+                <a:ea typeface="Open Sans" panose="020B0604020202020204" charset="0"/>
+                <a:cs typeface="Open Sans" panose="020B0604020202020204" charset="0"/>
+              </a:rPr>
+              <a:t>Just like literal objects, classes may include getters/setters</a:t>
+            </a:r>
+            <a:endParaRPr lang="uk-UA" sz="2400" dirty="0">
+              <a:latin typeface="Open Sans" panose="020B0604020202020204" charset="0"/>
+              <a:ea typeface="Open Sans" panose="020B0604020202020204" charset="0"/>
+              <a:cs typeface="Open Sans" panose="020B0604020202020204" charset="0"/>
+            </a:endParaRPr>
+          </a:p>
+        </p:txBody>
+      </p:sp>
+    </p:spTree>
+    <p:extLst>
+      <p:ext uri="{BB962C8B-B14F-4D97-AF65-F5344CB8AC3E}">
+        <p14:creationId xmlns:p14="http://schemas.microsoft.com/office/powerpoint/2010/main" val="2689367191"/>
+      </p:ext>
+    </p:extLst>
+  </p:cSld>
+  <p:clrMapOvr>
+    <a:masterClrMapping/>
+  </p:clrMapOvr>
+</p:sld>
+</file>
+
+<file path=ppt/slides/slide26.xml><?xml version="1.0" encoding="utf-8"?>
+<p:sld xmlns:a="http://schemas.openxmlformats.org/drawingml/2006/main" xmlns:r="http://schemas.openxmlformats.org/officeDocument/2006/relationships" xmlns:p="http://schemas.openxmlformats.org/presentationml/2006/main">
+  <p:cSld>
+    <p:spTree>
+      <p:nvGrpSpPr>
+        <p:cNvPr id="1" name=""/>
+        <p:cNvGrpSpPr/>
+        <p:nvPr/>
+      </p:nvGrpSpPr>
+      <p:grpSpPr>
+        <a:xfrm>
+          <a:off x="0" y="0"/>
+          <a:ext cx="0" cy="0"/>
+          <a:chOff x="0" y="0"/>
+          <a:chExt cx="0" cy="0"/>
+        </a:xfrm>
+      </p:grpSpPr>
+      <p:sp>
+        <p:nvSpPr>
+          <p:cNvPr id="2" name="Заголовок 1">
+            <a:extLst>
+              <a:ext uri="{FF2B5EF4-FFF2-40B4-BE49-F238E27FC236}">
+                <a16:creationId xmlns:a16="http://schemas.microsoft.com/office/drawing/2014/main" id="{26E47924-1212-4DF2-816A-90408C3D51E7}"/>
+              </a:ext>
+            </a:extLst>
+          </p:cNvPr>
+          <p:cNvSpPr>
+            <a:spLocks noGrp="1"/>
+          </p:cNvSpPr>
+          <p:nvPr>
+            <p:ph type="title"/>
+          </p:nvPr>
+        </p:nvSpPr>
+        <p:spPr/>
+        <p:txBody>
+          <a:bodyPr/>
+          <a:lstStyle/>
+          <a:p>
+            <a:pPr>
+              <a:lnSpc>
+                <a:spcPct val="100000"/>
+              </a:lnSpc>
+            </a:pPr>
+            <a:r>
+              <a:rPr lang="en-US" sz="3000" dirty="0"/>
+              <a:t>Example</a:t>
+            </a:r>
+            <a:endParaRPr lang="uk-UA" sz="3000" dirty="0"/>
+          </a:p>
+        </p:txBody>
+      </p:sp>
+      <p:pic>
+        <p:nvPicPr>
+          <p:cNvPr id="5" name="Рисунок 4">
+            <a:extLst>
+              <a:ext uri="{FF2B5EF4-FFF2-40B4-BE49-F238E27FC236}">
+                <a16:creationId xmlns:a16="http://schemas.microsoft.com/office/drawing/2014/main" id="{FAB1B829-2B48-42FE-AD28-3232CBE2C0F7}"/>
+              </a:ext>
+            </a:extLst>
+          </p:cNvPr>
+          <p:cNvPicPr>
+            <a:picLocks noChangeAspect="1"/>
+          </p:cNvPicPr>
+          <p:nvPr/>
+        </p:nvPicPr>
+        <p:blipFill>
+          <a:blip r:embed="rId2">
+            <a:extLst>
+              <a:ext uri="{28A0092B-C50C-407E-A947-70E740481C1C}">
+                <a14:useLocalDpi xmlns:a14="http://schemas.microsoft.com/office/drawing/2010/main" val="0"/>
+              </a:ext>
+            </a:extLst>
+          </a:blip>
+          <a:stretch>
+            <a:fillRect/>
+          </a:stretch>
+        </p:blipFill>
+        <p:spPr>
+          <a:xfrm>
+            <a:off x="3238101" y="1247470"/>
+            <a:ext cx="5715798" cy="4363059"/>
+          </a:xfrm>
+          <a:prstGeom prst="rect">
+            <a:avLst/>
+          </a:prstGeom>
+        </p:spPr>
+      </p:pic>
+    </p:spTree>
+    <p:extLst>
+      <p:ext uri="{BB962C8B-B14F-4D97-AF65-F5344CB8AC3E}">
+        <p14:creationId xmlns:p14="http://schemas.microsoft.com/office/powerpoint/2010/main" val="146217359"/>
+      </p:ext>
+    </p:extLst>
+  </p:cSld>
+  <p:clrMapOvr>
+    <a:masterClrMapping/>
+  </p:clrMapOvr>
+</p:sld>
+</file>
+
+<file path=ppt/slides/slide27.xml><?xml version="1.0" encoding="utf-8"?>
+<p:sld xmlns:a="http://schemas.openxmlformats.org/drawingml/2006/main" xmlns:r="http://schemas.openxmlformats.org/officeDocument/2006/relationships" xmlns:p="http://schemas.openxmlformats.org/presentationml/2006/main">
+  <p:cSld>
+    <p:spTree>
+      <p:nvGrpSpPr>
+        <p:cNvPr id="1" name=""/>
+        <p:cNvGrpSpPr/>
+        <p:nvPr/>
+      </p:nvGrpSpPr>
+      <p:grpSpPr>
+        <a:xfrm>
+          <a:off x="0" y="0"/>
+          <a:ext cx="0" cy="0"/>
+          <a:chOff x="0" y="0"/>
+          <a:chExt cx="0" cy="0"/>
+        </a:xfrm>
+      </p:grpSpPr>
+      <p:sp>
+        <p:nvSpPr>
+          <p:cNvPr id="2" name="Заголовок 1">
+            <a:extLst>
+              <a:ext uri="{FF2B5EF4-FFF2-40B4-BE49-F238E27FC236}">
+                <a16:creationId xmlns:a16="http://schemas.microsoft.com/office/drawing/2014/main" id="{E044124B-B018-4C46-89AC-4918AF746576}"/>
+              </a:ext>
+            </a:extLst>
+          </p:cNvPr>
+          <p:cNvSpPr>
+            <a:spLocks noGrp="1"/>
+          </p:cNvSpPr>
+          <p:nvPr>
+            <p:ph type="title"/>
+          </p:nvPr>
+        </p:nvSpPr>
+        <p:spPr/>
+        <p:txBody>
+          <a:bodyPr/>
+          <a:lstStyle/>
+          <a:p>
+            <a:r>
+              <a:rPr lang="en-US" dirty="0"/>
+              <a:t>THANK YOU!</a:t>
+            </a:r>
+            <a:endParaRPr lang="uk-UA" dirty="0"/>
+          </a:p>
+        </p:txBody>
+      </p:sp>
+    </p:spTree>
+    <p:extLst>
+      <p:ext uri="{BB962C8B-B14F-4D97-AF65-F5344CB8AC3E}">
+        <p14:creationId xmlns:p14="http://schemas.microsoft.com/office/powerpoint/2010/main" val="2707830101"/>
+      </p:ext>
+    </p:extLst>
+  </p:cSld>
+  <p:clrMapOvr>
+    <a:masterClrMapping/>
+  </p:clrMapOvr>
+</p:sld>
+</file>
+
+<file path=ppt/slides/slide28.xml><?xml version="1.0" encoding="utf-8"?>
+<p:sld xmlns:a="http://schemas.openxmlformats.org/drawingml/2006/main" xmlns:r="http://schemas.openxmlformats.org/officeDocument/2006/relationships" xmlns:p="http://schemas.openxmlformats.org/presentationml/2006/main">
+  <p:cSld>
+    <p:spTree>
+      <p:nvGrpSpPr>
+        <p:cNvPr id="1" name=""/>
+        <p:cNvGrpSpPr/>
+        <p:nvPr/>
+      </p:nvGrpSpPr>
+      <p:grpSpPr>
+        <a:xfrm>
+          <a:off x="0" y="0"/>
+          <a:ext cx="0" cy="0"/>
+          <a:chOff x="0" y="0"/>
+          <a:chExt cx="0" cy="0"/>
+        </a:xfrm>
+      </p:grpSpPr>
+      <p:sp>
+        <p:nvSpPr>
+          <p:cNvPr id="2" name="Заголовок 1">
+            <a:extLst>
+              <a:ext uri="{FF2B5EF4-FFF2-40B4-BE49-F238E27FC236}">
+                <a16:creationId xmlns:a16="http://schemas.microsoft.com/office/drawing/2014/main" id="{F42C39E6-A4C3-40E0-93D6-11AEB330067F}"/>
+              </a:ext>
+            </a:extLst>
+          </p:cNvPr>
+          <p:cNvSpPr>
+            <a:spLocks noGrp="1"/>
+          </p:cNvSpPr>
+          <p:nvPr>
+            <p:ph type="title"/>
+          </p:nvPr>
+        </p:nvSpPr>
+        <p:spPr/>
+        <p:txBody>
+          <a:bodyPr/>
+          <a:lstStyle/>
+          <a:p>
+            <a:pPr>
+              <a:lnSpc>
+                <a:spcPct val="100000"/>
+              </a:lnSpc>
+            </a:pPr>
+            <a:r>
+              <a:rPr lang="en-US" sz="4000" dirty="0"/>
+              <a:t>Links</a:t>
+            </a:r>
+            <a:br>
+              <a:rPr lang="en-US" sz="4000" dirty="0"/>
+            </a:br>
+            <a:r>
+              <a:rPr lang="en-US" sz="2400" dirty="0">
+                <a:latin typeface="Open Sans" panose="020B0604020202020204" charset="0"/>
+                <a:ea typeface="Open Sans" panose="020B0604020202020204" charset="0"/>
+                <a:cs typeface="Open Sans" panose="020B0604020202020204" charset="0"/>
+              </a:rPr>
+              <a:t>1. </a:t>
+            </a:r>
+            <a:r>
+              <a:rPr lang="en-US" sz="2400" dirty="0">
+                <a:latin typeface="Open Sans" panose="020B0604020202020204" charset="0"/>
+                <a:ea typeface="Open Sans" panose="020B0604020202020204" charset="0"/>
+                <a:cs typeface="Open Sans" panose="020B0604020202020204" charset="0"/>
+                <a:hlinkClick r:id="rId2"/>
+              </a:rPr>
+              <a:t>https://developer.mozilla.org/en-US/docs/Web/JavaScript/Reference/Classes</a:t>
+            </a:r>
+            <a:br>
+              <a:rPr lang="en-US" sz="2400" dirty="0">
+                <a:latin typeface="Open Sans" panose="020B0604020202020204" charset="0"/>
+                <a:ea typeface="Open Sans" panose="020B0604020202020204" charset="0"/>
+                <a:cs typeface="Open Sans" panose="020B0604020202020204" charset="0"/>
+              </a:rPr>
+            </a:br>
+            <a:r>
+              <a:rPr lang="en-US" sz="2400" dirty="0">
+                <a:latin typeface="Open Sans" panose="020B0604020202020204" charset="0"/>
+                <a:ea typeface="Open Sans" panose="020B0604020202020204" charset="0"/>
+                <a:cs typeface="Open Sans" panose="020B0604020202020204" charset="0"/>
+              </a:rPr>
+              <a:t>2. </a:t>
+            </a:r>
+            <a:r>
+              <a:rPr lang="en-US" sz="2400" dirty="0">
+                <a:latin typeface="Open Sans" panose="020B0604020202020204" charset="0"/>
+                <a:ea typeface="Open Sans" panose="020B0604020202020204" charset="0"/>
+                <a:cs typeface="Open Sans" panose="020B0604020202020204" charset="0"/>
+                <a:hlinkClick r:id="rId3"/>
+              </a:rPr>
+              <a:t>https://javascript.info/class</a:t>
+            </a:r>
+            <a:endParaRPr lang="uk-UA" sz="2400" dirty="0">
+              <a:latin typeface="Open Sans" panose="020B0604020202020204" charset="0"/>
+              <a:ea typeface="Open Sans" panose="020B0604020202020204" charset="0"/>
+              <a:cs typeface="Open Sans" panose="020B0604020202020204" charset="0"/>
+            </a:endParaRPr>
+          </a:p>
+        </p:txBody>
+      </p:sp>
+    </p:spTree>
+    <p:extLst>
+      <p:ext uri="{BB962C8B-B14F-4D97-AF65-F5344CB8AC3E}">
+        <p14:creationId xmlns:p14="http://schemas.microsoft.com/office/powerpoint/2010/main" val="1031338415"/>
       </p:ext>
     </p:extLst>
   </p:cSld>

--- a/presentations/Classes.pptx
+++ b/presentations/Classes.pptx
@@ -5,58 +5,61 @@
     <p:sldMasterId id="2147483656" r:id="rId4"/>
   </p:sldMasterIdLst>
   <p:notesMasterIdLst>
-    <p:notesMasterId r:id="rId33"/>
+    <p:notesMasterId r:id="rId36"/>
   </p:notesMasterIdLst>
   <p:sldIdLst>
     <p:sldId id="258" r:id="rId5"/>
-    <p:sldId id="263" r:id="rId6"/>
-    <p:sldId id="264" r:id="rId7"/>
-    <p:sldId id="265" r:id="rId8"/>
-    <p:sldId id="266" r:id="rId9"/>
-    <p:sldId id="267" r:id="rId10"/>
-    <p:sldId id="268" r:id="rId11"/>
-    <p:sldId id="269" r:id="rId12"/>
-    <p:sldId id="270" r:id="rId13"/>
-    <p:sldId id="271" r:id="rId14"/>
-    <p:sldId id="272" r:id="rId15"/>
-    <p:sldId id="274" r:id="rId16"/>
-    <p:sldId id="273" r:id="rId17"/>
-    <p:sldId id="275" r:id="rId18"/>
-    <p:sldId id="276" r:id="rId19"/>
-    <p:sldId id="277" r:id="rId20"/>
-    <p:sldId id="278" r:id="rId21"/>
-    <p:sldId id="279" r:id="rId22"/>
-    <p:sldId id="280" r:id="rId23"/>
-    <p:sldId id="281" r:id="rId24"/>
-    <p:sldId id="282" r:id="rId25"/>
-    <p:sldId id="283" r:id="rId26"/>
-    <p:sldId id="284" r:id="rId27"/>
-    <p:sldId id="285" r:id="rId28"/>
-    <p:sldId id="286" r:id="rId29"/>
-    <p:sldId id="287" r:id="rId30"/>
-    <p:sldId id="288" r:id="rId31"/>
-    <p:sldId id="262" r:id="rId32"/>
+    <p:sldId id="290" r:id="rId6"/>
+    <p:sldId id="291" r:id="rId7"/>
+    <p:sldId id="263" r:id="rId8"/>
+    <p:sldId id="264" r:id="rId9"/>
+    <p:sldId id="265" r:id="rId10"/>
+    <p:sldId id="266" r:id="rId11"/>
+    <p:sldId id="267" r:id="rId12"/>
+    <p:sldId id="268" r:id="rId13"/>
+    <p:sldId id="269" r:id="rId14"/>
+    <p:sldId id="270" r:id="rId15"/>
+    <p:sldId id="271" r:id="rId16"/>
+    <p:sldId id="272" r:id="rId17"/>
+    <p:sldId id="274" r:id="rId18"/>
+    <p:sldId id="273" r:id="rId19"/>
+    <p:sldId id="275" r:id="rId20"/>
+    <p:sldId id="276" r:id="rId21"/>
+    <p:sldId id="277" r:id="rId22"/>
+    <p:sldId id="278" r:id="rId23"/>
+    <p:sldId id="279" r:id="rId24"/>
+    <p:sldId id="280" r:id="rId25"/>
+    <p:sldId id="289" r:id="rId26"/>
+    <p:sldId id="281" r:id="rId27"/>
+    <p:sldId id="286" r:id="rId28"/>
+    <p:sldId id="287" r:id="rId29"/>
+    <p:sldId id="282" r:id="rId30"/>
+    <p:sldId id="283" r:id="rId31"/>
+    <p:sldId id="284" r:id="rId32"/>
+    <p:sldId id="285" r:id="rId33"/>
+    <p:sldId id="288" r:id="rId34"/>
+    <p:sldId id="262" r:id="rId35"/>
   </p:sldIdLst>
   <p:sldSz cx="12192000" cy="6858000"/>
   <p:notesSz cx="6858000" cy="9144000"/>
   <p:embeddedFontLst>
     <p:embeddedFont>
       <p:font typeface="Calibri" panose="020F0502020204030204" pitchFamily="34" charset="0"/>
-      <p:regular r:id="rId34"/>
-      <p:bold r:id="rId35"/>
-      <p:italic r:id="rId36"/>
-      <p:boldItalic r:id="rId37"/>
+      <p:regular r:id="rId37"/>
+      <p:bold r:id="rId38"/>
+      <p:italic r:id="rId39"/>
+      <p:boldItalic r:id="rId40"/>
     </p:embeddedFont>
     <p:embeddedFont>
       <p:font typeface="Open Sans" panose="020B0604020202020204" charset="0"/>
-      <p:regular r:id="rId38"/>
-      <p:bold r:id="rId39"/>
-      <p:italic r:id="rId40"/>
-      <p:boldItalic r:id="rId41"/>
+      <p:regular r:id="rId41"/>
+      <p:bold r:id="rId42"/>
+      <p:italic r:id="rId43"/>
+      <p:boldItalic r:id="rId44"/>
     </p:embeddedFont>
     <p:embeddedFont>
       <p:font typeface="Proxima Nova Black" panose="020B0604020202020204" charset="0"/>
-      <p:bold r:id="rId42"/>
+      <p:bold r:id="rId45"/>
     </p:embeddedFont>
   </p:embeddedFontLst>
   <p:defaultTextStyle>
@@ -160,6 +163,8 @@
         <p14:section name="Раздел по умолчанию" id="{4ED83C5E-90E6-472D-AD42-CB1E323BB8D9}">
           <p14:sldIdLst>
             <p14:sldId id="258"/>
+            <p14:sldId id="290"/>
+            <p14:sldId id="291"/>
             <p14:sldId id="263"/>
             <p14:sldId id="264"/>
             <p14:sldId id="265"/>
@@ -178,13 +183,14 @@
             <p14:sldId id="278"/>
             <p14:sldId id="279"/>
             <p14:sldId id="280"/>
+            <p14:sldId id="289"/>
             <p14:sldId id="281"/>
+            <p14:sldId id="286"/>
+            <p14:sldId id="287"/>
             <p14:sldId id="282"/>
             <p14:sldId id="283"/>
             <p14:sldId id="284"/>
             <p14:sldId id="285"/>
-            <p14:sldId id="286"/>
-            <p14:sldId id="287"/>
             <p14:sldId id="288"/>
             <p14:sldId id="262"/>
           </p14:sldIdLst>
@@ -280,7 +286,7 @@
           <a:p>
             <a:fld id="{66798AA2-1685-42F9-B308-E0EDFDECAB3C}" type="datetimeFigureOut">
               <a:rPr lang="uk-UA" smtClean="0"/>
-              <a:t>08.03.2020</a:t>
+              <a:t>22.03.2020</a:t>
             </a:fld>
             <a:endParaRPr lang="uk-UA"/>
           </a:p>
@@ -830,21 +836,20 @@
                 <a:ea typeface="+mn-ea"/>
                 <a:cs typeface="+mn-cs"/>
               </a:rPr>
-              <a:t>Властивості екземпляра повинні визначатися всередині методів класу</a:t>
-            </a:r>
-          </a:p>
-          <a:p>
-            <a:endParaRPr lang="uk-UA" sz="1200" b="0" i="0" kern="1200" noProof="0" dirty="0">
-              <a:solidFill>
-                <a:schemeClr val="tx1"/>
-              </a:solidFill>
-              <a:effectLst/>
-              <a:latin typeface="+mn-lt"/>
-              <a:ea typeface="+mn-ea"/>
-              <a:cs typeface="+mn-cs"/>
-            </a:endParaRPr>
-          </a:p>
-          <a:p>
+              <a:t>Ключове слово </a:t>
+            </a:r>
+            <a:r>
+              <a:rPr lang="uk-UA" sz="1200" b="1" u="none" strike="noStrike" kern="1200" noProof="0" dirty="0" err="1">
+                <a:solidFill>
+                  <a:schemeClr val="tx1"/>
+                </a:solidFill>
+                <a:effectLst/>
+                <a:latin typeface="+mn-lt"/>
+                <a:ea typeface="+mn-ea"/>
+                <a:cs typeface="+mn-cs"/>
+              </a:rPr>
+              <a:t>static</a:t>
+            </a:r>
             <a:r>
               <a:rPr lang="uk-UA" sz="1200" b="0" i="0" kern="1200" noProof="0" dirty="0">
                 <a:solidFill>
@@ -855,7 +860,55 @@
                 <a:ea typeface="+mn-ea"/>
                 <a:cs typeface="+mn-cs"/>
               </a:rPr>
-              <a:t>Статичні (на боці класу) властивості-значення та прототипні властивості-значення повинні визначатися за межами оголошення класу</a:t>
+              <a:t> визначає статичний метод класу. Статичні методи класу викликаються без </a:t>
+            </a:r>
+            <a:r>
+              <a:rPr lang="uk-UA" sz="1200" b="0" i="0" u="none" strike="noStrike" kern="1200" noProof="0" dirty="0">
+                <a:solidFill>
+                  <a:schemeClr val="tx1"/>
+                </a:solidFill>
+                <a:effectLst/>
+                <a:latin typeface="+mn-lt"/>
+                <a:ea typeface="+mn-ea"/>
+                <a:cs typeface="+mn-cs"/>
+              </a:rPr>
+              <a:t>створення екземпляра </a:t>
+            </a:r>
+            <a:r>
+              <a:rPr lang="uk-UA" sz="1200" b="0" i="0" kern="1200" noProof="0" dirty="0">
+                <a:solidFill>
+                  <a:schemeClr val="tx1"/>
+                </a:solidFill>
+                <a:effectLst/>
+                <a:latin typeface="+mn-lt"/>
+                <a:ea typeface="+mn-ea"/>
+                <a:cs typeface="+mn-cs"/>
+              </a:rPr>
+              <a:t>свого класу і </a:t>
+            </a:r>
+            <a:r>
+              <a:rPr lang="uk-UA" sz="1200" b="1" i="0" kern="1200" noProof="0" dirty="0">
+                <a:solidFill>
+                  <a:schemeClr val="tx1"/>
+                </a:solidFill>
+                <a:effectLst/>
+                <a:latin typeface="+mn-lt"/>
+                <a:ea typeface="+mn-ea"/>
+                <a:cs typeface="+mn-cs"/>
+              </a:rPr>
+              <a:t>не можуть</a:t>
+            </a:r>
+            <a:r>
+              <a:rPr lang="uk-UA" sz="1200" b="0" i="0" kern="1200" noProof="0" dirty="0">
+                <a:solidFill>
+                  <a:schemeClr val="tx1"/>
+                </a:solidFill>
+                <a:effectLst/>
+                <a:latin typeface="+mn-lt"/>
+                <a:ea typeface="+mn-ea"/>
+                <a:cs typeface="+mn-cs"/>
+              </a:rPr>
+              <a:t> бути викликані через екземпляр класу.</a:t>
             </a:r>
             <a:endParaRPr lang="uk-UA" noProof="0" dirty="0"/>
           </a:p>
@@ -878,7 +931,7 @@
           <a:p>
             <a:fld id="{C6B9B3CE-BC21-41F4-8896-5AF0EBA9693C}" type="slidenum">
               <a:rPr lang="uk-UA" smtClean="0"/>
-              <a:t>15</a:t>
+              <a:t>13</a:t>
             </a:fld>
             <a:endParaRPr lang="uk-UA"/>
           </a:p>
@@ -887,7 +940,7 @@
     </p:spTree>
     <p:extLst>
       <p:ext uri="{BB962C8B-B14F-4D97-AF65-F5344CB8AC3E}">
-        <p14:creationId xmlns:p14="http://schemas.microsoft.com/office/powerpoint/2010/main" val="3296748290"/>
+        <p14:creationId xmlns:p14="http://schemas.microsoft.com/office/powerpoint/2010/main" val="3822177570"/>
       </p:ext>
     </p:extLst>
   </p:cSld>
@@ -942,7 +995,7 @@
           <a:lstStyle/>
           <a:p>
             <a:r>
-              <a:rPr lang="uk-UA" sz="1200" b="0" i="0" kern="1200" dirty="0">
+              <a:rPr lang="uk-UA" sz="1200" b="0" i="0" kern="1200" noProof="0" dirty="0">
                 <a:solidFill>
                   <a:schemeClr val="tx1"/>
                 </a:solidFill>
@@ -951,10 +1004,23 @@
                 <a:ea typeface="+mn-ea"/>
                 <a:cs typeface="+mn-cs"/>
               </a:rPr>
-              <a:t>Оголошення публічних та приватних полів є </a:t>
-            </a:r>
-            <a:r>
-              <a:rPr lang="uk-UA" sz="1200" b="0" i="0" u="none" strike="noStrike" kern="1200" dirty="0">
+              <a:t>Властивості екземпляра повинні визначатися всередині методів класу</a:t>
+            </a:r>
+          </a:p>
+          <a:p>
+            <a:endParaRPr lang="uk-UA" sz="1200" b="0" i="0" kern="1200" noProof="0" dirty="0">
+              <a:solidFill>
+                <a:schemeClr val="tx1"/>
+              </a:solidFill>
+              <a:effectLst/>
+              <a:latin typeface="+mn-lt"/>
+              <a:ea typeface="+mn-ea"/>
+              <a:cs typeface="+mn-cs"/>
+            </a:endParaRPr>
+          </a:p>
+          <a:p>
+            <a:r>
+              <a:rPr lang="uk-UA" sz="1200" b="0" i="0" kern="1200" noProof="0" dirty="0">
                 <a:solidFill>
                   <a:schemeClr val="tx1"/>
                 </a:solidFill>
@@ -962,134 +1028,10 @@
                 <a:latin typeface="+mn-lt"/>
                 <a:ea typeface="+mn-ea"/>
                 <a:cs typeface="+mn-cs"/>
-                <a:hlinkClick r:id="rId3"/>
-              </a:rPr>
-              <a:t>експериментальною функціональністю (</a:t>
-            </a:r>
-            <a:r>
-              <a:rPr lang="en-US" sz="1200" b="0" i="0" u="none" strike="noStrike" kern="1200" dirty="0">
-                <a:solidFill>
-                  <a:schemeClr val="tx1"/>
-                </a:solidFill>
-                <a:effectLst/>
-                <a:latin typeface="+mn-lt"/>
-                <a:ea typeface="+mn-ea"/>
-                <a:cs typeface="+mn-cs"/>
-                <a:hlinkClick r:id="rId3"/>
-              </a:rPr>
-              <a:t>stage 3)</a:t>
-            </a:r>
-            <a:r>
-              <a:rPr lang="en-US" sz="1200" b="0" i="0" kern="1200" dirty="0">
-                <a:solidFill>
-                  <a:schemeClr val="tx1"/>
-                </a:solidFill>
-                <a:effectLst/>
-                <a:latin typeface="+mn-lt"/>
-                <a:ea typeface="+mn-ea"/>
-                <a:cs typeface="+mn-cs"/>
-              </a:rPr>
-              <a:t>, </a:t>
-            </a:r>
-            <a:r>
-              <a:rPr lang="uk-UA" sz="1200" b="0" i="0" kern="1200" dirty="0">
-                <a:solidFill>
-                  <a:schemeClr val="tx1"/>
-                </a:solidFill>
-                <a:effectLst/>
-                <a:latin typeface="+mn-lt"/>
-                <a:ea typeface="+mn-ea"/>
-                <a:cs typeface="+mn-cs"/>
-              </a:rPr>
-              <a:t>запропонованою на </a:t>
-            </a:r>
-            <a:r>
-              <a:rPr lang="en-US" sz="1200" b="0" i="0" u="none" strike="noStrike" kern="1200" dirty="0">
-                <a:solidFill>
-                  <a:schemeClr val="tx1"/>
-                </a:solidFill>
-                <a:effectLst/>
-                <a:latin typeface="+mn-lt"/>
-                <a:ea typeface="+mn-ea"/>
-                <a:cs typeface="+mn-cs"/>
-                <a:hlinkClick r:id="rId4"/>
-              </a:rPr>
-              <a:t>TC39</a:t>
-            </a:r>
-            <a:r>
-              <a:rPr lang="en-US" sz="1200" b="0" i="0" kern="1200" dirty="0">
-                <a:solidFill>
-                  <a:schemeClr val="tx1"/>
-                </a:solidFill>
-                <a:effectLst/>
-                <a:latin typeface="+mn-lt"/>
-                <a:ea typeface="+mn-ea"/>
-                <a:cs typeface="+mn-cs"/>
-              </a:rPr>
-              <a:t>, </a:t>
-            </a:r>
-            <a:r>
-              <a:rPr lang="uk-UA" sz="1200" b="0" i="0" kern="1200" dirty="0">
-                <a:solidFill>
-                  <a:schemeClr val="tx1"/>
-                </a:solidFill>
-                <a:effectLst/>
-                <a:latin typeface="+mn-lt"/>
-                <a:ea typeface="+mn-ea"/>
-                <a:cs typeface="+mn-cs"/>
-              </a:rPr>
-              <a:t>комітеті стандартів </a:t>
-            </a:r>
-            <a:r>
-              <a:rPr lang="en-US" sz="1200" b="0" i="0" kern="1200" dirty="0">
-                <a:solidFill>
-                  <a:schemeClr val="tx1"/>
-                </a:solidFill>
-                <a:effectLst/>
-                <a:latin typeface="+mn-lt"/>
-                <a:ea typeface="+mn-ea"/>
-                <a:cs typeface="+mn-cs"/>
-              </a:rPr>
-              <a:t>JavaScript. </a:t>
-            </a:r>
-            <a:r>
-              <a:rPr lang="uk-UA" sz="1200" b="0" i="0" kern="1200" dirty="0">
-                <a:solidFill>
-                  <a:schemeClr val="tx1"/>
-                </a:solidFill>
-                <a:effectLst/>
-                <a:latin typeface="+mn-lt"/>
-                <a:ea typeface="+mn-ea"/>
-                <a:cs typeface="+mn-cs"/>
-              </a:rPr>
-              <a:t>Підтримка у переглядачах є обмеженою, але функціональність можна використовувати через збирачі пакетів з системами на кшталт </a:t>
-            </a:r>
-            <a:r>
-              <a:rPr lang="en-US" sz="1200" b="0" i="0" u="none" strike="noStrike" kern="1200" dirty="0">
-                <a:solidFill>
-                  <a:schemeClr val="tx1"/>
-                </a:solidFill>
-                <a:effectLst/>
-                <a:latin typeface="+mn-lt"/>
-                <a:ea typeface="+mn-ea"/>
-                <a:cs typeface="+mn-cs"/>
-                <a:hlinkClick r:id="rId5"/>
-              </a:rPr>
-              <a:t>Babel</a:t>
-            </a:r>
-            <a:r>
-              <a:rPr lang="en-US" sz="1200" b="0" i="0" kern="1200" dirty="0">
-                <a:solidFill>
-                  <a:schemeClr val="tx1"/>
-                </a:solidFill>
-                <a:effectLst/>
-                <a:latin typeface="+mn-lt"/>
-                <a:ea typeface="+mn-ea"/>
-                <a:cs typeface="+mn-cs"/>
-              </a:rPr>
-              <a:t>.</a:t>
-            </a:r>
-            <a:endParaRPr lang="uk-UA" dirty="0"/>
+              </a:rPr>
+              <a:t>Статичні (на боці класу) властивості-значення та прототипні властивості-значення повинні визначатися за межами оголошення класу</a:t>
+            </a:r>
+            <a:endParaRPr lang="uk-UA" noProof="0" dirty="0"/>
           </a:p>
         </p:txBody>
       </p:sp>
@@ -1110,7 +1052,7 @@
           <a:p>
             <a:fld id="{C6B9B3CE-BC21-41F4-8896-5AF0EBA9693C}" type="slidenum">
               <a:rPr lang="uk-UA" smtClean="0"/>
-              <a:t>16</a:t>
+              <a:t>17</a:t>
             </a:fld>
             <a:endParaRPr lang="uk-UA"/>
           </a:p>
@@ -1119,7 +1061,7 @@
     </p:spTree>
     <p:extLst>
       <p:ext uri="{BB962C8B-B14F-4D97-AF65-F5344CB8AC3E}">
-        <p14:creationId xmlns:p14="http://schemas.microsoft.com/office/powerpoint/2010/main" val="2600733341"/>
+        <p14:creationId xmlns:p14="http://schemas.microsoft.com/office/powerpoint/2010/main" val="3296748290"/>
       </p:ext>
     </p:extLst>
   </p:cSld>
@@ -1174,7 +1116,7 @@
           <a:lstStyle/>
           <a:p>
             <a:r>
-              <a:rPr lang="uk-UA" sz="1200" b="0" i="0" kern="1200" noProof="0" dirty="0">
+              <a:rPr lang="uk-UA" sz="1200" b="0" i="0" kern="1200" dirty="0">
                 <a:solidFill>
                   <a:schemeClr val="tx1"/>
                 </a:solidFill>
@@ -1183,10 +1125,10 @@
                 <a:ea typeface="+mn-ea"/>
                 <a:cs typeface="+mn-cs"/>
               </a:rPr>
-              <a:t>З оголошенням полів заздалегідь оголошення класу стає більш </a:t>
-            </a:r>
-            <a:r>
-              <a:rPr lang="uk-UA" sz="1200" b="0" i="0" kern="1200" noProof="0" dirty="0" err="1">
+              <a:t>Оголошення публічних та приватних полів є </a:t>
+            </a:r>
+            <a:r>
+              <a:rPr lang="uk-UA" sz="1200" b="0" i="0" u="none" strike="noStrike" kern="1200" dirty="0">
                 <a:solidFill>
                   <a:schemeClr val="tx1"/>
                 </a:solidFill>
@@ -1194,11 +1136,12 @@
                 <a:latin typeface="+mn-lt"/>
                 <a:ea typeface="+mn-ea"/>
                 <a:cs typeface="+mn-cs"/>
-              </a:rPr>
-              <a:t>самозадокументованим</a:t>
-            </a:r>
-            <a:r>
-              <a:rPr lang="uk-UA" sz="1200" b="0" i="0" kern="1200" noProof="0" dirty="0">
+                <a:hlinkClick r:id="rId3"/>
+              </a:rPr>
+              <a:t>експериментальною функціональністю (</a:t>
+            </a:r>
+            <a:r>
+              <a:rPr lang="en-US" sz="1200" b="0" i="0" u="none" strike="noStrike" kern="1200" dirty="0">
                 <a:solidFill>
                   <a:schemeClr val="tx1"/>
                 </a:solidFill>
@@ -1206,13 +1149,12 @@
                 <a:latin typeface="+mn-lt"/>
                 <a:ea typeface="+mn-ea"/>
                 <a:cs typeface="+mn-cs"/>
-              </a:rPr>
-              <a:t>, а поля завжди присутні.</a:t>
-            </a:r>
-          </a:p>
-          <a:p>
-            <a:r>
-              <a:rPr lang="uk-UA" sz="1200" b="0" i="0" kern="1200" noProof="0" dirty="0">
+                <a:hlinkClick r:id="rId3"/>
+              </a:rPr>
+              <a:t>stage 3)</a:t>
+            </a:r>
+            <a:r>
+              <a:rPr lang="en-US" sz="1200" b="0" i="0" kern="1200" dirty="0">
                 <a:solidFill>
                   <a:schemeClr val="tx1"/>
                 </a:solidFill>
@@ -1221,11 +1163,107 @@
                 <a:ea typeface="+mn-ea"/>
                 <a:cs typeface="+mn-cs"/>
               </a:rPr>
-              <a:t>Як бачимо, оголошені поля можуть мати або не мати значення за замовчуванням.</a:t>
-            </a:r>
-          </a:p>
-          <a:p>
-            <a:endParaRPr lang="uk-UA" noProof="0" dirty="0"/>
+              <a:t>, </a:t>
+            </a:r>
+            <a:r>
+              <a:rPr lang="uk-UA" sz="1200" b="0" i="0" kern="1200" dirty="0">
+                <a:solidFill>
+                  <a:schemeClr val="tx1"/>
+                </a:solidFill>
+                <a:effectLst/>
+                <a:latin typeface="+mn-lt"/>
+                <a:ea typeface="+mn-ea"/>
+                <a:cs typeface="+mn-cs"/>
+              </a:rPr>
+              <a:t>запропонованою на </a:t>
+            </a:r>
+            <a:r>
+              <a:rPr lang="en-US" sz="1200" b="0" i="0" u="none" strike="noStrike" kern="1200" dirty="0">
+                <a:solidFill>
+                  <a:schemeClr val="tx1"/>
+                </a:solidFill>
+                <a:effectLst/>
+                <a:latin typeface="+mn-lt"/>
+                <a:ea typeface="+mn-ea"/>
+                <a:cs typeface="+mn-cs"/>
+                <a:hlinkClick r:id="rId4"/>
+              </a:rPr>
+              <a:t>TC39</a:t>
+            </a:r>
+            <a:r>
+              <a:rPr lang="en-US" sz="1200" b="0" i="0" kern="1200" dirty="0">
+                <a:solidFill>
+                  <a:schemeClr val="tx1"/>
+                </a:solidFill>
+                <a:effectLst/>
+                <a:latin typeface="+mn-lt"/>
+                <a:ea typeface="+mn-ea"/>
+                <a:cs typeface="+mn-cs"/>
+              </a:rPr>
+              <a:t>, </a:t>
+            </a:r>
+            <a:r>
+              <a:rPr lang="uk-UA" sz="1200" b="0" i="0" kern="1200" dirty="0">
+                <a:solidFill>
+                  <a:schemeClr val="tx1"/>
+                </a:solidFill>
+                <a:effectLst/>
+                <a:latin typeface="+mn-lt"/>
+                <a:ea typeface="+mn-ea"/>
+                <a:cs typeface="+mn-cs"/>
+              </a:rPr>
+              <a:t>комітеті стандартів </a:t>
+            </a:r>
+            <a:r>
+              <a:rPr lang="en-US" sz="1200" b="0" i="0" kern="1200" dirty="0">
+                <a:solidFill>
+                  <a:schemeClr val="tx1"/>
+                </a:solidFill>
+                <a:effectLst/>
+                <a:latin typeface="+mn-lt"/>
+                <a:ea typeface="+mn-ea"/>
+                <a:cs typeface="+mn-cs"/>
+              </a:rPr>
+              <a:t>JavaScript. </a:t>
+            </a:r>
+            <a:r>
+              <a:rPr lang="uk-UA" sz="1200" b="0" i="0" kern="1200" dirty="0">
+                <a:solidFill>
+                  <a:schemeClr val="tx1"/>
+                </a:solidFill>
+                <a:effectLst/>
+                <a:latin typeface="+mn-lt"/>
+                <a:ea typeface="+mn-ea"/>
+                <a:cs typeface="+mn-cs"/>
+              </a:rPr>
+              <a:t>Підтримка у переглядачах є обмеженою, але функціональність можна використовувати через збирачі пакетів з системами на кшталт </a:t>
+            </a:r>
+            <a:r>
+              <a:rPr lang="en-US" sz="1200" b="0" i="0" u="none" strike="noStrike" kern="1200" dirty="0">
+                <a:solidFill>
+                  <a:schemeClr val="tx1"/>
+                </a:solidFill>
+                <a:effectLst/>
+                <a:latin typeface="+mn-lt"/>
+                <a:ea typeface="+mn-ea"/>
+                <a:cs typeface="+mn-cs"/>
+                <a:hlinkClick r:id="rId5"/>
+              </a:rPr>
+              <a:t>Babel</a:t>
+            </a:r>
+            <a:r>
+              <a:rPr lang="en-US" sz="1200" b="0" i="0" kern="1200" dirty="0">
+                <a:solidFill>
+                  <a:schemeClr val="tx1"/>
+                </a:solidFill>
+                <a:effectLst/>
+                <a:latin typeface="+mn-lt"/>
+                <a:ea typeface="+mn-ea"/>
+                <a:cs typeface="+mn-cs"/>
+              </a:rPr>
+              <a:t>.</a:t>
+            </a:r>
+            <a:endParaRPr lang="uk-UA" dirty="0"/>
           </a:p>
         </p:txBody>
       </p:sp>
@@ -1246,7 +1284,7 @@
           <a:p>
             <a:fld id="{C6B9B3CE-BC21-41F4-8896-5AF0EBA9693C}" type="slidenum">
               <a:rPr lang="uk-UA" smtClean="0"/>
-              <a:t>17</a:t>
+              <a:t>18</a:t>
             </a:fld>
             <a:endParaRPr lang="uk-UA"/>
           </a:p>
@@ -1255,7 +1293,7 @@
     </p:spTree>
     <p:extLst>
       <p:ext uri="{BB962C8B-B14F-4D97-AF65-F5344CB8AC3E}">
-        <p14:creationId xmlns:p14="http://schemas.microsoft.com/office/powerpoint/2010/main" val="4118397583"/>
+        <p14:creationId xmlns:p14="http://schemas.microsoft.com/office/powerpoint/2010/main" val="2600733341"/>
       </p:ext>
     </p:extLst>
   </p:cSld>
@@ -1319,30 +1357,20 @@
                 <a:ea typeface="+mn-ea"/>
                 <a:cs typeface="+mn-cs"/>
               </a:rPr>
-              <a:t>Буде помилкою посилатися на приватні поля поза межами класу; вони доступні для читання або запису тільки всередині тіла класу. Визначаючи щось, невидиме за межами класу, ви забезпечуєте умови, за яких користувачі ваших класів не зможуть покладатися на внутрішні властивості, які можуть змінюватись між версіями.</a:t>
-            </a:r>
-            <a:endParaRPr lang="en-US" sz="1200" b="0" i="0" kern="1200" noProof="0" dirty="0">
-              <a:solidFill>
-                <a:schemeClr val="tx1"/>
-              </a:solidFill>
-              <a:effectLst/>
-              <a:latin typeface="+mn-lt"/>
-              <a:ea typeface="+mn-ea"/>
-              <a:cs typeface="+mn-cs"/>
-            </a:endParaRPr>
-          </a:p>
-          <a:p>
-            <a:endParaRPr lang="uk-UA" sz="1200" b="0" i="0" kern="1200" noProof="0" dirty="0">
-              <a:solidFill>
-                <a:schemeClr val="tx1"/>
-              </a:solidFill>
-              <a:effectLst/>
-              <a:latin typeface="+mn-lt"/>
-              <a:ea typeface="+mn-ea"/>
-              <a:cs typeface="+mn-cs"/>
-            </a:endParaRPr>
-          </a:p>
-          <a:p>
+              <a:t>З оголошенням полів заздалегідь оголошення класу стає більш </a:t>
+            </a:r>
+            <a:r>
+              <a:rPr lang="uk-UA" sz="1200" b="0" i="0" kern="1200" noProof="0" dirty="0" err="1">
+                <a:solidFill>
+                  <a:schemeClr val="tx1"/>
+                </a:solidFill>
+                <a:effectLst/>
+                <a:latin typeface="+mn-lt"/>
+                <a:ea typeface="+mn-ea"/>
+                <a:cs typeface="+mn-cs"/>
+              </a:rPr>
+              <a:t>самозадокументованим</a:t>
+            </a:r>
             <a:r>
               <a:rPr lang="uk-UA" sz="1200" b="0" i="0" kern="1200" noProof="0" dirty="0">
                 <a:solidFill>
@@ -1353,7 +1381,7 @@
                 <a:ea typeface="+mn-ea"/>
                 <a:cs typeface="+mn-cs"/>
               </a:rPr>
-              <a:t>Приватні поля можуть оголошуватися лише одразу при оголошенні полів.</a:t>
+              <a:t>, а поля завжди присутні.</a:t>
             </a:r>
           </a:p>
           <a:p>
@@ -1367,8 +1395,11 @@
                 <a:ea typeface="+mn-ea"/>
                 <a:cs typeface="+mn-cs"/>
               </a:rPr>
-              <a:t>Приватні поля не можуть створюватись пізніше через присвоювання, як це роблять нормальні властивості.</a:t>
-            </a:r>
+              <a:t>Як бачимо, оголошені поля можуть мати або не мати значення за замовчуванням.</a:t>
+            </a:r>
+          </a:p>
+          <a:p>
+            <a:endParaRPr lang="uk-UA" noProof="0" dirty="0"/>
           </a:p>
         </p:txBody>
       </p:sp>
@@ -1398,7 +1429,7 @@
     </p:spTree>
     <p:extLst>
       <p:ext uri="{BB962C8B-B14F-4D97-AF65-F5344CB8AC3E}">
-        <p14:creationId xmlns:p14="http://schemas.microsoft.com/office/powerpoint/2010/main" val="2948871792"/>
+        <p14:creationId xmlns:p14="http://schemas.microsoft.com/office/powerpoint/2010/main" val="4118397583"/>
       </p:ext>
     </p:extLst>
   </p:cSld>
@@ -1462,21 +1493,30 @@
                 <a:ea typeface="+mn-ea"/>
                 <a:cs typeface="+mn-cs"/>
               </a:rPr>
-              <a:t>Ключове слово </a:t>
-            </a:r>
-            <a:r>
-              <a:rPr lang="uk-UA" sz="1200" u="none" strike="noStrike" kern="1200" noProof="0" dirty="0" err="1">
-                <a:solidFill>
-                  <a:schemeClr val="tx1"/>
-                </a:solidFill>
-                <a:effectLst/>
-                <a:latin typeface="+mn-lt"/>
-                <a:ea typeface="+mn-ea"/>
-                <a:cs typeface="+mn-cs"/>
-                <a:hlinkClick r:id="rId3"/>
-              </a:rPr>
-              <a:t>extends</a:t>
-            </a:r>
+              <a:t>Буде помилкою посилатися на приватні поля поза межами класу; вони доступні для читання або запису тільки всередині тіла класу. Визначаючи щось, невидиме за межами класу, ви забезпечуєте умови, за яких користувачі ваших класів не зможуть покладатися на внутрішні властивості, які можуть змінюватись між версіями.</a:t>
+            </a:r>
+            <a:endParaRPr lang="en-US" sz="1200" b="0" i="0" kern="1200" noProof="0" dirty="0">
+              <a:solidFill>
+                <a:schemeClr val="tx1"/>
+              </a:solidFill>
+              <a:effectLst/>
+              <a:latin typeface="+mn-lt"/>
+              <a:ea typeface="+mn-ea"/>
+              <a:cs typeface="+mn-cs"/>
+            </a:endParaRPr>
+          </a:p>
+          <a:p>
+            <a:endParaRPr lang="uk-UA" sz="1200" b="0" i="0" kern="1200" noProof="0" dirty="0">
+              <a:solidFill>
+                <a:schemeClr val="tx1"/>
+              </a:solidFill>
+              <a:effectLst/>
+              <a:latin typeface="+mn-lt"/>
+              <a:ea typeface="+mn-ea"/>
+              <a:cs typeface="+mn-cs"/>
+            </a:endParaRPr>
+          </a:p>
+          <a:p>
             <a:r>
               <a:rPr lang="uk-UA" sz="1200" b="0" i="0" kern="1200" noProof="0" dirty="0">
                 <a:solidFill>
@@ -1487,20 +1527,10 @@
                 <a:ea typeface="+mn-ea"/>
                 <a:cs typeface="+mn-cs"/>
               </a:rPr>
-              <a:t> використовують у </a:t>
-            </a:r>
-            <a:r>
-              <a:rPr lang="uk-UA" sz="1200" b="0" i="1" kern="1200" noProof="0" dirty="0">
-                <a:solidFill>
-                  <a:schemeClr val="tx1"/>
-                </a:solidFill>
-                <a:effectLst/>
-                <a:latin typeface="+mn-lt"/>
-                <a:ea typeface="+mn-ea"/>
-                <a:cs typeface="+mn-cs"/>
-              </a:rPr>
-              <a:t>оголошенні класу</a:t>
-            </a:r>
+              <a:t>Приватні поля можуть оголошуватися лише одразу при оголошенні полів.</a:t>
+            </a:r>
+          </a:p>
+          <a:p>
             <a:r>
               <a:rPr lang="uk-UA" sz="1200" b="0" i="0" kern="1200" noProof="0" dirty="0">
                 <a:solidFill>
@@ -1511,95 +1541,8 @@
                 <a:ea typeface="+mn-ea"/>
                 <a:cs typeface="+mn-cs"/>
               </a:rPr>
-              <a:t> або у </a:t>
-            </a:r>
-            <a:r>
-              <a:rPr lang="uk-UA" sz="1200" b="0" i="1" kern="1200" noProof="0" dirty="0">
-                <a:solidFill>
-                  <a:schemeClr val="tx1"/>
-                </a:solidFill>
-                <a:effectLst/>
-                <a:latin typeface="+mn-lt"/>
-                <a:ea typeface="+mn-ea"/>
-                <a:cs typeface="+mn-cs"/>
-              </a:rPr>
-              <a:t>виразі класу</a:t>
-            </a:r>
-            <a:r>
-              <a:rPr lang="uk-UA" sz="1200" b="0" i="0" kern="1200" noProof="0" dirty="0">
-                <a:solidFill>
-                  <a:schemeClr val="tx1"/>
-                </a:solidFill>
-                <a:effectLst/>
-                <a:latin typeface="+mn-lt"/>
-                <a:ea typeface="+mn-ea"/>
-                <a:cs typeface="+mn-cs"/>
-              </a:rPr>
-              <a:t>, щоб створити клас, як дочірній від іншого класу.</a:t>
-            </a:r>
-          </a:p>
-          <a:p>
-            <a:r>
-              <a:rPr lang="uk-UA" sz="1200" b="0" i="0" kern="1200" noProof="0" dirty="0">
-                <a:solidFill>
-                  <a:schemeClr val="tx1"/>
-                </a:solidFill>
-                <a:effectLst/>
-                <a:latin typeface="+mn-lt"/>
-                <a:ea typeface="+mn-ea"/>
-                <a:cs typeface="+mn-cs"/>
-              </a:rPr>
-              <a:t>Якщо у підкласі присутній конструктор, він має спочатку викликати </a:t>
-            </a:r>
-            <a:r>
-              <a:rPr lang="uk-UA" sz="1200" b="0" i="0" kern="1200" noProof="0" dirty="0" err="1">
-                <a:solidFill>
-                  <a:schemeClr val="tx1"/>
-                </a:solidFill>
-                <a:effectLst/>
-                <a:latin typeface="+mn-lt"/>
-                <a:ea typeface="+mn-ea"/>
-                <a:cs typeface="+mn-cs"/>
-              </a:rPr>
-              <a:t>super</a:t>
-            </a:r>
-            <a:r>
-              <a:rPr lang="uk-UA" sz="1200" b="0" i="0" kern="1200" noProof="0" dirty="0">
-                <a:solidFill>
-                  <a:schemeClr val="tx1"/>
-                </a:solidFill>
-                <a:effectLst/>
-                <a:latin typeface="+mn-lt"/>
-                <a:ea typeface="+mn-ea"/>
-                <a:cs typeface="+mn-cs"/>
-              </a:rPr>
-              <a:t>(), перед використанням "</a:t>
-            </a:r>
-            <a:r>
-              <a:rPr lang="uk-UA" sz="1200" b="0" i="0" kern="1200" noProof="0" dirty="0" err="1">
-                <a:solidFill>
-                  <a:schemeClr val="tx1"/>
-                </a:solidFill>
-                <a:effectLst/>
-                <a:latin typeface="+mn-lt"/>
-                <a:ea typeface="+mn-ea"/>
-                <a:cs typeface="+mn-cs"/>
-              </a:rPr>
-              <a:t>this</a:t>
-            </a:r>
-            <a:r>
-              <a:rPr lang="uk-UA" sz="1200" b="0" i="0" kern="1200" noProof="0" dirty="0">
-                <a:solidFill>
-                  <a:schemeClr val="tx1"/>
-                </a:solidFill>
-                <a:effectLst/>
-                <a:latin typeface="+mn-lt"/>
-                <a:ea typeface="+mn-ea"/>
-                <a:cs typeface="+mn-cs"/>
-              </a:rPr>
-              <a:t>".</a:t>
-            </a:r>
-            <a:endParaRPr lang="uk-UA" noProof="0" dirty="0"/>
+              <a:t>Приватні поля не можуть створюватись пізніше через присвоювання, як це роблять нормальні властивості.</a:t>
+            </a:r>
           </a:p>
         </p:txBody>
       </p:sp>
@@ -1620,7 +1563,7 @@
           <a:p>
             <a:fld id="{C6B9B3CE-BC21-41F4-8896-5AF0EBA9693C}" type="slidenum">
               <a:rPr lang="uk-UA" smtClean="0"/>
-              <a:t>20</a:t>
+              <a:t>21</a:t>
             </a:fld>
             <a:endParaRPr lang="uk-UA"/>
           </a:p>
@@ -1629,7 +1572,7 @@
     </p:spTree>
     <p:extLst>
       <p:ext uri="{BB962C8B-B14F-4D97-AF65-F5344CB8AC3E}">
-        <p14:creationId xmlns:p14="http://schemas.microsoft.com/office/powerpoint/2010/main" val="2145653742"/>
+        <p14:creationId xmlns:p14="http://schemas.microsoft.com/office/powerpoint/2010/main" val="2948871792"/>
       </p:ext>
     </p:extLst>
   </p:cSld>
@@ -1683,7 +1626,142 @@
           <a:bodyPr/>
           <a:lstStyle/>
           <a:p>
-            <a:endParaRPr lang="uk-UA" dirty="0"/>
+            <a:r>
+              <a:rPr lang="uk-UA" sz="1200" b="0" i="0" kern="1200" noProof="0" dirty="0">
+                <a:solidFill>
+                  <a:schemeClr val="tx1"/>
+                </a:solidFill>
+                <a:effectLst/>
+                <a:latin typeface="+mn-lt"/>
+                <a:ea typeface="+mn-ea"/>
+                <a:cs typeface="+mn-cs"/>
+              </a:rPr>
+              <a:t>Ключове слово </a:t>
+            </a:r>
+            <a:r>
+              <a:rPr lang="uk-UA" sz="1200" u="none" strike="noStrike" kern="1200" noProof="0" dirty="0" err="1">
+                <a:solidFill>
+                  <a:schemeClr val="tx1"/>
+                </a:solidFill>
+                <a:effectLst/>
+                <a:latin typeface="+mn-lt"/>
+                <a:ea typeface="+mn-ea"/>
+                <a:cs typeface="+mn-cs"/>
+                <a:hlinkClick r:id="rId3"/>
+              </a:rPr>
+              <a:t>extends</a:t>
+            </a:r>
+            <a:r>
+              <a:rPr lang="uk-UA" sz="1200" b="0" i="0" kern="1200" noProof="0" dirty="0">
+                <a:solidFill>
+                  <a:schemeClr val="tx1"/>
+                </a:solidFill>
+                <a:effectLst/>
+                <a:latin typeface="+mn-lt"/>
+                <a:ea typeface="+mn-ea"/>
+                <a:cs typeface="+mn-cs"/>
+              </a:rPr>
+              <a:t> використовують у </a:t>
+            </a:r>
+            <a:r>
+              <a:rPr lang="en-US" sz="1200" dirty="0">
+                <a:latin typeface="Open Sans" panose="020B0604020202020204" charset="0"/>
+                <a:ea typeface="Open Sans" panose="020B0604020202020204" charset="0"/>
+                <a:cs typeface="Open Sans" panose="020B0604020202020204" charset="0"/>
+              </a:rPr>
+              <a:t>class declarations a</a:t>
+            </a:r>
+            <a:r>
+              <a:rPr lang="uk-UA" sz="1200">
+                <a:latin typeface="Open Sans" panose="020B0604020202020204" charset="0"/>
+                <a:ea typeface="Open Sans" panose="020B0604020202020204" charset="0"/>
+                <a:cs typeface="Open Sans" panose="020B0604020202020204" charset="0"/>
+              </a:rPr>
+              <a:t>бо</a:t>
+            </a:r>
+            <a:r>
+              <a:rPr lang="en-US" sz="1200">
+                <a:latin typeface="Open Sans" panose="020B0604020202020204" charset="0"/>
+                <a:ea typeface="Open Sans" panose="020B0604020202020204" charset="0"/>
+                <a:cs typeface="Open Sans" panose="020B0604020202020204" charset="0"/>
+              </a:rPr>
+              <a:t> class expressions</a:t>
+            </a:r>
+            <a:r>
+              <a:rPr lang="uk-UA" sz="1200" b="0" i="0" kern="1200" noProof="0" dirty="0">
+                <a:solidFill>
+                  <a:schemeClr val="tx1"/>
+                </a:solidFill>
+                <a:effectLst/>
+                <a:latin typeface="+mn-lt"/>
+                <a:ea typeface="+mn-ea"/>
+                <a:cs typeface="+mn-cs"/>
+              </a:rPr>
+              <a:t>, щоб створити клас, як дочірній від іншого класу.</a:t>
+            </a:r>
+          </a:p>
+          <a:p>
+            <a:r>
+              <a:rPr lang="uk-UA" sz="1200" b="0" i="0" kern="1200" noProof="0" dirty="0">
+                <a:solidFill>
+                  <a:schemeClr val="tx1"/>
+                </a:solidFill>
+                <a:effectLst/>
+                <a:latin typeface="+mn-lt"/>
+                <a:ea typeface="+mn-ea"/>
+                <a:cs typeface="+mn-cs"/>
+              </a:rPr>
+              <a:t>Якщо у підкласі присутній конструктор, він має спочатку викликати </a:t>
+            </a:r>
+            <a:r>
+              <a:rPr lang="uk-UA" sz="1200" b="0" i="0" kern="1200" noProof="0" dirty="0" err="1">
+                <a:solidFill>
+                  <a:schemeClr val="tx1"/>
+                </a:solidFill>
+                <a:effectLst/>
+                <a:latin typeface="+mn-lt"/>
+                <a:ea typeface="+mn-ea"/>
+                <a:cs typeface="+mn-cs"/>
+              </a:rPr>
+              <a:t>super</a:t>
+            </a:r>
+            <a:r>
+              <a:rPr lang="uk-UA" sz="1200" b="0" i="0" kern="1200" noProof="0" dirty="0">
+                <a:solidFill>
+                  <a:schemeClr val="tx1"/>
+                </a:solidFill>
+                <a:effectLst/>
+                <a:latin typeface="+mn-lt"/>
+                <a:ea typeface="+mn-ea"/>
+                <a:cs typeface="+mn-cs"/>
+              </a:rPr>
+              <a:t>(), перед використанням "</a:t>
+            </a:r>
+            <a:r>
+              <a:rPr lang="uk-UA" sz="1200" b="0" i="0" kern="1200" noProof="0" dirty="0" err="1">
+                <a:solidFill>
+                  <a:schemeClr val="tx1"/>
+                </a:solidFill>
+                <a:effectLst/>
+                <a:latin typeface="+mn-lt"/>
+                <a:ea typeface="+mn-ea"/>
+                <a:cs typeface="+mn-cs"/>
+              </a:rPr>
+              <a:t>this</a:t>
+            </a:r>
+            <a:r>
+              <a:rPr lang="uk-UA" sz="1200" b="0" i="0" kern="1200" noProof="0" dirty="0">
+                <a:solidFill>
+                  <a:schemeClr val="tx1"/>
+                </a:solidFill>
+                <a:effectLst/>
+                <a:latin typeface="+mn-lt"/>
+                <a:ea typeface="+mn-ea"/>
+                <a:cs typeface="+mn-cs"/>
+              </a:rPr>
+              <a:t>".</a:t>
+            </a:r>
+            <a:endParaRPr lang="uk-UA" noProof="0" dirty="0"/>
           </a:p>
         </p:txBody>
       </p:sp>
@@ -1704,7 +1782,91 @@
           <a:p>
             <a:fld id="{C6B9B3CE-BC21-41F4-8896-5AF0EBA9693C}" type="slidenum">
               <a:rPr lang="uk-UA" smtClean="0"/>
-              <a:t>21</a:t>
+              <a:t>23</a:t>
+            </a:fld>
+            <a:endParaRPr lang="uk-UA"/>
+          </a:p>
+        </p:txBody>
+      </p:sp>
+    </p:spTree>
+    <p:extLst>
+      <p:ext uri="{BB962C8B-B14F-4D97-AF65-F5344CB8AC3E}">
+        <p14:creationId xmlns:p14="http://schemas.microsoft.com/office/powerpoint/2010/main" val="2145653742"/>
+      </p:ext>
+    </p:extLst>
+  </p:cSld>
+  <p:clrMapOvr>
+    <a:masterClrMapping/>
+  </p:clrMapOvr>
+</p:notes>
+</file>
+
+<file path=ppt/notesSlides/notesSlide16.xml><?xml version="1.0" encoding="utf-8"?>
+<p:notes xmlns:a="http://schemas.openxmlformats.org/drawingml/2006/main" xmlns:r="http://schemas.openxmlformats.org/officeDocument/2006/relationships" xmlns:p="http://schemas.openxmlformats.org/presentationml/2006/main">
+  <p:cSld>
+    <p:spTree>
+      <p:nvGrpSpPr>
+        <p:cNvPr id="1" name=""/>
+        <p:cNvGrpSpPr/>
+        <p:nvPr/>
+      </p:nvGrpSpPr>
+      <p:grpSpPr>
+        <a:xfrm>
+          <a:off x="0" y="0"/>
+          <a:ext cx="0" cy="0"/>
+          <a:chOff x="0" y="0"/>
+          <a:chExt cx="0" cy="0"/>
+        </a:xfrm>
+      </p:grpSpPr>
+      <p:sp>
+        <p:nvSpPr>
+          <p:cNvPr id="2" name="Образ слайда 1"/>
+          <p:cNvSpPr>
+            <a:spLocks noGrp="1" noRot="1" noChangeAspect="1"/>
+          </p:cNvSpPr>
+          <p:nvPr>
+            <p:ph type="sldImg"/>
+          </p:nvPr>
+        </p:nvSpPr>
+        <p:spPr/>
+      </p:sp>
+      <p:sp>
+        <p:nvSpPr>
+          <p:cNvPr id="3" name="Заметки 2"/>
+          <p:cNvSpPr>
+            <a:spLocks noGrp="1"/>
+          </p:cNvSpPr>
+          <p:nvPr>
+            <p:ph type="body" idx="1"/>
+          </p:nvPr>
+        </p:nvSpPr>
+        <p:spPr/>
+        <p:txBody>
+          <a:bodyPr/>
+          <a:lstStyle/>
+          <a:p>
+            <a:endParaRPr lang="uk-UA" dirty="0"/>
+          </a:p>
+        </p:txBody>
+      </p:sp>
+      <p:sp>
+        <p:nvSpPr>
+          <p:cNvPr id="4" name="Номер слайда 3"/>
+          <p:cNvSpPr>
+            <a:spLocks noGrp="1"/>
+          </p:cNvSpPr>
+          <p:nvPr>
+            <p:ph type="sldNum" sz="quarter" idx="5"/>
+          </p:nvPr>
+        </p:nvSpPr>
+        <p:spPr/>
+        <p:txBody>
+          <a:bodyPr/>
+          <a:lstStyle/>
+          <a:p>
+            <a:fld id="{C6B9B3CE-BC21-41F4-8896-5AF0EBA9693C}" type="slidenum">
+              <a:rPr lang="uk-UA" smtClean="0"/>
+              <a:t>26</a:t>
             </a:fld>
             <a:endParaRPr lang="uk-UA"/>
           </a:p>
@@ -1768,82 +1930,47 @@
           <a:lstStyle/>
           <a:p>
             <a:r>
-              <a:rPr lang="uk-UA" sz="1200" b="0" i="0" kern="1200" dirty="0">
-                <a:solidFill>
-                  <a:schemeClr val="tx1"/>
-                </a:solidFill>
-                <a:effectLst/>
-                <a:latin typeface="+mn-lt"/>
-                <a:ea typeface="+mn-ea"/>
-                <a:cs typeface="+mn-cs"/>
-              </a:rPr>
-              <a:t>Одним зі способів визначення класу є </a:t>
-            </a:r>
-            <a:r>
-              <a:rPr lang="en-US" sz="1200" b="1" i="0" kern="1200" dirty="0">
-                <a:solidFill>
-                  <a:schemeClr val="tx1"/>
-                </a:solidFill>
-                <a:effectLst/>
-                <a:latin typeface="+mn-lt"/>
-                <a:ea typeface="+mn-ea"/>
-                <a:cs typeface="+mn-cs"/>
-              </a:rPr>
-              <a:t>class declaration</a:t>
-            </a:r>
-            <a:r>
-              <a:rPr lang="uk-UA" sz="1200" b="0" i="0" kern="1200" dirty="0">
-                <a:solidFill>
-                  <a:schemeClr val="tx1"/>
-                </a:solidFill>
-                <a:effectLst/>
-                <a:latin typeface="+mn-lt"/>
-                <a:ea typeface="+mn-ea"/>
-                <a:cs typeface="+mn-cs"/>
-              </a:rPr>
-              <a:t>. Для оголошення класу використовується ключове слово </a:t>
+              <a:rPr lang="uk-UA" dirty="0"/>
+              <a:t>Визначення класу встановлює прапор </a:t>
             </a:r>
             <a:r>
               <a:rPr lang="en-US" dirty="0"/>
-              <a:t>class</a:t>
-            </a:r>
-            <a:r>
-              <a:rPr lang="en-US" sz="1200" b="0" i="0" kern="1200" dirty="0">
-                <a:solidFill>
-                  <a:schemeClr val="tx1"/>
-                </a:solidFill>
-                <a:effectLst/>
-                <a:latin typeface="+mn-lt"/>
-                <a:ea typeface="+mn-ea"/>
-                <a:cs typeface="+mn-cs"/>
-              </a:rPr>
-              <a:t> </a:t>
-            </a:r>
-            <a:r>
-              <a:rPr lang="uk-UA" sz="1200" b="0" i="0" kern="1200" dirty="0">
-                <a:solidFill>
-                  <a:schemeClr val="tx1"/>
-                </a:solidFill>
-                <a:effectLst/>
-                <a:latin typeface="+mn-lt"/>
-                <a:ea typeface="+mn-ea"/>
-                <a:cs typeface="+mn-cs"/>
-              </a:rPr>
-              <a:t>з назвою класу (у прикладі нижче "</a:t>
-            </a:r>
-            <a:r>
-              <a:rPr lang="en-US" sz="1200" b="0" i="0" kern="1200" dirty="0">
-                <a:solidFill>
-                  <a:schemeClr val="tx1"/>
-                </a:solidFill>
-                <a:effectLst/>
-                <a:latin typeface="+mn-lt"/>
-                <a:ea typeface="+mn-ea"/>
-                <a:cs typeface="+mn-cs"/>
-              </a:rPr>
-              <a:t>Rectangle").</a:t>
-            </a:r>
-            <a:endParaRPr lang="uk-UA" dirty="0"/>
+              <a:t>enumerable </a:t>
+            </a:r>
+            <a:r>
+              <a:rPr lang="uk-UA" dirty="0"/>
+              <a:t>в </a:t>
+            </a:r>
+            <a:r>
+              <a:rPr lang="en-US" dirty="0"/>
+              <a:t>false </a:t>
+            </a:r>
+            <a:r>
+              <a:rPr lang="uk-UA" dirty="0"/>
+              <a:t>для всіх методів в "</a:t>
+            </a:r>
+            <a:r>
+              <a:rPr lang="en-US" dirty="0"/>
+              <a:t>prototype".</a:t>
+            </a:r>
+          </a:p>
+          <a:p>
+            <a:r>
+              <a:rPr lang="uk-UA" dirty="0"/>
+              <a:t>І це добре, тому що якщо ми проходимся циклом </a:t>
+            </a:r>
+            <a:r>
+              <a:rPr lang="en-US" dirty="0" err="1"/>
+              <a:t>for..in</a:t>
+            </a:r>
+            <a:r>
+              <a:rPr lang="en-US" dirty="0"/>
+              <a:t> </a:t>
+            </a:r>
+            <a:r>
+              <a:rPr lang="uk-UA" dirty="0"/>
+              <a:t>по об'єкту, то зазвичай ми не хочемо при цьому отримувати методи класу.</a:t>
+            </a:r>
           </a:p>
         </p:txBody>
       </p:sp>
@@ -1864,7 +1991,7 @@
           <a:p>
             <a:fld id="{C6B9B3CE-BC21-41F4-8896-5AF0EBA9693C}" type="slidenum">
               <a:rPr lang="uk-UA" smtClean="0"/>
-              <a:t>3</a:t>
+              <a:t>2</a:t>
             </a:fld>
             <a:endParaRPr lang="uk-UA"/>
           </a:p>
@@ -1873,7 +2000,7 @@
     </p:spTree>
     <p:extLst>
       <p:ext uri="{BB962C8B-B14F-4D97-AF65-F5344CB8AC3E}">
-        <p14:creationId xmlns:p14="http://schemas.microsoft.com/office/powerpoint/2010/main" val="3806599789"/>
+        <p14:creationId xmlns:p14="http://schemas.microsoft.com/office/powerpoint/2010/main" val="3580063047"/>
       </p:ext>
     </p:extLst>
   </p:cSld>
@@ -1937,7 +2064,7 @@
                 <a:ea typeface="+mn-ea"/>
                 <a:cs typeface="+mn-cs"/>
               </a:rPr>
-              <a:t>Важлива відмінність між </a:t>
+              <a:t>Одним зі способів визначення класу є </a:t>
             </a:r>
             <a:r>
               <a:rPr lang="en-US" sz="1200" b="1" i="0" kern="1200" dirty="0">
@@ -1949,7 +2076,7 @@
                 <a:ea typeface="+mn-ea"/>
                 <a:cs typeface="+mn-cs"/>
               </a:rPr>
-              <a:t>function declarations</a:t>
+              <a:t>class declaration</a:t>
             </a:r>
             <a:r>
               <a:rPr lang="uk-UA" sz="1200" b="0" i="0" kern="1200" dirty="0">
@@ -1961,10 +2088,14 @@
                 <a:ea typeface="+mn-ea"/>
                 <a:cs typeface="+mn-cs"/>
               </a:rPr>
-              <a:t>та </a:t>
-            </a:r>
-            <a:r>
-              <a:rPr lang="en-US" sz="1200" b="1" i="0" kern="1200" dirty="0">
+              <a:t>. Для оголошення класу використовується ключове слово </a:t>
+            </a:r>
+            <a:r>
+              <a:rPr lang="en-US" dirty="0"/>
+              <a:t>class</a:t>
+            </a:r>
+            <a:r>
+              <a:rPr lang="en-US" sz="1200" b="0" i="0" kern="1200" dirty="0">
                 <a:solidFill>
                   <a:schemeClr val="tx1"/>
                 </a:solidFill>
@@ -1973,7 +2104,7 @@
                 <a:ea typeface="+mn-ea"/>
                 <a:cs typeface="+mn-cs"/>
               </a:rPr>
-              <a:t>class declarations</a:t>
+              <a:t> </a:t>
             </a:r>
             <a:r>
               <a:rPr lang="uk-UA" sz="1200" b="0" i="0" kern="1200" dirty="0">
@@ -1985,10 +2116,10 @@
                 <a:ea typeface="+mn-ea"/>
                 <a:cs typeface="+mn-cs"/>
               </a:rPr>
-              <a:t> полягає в тому, що оголошення функції </a:t>
-            </a:r>
-            <a:r>
-              <a:rPr lang="uk-UA" sz="1200" b="0" i="0" u="none" strike="noStrike" kern="1200" dirty="0">
+              <a:t>з назвою класу (у прикладі нижче "</a:t>
+            </a:r>
+            <a:r>
+              <a:rPr lang="en-US" sz="1200" b="0" i="0" kern="1200" dirty="0">
                 <a:solidFill>
                   <a:schemeClr val="tx1"/>
                 </a:solidFill>
@@ -1997,31 +2128,7 @@
                 <a:ea typeface="+mn-ea"/>
                 <a:cs typeface="+mn-cs"/>
               </a:rPr>
-              <a:t>піднімається (хойститься)</a:t>
-            </a:r>
-            <a:r>
-              <a:rPr lang="uk-UA" sz="1200" b="0" i="0" kern="1200" dirty="0">
-                <a:solidFill>
-                  <a:schemeClr val="tx1"/>
-                </a:solidFill>
-                <a:effectLst/>
-                <a:latin typeface="+mn-lt"/>
-                <a:ea typeface="+mn-ea"/>
-                <a:cs typeface="+mn-cs"/>
-              </a:rPr>
-              <a:t>, а оголошення класу ні. Спочатку необхідно оголосити клас, і тільки потім звертатись до нього, інакше подібний код викине помилку </a:t>
-            </a:r>
-            <a:r>
-              <a:rPr lang="en-US" sz="1200" b="0" i="0" u="none" strike="noStrike" kern="1200" dirty="0">
-                <a:solidFill>
-                  <a:schemeClr val="tx1"/>
-                </a:solidFill>
-                <a:effectLst/>
-                <a:latin typeface="+mn-lt"/>
-                <a:ea typeface="+mn-ea"/>
-                <a:cs typeface="+mn-cs"/>
-              </a:rPr>
-              <a:t>ReferenceError</a:t>
+              <a:t>Rectangle").</a:t>
             </a:r>
             <a:endParaRPr lang="uk-UA" dirty="0"/>
           </a:p>
@@ -2044,7 +2151,7 @@
           <a:p>
             <a:fld id="{C6B9B3CE-BC21-41F4-8896-5AF0EBA9693C}" type="slidenum">
               <a:rPr lang="uk-UA" smtClean="0"/>
-              <a:t>4</a:t>
+              <a:t>5</a:t>
             </a:fld>
             <a:endParaRPr lang="uk-UA"/>
           </a:p>
@@ -2053,7 +2160,7 @@
     </p:spTree>
     <p:extLst>
       <p:ext uri="{BB962C8B-B14F-4D97-AF65-F5344CB8AC3E}">
-        <p14:creationId xmlns:p14="http://schemas.microsoft.com/office/powerpoint/2010/main" val="4178073361"/>
+        <p14:creationId xmlns:p14="http://schemas.microsoft.com/office/powerpoint/2010/main" val="3806599789"/>
       </p:ext>
     </p:extLst>
   </p:cSld>
@@ -2108,6 +2215,18 @@
           <a:lstStyle/>
           <a:p>
             <a:r>
+              <a:rPr lang="uk-UA" sz="1200" b="0" i="0" kern="1200" dirty="0">
+                <a:solidFill>
+                  <a:schemeClr val="tx1"/>
+                </a:solidFill>
+                <a:effectLst/>
+                <a:latin typeface="+mn-lt"/>
+                <a:ea typeface="+mn-ea"/>
+                <a:cs typeface="+mn-cs"/>
+              </a:rPr>
+              <a:t>Важлива відмінність між </a:t>
+            </a:r>
+            <a:r>
               <a:rPr lang="en-US" sz="1200" b="1" i="0" kern="1200" dirty="0">
                 <a:solidFill>
                   <a:schemeClr val="tx1"/>
@@ -2117,7 +2236,7 @@
                 <a:ea typeface="+mn-ea"/>
                 <a:cs typeface="+mn-cs"/>
               </a:rPr>
-              <a:t>Class expressions </a:t>
+              <a:t>function declarations </a:t>
             </a:r>
             <a:r>
               <a:rPr lang="uk-UA" sz="1200" b="0" i="0" kern="1200" dirty="0">
@@ -2129,10 +2248,10 @@
                 <a:ea typeface="+mn-ea"/>
                 <a:cs typeface="+mn-cs"/>
               </a:rPr>
-              <a:t>- це інший спосіб визначення класу. </a:t>
-            </a:r>
-            <a:r>
-              <a:rPr lang="en-US" sz="1200" b="0" i="0" kern="1200" dirty="0">
+              <a:t>та </a:t>
+            </a:r>
+            <a:r>
+              <a:rPr lang="en-US" sz="1200" b="1" i="0" kern="1200" dirty="0">
                 <a:solidFill>
                   <a:schemeClr val="tx1"/>
                 </a:solidFill>
@@ -2141,7 +2260,7 @@
                 <a:ea typeface="+mn-ea"/>
                 <a:cs typeface="+mn-cs"/>
               </a:rPr>
-              <a:t>Class expressions </a:t>
+              <a:t>class declarations</a:t>
             </a:r>
             <a:r>
               <a:rPr lang="uk-UA" sz="1200" b="0" i="0" kern="1200" dirty="0">
@@ -2153,7 +2272,31 @@
                 <a:ea typeface="+mn-ea"/>
                 <a:cs typeface="+mn-cs"/>
               </a:rPr>
-              <a:t>може бути іменованим або неіменованим. Ім'я, надане іменованому виразу класу, є локальним для тіла класу. (Хоча його можна отримати через властивість класу </a:t>
+              <a:t> полягає в тому, що оголошення функції </a:t>
+            </a:r>
+            <a:r>
+              <a:rPr lang="uk-UA" sz="1200" b="0" i="0" u="none" strike="noStrike" kern="1200" dirty="0">
+                <a:solidFill>
+                  <a:schemeClr val="tx1"/>
+                </a:solidFill>
+                <a:effectLst/>
+                <a:latin typeface="+mn-lt"/>
+                <a:ea typeface="+mn-ea"/>
+                <a:cs typeface="+mn-cs"/>
+              </a:rPr>
+              <a:t>піднімається (хойститься)</a:t>
+            </a:r>
+            <a:r>
+              <a:rPr lang="uk-UA" sz="1200" b="0" i="0" kern="1200" dirty="0">
+                <a:solidFill>
+                  <a:schemeClr val="tx1"/>
+                </a:solidFill>
+                <a:effectLst/>
+                <a:latin typeface="+mn-lt"/>
+                <a:ea typeface="+mn-ea"/>
+                <a:cs typeface="+mn-cs"/>
+              </a:rPr>
+              <a:t>, а оголошення класу ні. Спочатку необхідно оголосити клас, і тільки потім звертатись до нього, інакше подібний код викине помилку </a:t>
             </a:r>
             <a:r>
               <a:rPr lang="en-US" sz="1200" b="0" i="0" u="none" strike="noStrike" kern="1200" dirty="0">
@@ -2165,19 +2308,7 @@
                 <a:ea typeface="+mn-ea"/>
                 <a:cs typeface="+mn-cs"/>
               </a:rPr>
-              <a:t>name</a:t>
-            </a:r>
-            <a:r>
-              <a:rPr lang="en-US" sz="1200" b="0" i="0" kern="1200" dirty="0">
-                <a:solidFill>
-                  <a:schemeClr val="tx1"/>
-                </a:solidFill>
-                <a:effectLst/>
-                <a:latin typeface="+mn-lt"/>
-                <a:ea typeface="+mn-ea"/>
-                <a:cs typeface="+mn-cs"/>
-              </a:rPr>
-              <a:t>).</a:t>
+              <a:t>ReferenceError</a:t>
             </a:r>
             <a:endParaRPr lang="uk-UA" dirty="0"/>
           </a:p>
@@ -2200,7 +2331,7 @@
           <a:p>
             <a:fld id="{C6B9B3CE-BC21-41F4-8896-5AF0EBA9693C}" type="slidenum">
               <a:rPr lang="uk-UA" smtClean="0"/>
-              <a:t>5</a:t>
+              <a:t>6</a:t>
             </a:fld>
             <a:endParaRPr lang="uk-UA"/>
           </a:p>
@@ -2209,7 +2340,7 @@
     </p:spTree>
     <p:extLst>
       <p:ext uri="{BB962C8B-B14F-4D97-AF65-F5344CB8AC3E}">
-        <p14:creationId xmlns:p14="http://schemas.microsoft.com/office/powerpoint/2010/main" val="4262854607"/>
+        <p14:creationId xmlns:p14="http://schemas.microsoft.com/office/powerpoint/2010/main" val="4178073361"/>
       </p:ext>
     </p:extLst>
   </p:cSld>
@@ -2264,21 +2395,78 @@
           <a:lstStyle/>
           <a:p>
             <a:r>
-              <a:rPr lang="uk-UA" noProof="0" dirty="0"/>
-              <a:t>Тіло</a:t>
-            </a:r>
-            <a:r>
-              <a:rPr lang="uk-UA" dirty="0"/>
-              <a:t> </a:t>
-            </a:r>
-            <a:r>
-              <a:rPr lang="uk-UA" noProof="0" dirty="0"/>
-              <a:t>класу</a:t>
-            </a:r>
-            <a:r>
-              <a:rPr lang="uk-UA" dirty="0"/>
-              <a:t> - це та частина, що знаходиться у фігурних дужках {}. Тут ви визначаєте складові класу, такі як методи або конструктор.</a:t>
-            </a:r>
+              <a:rPr lang="en-US" sz="1200" b="1" i="0" kern="1200" dirty="0">
+                <a:solidFill>
+                  <a:schemeClr val="tx1"/>
+                </a:solidFill>
+                <a:effectLst/>
+                <a:latin typeface="+mn-lt"/>
+                <a:ea typeface="+mn-ea"/>
+                <a:cs typeface="+mn-cs"/>
+              </a:rPr>
+              <a:t>Class expressions </a:t>
+            </a:r>
+            <a:r>
+              <a:rPr lang="uk-UA" sz="1200" b="0" i="0" kern="1200" dirty="0">
+                <a:solidFill>
+                  <a:schemeClr val="tx1"/>
+                </a:solidFill>
+                <a:effectLst/>
+                <a:latin typeface="+mn-lt"/>
+                <a:ea typeface="+mn-ea"/>
+                <a:cs typeface="+mn-cs"/>
+              </a:rPr>
+              <a:t>- це інший спосіб визначення класу. </a:t>
+            </a:r>
+            <a:r>
+              <a:rPr lang="en-US" sz="1200" b="0" i="0" kern="1200" dirty="0">
+                <a:solidFill>
+                  <a:schemeClr val="tx1"/>
+                </a:solidFill>
+                <a:effectLst/>
+                <a:latin typeface="+mn-lt"/>
+                <a:ea typeface="+mn-ea"/>
+                <a:cs typeface="+mn-cs"/>
+              </a:rPr>
+              <a:t>Class expressions </a:t>
+            </a:r>
+            <a:r>
+              <a:rPr lang="uk-UA" sz="1200" b="0" i="0" kern="1200" dirty="0">
+                <a:solidFill>
+                  <a:schemeClr val="tx1"/>
+                </a:solidFill>
+                <a:effectLst/>
+                <a:latin typeface="+mn-lt"/>
+                <a:ea typeface="+mn-ea"/>
+                <a:cs typeface="+mn-cs"/>
+              </a:rPr>
+              <a:t>може бути іменованим або неіменованим. Ім'я, надане іменованому виразу класу, є локальним для тіла класу. (Хоча його можна отримати через властивість класу </a:t>
+            </a:r>
+            <a:r>
+              <a:rPr lang="en-US" sz="1200" b="0" i="0" u="none" strike="noStrike" kern="1200" dirty="0">
+                <a:solidFill>
+                  <a:schemeClr val="tx1"/>
+                </a:solidFill>
+                <a:effectLst/>
+                <a:latin typeface="+mn-lt"/>
+                <a:ea typeface="+mn-ea"/>
+                <a:cs typeface="+mn-cs"/>
+              </a:rPr>
+              <a:t>name</a:t>
+            </a:r>
+            <a:r>
+              <a:rPr lang="en-US" sz="1200" b="0" i="0" kern="1200" dirty="0">
+                <a:solidFill>
+                  <a:schemeClr val="tx1"/>
+                </a:solidFill>
+                <a:effectLst/>
+                <a:latin typeface="+mn-lt"/>
+                <a:ea typeface="+mn-ea"/>
+                <a:cs typeface="+mn-cs"/>
+              </a:rPr>
+              <a:t>).</a:t>
+            </a:r>
+            <a:endParaRPr lang="uk-UA" dirty="0"/>
           </a:p>
         </p:txBody>
       </p:sp>
@@ -2308,7 +2496,7 @@
     </p:spTree>
     <p:extLst>
       <p:ext uri="{BB962C8B-B14F-4D97-AF65-F5344CB8AC3E}">
-        <p14:creationId xmlns:p14="http://schemas.microsoft.com/office/powerpoint/2010/main" val="2486931028"/>
+        <p14:creationId xmlns:p14="http://schemas.microsoft.com/office/powerpoint/2010/main" val="4262854607"/>
       </p:ext>
     </p:extLst>
   </p:cSld>
@@ -2363,90 +2551,21 @@
           <a:lstStyle/>
           <a:p>
             <a:r>
-              <a:rPr lang="ru-RU" dirty="0"/>
-              <a:t>Код у </a:t>
-            </a:r>
-            <a:r>
-              <a:rPr lang="ru-RU" dirty="0" err="1"/>
-              <a:t>тілі</a:t>
-            </a:r>
-            <a:r>
-              <a:rPr lang="ru-RU" dirty="0"/>
+              <a:rPr lang="uk-UA" noProof="0" dirty="0"/>
+              <a:t>Тіло</a:t>
+            </a:r>
+            <a:r>
+              <a:rPr lang="uk-UA" dirty="0"/>
               <a:t> </a:t>
             </a:r>
             <a:r>
-              <a:rPr lang="ru-RU" dirty="0" err="1"/>
+              <a:rPr lang="uk-UA" noProof="0" dirty="0"/>
               <a:t>класу</a:t>
             </a:r>
             <a:r>
-              <a:rPr lang="ru-RU" dirty="0"/>
-              <a:t> </a:t>
-            </a:r>
-            <a:r>
-              <a:rPr lang="ru-RU" dirty="0" err="1"/>
-              <a:t>виконується</a:t>
-            </a:r>
-            <a:r>
-              <a:rPr lang="ru-RU" dirty="0"/>
-              <a:t> у строгому </a:t>
-            </a:r>
-            <a:r>
-              <a:rPr lang="ru-RU" dirty="0" err="1"/>
-              <a:t>режимі</a:t>
-            </a:r>
-            <a:r>
-              <a:rPr lang="ru-RU" dirty="0"/>
-              <a:t>, </a:t>
-            </a:r>
-            <a:r>
-              <a:rPr lang="ru-RU" dirty="0" err="1"/>
-              <a:t>тобто</a:t>
-            </a:r>
-            <a:r>
-              <a:rPr lang="ru-RU" dirty="0"/>
-              <a:t>, код, </a:t>
-            </a:r>
-            <a:r>
-              <a:rPr lang="ru-RU" dirty="0" err="1"/>
-              <a:t>записаний</a:t>
-            </a:r>
-            <a:r>
-              <a:rPr lang="ru-RU" dirty="0"/>
-              <a:t> тут, є предметом </a:t>
-            </a:r>
-            <a:r>
-              <a:rPr lang="ru-RU" dirty="0" err="1"/>
-              <a:t>більш</a:t>
-            </a:r>
-            <a:r>
-              <a:rPr lang="ru-RU" dirty="0"/>
-              <a:t> строгого синтаксису </a:t>
-            </a:r>
-            <a:r>
-              <a:rPr lang="ru-RU" dirty="0" err="1"/>
-              <a:t>заради</a:t>
-            </a:r>
-            <a:r>
-              <a:rPr lang="ru-RU" dirty="0"/>
-              <a:t> </a:t>
-            </a:r>
-            <a:r>
-              <a:rPr lang="ru-RU" dirty="0" err="1"/>
-              <a:t>підвищення</a:t>
-            </a:r>
-            <a:r>
-              <a:rPr lang="ru-RU" dirty="0"/>
-              <a:t> </a:t>
-            </a:r>
-            <a:r>
-              <a:rPr lang="ru-RU" dirty="0" err="1"/>
-              <a:t>продуктивності</a:t>
-            </a:r>
-            <a:r>
-              <a:rPr lang="ru-RU" dirty="0"/>
-              <a:t>.</a:t>
-            </a:r>
-            <a:endParaRPr lang="uk-UA" dirty="0"/>
+              <a:rPr lang="uk-UA" dirty="0"/>
+              <a:t> - це та частина, що знаходиться у фігурних дужках {}. Тут ви визначаєте складові класу, такі як методи або конструктор.</a:t>
+            </a:r>
           </a:p>
         </p:txBody>
       </p:sp>
@@ -2467,7 +2586,7 @@
           <a:p>
             <a:fld id="{C6B9B3CE-BC21-41F4-8896-5AF0EBA9693C}" type="slidenum">
               <a:rPr lang="uk-UA" smtClean="0"/>
-              <a:t>8</a:t>
+              <a:t>9</a:t>
             </a:fld>
             <a:endParaRPr lang="uk-UA"/>
           </a:p>
@@ -2476,7 +2595,7 @@
     </p:spTree>
     <p:extLst>
       <p:ext uri="{BB962C8B-B14F-4D97-AF65-F5344CB8AC3E}">
-        <p14:creationId xmlns:p14="http://schemas.microsoft.com/office/powerpoint/2010/main" val="2553078922"/>
+        <p14:creationId xmlns:p14="http://schemas.microsoft.com/office/powerpoint/2010/main" val="2486931028"/>
       </p:ext>
     </p:extLst>
   </p:cSld>
@@ -2531,179 +2650,89 @@
           <a:lstStyle/>
           <a:p>
             <a:r>
-              <a:rPr lang="uk-UA" sz="1200" b="0" i="0" kern="1200" dirty="0">
-                <a:solidFill>
-                  <a:schemeClr val="tx1"/>
-                </a:solidFill>
-                <a:effectLst/>
-                <a:latin typeface="+mn-lt"/>
-                <a:ea typeface="+mn-ea"/>
-                <a:cs typeface="+mn-cs"/>
-              </a:rPr>
-              <a:t>Метод </a:t>
-            </a:r>
-            <a:r>
-              <a:rPr lang="en-US" sz="1200" b="0" i="0" u="none" strike="noStrike" kern="1200" dirty="0">
-                <a:solidFill>
-                  <a:schemeClr val="tx1"/>
-                </a:solidFill>
-                <a:effectLst/>
-                <a:latin typeface="+mn-lt"/>
-                <a:ea typeface="+mn-ea"/>
-                <a:cs typeface="+mn-cs"/>
-                <a:hlinkClick r:id="rId3"/>
-              </a:rPr>
-              <a:t>constructor</a:t>
-            </a:r>
-            <a:r>
-              <a:rPr lang="en-US" sz="1200" b="0" i="0" kern="1200" dirty="0">
-                <a:solidFill>
-                  <a:schemeClr val="tx1"/>
-                </a:solidFill>
-                <a:effectLst/>
-                <a:latin typeface="+mn-lt"/>
-                <a:ea typeface="+mn-ea"/>
-                <a:cs typeface="+mn-cs"/>
-              </a:rPr>
-              <a:t> - </a:t>
-            </a:r>
-            <a:r>
-              <a:rPr lang="uk-UA" sz="1200" b="0" i="0" kern="1200" dirty="0">
-                <a:solidFill>
-                  <a:schemeClr val="tx1"/>
-                </a:solidFill>
-                <a:effectLst/>
-                <a:latin typeface="+mn-lt"/>
-                <a:ea typeface="+mn-ea"/>
-                <a:cs typeface="+mn-cs"/>
-              </a:rPr>
-              <a:t>це спеціальний метод для створення та ініціалізації об'єктів, створених ключовим словом </a:t>
-            </a:r>
-            <a:r>
-              <a:rPr lang="en-US" sz="1200" b="0" i="0" kern="1200" dirty="0">
-                <a:solidFill>
-                  <a:schemeClr val="tx1"/>
-                </a:solidFill>
-                <a:effectLst/>
-                <a:latin typeface="+mn-lt"/>
-                <a:ea typeface="+mn-ea"/>
-                <a:cs typeface="+mn-cs"/>
-              </a:rPr>
-              <a:t>class. </a:t>
-            </a:r>
-            <a:r>
-              <a:rPr lang="uk-UA" sz="1200" b="0" i="0" kern="1200" dirty="0">
-                <a:solidFill>
-                  <a:schemeClr val="tx1"/>
-                </a:solidFill>
-                <a:effectLst/>
-                <a:latin typeface="+mn-lt"/>
-                <a:ea typeface="+mn-ea"/>
-                <a:cs typeface="+mn-cs"/>
-              </a:rPr>
-              <a:t>У класі може бути лише один спеціальний метод з ім'ям "</a:t>
-            </a:r>
-            <a:r>
-              <a:rPr lang="en-US" sz="1200" b="0" i="0" kern="1200" dirty="0">
-                <a:solidFill>
-                  <a:schemeClr val="tx1"/>
-                </a:solidFill>
-                <a:effectLst/>
-                <a:latin typeface="+mn-lt"/>
-                <a:ea typeface="+mn-ea"/>
-                <a:cs typeface="+mn-cs"/>
-              </a:rPr>
-              <a:t>constructor". </a:t>
-            </a:r>
-            <a:r>
-              <a:rPr lang="uk-UA" sz="1200" b="0" i="0" kern="1200" dirty="0">
-                <a:solidFill>
-                  <a:schemeClr val="tx1"/>
-                </a:solidFill>
-                <a:effectLst/>
-                <a:latin typeface="+mn-lt"/>
-                <a:ea typeface="+mn-ea"/>
-                <a:cs typeface="+mn-cs"/>
-              </a:rPr>
-              <a:t>Якщо клас містить більше одного метода </a:t>
-            </a:r>
-            <a:r>
-              <a:rPr lang="en-US" sz="1200" b="0" i="0" kern="1200" dirty="0">
-                <a:solidFill>
-                  <a:schemeClr val="tx1"/>
-                </a:solidFill>
-                <a:effectLst/>
-                <a:latin typeface="+mn-lt"/>
-                <a:ea typeface="+mn-ea"/>
-                <a:cs typeface="+mn-cs"/>
-              </a:rPr>
-              <a:t>constructor, </a:t>
-            </a:r>
-            <a:r>
-              <a:rPr lang="uk-UA" sz="1200" b="0" i="0" kern="1200" dirty="0">
-                <a:solidFill>
-                  <a:schemeClr val="tx1"/>
-                </a:solidFill>
-                <a:effectLst/>
-                <a:latin typeface="+mn-lt"/>
-                <a:ea typeface="+mn-ea"/>
-                <a:cs typeface="+mn-cs"/>
-              </a:rPr>
-              <a:t>виникне помилка </a:t>
-            </a:r>
-            <a:r>
-              <a:rPr lang="en-US" sz="1200" b="0" i="0" u="none" strike="noStrike" kern="1200" dirty="0">
-                <a:solidFill>
-                  <a:schemeClr val="tx1"/>
-                </a:solidFill>
-                <a:effectLst/>
-                <a:latin typeface="+mn-lt"/>
-                <a:ea typeface="+mn-ea"/>
-                <a:cs typeface="+mn-cs"/>
-                <a:hlinkClick r:id="rId4"/>
-              </a:rPr>
-              <a:t>SyntaxError</a:t>
-            </a:r>
-            <a:r>
-              <a:rPr lang="en-US" sz="1200" b="0" i="0" kern="1200" dirty="0">
-                <a:solidFill>
-                  <a:schemeClr val="tx1"/>
-                </a:solidFill>
-                <a:effectLst/>
-                <a:latin typeface="+mn-lt"/>
-                <a:ea typeface="+mn-ea"/>
-                <a:cs typeface="+mn-cs"/>
-              </a:rPr>
+              <a:rPr lang="ru-RU" dirty="0"/>
+              <a:t>Код у </a:t>
+            </a:r>
+            <a:r>
+              <a:rPr lang="ru-RU" dirty="0" err="1"/>
+              <a:t>тілі</a:t>
+            </a:r>
+            <a:r>
+              <a:rPr lang="ru-RU" dirty="0"/>
+              <a:t> </a:t>
+            </a:r>
+            <a:r>
+              <a:rPr lang="ru-RU" dirty="0" err="1"/>
+              <a:t>класу</a:t>
+            </a:r>
+            <a:r>
+              <a:rPr lang="ru-RU" dirty="0"/>
+              <a:t> </a:t>
+            </a:r>
+            <a:r>
+              <a:rPr lang="ru-RU" dirty="0" err="1"/>
+              <a:t>виконується</a:t>
+            </a:r>
+            <a:r>
+              <a:rPr lang="ru-RU" dirty="0"/>
+              <a:t> у строгому </a:t>
+            </a:r>
+            <a:r>
+              <a:rPr lang="ru-RU" dirty="0" err="1"/>
+              <a:t>режимі</a:t>
+            </a:r>
+            <a:r>
+              <a:rPr lang="ru-RU" dirty="0"/>
+              <a:t>, </a:t>
+            </a:r>
+            <a:r>
+              <a:rPr lang="ru-RU" dirty="0" err="1"/>
+              <a:t>тобто</a:t>
+            </a:r>
+            <a:r>
+              <a:rPr lang="ru-RU" dirty="0"/>
+              <a:t>, код, </a:t>
+            </a:r>
+            <a:r>
+              <a:rPr lang="ru-RU" dirty="0" err="1"/>
+              <a:t>записаний</a:t>
+            </a:r>
+            <a:r>
+              <a:rPr lang="ru-RU" dirty="0"/>
+              <a:t> тут, є предметом </a:t>
+            </a:r>
+            <a:r>
+              <a:rPr lang="ru-RU" dirty="0" err="1"/>
+              <a:t>більш</a:t>
+            </a:r>
+            <a:r>
+              <a:rPr lang="ru-RU" dirty="0"/>
+              <a:t> строгого синтаксису </a:t>
+            </a:r>
+            <a:r>
+              <a:rPr lang="ru-RU" dirty="0" err="1"/>
+              <a:t>заради</a:t>
+            </a:r>
+            <a:r>
+              <a:rPr lang="ru-RU" dirty="0"/>
+              <a:t> </a:t>
+            </a:r>
+            <a:r>
+              <a:rPr lang="ru-RU" dirty="0" err="1"/>
+              <a:t>підвищення</a:t>
+            </a:r>
+            <a:r>
+              <a:rPr lang="ru-RU" dirty="0"/>
+              <a:t> </a:t>
+            </a:r>
+            <a:r>
+              <a:rPr lang="ru-RU" dirty="0" err="1"/>
+              <a:t>продуктивності</a:t>
+            </a:r>
+            <a:r>
+              <a:rPr lang="ru-RU" dirty="0"/>
               <a:t>.</a:t>
             </a:r>
-          </a:p>
-          <a:p>
-            <a:r>
-              <a:rPr lang="uk-UA" sz="1200" b="0" i="0" kern="1200" dirty="0">
-                <a:solidFill>
-                  <a:schemeClr val="tx1"/>
-                </a:solidFill>
-                <a:effectLst/>
-                <a:latin typeface="+mn-lt"/>
-                <a:ea typeface="+mn-ea"/>
-                <a:cs typeface="+mn-cs"/>
-              </a:rPr>
-              <a:t>Конструктор може звертатися до конструктора батьківського класу за допомогою ключового слова </a:t>
-            </a:r>
-            <a:r>
-              <a:rPr lang="en-US" sz="1200" b="0" i="0" kern="1200" dirty="0">
-                <a:solidFill>
-                  <a:schemeClr val="tx1"/>
-                </a:solidFill>
-                <a:effectLst/>
-                <a:latin typeface="+mn-lt"/>
-                <a:ea typeface="+mn-ea"/>
-                <a:cs typeface="+mn-cs"/>
-              </a:rPr>
-              <a:t>super.</a:t>
-            </a:r>
-          </a:p>
-          <a:p>
             <a:endParaRPr lang="uk-UA" dirty="0"/>
           </a:p>
         </p:txBody>
@@ -2725,7 +2754,7 @@
           <a:p>
             <a:fld id="{C6B9B3CE-BC21-41F4-8896-5AF0EBA9693C}" type="slidenum">
               <a:rPr lang="uk-UA" smtClean="0"/>
-              <a:t>9</a:t>
+              <a:t>10</a:t>
             </a:fld>
             <a:endParaRPr lang="uk-UA"/>
           </a:p>
@@ -2734,7 +2763,7 @@
     </p:spTree>
     <p:extLst>
       <p:ext uri="{BB962C8B-B14F-4D97-AF65-F5344CB8AC3E}">
-        <p14:creationId xmlns:p14="http://schemas.microsoft.com/office/powerpoint/2010/main" val="1798076765"/>
+        <p14:creationId xmlns:p14="http://schemas.microsoft.com/office/powerpoint/2010/main" val="2553078922"/>
       </p:ext>
     </p:extLst>
   </p:cSld>
@@ -2788,6 +2817,180 @@
           <a:bodyPr/>
           <a:lstStyle/>
           <a:p>
+            <a:r>
+              <a:rPr lang="uk-UA" sz="1200" b="0" i="0" kern="1200" dirty="0">
+                <a:solidFill>
+                  <a:schemeClr val="tx1"/>
+                </a:solidFill>
+                <a:effectLst/>
+                <a:latin typeface="+mn-lt"/>
+                <a:ea typeface="+mn-ea"/>
+                <a:cs typeface="+mn-cs"/>
+              </a:rPr>
+              <a:t>Метод </a:t>
+            </a:r>
+            <a:r>
+              <a:rPr lang="en-US" sz="1200" b="0" i="0" u="none" strike="noStrike" kern="1200" dirty="0">
+                <a:solidFill>
+                  <a:schemeClr val="tx1"/>
+                </a:solidFill>
+                <a:effectLst/>
+                <a:latin typeface="+mn-lt"/>
+                <a:ea typeface="+mn-ea"/>
+                <a:cs typeface="+mn-cs"/>
+                <a:hlinkClick r:id="rId3"/>
+              </a:rPr>
+              <a:t>constructor</a:t>
+            </a:r>
+            <a:r>
+              <a:rPr lang="en-US" sz="1200" b="0" i="0" kern="1200" dirty="0">
+                <a:solidFill>
+                  <a:schemeClr val="tx1"/>
+                </a:solidFill>
+                <a:effectLst/>
+                <a:latin typeface="+mn-lt"/>
+                <a:ea typeface="+mn-ea"/>
+                <a:cs typeface="+mn-cs"/>
+              </a:rPr>
+              <a:t> - </a:t>
+            </a:r>
+            <a:r>
+              <a:rPr lang="uk-UA" sz="1200" b="0" i="0" kern="1200" dirty="0">
+                <a:solidFill>
+                  <a:schemeClr val="tx1"/>
+                </a:solidFill>
+                <a:effectLst/>
+                <a:latin typeface="+mn-lt"/>
+                <a:ea typeface="+mn-ea"/>
+                <a:cs typeface="+mn-cs"/>
+              </a:rPr>
+              <a:t>це спеціальний метод для створення та ініціалізації об'єктів, створених ключовим словом </a:t>
+            </a:r>
+            <a:r>
+              <a:rPr lang="en-US" sz="1200" b="0" i="0" kern="1200" dirty="0">
+                <a:solidFill>
+                  <a:schemeClr val="tx1"/>
+                </a:solidFill>
+                <a:effectLst/>
+                <a:latin typeface="+mn-lt"/>
+                <a:ea typeface="+mn-ea"/>
+                <a:cs typeface="+mn-cs"/>
+              </a:rPr>
+              <a:t>class. </a:t>
+            </a:r>
+            <a:r>
+              <a:rPr lang="uk-UA" sz="1200" b="0" i="0" kern="1200" dirty="0">
+                <a:solidFill>
+                  <a:schemeClr val="tx1"/>
+                </a:solidFill>
+                <a:effectLst/>
+                <a:latin typeface="+mn-lt"/>
+                <a:ea typeface="+mn-ea"/>
+                <a:cs typeface="+mn-cs"/>
+              </a:rPr>
+              <a:t>У класі може бути лише один спеціальний метод з ім'ям "</a:t>
+            </a:r>
+            <a:r>
+              <a:rPr lang="en-US" sz="1200" b="0" i="0" kern="1200" dirty="0">
+                <a:solidFill>
+                  <a:schemeClr val="tx1"/>
+                </a:solidFill>
+                <a:effectLst/>
+                <a:latin typeface="+mn-lt"/>
+                <a:ea typeface="+mn-ea"/>
+                <a:cs typeface="+mn-cs"/>
+              </a:rPr>
+              <a:t>constructor". </a:t>
+            </a:r>
+            <a:r>
+              <a:rPr lang="uk-UA" sz="1200" b="0" i="0" kern="1200" dirty="0">
+                <a:solidFill>
+                  <a:schemeClr val="tx1"/>
+                </a:solidFill>
+                <a:effectLst/>
+                <a:latin typeface="+mn-lt"/>
+                <a:ea typeface="+mn-ea"/>
+                <a:cs typeface="+mn-cs"/>
+              </a:rPr>
+              <a:t>Якщо клас містить більше одного метода </a:t>
+            </a:r>
+            <a:r>
+              <a:rPr lang="en-US" sz="1200" b="0" i="0" kern="1200" dirty="0">
+                <a:solidFill>
+                  <a:schemeClr val="tx1"/>
+                </a:solidFill>
+                <a:effectLst/>
+                <a:latin typeface="+mn-lt"/>
+                <a:ea typeface="+mn-ea"/>
+                <a:cs typeface="+mn-cs"/>
+              </a:rPr>
+              <a:t>constructor, </a:t>
+            </a:r>
+            <a:r>
+              <a:rPr lang="uk-UA" sz="1200" b="0" i="0" kern="1200" dirty="0">
+                <a:solidFill>
+                  <a:schemeClr val="tx1"/>
+                </a:solidFill>
+                <a:effectLst/>
+                <a:latin typeface="+mn-lt"/>
+                <a:ea typeface="+mn-ea"/>
+                <a:cs typeface="+mn-cs"/>
+              </a:rPr>
+              <a:t>виникне помилка </a:t>
+            </a:r>
+            <a:r>
+              <a:rPr lang="en-US" sz="1200" b="0" i="0" u="none" strike="noStrike" kern="1200" dirty="0">
+                <a:solidFill>
+                  <a:schemeClr val="tx1"/>
+                </a:solidFill>
+                <a:effectLst/>
+                <a:latin typeface="+mn-lt"/>
+                <a:ea typeface="+mn-ea"/>
+                <a:cs typeface="+mn-cs"/>
+                <a:hlinkClick r:id="rId4"/>
+              </a:rPr>
+              <a:t>SyntaxError</a:t>
+            </a:r>
+            <a:r>
+              <a:rPr lang="en-US" sz="1200" b="0" i="0" kern="1200" dirty="0">
+                <a:solidFill>
+                  <a:schemeClr val="tx1"/>
+                </a:solidFill>
+                <a:effectLst/>
+                <a:latin typeface="+mn-lt"/>
+                <a:ea typeface="+mn-ea"/>
+                <a:cs typeface="+mn-cs"/>
+              </a:rPr>
+              <a:t>.</a:t>
+            </a:r>
+          </a:p>
+          <a:p>
+            <a:r>
+              <a:rPr lang="uk-UA" sz="1200" b="0" i="0" kern="1200" dirty="0">
+                <a:solidFill>
+                  <a:schemeClr val="tx1"/>
+                </a:solidFill>
+                <a:effectLst/>
+                <a:latin typeface="+mn-lt"/>
+                <a:ea typeface="+mn-ea"/>
+                <a:cs typeface="+mn-cs"/>
+              </a:rPr>
+              <a:t>Конструктор може звертатися до конструктора батьківського класу за допомогою ключового слова </a:t>
+            </a:r>
+            <a:r>
+              <a:rPr lang="en-US" sz="1200" b="0" i="0" kern="1200" dirty="0">
+                <a:solidFill>
+                  <a:schemeClr val="tx1"/>
+                </a:solidFill>
+                <a:effectLst/>
+                <a:latin typeface="+mn-lt"/>
+                <a:ea typeface="+mn-ea"/>
+                <a:cs typeface="+mn-cs"/>
+              </a:rPr>
+              <a:t>super.</a:t>
+            </a:r>
+          </a:p>
+          <a:p>
             <a:endParaRPr lang="uk-UA" dirty="0"/>
           </a:p>
         </p:txBody>
@@ -2809,7 +3012,7 @@
           <a:p>
             <a:fld id="{C6B9B3CE-BC21-41F4-8896-5AF0EBA9693C}" type="slidenum">
               <a:rPr lang="uk-UA" smtClean="0"/>
-              <a:t>10</a:t>
+              <a:t>11</a:t>
             </a:fld>
             <a:endParaRPr lang="uk-UA"/>
           </a:p>
@@ -2818,7 +3021,7 @@
     </p:spTree>
     <p:extLst>
       <p:ext uri="{BB962C8B-B14F-4D97-AF65-F5344CB8AC3E}">
-        <p14:creationId xmlns:p14="http://schemas.microsoft.com/office/powerpoint/2010/main" val="1263950274"/>
+        <p14:creationId xmlns:p14="http://schemas.microsoft.com/office/powerpoint/2010/main" val="1798076765"/>
       </p:ext>
     </p:extLst>
   </p:cSld>
@@ -2872,91 +3075,7 @@
           <a:bodyPr/>
           <a:lstStyle/>
           <a:p>
-            <a:r>
-              <a:rPr lang="uk-UA" sz="1200" b="0" i="0" kern="1200" noProof="0" dirty="0">
-                <a:solidFill>
-                  <a:schemeClr val="tx1"/>
-                </a:solidFill>
-                <a:effectLst/>
-                <a:latin typeface="+mn-lt"/>
-                <a:ea typeface="+mn-ea"/>
-                <a:cs typeface="+mn-cs"/>
-              </a:rPr>
-              <a:t>Ключове слово </a:t>
-            </a:r>
-            <a:r>
-              <a:rPr lang="uk-UA" sz="1200" b="1" u="none" strike="noStrike" kern="1200" noProof="0" dirty="0" err="1">
-                <a:solidFill>
-                  <a:schemeClr val="tx1"/>
-                </a:solidFill>
-                <a:effectLst/>
-                <a:latin typeface="+mn-lt"/>
-                <a:ea typeface="+mn-ea"/>
-                <a:cs typeface="+mn-cs"/>
-              </a:rPr>
-              <a:t>static</a:t>
-            </a:r>
-            <a:r>
-              <a:rPr lang="uk-UA" sz="1200" b="0" i="0" kern="1200" noProof="0" dirty="0">
-                <a:solidFill>
-                  <a:schemeClr val="tx1"/>
-                </a:solidFill>
-                <a:effectLst/>
-                <a:latin typeface="+mn-lt"/>
-                <a:ea typeface="+mn-ea"/>
-                <a:cs typeface="+mn-cs"/>
-              </a:rPr>
-              <a:t> визначає статичний метод класу. Статичні методи класу викликаються без </a:t>
-            </a:r>
-            <a:r>
-              <a:rPr lang="uk-UA" sz="1200" b="0" i="0" u="none" strike="noStrike" kern="1200" noProof="0" dirty="0">
-                <a:solidFill>
-                  <a:schemeClr val="tx1"/>
-                </a:solidFill>
-                <a:effectLst/>
-                <a:latin typeface="+mn-lt"/>
-                <a:ea typeface="+mn-ea"/>
-                <a:cs typeface="+mn-cs"/>
-              </a:rPr>
-              <a:t>створення екземпляра </a:t>
-            </a:r>
-            <a:r>
-              <a:rPr lang="uk-UA" sz="1200" b="0" i="0" kern="1200" noProof="0" dirty="0">
-                <a:solidFill>
-                  <a:schemeClr val="tx1"/>
-                </a:solidFill>
-                <a:effectLst/>
-                <a:latin typeface="+mn-lt"/>
-                <a:ea typeface="+mn-ea"/>
-                <a:cs typeface="+mn-cs"/>
-              </a:rPr>
-              <a:t>свого класу і </a:t>
-            </a:r>
-            <a:r>
-              <a:rPr lang="uk-UA" sz="1200" b="1" i="0" kern="1200" noProof="0" dirty="0">
-                <a:solidFill>
-                  <a:schemeClr val="tx1"/>
-                </a:solidFill>
-                <a:effectLst/>
-                <a:latin typeface="+mn-lt"/>
-                <a:ea typeface="+mn-ea"/>
-                <a:cs typeface="+mn-cs"/>
-              </a:rPr>
-              <a:t>не можуть</a:t>
-            </a:r>
-            <a:r>
-              <a:rPr lang="uk-UA" sz="1200" b="0" i="0" kern="1200" noProof="0" dirty="0">
-                <a:solidFill>
-                  <a:schemeClr val="tx1"/>
-                </a:solidFill>
-                <a:effectLst/>
-                <a:latin typeface="+mn-lt"/>
-                <a:ea typeface="+mn-ea"/>
-                <a:cs typeface="+mn-cs"/>
-              </a:rPr>
-              <a:t> бути викликані через екземпляр класу.</a:t>
-            </a:r>
-            <a:endParaRPr lang="uk-UA" noProof="0" dirty="0"/>
+            <a:endParaRPr lang="uk-UA" dirty="0"/>
           </a:p>
         </p:txBody>
       </p:sp>
@@ -2977,7 +3096,7 @@
           <a:p>
             <a:fld id="{C6B9B3CE-BC21-41F4-8896-5AF0EBA9693C}" type="slidenum">
               <a:rPr lang="uk-UA" smtClean="0"/>
-              <a:t>11</a:t>
+              <a:t>12</a:t>
             </a:fld>
             <a:endParaRPr lang="uk-UA"/>
           </a:p>
@@ -2986,7 +3105,7 @@
     </p:spTree>
     <p:extLst>
       <p:ext uri="{BB962C8B-B14F-4D97-AF65-F5344CB8AC3E}">
-        <p14:creationId xmlns:p14="http://schemas.microsoft.com/office/powerpoint/2010/main" val="3822177570"/>
+        <p14:creationId xmlns:p14="http://schemas.microsoft.com/office/powerpoint/2010/main" val="1263950274"/>
       </p:ext>
     </p:extLst>
   </p:cSld>
@@ -8180,6 +8299,221 @@
           <p:cNvPr id="2" name="Заголовок 1">
             <a:extLst>
               <a:ext uri="{FF2B5EF4-FFF2-40B4-BE49-F238E27FC236}">
+                <a16:creationId xmlns:a16="http://schemas.microsoft.com/office/drawing/2014/main" id="{70BAB76B-065D-4D0F-A898-53A263A946E0}"/>
+              </a:ext>
+            </a:extLst>
+          </p:cNvPr>
+          <p:cNvSpPr>
+            <a:spLocks noGrp="1"/>
+          </p:cNvSpPr>
+          <p:nvPr>
+            <p:ph type="title"/>
+          </p:nvPr>
+        </p:nvSpPr>
+        <p:spPr/>
+        <p:txBody>
+          <a:bodyPr/>
+          <a:lstStyle/>
+          <a:p>
+            <a:pPr>
+              <a:lnSpc>
+                <a:spcPct val="100000"/>
+              </a:lnSpc>
+            </a:pPr>
+            <a:r>
+              <a:rPr lang="en-US" sz="3000" dirty="0"/>
+              <a:t>Strict mode</a:t>
+            </a:r>
+            <a:br>
+              <a:rPr lang="en-US" sz="3000" dirty="0"/>
+            </a:br>
+            <a:r>
+              <a:rPr lang="en-US" sz="2400" dirty="0">
+                <a:latin typeface="Open Sans" panose="020B0604020202020204" charset="0"/>
+                <a:ea typeface="Open Sans" panose="020B0604020202020204" charset="0"/>
+                <a:cs typeface="Open Sans" panose="020B0604020202020204" charset="0"/>
+              </a:rPr>
+              <a:t>The body of a class is executed in strict mode, i.e., code written here is subject to stricter syntax for increased performance.</a:t>
+            </a:r>
+            <a:endParaRPr lang="uk-UA" sz="2400" dirty="0">
+              <a:latin typeface="Open Sans" panose="020B0604020202020204" charset="0"/>
+              <a:ea typeface="Open Sans" panose="020B0604020202020204" charset="0"/>
+              <a:cs typeface="Open Sans" panose="020B0604020202020204" charset="0"/>
+            </a:endParaRPr>
+          </a:p>
+        </p:txBody>
+      </p:sp>
+    </p:spTree>
+    <p:extLst>
+      <p:ext uri="{BB962C8B-B14F-4D97-AF65-F5344CB8AC3E}">
+        <p14:creationId xmlns:p14="http://schemas.microsoft.com/office/powerpoint/2010/main" val="2269056358"/>
+      </p:ext>
+    </p:extLst>
+  </p:cSld>
+  <p:clrMapOvr>
+    <a:masterClrMapping/>
+  </p:clrMapOvr>
+</p:sld>
+</file>
+
+<file path=ppt/slides/slide11.xml><?xml version="1.0" encoding="utf-8"?>
+<p:sld xmlns:a="http://schemas.openxmlformats.org/drawingml/2006/main" xmlns:r="http://schemas.openxmlformats.org/officeDocument/2006/relationships" xmlns:p="http://schemas.openxmlformats.org/presentationml/2006/main">
+  <p:cSld>
+    <p:spTree>
+      <p:nvGrpSpPr>
+        <p:cNvPr id="1" name=""/>
+        <p:cNvGrpSpPr/>
+        <p:nvPr/>
+      </p:nvGrpSpPr>
+      <p:grpSpPr>
+        <a:xfrm>
+          <a:off x="0" y="0"/>
+          <a:ext cx="0" cy="0"/>
+          <a:chOff x="0" y="0"/>
+          <a:chExt cx="0" cy="0"/>
+        </a:xfrm>
+      </p:grpSpPr>
+      <p:sp>
+        <p:nvSpPr>
+          <p:cNvPr id="2" name="Заголовок 1">
+            <a:extLst>
+              <a:ext uri="{FF2B5EF4-FFF2-40B4-BE49-F238E27FC236}">
+                <a16:creationId xmlns:a16="http://schemas.microsoft.com/office/drawing/2014/main" id="{14ED87CA-3DEB-410E-800F-FAB6FEFC6430}"/>
+              </a:ext>
+            </a:extLst>
+          </p:cNvPr>
+          <p:cNvSpPr>
+            <a:spLocks noGrp="1"/>
+          </p:cNvSpPr>
+          <p:nvPr>
+            <p:ph type="title"/>
+          </p:nvPr>
+        </p:nvSpPr>
+        <p:spPr/>
+        <p:txBody>
+          <a:bodyPr/>
+          <a:lstStyle/>
+          <a:p>
+            <a:pPr>
+              <a:lnSpc>
+                <a:spcPct val="100000"/>
+              </a:lnSpc>
+            </a:pPr>
+            <a:r>
+              <a:rPr lang="en-US" sz="3000" dirty="0"/>
+              <a:t>Constructor</a:t>
+            </a:r>
+            <a:br>
+              <a:rPr lang="en-US" sz="3000" dirty="0"/>
+            </a:br>
+            <a:r>
+              <a:rPr lang="en-US" sz="2400" dirty="0">
+                <a:latin typeface="Open Sans" panose="020B0604020202020204" charset="0"/>
+                <a:ea typeface="Open Sans" panose="020B0604020202020204" charset="0"/>
+                <a:cs typeface="Open Sans" panose="020B0604020202020204" charset="0"/>
+              </a:rPr>
+              <a:t>The constructor method is a special method for creating and initializing an object created with a class. There can only be one special method with the name "constructor" in a class. A </a:t>
+            </a:r>
+            <a:r>
+              <a:rPr lang="en-US" sz="2400" dirty="0">
+                <a:solidFill>
+                  <a:srgbClr val="FF0000"/>
+                </a:solidFill>
+                <a:latin typeface="Open Sans" panose="020B0604020202020204" charset="0"/>
+                <a:ea typeface="Open Sans" panose="020B0604020202020204" charset="0"/>
+                <a:cs typeface="Open Sans" panose="020B0604020202020204" charset="0"/>
+              </a:rPr>
+              <a:t>SyntaxError</a:t>
+            </a:r>
+            <a:r>
+              <a:rPr lang="en-US" sz="2400" dirty="0">
+                <a:latin typeface="Open Sans" panose="020B0604020202020204" charset="0"/>
+                <a:ea typeface="Open Sans" panose="020B0604020202020204" charset="0"/>
+                <a:cs typeface="Open Sans" panose="020B0604020202020204" charset="0"/>
+              </a:rPr>
+              <a:t> will be thrown if the class contains more than one occurrence of a constructor method.</a:t>
+            </a:r>
+            <a:br>
+              <a:rPr lang="en-US" sz="2400" dirty="0">
+                <a:latin typeface="Open Sans" panose="020B0604020202020204" charset="0"/>
+                <a:ea typeface="Open Sans" panose="020B0604020202020204" charset="0"/>
+                <a:cs typeface="Open Sans" panose="020B0604020202020204" charset="0"/>
+              </a:rPr>
+            </a:br>
+            <a:br>
+              <a:rPr lang="en-US" sz="2400" dirty="0">
+                <a:latin typeface="Open Sans" panose="020B0604020202020204" charset="0"/>
+                <a:ea typeface="Open Sans" panose="020B0604020202020204" charset="0"/>
+                <a:cs typeface="Open Sans" panose="020B0604020202020204" charset="0"/>
+              </a:rPr>
+            </a:br>
+            <a:r>
+              <a:rPr lang="en-US" sz="2400" dirty="0">
+                <a:latin typeface="Open Sans" panose="020B0604020202020204" charset="0"/>
+                <a:ea typeface="Open Sans" panose="020B0604020202020204" charset="0"/>
+                <a:cs typeface="Open Sans" panose="020B0604020202020204" charset="0"/>
+              </a:rPr>
+              <a:t>A constructor can use the </a:t>
+            </a:r>
+            <a:r>
+              <a:rPr lang="en-US" sz="2400" b="1" dirty="0">
+                <a:latin typeface="Open Sans" panose="020B0604020202020204" charset="0"/>
+                <a:ea typeface="Open Sans" panose="020B0604020202020204" charset="0"/>
+                <a:cs typeface="Open Sans" panose="020B0604020202020204" charset="0"/>
+              </a:rPr>
+              <a:t>super</a:t>
+            </a:r>
+            <a:r>
+              <a:rPr lang="en-US" sz="2400" dirty="0">
+                <a:latin typeface="Open Sans" panose="020B0604020202020204" charset="0"/>
+                <a:ea typeface="Open Sans" panose="020B0604020202020204" charset="0"/>
+                <a:cs typeface="Open Sans" panose="020B0604020202020204" charset="0"/>
+              </a:rPr>
+              <a:t> keyword to call the constructor of the super class.</a:t>
+            </a:r>
+            <a:endParaRPr lang="uk-UA" sz="2400" dirty="0">
+              <a:latin typeface="Open Sans" panose="020B0604020202020204" charset="0"/>
+              <a:ea typeface="Open Sans" panose="020B0604020202020204" charset="0"/>
+              <a:cs typeface="Open Sans" panose="020B0604020202020204" charset="0"/>
+            </a:endParaRPr>
+          </a:p>
+        </p:txBody>
+      </p:sp>
+    </p:spTree>
+    <p:extLst>
+      <p:ext uri="{BB962C8B-B14F-4D97-AF65-F5344CB8AC3E}">
+        <p14:creationId xmlns:p14="http://schemas.microsoft.com/office/powerpoint/2010/main" val="3583978474"/>
+      </p:ext>
+    </p:extLst>
+  </p:cSld>
+  <p:clrMapOvr>
+    <a:masterClrMapping/>
+  </p:clrMapOvr>
+</p:sld>
+</file>
+
+<file path=ppt/slides/slide12.xml><?xml version="1.0" encoding="utf-8"?>
+<p:sld xmlns:a="http://schemas.openxmlformats.org/drawingml/2006/main" xmlns:r="http://schemas.openxmlformats.org/officeDocument/2006/relationships" xmlns:p="http://schemas.openxmlformats.org/presentationml/2006/main">
+  <p:cSld>
+    <p:spTree>
+      <p:nvGrpSpPr>
+        <p:cNvPr id="1" name=""/>
+        <p:cNvGrpSpPr/>
+        <p:nvPr/>
+      </p:nvGrpSpPr>
+      <p:grpSpPr>
+        <a:xfrm>
+          <a:off x="0" y="0"/>
+          <a:ext cx="0" cy="0"/>
+          <a:chOff x="0" y="0"/>
+          <a:chExt cx="0" cy="0"/>
+        </a:xfrm>
+      </p:grpSpPr>
+      <p:sp>
+        <p:nvSpPr>
+          <p:cNvPr id="2" name="Заголовок 1">
+            <a:extLst>
+              <a:ext uri="{FF2B5EF4-FFF2-40B4-BE49-F238E27FC236}">
                 <a16:creationId xmlns:a16="http://schemas.microsoft.com/office/drawing/2014/main" id="{BFAF5A3D-E905-42E2-A44D-8BCD1A7565A4}"/>
               </a:ext>
             </a:extLst>
@@ -8261,7 +8595,7 @@
 </p:sld>
 </file>
 
-<file path=ppt/slides/slide11.xml><?xml version="1.0" encoding="utf-8"?>
+<file path=ppt/slides/slide13.xml><?xml version="1.0" encoding="utf-8"?>
 <p:sld xmlns:a="http://schemas.openxmlformats.org/drawingml/2006/main" xmlns:r="http://schemas.openxmlformats.org/officeDocument/2006/relationships" xmlns:p="http://schemas.openxmlformats.org/presentationml/2006/main">
   <p:cSld>
     <p:spTree>
@@ -8356,7 +8690,7 @@
 </p:sld>
 </file>
 
-<file path=ppt/slides/slide12.xml><?xml version="1.0" encoding="utf-8"?>
+<file path=ppt/slides/slide14.xml><?xml version="1.0" encoding="utf-8"?>
 <p:sld xmlns:a="http://schemas.openxmlformats.org/drawingml/2006/main" xmlns:r="http://schemas.openxmlformats.org/officeDocument/2006/relationships" xmlns:p="http://schemas.openxmlformats.org/presentationml/2006/main">
   <p:cSld>
     <p:spTree>
@@ -8456,7 +8790,7 @@
 </p:sld>
 </file>
 
-<file path=ppt/slides/slide13.xml><?xml version="1.0" encoding="utf-8"?>
+<file path=ppt/slides/slide15.xml><?xml version="1.0" encoding="utf-8"?>
 <p:sld xmlns:a="http://schemas.openxmlformats.org/drawingml/2006/main" xmlns:r="http://schemas.openxmlformats.org/officeDocument/2006/relationships" xmlns:p="http://schemas.openxmlformats.org/presentationml/2006/main">
   <p:cSld>
     <p:spTree>
@@ -8535,7 +8869,7 @@
 </p:sld>
 </file>
 
-<file path=ppt/slides/slide14.xml><?xml version="1.0" encoding="utf-8"?>
+<file path=ppt/slides/slide16.xml><?xml version="1.0" encoding="utf-8"?>
 <p:sld xmlns:a="http://schemas.openxmlformats.org/drawingml/2006/main" xmlns:r="http://schemas.openxmlformats.org/officeDocument/2006/relationships" xmlns:p="http://schemas.openxmlformats.org/presentationml/2006/main">
   <p:cSld>
     <p:spTree>
@@ -8635,7 +8969,7 @@
 </p:sld>
 </file>
 
-<file path=ppt/slides/slide15.xml><?xml version="1.0" encoding="utf-8"?>
+<file path=ppt/slides/slide17.xml><?xml version="1.0" encoding="utf-8"?>
 <p:sld xmlns:a="http://schemas.openxmlformats.org/drawingml/2006/main" xmlns:r="http://schemas.openxmlformats.org/officeDocument/2006/relationships" xmlns:p="http://schemas.openxmlformats.org/presentationml/2006/main">
   <p:cSld>
     <p:spTree>
@@ -8887,7 +9221,7 @@
 </p:sld>
 </file>
 
-<file path=ppt/slides/slide16.xml><?xml version="1.0" encoding="utf-8"?>
+<file path=ppt/slides/slide18.xml><?xml version="1.0" encoding="utf-8"?>
 <p:sld xmlns:a="http://schemas.openxmlformats.org/drawingml/2006/main" xmlns:r="http://schemas.openxmlformats.org/officeDocument/2006/relationships" xmlns:p="http://schemas.openxmlformats.org/presentationml/2006/main">
   <p:cSld>
     <p:spTree>
@@ -9145,7 +9479,7 @@
 </p:sld>
 </file>
 
-<file path=ppt/slides/slide17.xml><?xml version="1.0" encoding="utf-8"?>
+<file path=ppt/slides/slide19.xml><?xml version="1.0" encoding="utf-8"?>
 <p:sld xmlns:a="http://schemas.openxmlformats.org/drawingml/2006/main" xmlns:r="http://schemas.openxmlformats.org/officeDocument/2006/relationships" xmlns:p="http://schemas.openxmlformats.org/presentationml/2006/main">
   <p:cSld>
     <p:spTree>
@@ -9330,7 +9664,164 @@
 </p:sld>
 </file>
 
-<file path=ppt/slides/slide18.xml><?xml version="1.0" encoding="utf-8"?>
+<file path=ppt/slides/slide2.xml><?xml version="1.0" encoding="utf-8"?>
+<p:sld xmlns:a="http://schemas.openxmlformats.org/drawingml/2006/main" xmlns:r="http://schemas.openxmlformats.org/officeDocument/2006/relationships" xmlns:p="http://schemas.openxmlformats.org/presentationml/2006/main">
+  <p:cSld>
+    <p:spTree>
+      <p:nvGrpSpPr>
+        <p:cNvPr id="1" name=""/>
+        <p:cNvGrpSpPr/>
+        <p:nvPr/>
+      </p:nvGrpSpPr>
+      <p:grpSpPr>
+        <a:xfrm>
+          <a:off x="0" y="0"/>
+          <a:ext cx="0" cy="0"/>
+          <a:chOff x="0" y="0"/>
+          <a:chExt cx="0" cy="0"/>
+        </a:xfrm>
+      </p:grpSpPr>
+      <p:sp>
+        <p:nvSpPr>
+          <p:cNvPr id="2" name="Заголовок 1">
+            <a:extLst>
+              <a:ext uri="{FF2B5EF4-FFF2-40B4-BE49-F238E27FC236}">
+                <a16:creationId xmlns:a16="http://schemas.microsoft.com/office/drawing/2014/main" id="{0CA5CCC3-D23A-4BF6-B939-EACBA3F2B33B}"/>
+              </a:ext>
+            </a:extLst>
+          </p:cNvPr>
+          <p:cNvSpPr>
+            <a:spLocks noGrp="1"/>
+          </p:cNvSpPr>
+          <p:nvPr>
+            <p:ph type="title"/>
+          </p:nvPr>
+        </p:nvSpPr>
+        <p:spPr/>
+        <p:txBody>
+          <a:bodyPr/>
+          <a:lstStyle/>
+          <a:p>
+            <a:pPr>
+              <a:lnSpc>
+                <a:spcPct val="100000"/>
+              </a:lnSpc>
+            </a:pPr>
+            <a:r>
+              <a:rPr lang="en-US" sz="3000" dirty="0"/>
+              <a:t>Not just a syntactic sugar</a:t>
+            </a:r>
+            <a:br>
+              <a:rPr lang="en-US" sz="3000" dirty="0"/>
+            </a:br>
+            <a:r>
+              <a:rPr lang="en-US" sz="2400" dirty="0">
+                <a:latin typeface="Open Sans" panose="020B0604020202020204" charset="0"/>
+                <a:ea typeface="Open Sans" panose="020B0604020202020204" charset="0"/>
+                <a:cs typeface="Open Sans" panose="020B0604020202020204" charset="0"/>
+              </a:rPr>
+              <a:t>1</a:t>
+            </a:r>
+            <a:r>
+              <a:rPr lang="uk-UA" sz="2400" dirty="0">
+                <a:latin typeface="Open Sans" panose="020B0604020202020204" charset="0"/>
+                <a:ea typeface="Open Sans" panose="020B0604020202020204" charset="0"/>
+                <a:cs typeface="Open Sans" panose="020B0604020202020204" charset="0"/>
+              </a:rPr>
+              <a:t>. </a:t>
+            </a:r>
+            <a:r>
+              <a:rPr lang="en-US" sz="2400" dirty="0">
+                <a:latin typeface="Open Sans" panose="020B0604020202020204" charset="0"/>
+                <a:ea typeface="Open Sans" panose="020B0604020202020204" charset="0"/>
+                <a:cs typeface="Open Sans" panose="020B0604020202020204" charset="0"/>
+              </a:rPr>
+              <a:t>a function created by class is labelled by a special internal property [[</a:t>
+            </a:r>
+            <a:r>
+              <a:rPr lang="en-US" sz="2400" dirty="0" err="1">
+                <a:latin typeface="Open Sans" panose="020B0604020202020204" charset="0"/>
+                <a:ea typeface="Open Sans" panose="020B0604020202020204" charset="0"/>
+                <a:cs typeface="Open Sans" panose="020B0604020202020204" charset="0"/>
+              </a:rPr>
+              <a:t>FunctionKind</a:t>
+            </a:r>
+            <a:r>
+              <a:rPr lang="en-US" sz="2400" dirty="0">
+                <a:latin typeface="Open Sans" panose="020B0604020202020204" charset="0"/>
+                <a:ea typeface="Open Sans" panose="020B0604020202020204" charset="0"/>
+                <a:cs typeface="Open Sans" panose="020B0604020202020204" charset="0"/>
+              </a:rPr>
+              <a:t>]]:"</a:t>
+            </a:r>
+            <a:r>
+              <a:rPr lang="en-US" sz="2400" dirty="0" err="1">
+                <a:latin typeface="Open Sans" panose="020B0604020202020204" charset="0"/>
+                <a:ea typeface="Open Sans" panose="020B0604020202020204" charset="0"/>
+                <a:cs typeface="Open Sans" panose="020B0604020202020204" charset="0"/>
+              </a:rPr>
+              <a:t>classConstructor</a:t>
+            </a:r>
+            <a:r>
+              <a:rPr lang="en-US" sz="2400" dirty="0">
+                <a:latin typeface="Open Sans" panose="020B0604020202020204" charset="0"/>
+                <a:ea typeface="Open Sans" panose="020B0604020202020204" charset="0"/>
+                <a:cs typeface="Open Sans" panose="020B0604020202020204" charset="0"/>
+              </a:rPr>
+              <a:t>“</a:t>
+            </a:r>
+            <a:br>
+              <a:rPr lang="en-US" sz="2400" dirty="0">
+                <a:latin typeface="Open Sans" panose="020B0604020202020204" charset="0"/>
+                <a:ea typeface="Open Sans" panose="020B0604020202020204" charset="0"/>
+                <a:cs typeface="Open Sans" panose="020B0604020202020204" charset="0"/>
+              </a:rPr>
+            </a:br>
+            <a:r>
+              <a:rPr lang="en-US" sz="2400" dirty="0">
+                <a:latin typeface="Open Sans" panose="020B0604020202020204" charset="0"/>
+                <a:ea typeface="Open Sans" panose="020B0604020202020204" charset="0"/>
+                <a:cs typeface="Open Sans" panose="020B0604020202020204" charset="0"/>
+              </a:rPr>
+              <a:t>2. class methods are non-enumerable</a:t>
+            </a:r>
+            <a:br>
+              <a:rPr lang="en-US" sz="2400" dirty="0">
+                <a:latin typeface="Open Sans" panose="020B0604020202020204" charset="0"/>
+                <a:ea typeface="Open Sans" panose="020B0604020202020204" charset="0"/>
+                <a:cs typeface="Open Sans" panose="020B0604020202020204" charset="0"/>
+              </a:rPr>
+            </a:br>
+            <a:r>
+              <a:rPr lang="en-US" sz="2400" dirty="0">
+                <a:latin typeface="Open Sans" panose="020B0604020202020204" charset="0"/>
+                <a:ea typeface="Open Sans" panose="020B0604020202020204" charset="0"/>
+                <a:cs typeface="Open Sans" panose="020B0604020202020204" charset="0"/>
+              </a:rPr>
+              <a:t>3. classes always use strict</a:t>
+            </a:r>
+            <a:endParaRPr lang="uk-UA" sz="2400" dirty="0">
+              <a:latin typeface="Open Sans" panose="020B0604020202020204" charset="0"/>
+              <a:ea typeface="Open Sans" panose="020B0604020202020204" charset="0"/>
+              <a:cs typeface="Open Sans" panose="020B0604020202020204" charset="0"/>
+            </a:endParaRPr>
+          </a:p>
+        </p:txBody>
+      </p:sp>
+    </p:spTree>
+    <p:extLst>
+      <p:ext uri="{BB962C8B-B14F-4D97-AF65-F5344CB8AC3E}">
+        <p14:creationId xmlns:p14="http://schemas.microsoft.com/office/powerpoint/2010/main" val="1913834728"/>
+      </p:ext>
+    </p:extLst>
+  </p:cSld>
+  <p:clrMapOvr>
+    <a:masterClrMapping/>
+  </p:clrMapOvr>
+</p:sld>
+</file>
+
+<file path=ppt/slides/slide20.xml><?xml version="1.0" encoding="utf-8"?>
 <p:sld xmlns:a="http://schemas.openxmlformats.org/drawingml/2006/main" xmlns:r="http://schemas.openxmlformats.org/officeDocument/2006/relationships" xmlns:p="http://schemas.openxmlformats.org/presentationml/2006/main">
   <p:cSld>
     <p:spTree>
@@ -9459,7 +9950,7 @@
 </p:sld>
 </file>
 
-<file path=ppt/slides/slide19.xml><?xml version="1.0" encoding="utf-8"?>
+<file path=ppt/slides/slide21.xml><?xml version="1.0" encoding="utf-8"?>
 <p:sld xmlns:a="http://schemas.openxmlformats.org/drawingml/2006/main" xmlns:r="http://schemas.openxmlformats.org/officeDocument/2006/relationships" xmlns:p="http://schemas.openxmlformats.org/presentationml/2006/main">
   <p:cSld>
     <p:spTree>
@@ -9737,7 +10228,7 @@
 </p:sld>
 </file>
 
-<file path=ppt/slides/slide2.xml><?xml version="1.0" encoding="utf-8"?>
+<file path=ppt/slides/slide22.xml><?xml version="1.0" encoding="utf-8"?>
 <p:sld xmlns:a="http://schemas.openxmlformats.org/drawingml/2006/main" xmlns:r="http://schemas.openxmlformats.org/officeDocument/2006/relationships" xmlns:p="http://schemas.openxmlformats.org/presentationml/2006/main">
   <p:cSld>
     <p:spTree>
@@ -9759,7 +10250,7 @@
           <p:cNvPr id="2" name="Заголовок 1">
             <a:extLst>
               <a:ext uri="{FF2B5EF4-FFF2-40B4-BE49-F238E27FC236}">
-                <a16:creationId xmlns:a16="http://schemas.microsoft.com/office/drawing/2014/main" id="{8A9AE9D0-374F-4157-8EDF-9F95C1FE700E}"/>
+                <a16:creationId xmlns:a16="http://schemas.microsoft.com/office/drawing/2014/main" id="{115D2E13-096C-4C28-97EE-634B645589B0}"/>
               </a:ext>
             </a:extLst>
           </p:cNvPr>
@@ -9781,27 +10272,41 @@
               </a:lnSpc>
             </a:pPr>
             <a:r>
-              <a:rPr lang="en-US" sz="4000" dirty="0"/>
-              <a:t>Defining classes</a:t>
+              <a:rPr lang="en-US" sz="3000" dirty="0"/>
+              <a:t>Protected fields</a:t>
             </a:r>
             <a:br>
-              <a:rPr lang="en-US" b="1" dirty="0"/>
+              <a:rPr lang="en-US" sz="3000" dirty="0"/>
             </a:br>
-            <a:r>
-              <a:rPr lang="en-US" sz="2400" dirty="0" err="1">
-                <a:latin typeface="Open Sans" panose="020B0604020202020204" charset="0"/>
-                <a:ea typeface="Open Sans" panose="020B0604020202020204" charset="0"/>
-                <a:cs typeface="Open Sans" panose="020B0604020202020204" charset="0"/>
-              </a:rPr>
-              <a:t>Classes</a:t>
-            </a:r>
             <a:r>
               <a:rPr lang="en-US" sz="2400" dirty="0">
                 <a:latin typeface="Open Sans" panose="020B0604020202020204" charset="0"/>
                 <a:ea typeface="Open Sans" panose="020B0604020202020204" charset="0"/>
                 <a:cs typeface="Open Sans" panose="020B0604020202020204" charset="0"/>
               </a:rPr>
-              <a:t> are in fact "special functions", and just as you can define function expressions and function declarations, the class syntax has two components: class expressions and class declarations.</a:t>
+              <a:t>Protected properties are usually prefixed with an underscore _.</a:t>
+            </a:r>
+            <a:br>
+              <a:rPr lang="en-US" sz="2400" dirty="0">
+                <a:latin typeface="Open Sans" panose="020B0604020202020204" charset="0"/>
+                <a:ea typeface="Open Sans" panose="020B0604020202020204" charset="0"/>
+                <a:cs typeface="Open Sans" panose="020B0604020202020204" charset="0"/>
+              </a:rPr>
+            </a:br>
+            <a:br>
+              <a:rPr lang="en-US" sz="2400" dirty="0">
+                <a:latin typeface="Open Sans" panose="020B0604020202020204" charset="0"/>
+                <a:ea typeface="Open Sans" panose="020B0604020202020204" charset="0"/>
+                <a:cs typeface="Open Sans" panose="020B0604020202020204" charset="0"/>
+              </a:rPr>
+            </a:br>
+            <a:r>
+              <a:rPr lang="en-US" sz="2400" dirty="0">
+                <a:latin typeface="Open Sans" panose="020B0604020202020204" charset="0"/>
+                <a:ea typeface="Open Sans" panose="020B0604020202020204" charset="0"/>
+                <a:cs typeface="Open Sans" panose="020B0604020202020204" charset="0"/>
+              </a:rPr>
+              <a:t>That is not enforced on the language level, but there’s a well-known convention between programmers that such properties and methods should not be accessed from the outside.</a:t>
             </a:r>
             <a:endParaRPr lang="uk-UA" sz="2400" dirty="0">
               <a:latin typeface="Open Sans" panose="020B0604020202020204" charset="0"/>
@@ -9814,7 +10319,7 @@
     </p:spTree>
     <p:extLst>
       <p:ext uri="{BB962C8B-B14F-4D97-AF65-F5344CB8AC3E}">
-        <p14:creationId xmlns:p14="http://schemas.microsoft.com/office/powerpoint/2010/main" val="844288738"/>
+        <p14:creationId xmlns:p14="http://schemas.microsoft.com/office/powerpoint/2010/main" val="3069866845"/>
       </p:ext>
     </p:extLst>
   </p:cSld>
@@ -9824,7 +10329,7 @@
 </p:sld>
 </file>
 
-<file path=ppt/slides/slide20.xml><?xml version="1.0" encoding="utf-8"?>
+<file path=ppt/slides/slide23.xml><?xml version="1.0" encoding="utf-8"?>
 <p:sld xmlns:a="http://schemas.openxmlformats.org/drawingml/2006/main" xmlns:r="http://schemas.openxmlformats.org/officeDocument/2006/relationships" xmlns:p="http://schemas.openxmlformats.org/presentationml/2006/main">
   <p:cSld>
     <p:spTree>
@@ -9925,7 +10430,186 @@
 </p:sld>
 </file>
 
-<file path=ppt/slides/slide21.xml><?xml version="1.0" encoding="utf-8"?>
+<file path=ppt/slides/slide24.xml><?xml version="1.0" encoding="utf-8"?>
+<p:sld xmlns:a="http://schemas.openxmlformats.org/drawingml/2006/main" xmlns:r="http://schemas.openxmlformats.org/officeDocument/2006/relationships" xmlns:p="http://schemas.openxmlformats.org/presentationml/2006/main">
+  <p:cSld>
+    <p:spTree>
+      <p:nvGrpSpPr>
+        <p:cNvPr id="1" name=""/>
+        <p:cNvGrpSpPr/>
+        <p:nvPr/>
+      </p:nvGrpSpPr>
+      <p:grpSpPr>
+        <a:xfrm>
+          <a:off x="0" y="0"/>
+          <a:ext cx="0" cy="0"/>
+          <a:chOff x="0" y="0"/>
+          <a:chExt cx="0" cy="0"/>
+        </a:xfrm>
+      </p:grpSpPr>
+      <p:sp>
+        <p:nvSpPr>
+          <p:cNvPr id="2" name="Заголовок 1">
+            <a:extLst>
+              <a:ext uri="{FF2B5EF4-FFF2-40B4-BE49-F238E27FC236}">
+                <a16:creationId xmlns:a16="http://schemas.microsoft.com/office/drawing/2014/main" id="{01439332-D036-4D08-B171-FC0B9708DAA2}"/>
+              </a:ext>
+            </a:extLst>
+          </p:cNvPr>
+          <p:cNvSpPr>
+            <a:spLocks noGrp="1"/>
+          </p:cNvSpPr>
+          <p:nvPr>
+            <p:ph type="title"/>
+          </p:nvPr>
+        </p:nvSpPr>
+        <p:spPr/>
+        <p:txBody>
+          <a:bodyPr/>
+          <a:lstStyle/>
+          <a:p>
+            <a:pPr>
+              <a:lnSpc>
+                <a:spcPct val="100000"/>
+              </a:lnSpc>
+            </a:pPr>
+            <a:r>
+              <a:rPr lang="en-US" sz="4000" dirty="0"/>
+              <a:t>Getters/setters</a:t>
+            </a:r>
+            <a:br>
+              <a:rPr lang="en-US" sz="4000" dirty="0"/>
+            </a:br>
+            <a:r>
+              <a:rPr lang="en-US" sz="2400" dirty="0">
+                <a:latin typeface="Open Sans" panose="020B0604020202020204" charset="0"/>
+                <a:ea typeface="Open Sans" panose="020B0604020202020204" charset="0"/>
+                <a:cs typeface="Open Sans" panose="020B0604020202020204" charset="0"/>
+              </a:rPr>
+              <a:t>Just like literal objects, classes may include getters/setters</a:t>
+            </a:r>
+            <a:endParaRPr lang="uk-UA" sz="2400" dirty="0">
+              <a:latin typeface="Open Sans" panose="020B0604020202020204" charset="0"/>
+              <a:ea typeface="Open Sans" panose="020B0604020202020204" charset="0"/>
+              <a:cs typeface="Open Sans" panose="020B0604020202020204" charset="0"/>
+            </a:endParaRPr>
+          </a:p>
+        </p:txBody>
+      </p:sp>
+    </p:spTree>
+    <p:extLst>
+      <p:ext uri="{BB962C8B-B14F-4D97-AF65-F5344CB8AC3E}">
+        <p14:creationId xmlns:p14="http://schemas.microsoft.com/office/powerpoint/2010/main" val="2689367191"/>
+      </p:ext>
+    </p:extLst>
+  </p:cSld>
+  <p:clrMapOvr>
+    <a:masterClrMapping/>
+  </p:clrMapOvr>
+</p:sld>
+</file>
+
+<file path=ppt/slides/slide25.xml><?xml version="1.0" encoding="utf-8"?>
+<p:sld xmlns:a="http://schemas.openxmlformats.org/drawingml/2006/main" xmlns:r="http://schemas.openxmlformats.org/officeDocument/2006/relationships" xmlns:p="http://schemas.openxmlformats.org/presentationml/2006/main">
+  <p:cSld>
+    <p:spTree>
+      <p:nvGrpSpPr>
+        <p:cNvPr id="1" name=""/>
+        <p:cNvGrpSpPr/>
+        <p:nvPr/>
+      </p:nvGrpSpPr>
+      <p:grpSpPr>
+        <a:xfrm>
+          <a:off x="0" y="0"/>
+          <a:ext cx="0" cy="0"/>
+          <a:chOff x="0" y="0"/>
+          <a:chExt cx="0" cy="0"/>
+        </a:xfrm>
+      </p:grpSpPr>
+      <p:sp>
+        <p:nvSpPr>
+          <p:cNvPr id="2" name="Заголовок 1">
+            <a:extLst>
+              <a:ext uri="{FF2B5EF4-FFF2-40B4-BE49-F238E27FC236}">
+                <a16:creationId xmlns:a16="http://schemas.microsoft.com/office/drawing/2014/main" id="{26E47924-1212-4DF2-816A-90408C3D51E7}"/>
+              </a:ext>
+            </a:extLst>
+          </p:cNvPr>
+          <p:cNvSpPr>
+            <a:spLocks noGrp="1"/>
+          </p:cNvSpPr>
+          <p:nvPr>
+            <p:ph type="title"/>
+          </p:nvPr>
+        </p:nvSpPr>
+        <p:spPr/>
+        <p:txBody>
+          <a:bodyPr/>
+          <a:lstStyle/>
+          <a:p>
+            <a:pPr>
+              <a:lnSpc>
+                <a:spcPct val="100000"/>
+              </a:lnSpc>
+            </a:pPr>
+            <a:r>
+              <a:rPr lang="en-US" sz="3000" dirty="0"/>
+              <a:t>Example</a:t>
+            </a:r>
+            <a:endParaRPr lang="uk-UA" sz="3000" dirty="0"/>
+          </a:p>
+        </p:txBody>
+      </p:sp>
+      <p:pic>
+        <p:nvPicPr>
+          <p:cNvPr id="5" name="Рисунок 4">
+            <a:extLst>
+              <a:ext uri="{FF2B5EF4-FFF2-40B4-BE49-F238E27FC236}">
+                <a16:creationId xmlns:a16="http://schemas.microsoft.com/office/drawing/2014/main" id="{FAB1B829-2B48-42FE-AD28-3232CBE2C0F7}"/>
+              </a:ext>
+            </a:extLst>
+          </p:cNvPr>
+          <p:cNvPicPr>
+            <a:picLocks noChangeAspect="1"/>
+          </p:cNvPicPr>
+          <p:nvPr/>
+        </p:nvPicPr>
+        <p:blipFill>
+          <a:blip r:embed="rId2">
+            <a:extLst>
+              <a:ext uri="{28A0092B-C50C-407E-A947-70E740481C1C}">
+                <a14:useLocalDpi xmlns:a14="http://schemas.microsoft.com/office/drawing/2010/main" val="0"/>
+              </a:ext>
+            </a:extLst>
+          </a:blip>
+          <a:stretch>
+            <a:fillRect/>
+          </a:stretch>
+        </p:blipFill>
+        <p:spPr>
+          <a:xfrm>
+            <a:off x="3238101" y="1247470"/>
+            <a:ext cx="5715798" cy="4363059"/>
+          </a:xfrm>
+          <a:prstGeom prst="rect">
+            <a:avLst/>
+          </a:prstGeom>
+        </p:spPr>
+      </p:pic>
+    </p:spTree>
+    <p:extLst>
+      <p:ext uri="{BB962C8B-B14F-4D97-AF65-F5344CB8AC3E}">
+        <p14:creationId xmlns:p14="http://schemas.microsoft.com/office/powerpoint/2010/main" val="146217359"/>
+      </p:ext>
+    </p:extLst>
+  </p:cSld>
+  <p:clrMapOvr>
+    <a:masterClrMapping/>
+  </p:clrMapOvr>
+</p:sld>
+</file>
+
+<file path=ppt/slides/slide26.xml><?xml version="1.0" encoding="utf-8"?>
 <p:sld xmlns:a="http://schemas.openxmlformats.org/drawingml/2006/main" xmlns:r="http://schemas.openxmlformats.org/officeDocument/2006/relationships" xmlns:p="http://schemas.openxmlformats.org/presentationml/2006/main">
   <p:cSld>
     <p:spTree>
@@ -10025,7 +10709,7 @@
 </p:sld>
 </file>
 
-<file path=ppt/slides/slide22.xml><?xml version="1.0" encoding="utf-8"?>
+<file path=ppt/slides/slide27.xml><?xml version="1.0" encoding="utf-8"?>
 <p:sld xmlns:a="http://schemas.openxmlformats.org/drawingml/2006/main" xmlns:r="http://schemas.openxmlformats.org/officeDocument/2006/relationships" xmlns:p="http://schemas.openxmlformats.org/presentationml/2006/main">
   <p:cSld>
     <p:spTree>
@@ -10133,7 +10817,7 @@
 </p:sld>
 </file>
 
-<file path=ppt/slides/slide23.xml><?xml version="1.0" encoding="utf-8"?>
+<file path=ppt/slides/slide28.xml><?xml version="1.0" encoding="utf-8"?>
 <p:sld xmlns:a="http://schemas.openxmlformats.org/drawingml/2006/main" xmlns:r="http://schemas.openxmlformats.org/officeDocument/2006/relationships" xmlns:p="http://schemas.openxmlformats.org/presentationml/2006/main">
   <p:cSld>
     <p:spTree>
@@ -10212,7 +10896,7 @@
 </p:sld>
 </file>
 
-<file path=ppt/slides/slide24.xml><?xml version="1.0" encoding="utf-8"?>
+<file path=ppt/slides/slide29.xml><?xml version="1.0" encoding="utf-8"?>
 <p:sld xmlns:a="http://schemas.openxmlformats.org/drawingml/2006/main" xmlns:r="http://schemas.openxmlformats.org/officeDocument/2006/relationships" xmlns:p="http://schemas.openxmlformats.org/presentationml/2006/main">
   <p:cSld>
     <p:spTree>
@@ -10312,7 +10996,7 @@
 </p:sld>
 </file>
 
-<file path=ppt/slides/slide25.xml><?xml version="1.0" encoding="utf-8"?>
+<file path=ppt/slides/slide3.xml><?xml version="1.0" encoding="utf-8"?>
 <p:sld xmlns:a="http://schemas.openxmlformats.org/drawingml/2006/main" xmlns:r="http://schemas.openxmlformats.org/officeDocument/2006/relationships" xmlns:p="http://schemas.openxmlformats.org/presentationml/2006/main">
   <p:cSld>
     <p:spTree>
@@ -10334,7 +11018,7 @@
           <p:cNvPr id="2" name="Заголовок 1">
             <a:extLst>
               <a:ext uri="{FF2B5EF4-FFF2-40B4-BE49-F238E27FC236}">
-                <a16:creationId xmlns:a16="http://schemas.microsoft.com/office/drawing/2014/main" id="{01439332-D036-4D08-B171-FC0B9708DAA2}"/>
+                <a16:creationId xmlns:a16="http://schemas.microsoft.com/office/drawing/2014/main" id="{8033E80A-029C-4866-BECA-1BD7FA39AAAB}"/>
               </a:ext>
             </a:extLst>
           </p:cNvPr>
@@ -10356,19 +11040,69 @@
               </a:lnSpc>
             </a:pPr>
             <a:r>
-              <a:rPr lang="en-US" sz="4000" dirty="0"/>
-              <a:t>Getters/setters</a:t>
-            </a:r>
-            <a:br>
-              <a:rPr lang="en-US" sz="4000" dirty="0"/>
-            </a:br>
-            <a:r>
               <a:rPr lang="en-US" sz="2400" dirty="0">
                 <a:latin typeface="Open Sans" panose="020B0604020202020204" charset="0"/>
                 <a:ea typeface="Open Sans" panose="020B0604020202020204" charset="0"/>
                 <a:cs typeface="Open Sans" panose="020B0604020202020204" charset="0"/>
               </a:rPr>
-              <a:t>Just like literal objects, classes may include getters/setters</a:t>
+              <a:t>class constructor must be called with new</a:t>
+            </a:r>
+            <a:br>
+              <a:rPr lang="en-US" sz="2400" dirty="0">
+                <a:latin typeface="Open Sans" panose="020B0604020202020204" charset="0"/>
+                <a:ea typeface="Open Sans" panose="020B0604020202020204" charset="0"/>
+                <a:cs typeface="Open Sans" panose="020B0604020202020204" charset="0"/>
+              </a:rPr>
+            </a:br>
+            <a:br>
+              <a:rPr lang="en-US" sz="2400" dirty="0">
+                <a:latin typeface="Open Sans" panose="020B0604020202020204" charset="0"/>
+                <a:ea typeface="Open Sans" panose="020B0604020202020204" charset="0"/>
+                <a:cs typeface="Open Sans" panose="020B0604020202020204" charset="0"/>
+              </a:rPr>
+            </a:br>
+            <a:br>
+              <a:rPr lang="en-US" sz="2400" dirty="0">
+                <a:latin typeface="Open Sans" panose="020B0604020202020204" charset="0"/>
+                <a:ea typeface="Open Sans" panose="020B0604020202020204" charset="0"/>
+                <a:cs typeface="Open Sans" panose="020B0604020202020204" charset="0"/>
+              </a:rPr>
+            </a:br>
+            <a:br>
+              <a:rPr lang="en-US" sz="2400" dirty="0">
+                <a:latin typeface="Open Sans" panose="020B0604020202020204" charset="0"/>
+                <a:ea typeface="Open Sans" panose="020B0604020202020204" charset="0"/>
+                <a:cs typeface="Open Sans" panose="020B0604020202020204" charset="0"/>
+              </a:rPr>
+            </a:br>
+            <a:br>
+              <a:rPr lang="en-US" sz="2400" dirty="0">
+                <a:latin typeface="Open Sans" panose="020B0604020202020204" charset="0"/>
+                <a:ea typeface="Open Sans" panose="020B0604020202020204" charset="0"/>
+                <a:cs typeface="Open Sans" panose="020B0604020202020204" charset="0"/>
+              </a:rPr>
+            </a:br>
+            <a:br>
+              <a:rPr lang="en-US" sz="2400" dirty="0">
+                <a:latin typeface="Open Sans" panose="020B0604020202020204" charset="0"/>
+                <a:ea typeface="Open Sans" panose="020B0604020202020204" charset="0"/>
+                <a:cs typeface="Open Sans" panose="020B0604020202020204" charset="0"/>
+              </a:rPr>
+            </a:br>
+            <a:br>
+              <a:rPr lang="en-US" sz="2400" dirty="0">
+                <a:latin typeface="Open Sans" panose="020B0604020202020204" charset="0"/>
+                <a:ea typeface="Open Sans" panose="020B0604020202020204" charset="0"/>
+                <a:cs typeface="Open Sans" panose="020B0604020202020204" charset="0"/>
+              </a:rPr>
+            </a:br>
+            <a:r>
+              <a:rPr lang="en-US" sz="2400" dirty="0">
+                <a:latin typeface="Open Sans" panose="020B0604020202020204" charset="0"/>
+                <a:ea typeface="Open Sans" panose="020B0604020202020204" charset="0"/>
+                <a:cs typeface="Open Sans" panose="020B0604020202020204" charset="0"/>
+              </a:rPr>
+              <a:t>a string representation of a class constructor in most JavaScript engines starts with the “class…”</a:t>
             </a:r>
             <a:endParaRPr lang="uk-UA" sz="2400" dirty="0">
               <a:latin typeface="Open Sans" panose="020B0604020202020204" charset="0"/>
@@ -10378,76 +11112,12 @@
           </a:p>
         </p:txBody>
       </p:sp>
-    </p:spTree>
-    <p:extLst>
-      <p:ext uri="{BB962C8B-B14F-4D97-AF65-F5344CB8AC3E}">
-        <p14:creationId xmlns:p14="http://schemas.microsoft.com/office/powerpoint/2010/main" val="2689367191"/>
-      </p:ext>
-    </p:extLst>
-  </p:cSld>
-  <p:clrMapOvr>
-    <a:masterClrMapping/>
-  </p:clrMapOvr>
-</p:sld>
-</file>
-
-<file path=ppt/slides/slide26.xml><?xml version="1.0" encoding="utf-8"?>
-<p:sld xmlns:a="http://schemas.openxmlformats.org/drawingml/2006/main" xmlns:r="http://schemas.openxmlformats.org/officeDocument/2006/relationships" xmlns:p="http://schemas.openxmlformats.org/presentationml/2006/main">
-  <p:cSld>
-    <p:spTree>
-      <p:nvGrpSpPr>
-        <p:cNvPr id="1" name=""/>
-        <p:cNvGrpSpPr/>
-        <p:nvPr/>
-      </p:nvGrpSpPr>
-      <p:grpSpPr>
-        <a:xfrm>
-          <a:off x="0" y="0"/>
-          <a:ext cx="0" cy="0"/>
-          <a:chOff x="0" y="0"/>
-          <a:chExt cx="0" cy="0"/>
-        </a:xfrm>
-      </p:grpSpPr>
-      <p:sp>
-        <p:nvSpPr>
-          <p:cNvPr id="2" name="Заголовок 1">
+      <p:pic>
+        <p:nvPicPr>
+          <p:cNvPr id="6" name="Рисунок 5">
             <a:extLst>
               <a:ext uri="{FF2B5EF4-FFF2-40B4-BE49-F238E27FC236}">
-                <a16:creationId xmlns:a16="http://schemas.microsoft.com/office/drawing/2014/main" id="{26E47924-1212-4DF2-816A-90408C3D51E7}"/>
-              </a:ext>
-            </a:extLst>
-          </p:cNvPr>
-          <p:cNvSpPr>
-            <a:spLocks noGrp="1"/>
-          </p:cNvSpPr>
-          <p:nvPr>
-            <p:ph type="title"/>
-          </p:nvPr>
-        </p:nvSpPr>
-        <p:spPr/>
-        <p:txBody>
-          <a:bodyPr/>
-          <a:lstStyle/>
-          <a:p>
-            <a:pPr>
-              <a:lnSpc>
-                <a:spcPct val="100000"/>
-              </a:lnSpc>
-            </a:pPr>
-            <a:r>
-              <a:rPr lang="en-US" sz="3000" dirty="0"/>
-              <a:t>Example</a:t>
-            </a:r>
-            <a:endParaRPr lang="uk-UA" sz="3000" dirty="0"/>
-          </a:p>
-        </p:txBody>
-      </p:sp>
-      <p:pic>
-        <p:nvPicPr>
-          <p:cNvPr id="5" name="Рисунок 4">
-            <a:extLst>
-              <a:ext uri="{FF2B5EF4-FFF2-40B4-BE49-F238E27FC236}">
-                <a16:creationId xmlns:a16="http://schemas.microsoft.com/office/drawing/2014/main" id="{FAB1B829-2B48-42FE-AD28-3232CBE2C0F7}"/>
+                <a16:creationId xmlns:a16="http://schemas.microsoft.com/office/drawing/2014/main" id="{040CDA71-8D94-402C-9CD2-EC33DBB9B004}"/>
               </a:ext>
             </a:extLst>
           </p:cNvPr>
@@ -10470,8 +11140,44 @@
         </p:blipFill>
         <p:spPr>
           <a:xfrm>
-            <a:off x="3238101" y="1247470"/>
-            <a:ext cx="5715798" cy="4363059"/>
+            <a:off x="1661382" y="1116765"/>
+            <a:ext cx="8869235" cy="1728869"/>
+          </a:xfrm>
+          <a:prstGeom prst="rect">
+            <a:avLst/>
+          </a:prstGeom>
+        </p:spPr>
+      </p:pic>
+      <p:pic>
+        <p:nvPicPr>
+          <p:cNvPr id="8" name="Рисунок 7">
+            <a:extLst>
+              <a:ext uri="{FF2B5EF4-FFF2-40B4-BE49-F238E27FC236}">
+                <a16:creationId xmlns:a16="http://schemas.microsoft.com/office/drawing/2014/main" id="{2FD72181-E6E3-4404-BFDF-5E8655045374}"/>
+              </a:ext>
+            </a:extLst>
+          </p:cNvPr>
+          <p:cNvPicPr>
+            <a:picLocks noChangeAspect="1"/>
+          </p:cNvPicPr>
+          <p:nvPr/>
+        </p:nvPicPr>
+        <p:blipFill>
+          <a:blip r:embed="rId3">
+            <a:extLst>
+              <a:ext uri="{28A0092B-C50C-407E-A947-70E740481C1C}">
+                <a14:useLocalDpi xmlns:a14="http://schemas.microsoft.com/office/drawing/2010/main" val="0"/>
+              </a:ext>
+            </a:extLst>
+          </a:blip>
+          <a:stretch>
+            <a:fillRect/>
+          </a:stretch>
+        </p:blipFill>
+        <p:spPr>
+          <a:xfrm>
+            <a:off x="1661382" y="4239188"/>
+            <a:ext cx="8869235" cy="1502047"/>
           </a:xfrm>
           <a:prstGeom prst="rect">
             <a:avLst/>
@@ -10481,7 +11187,7 @@
     </p:spTree>
     <p:extLst>
       <p:ext uri="{BB962C8B-B14F-4D97-AF65-F5344CB8AC3E}">
-        <p14:creationId xmlns:p14="http://schemas.microsoft.com/office/powerpoint/2010/main" val="146217359"/>
+        <p14:creationId xmlns:p14="http://schemas.microsoft.com/office/powerpoint/2010/main" val="2356941112"/>
       </p:ext>
     </p:extLst>
   </p:cSld>
@@ -10491,7 +11197,7 @@
 </p:sld>
 </file>
 
-<file path=ppt/slides/slide27.xml><?xml version="1.0" encoding="utf-8"?>
+<file path=ppt/slides/slide30.xml><?xml version="1.0" encoding="utf-8"?>
 <p:sld xmlns:a="http://schemas.openxmlformats.org/drawingml/2006/main" xmlns:r="http://schemas.openxmlformats.org/officeDocument/2006/relationships" xmlns:p="http://schemas.openxmlformats.org/presentationml/2006/main">
   <p:cSld>
     <p:spTree>
@@ -10550,7 +11256,7 @@
 </p:sld>
 </file>
 
-<file path=ppt/slides/slide28.xml><?xml version="1.0" encoding="utf-8"?>
+<file path=ppt/slides/slide31.xml><?xml version="1.0" encoding="utf-8"?>
 <p:sld xmlns:a="http://schemas.openxmlformats.org/drawingml/2006/main" xmlns:r="http://schemas.openxmlformats.org/officeDocument/2006/relationships" xmlns:p="http://schemas.openxmlformats.org/presentationml/2006/main">
   <p:cSld>
     <p:spTree>
@@ -10662,7 +11368,94 @@
 </p:sld>
 </file>
 
-<file path=ppt/slides/slide3.xml><?xml version="1.0" encoding="utf-8"?>
+<file path=ppt/slides/slide4.xml><?xml version="1.0" encoding="utf-8"?>
+<p:sld xmlns:a="http://schemas.openxmlformats.org/drawingml/2006/main" xmlns:r="http://schemas.openxmlformats.org/officeDocument/2006/relationships" xmlns:p="http://schemas.openxmlformats.org/presentationml/2006/main">
+  <p:cSld>
+    <p:spTree>
+      <p:nvGrpSpPr>
+        <p:cNvPr id="1" name=""/>
+        <p:cNvGrpSpPr/>
+        <p:nvPr/>
+      </p:nvGrpSpPr>
+      <p:grpSpPr>
+        <a:xfrm>
+          <a:off x="0" y="0"/>
+          <a:ext cx="0" cy="0"/>
+          <a:chOff x="0" y="0"/>
+          <a:chExt cx="0" cy="0"/>
+        </a:xfrm>
+      </p:grpSpPr>
+      <p:sp>
+        <p:nvSpPr>
+          <p:cNvPr id="2" name="Заголовок 1">
+            <a:extLst>
+              <a:ext uri="{FF2B5EF4-FFF2-40B4-BE49-F238E27FC236}">
+                <a16:creationId xmlns:a16="http://schemas.microsoft.com/office/drawing/2014/main" id="{8A9AE9D0-374F-4157-8EDF-9F95C1FE700E}"/>
+              </a:ext>
+            </a:extLst>
+          </p:cNvPr>
+          <p:cNvSpPr>
+            <a:spLocks noGrp="1"/>
+          </p:cNvSpPr>
+          <p:nvPr>
+            <p:ph type="title"/>
+          </p:nvPr>
+        </p:nvSpPr>
+        <p:spPr/>
+        <p:txBody>
+          <a:bodyPr/>
+          <a:lstStyle/>
+          <a:p>
+            <a:pPr>
+              <a:lnSpc>
+                <a:spcPct val="100000"/>
+              </a:lnSpc>
+            </a:pPr>
+            <a:r>
+              <a:rPr lang="en-US" sz="4000" dirty="0"/>
+              <a:t>Defining classes</a:t>
+            </a:r>
+            <a:br>
+              <a:rPr lang="en-US" b="1" dirty="0"/>
+            </a:br>
+            <a:r>
+              <a:rPr lang="en-US" sz="2400" dirty="0" err="1">
+                <a:latin typeface="Open Sans" panose="020B0604020202020204" charset="0"/>
+                <a:ea typeface="Open Sans" panose="020B0604020202020204" charset="0"/>
+                <a:cs typeface="Open Sans" panose="020B0604020202020204" charset="0"/>
+              </a:rPr>
+              <a:t>Classes</a:t>
+            </a:r>
+            <a:r>
+              <a:rPr lang="en-US" sz="2400" dirty="0">
+                <a:latin typeface="Open Sans" panose="020B0604020202020204" charset="0"/>
+                <a:ea typeface="Open Sans" panose="020B0604020202020204" charset="0"/>
+                <a:cs typeface="Open Sans" panose="020B0604020202020204" charset="0"/>
+              </a:rPr>
+              <a:t> are in fact "special functions", and just as you can define function expressions and function declarations, the class syntax has two components: class expressions and class declarations.</a:t>
+            </a:r>
+            <a:endParaRPr lang="uk-UA" sz="2400" dirty="0">
+              <a:latin typeface="Open Sans" panose="020B0604020202020204" charset="0"/>
+              <a:ea typeface="Open Sans" panose="020B0604020202020204" charset="0"/>
+              <a:cs typeface="Open Sans" panose="020B0604020202020204" charset="0"/>
+            </a:endParaRPr>
+          </a:p>
+        </p:txBody>
+      </p:sp>
+    </p:spTree>
+    <p:extLst>
+      <p:ext uri="{BB962C8B-B14F-4D97-AF65-F5344CB8AC3E}">
+        <p14:creationId xmlns:p14="http://schemas.microsoft.com/office/powerpoint/2010/main" val="844288738"/>
+      </p:ext>
+    </p:extLst>
+  </p:cSld>
+  <p:clrMapOvr>
+    <a:masterClrMapping/>
+  </p:clrMapOvr>
+</p:sld>
+</file>
+
+<file path=ppt/slides/slide5.xml><?xml version="1.0" encoding="utf-8"?>
 <p:sld xmlns:a="http://schemas.openxmlformats.org/drawingml/2006/main" xmlns:r="http://schemas.openxmlformats.org/officeDocument/2006/relationships" xmlns:p="http://schemas.openxmlformats.org/presentationml/2006/main">
   <p:cSld>
     <p:spTree>
@@ -10768,7 +11561,7 @@
 </p:sld>
 </file>
 
-<file path=ppt/slides/slide4.xml><?xml version="1.0" encoding="utf-8"?>
+<file path=ppt/slides/slide6.xml><?xml version="1.0" encoding="utf-8"?>
 <p:sld xmlns:a="http://schemas.openxmlformats.org/drawingml/2006/main" xmlns:r="http://schemas.openxmlformats.org/officeDocument/2006/relationships" xmlns:p="http://schemas.openxmlformats.org/presentationml/2006/main">
   <p:cSld>
     <p:spTree>
@@ -10881,8 +11674,44 @@
         </p:blipFill>
         <p:spPr>
           <a:xfrm>
+            <a:off x="1446068" y="3471545"/>
+            <a:ext cx="9299863" cy="976485"/>
+          </a:xfrm>
+          <a:prstGeom prst="rect">
+            <a:avLst/>
+          </a:prstGeom>
+        </p:spPr>
+      </p:pic>
+      <p:pic>
+        <p:nvPicPr>
+          <p:cNvPr id="7" name="Рисунок 6">
+            <a:extLst>
+              <a:ext uri="{FF2B5EF4-FFF2-40B4-BE49-F238E27FC236}">
+                <a16:creationId xmlns:a16="http://schemas.microsoft.com/office/drawing/2014/main" id="{D34F3DA2-1958-4956-A8FA-A895B588DC9C}"/>
+              </a:ext>
+            </a:extLst>
+          </p:cNvPr>
+          <p:cNvPicPr>
+            <a:picLocks noChangeAspect="1"/>
+          </p:cNvPicPr>
+          <p:nvPr/>
+        </p:nvPicPr>
+        <p:blipFill>
+          <a:blip r:embed="rId4">
+            <a:extLst>
+              <a:ext uri="{28A0092B-C50C-407E-A947-70E740481C1C}">
+                <a14:useLocalDpi xmlns:a14="http://schemas.microsoft.com/office/drawing/2010/main" val="0"/>
+              </a:ext>
+            </a:extLst>
+          </a:blip>
+          <a:stretch>
+            <a:fillRect/>
+          </a:stretch>
+        </p:blipFill>
+        <p:spPr>
+          <a:xfrm>
             <a:off x="1446068" y="3429000"/>
-            <a:ext cx="9299863" cy="976485"/>
+            <a:ext cx="9299863" cy="1038370"/>
           </a:xfrm>
           <a:prstGeom prst="rect">
             <a:avLst/>
@@ -10899,10 +11728,139 @@
   <p:clrMapOvr>
     <a:masterClrMapping/>
   </p:clrMapOvr>
+  <p:timing>
+    <p:tnLst>
+      <p:par>
+        <p:cTn id="1" dur="indefinite" restart="never" nodeType="tmRoot">
+          <p:childTnLst>
+            <p:seq concurrent="1" nextAc="seek">
+              <p:cTn id="2" dur="indefinite" nodeType="mainSeq">
+                <p:childTnLst>
+                  <p:par>
+                    <p:cTn id="3" fill="hold">
+                      <p:stCondLst>
+                        <p:cond delay="indefinite"/>
+                      </p:stCondLst>
+                      <p:childTnLst>
+                        <p:par>
+                          <p:cTn id="4" fill="hold">
+                            <p:stCondLst>
+                              <p:cond delay="0"/>
+                            </p:stCondLst>
+                            <p:childTnLst>
+                              <p:par>
+                                <p:cTn id="5" presetID="53" presetClass="entr" presetSubtype="16" fill="hold" nodeType="clickEffect">
+                                  <p:stCondLst>
+                                    <p:cond delay="0"/>
+                                  </p:stCondLst>
+                                  <p:childTnLst>
+                                    <p:set>
+                                      <p:cBhvr>
+                                        <p:cTn id="6" dur="1" fill="hold">
+                                          <p:stCondLst>
+                                            <p:cond delay="0"/>
+                                          </p:stCondLst>
+                                        </p:cTn>
+                                        <p:tgtEl>
+                                          <p:spTgt spid="7"/>
+                                        </p:tgtEl>
+                                        <p:attrNameLst>
+                                          <p:attrName>style.visibility</p:attrName>
+                                        </p:attrNameLst>
+                                      </p:cBhvr>
+                                      <p:to>
+                                        <p:strVal val="visible"/>
+                                      </p:to>
+                                    </p:set>
+                                    <p:anim calcmode="lin" valueType="num">
+                                      <p:cBhvr>
+                                        <p:cTn id="7" dur="500" fill="hold"/>
+                                        <p:tgtEl>
+                                          <p:spTgt spid="7"/>
+                                        </p:tgtEl>
+                                        <p:attrNameLst>
+                                          <p:attrName>ppt_w</p:attrName>
+                                        </p:attrNameLst>
+                                      </p:cBhvr>
+                                      <p:tavLst>
+                                        <p:tav tm="0">
+                                          <p:val>
+                                            <p:fltVal val="0"/>
+                                          </p:val>
+                                        </p:tav>
+                                        <p:tav tm="100000">
+                                          <p:val>
+                                            <p:strVal val="#ppt_w"/>
+                                          </p:val>
+                                        </p:tav>
+                                      </p:tavLst>
+                                    </p:anim>
+                                    <p:anim calcmode="lin" valueType="num">
+                                      <p:cBhvr>
+                                        <p:cTn id="8" dur="500" fill="hold"/>
+                                        <p:tgtEl>
+                                          <p:spTgt spid="7"/>
+                                        </p:tgtEl>
+                                        <p:attrNameLst>
+                                          <p:attrName>ppt_h</p:attrName>
+                                        </p:attrNameLst>
+                                      </p:cBhvr>
+                                      <p:tavLst>
+                                        <p:tav tm="0">
+                                          <p:val>
+                                            <p:fltVal val="0"/>
+                                          </p:val>
+                                        </p:tav>
+                                        <p:tav tm="100000">
+                                          <p:val>
+                                            <p:strVal val="#ppt_h"/>
+                                          </p:val>
+                                        </p:tav>
+                                      </p:tavLst>
+                                    </p:anim>
+                                    <p:animEffect transition="in" filter="fade">
+                                      <p:cBhvr>
+                                        <p:cTn id="9" dur="500"/>
+                                        <p:tgtEl>
+                                          <p:spTgt spid="7"/>
+                                        </p:tgtEl>
+                                      </p:cBhvr>
+                                    </p:animEffect>
+                                  </p:childTnLst>
+                                </p:cTn>
+                              </p:par>
+                            </p:childTnLst>
+                          </p:cTn>
+                        </p:par>
+                      </p:childTnLst>
+                    </p:cTn>
+                  </p:par>
+                </p:childTnLst>
+              </p:cTn>
+              <p:prevCondLst>
+                <p:cond evt="onPrev" delay="0">
+                  <p:tgtEl>
+                    <p:sldTgt/>
+                  </p:tgtEl>
+                </p:cond>
+              </p:prevCondLst>
+              <p:nextCondLst>
+                <p:cond evt="onNext" delay="0">
+                  <p:tgtEl>
+                    <p:sldTgt/>
+                  </p:tgtEl>
+                </p:cond>
+              </p:nextCondLst>
+            </p:seq>
+          </p:childTnLst>
+        </p:cTn>
+      </p:par>
+    </p:tnLst>
+  </p:timing>
 </p:sld>
 </file>
 
-<file path=ppt/slides/slide5.xml><?xml version="1.0" encoding="utf-8"?>
+<file path=ppt/slides/slide7.xml><?xml version="1.0" encoding="utf-8"?>
 <p:sld xmlns:a="http://schemas.openxmlformats.org/drawingml/2006/main" xmlns:r="http://schemas.openxmlformats.org/officeDocument/2006/relationships" xmlns:p="http://schemas.openxmlformats.org/presentationml/2006/main">
   <p:cSld>
     <p:spTree>
@@ -10981,7 +11939,7 @@
 </p:sld>
 </file>
 
-<file path=ppt/slides/slide6.xml><?xml version="1.0" encoding="utf-8"?>
+<file path=ppt/slides/slide8.xml><?xml version="1.0" encoding="utf-8"?>
 <p:sld xmlns:a="http://schemas.openxmlformats.org/drawingml/2006/main" xmlns:r="http://schemas.openxmlformats.org/officeDocument/2006/relationships" xmlns:p="http://schemas.openxmlformats.org/presentationml/2006/main">
   <p:cSld>
     <p:spTree>
@@ -11084,164 +12042,6 @@
 </p:sld>
 </file>
 
-<file path=ppt/slides/slide7.xml><?xml version="1.0" encoding="utf-8"?>
-<p:sld xmlns:a="http://schemas.openxmlformats.org/drawingml/2006/main" xmlns:r="http://schemas.openxmlformats.org/officeDocument/2006/relationships" xmlns:p="http://schemas.openxmlformats.org/presentationml/2006/main">
-  <p:cSld>
-    <p:spTree>
-      <p:nvGrpSpPr>
-        <p:cNvPr id="1" name=""/>
-        <p:cNvGrpSpPr/>
-        <p:nvPr/>
-      </p:nvGrpSpPr>
-      <p:grpSpPr>
-        <a:xfrm>
-          <a:off x="0" y="0"/>
-          <a:ext cx="0" cy="0"/>
-          <a:chOff x="0" y="0"/>
-          <a:chExt cx="0" cy="0"/>
-        </a:xfrm>
-      </p:grpSpPr>
-      <p:sp>
-        <p:nvSpPr>
-          <p:cNvPr id="2" name="Заголовок 1">
-            <a:extLst>
-              <a:ext uri="{FF2B5EF4-FFF2-40B4-BE49-F238E27FC236}">
-                <a16:creationId xmlns:a16="http://schemas.microsoft.com/office/drawing/2014/main" id="{F4FA1C96-46D8-40FB-951B-A0BD5E0B7187}"/>
-              </a:ext>
-            </a:extLst>
-          </p:cNvPr>
-          <p:cNvSpPr>
-            <a:spLocks noGrp="1"/>
-          </p:cNvSpPr>
-          <p:nvPr>
-            <p:ph type="title"/>
-          </p:nvPr>
-        </p:nvSpPr>
-        <p:spPr/>
-        <p:txBody>
-          <a:bodyPr/>
-          <a:lstStyle/>
-          <a:p>
-            <a:pPr>
-              <a:lnSpc>
-                <a:spcPct val="100000"/>
-              </a:lnSpc>
-            </a:pPr>
-            <a:r>
-              <a:rPr lang="en-US" sz="4000" b="1" dirty="0"/>
-              <a:t>Class body and method definitions</a:t>
-            </a:r>
-            <a:br>
-              <a:rPr lang="en-US" sz="4000" b="1" dirty="0"/>
-            </a:br>
-            <a:r>
-              <a:rPr lang="en-US" sz="2400" dirty="0">
-                <a:latin typeface="Open Sans" panose="020B0604020202020204" charset="0"/>
-                <a:ea typeface="Open Sans" panose="020B0604020202020204" charset="0"/>
-                <a:cs typeface="Open Sans" panose="020B0604020202020204" charset="0"/>
-              </a:rPr>
-              <a:t>The body of a class is the part that is in curly brackets {}. This is where you define class members, such as methods or constructor.</a:t>
-            </a:r>
-            <a:endParaRPr lang="uk-UA" sz="2400" dirty="0">
-              <a:latin typeface="Open Sans" panose="020B0604020202020204" charset="0"/>
-              <a:ea typeface="Open Sans" panose="020B0604020202020204" charset="0"/>
-              <a:cs typeface="Open Sans" panose="020B0604020202020204" charset="0"/>
-            </a:endParaRPr>
-          </a:p>
-        </p:txBody>
-      </p:sp>
-    </p:spTree>
-    <p:extLst>
-      <p:ext uri="{BB962C8B-B14F-4D97-AF65-F5344CB8AC3E}">
-        <p14:creationId xmlns:p14="http://schemas.microsoft.com/office/powerpoint/2010/main" val="1113609595"/>
-      </p:ext>
-    </p:extLst>
-  </p:cSld>
-  <p:clrMapOvr>
-    <a:masterClrMapping/>
-  </p:clrMapOvr>
-</p:sld>
-</file>
-
-<file path=ppt/slides/slide8.xml><?xml version="1.0" encoding="utf-8"?>
-<p:sld xmlns:a="http://schemas.openxmlformats.org/drawingml/2006/main" xmlns:r="http://schemas.openxmlformats.org/officeDocument/2006/relationships" xmlns:p="http://schemas.openxmlformats.org/presentationml/2006/main">
-  <p:cSld>
-    <p:spTree>
-      <p:nvGrpSpPr>
-        <p:cNvPr id="1" name=""/>
-        <p:cNvGrpSpPr/>
-        <p:nvPr/>
-      </p:nvGrpSpPr>
-      <p:grpSpPr>
-        <a:xfrm>
-          <a:off x="0" y="0"/>
-          <a:ext cx="0" cy="0"/>
-          <a:chOff x="0" y="0"/>
-          <a:chExt cx="0" cy="0"/>
-        </a:xfrm>
-      </p:grpSpPr>
-      <p:sp>
-        <p:nvSpPr>
-          <p:cNvPr id="2" name="Заголовок 1">
-            <a:extLst>
-              <a:ext uri="{FF2B5EF4-FFF2-40B4-BE49-F238E27FC236}">
-                <a16:creationId xmlns:a16="http://schemas.microsoft.com/office/drawing/2014/main" id="{70BAB76B-065D-4D0F-A898-53A263A946E0}"/>
-              </a:ext>
-            </a:extLst>
-          </p:cNvPr>
-          <p:cNvSpPr>
-            <a:spLocks noGrp="1"/>
-          </p:cNvSpPr>
-          <p:nvPr>
-            <p:ph type="title"/>
-          </p:nvPr>
-        </p:nvSpPr>
-        <p:spPr/>
-        <p:txBody>
-          <a:bodyPr/>
-          <a:lstStyle/>
-          <a:p>
-            <a:pPr>
-              <a:lnSpc>
-                <a:spcPct val="100000"/>
-              </a:lnSpc>
-            </a:pPr>
-            <a:r>
-              <a:rPr lang="en-US" sz="3000" dirty="0"/>
-              <a:t>Strict mode</a:t>
-            </a:r>
-            <a:br>
-              <a:rPr lang="en-US" sz="3000" dirty="0"/>
-            </a:br>
-            <a:r>
-              <a:rPr lang="en-US" sz="2400" dirty="0">
-                <a:latin typeface="Open Sans" panose="020B0604020202020204" charset="0"/>
-                <a:ea typeface="Open Sans" panose="020B0604020202020204" charset="0"/>
-                <a:cs typeface="Open Sans" panose="020B0604020202020204" charset="0"/>
-              </a:rPr>
-              <a:t>The body of a class is executed in strict mode, i.e., code written here is subject to stricter syntax for increased performance.</a:t>
-            </a:r>
-            <a:endParaRPr lang="uk-UA" sz="2400" dirty="0">
-              <a:latin typeface="Open Sans" panose="020B0604020202020204" charset="0"/>
-              <a:ea typeface="Open Sans" panose="020B0604020202020204" charset="0"/>
-              <a:cs typeface="Open Sans" panose="020B0604020202020204" charset="0"/>
-            </a:endParaRPr>
-          </a:p>
-        </p:txBody>
-      </p:sp>
-    </p:spTree>
-    <p:extLst>
-      <p:ext uri="{BB962C8B-B14F-4D97-AF65-F5344CB8AC3E}">
-        <p14:creationId xmlns:p14="http://schemas.microsoft.com/office/powerpoint/2010/main" val="2269056358"/>
-      </p:ext>
-    </p:extLst>
-  </p:cSld>
-  <p:clrMapOvr>
-    <a:masterClrMapping/>
-  </p:clrMapOvr>
-</p:sld>
-</file>
-
 <file path=ppt/slides/slide9.xml><?xml version="1.0" encoding="utf-8"?>
 <p:sld xmlns:a="http://schemas.openxmlformats.org/drawingml/2006/main" xmlns:r="http://schemas.openxmlformats.org/officeDocument/2006/relationships" xmlns:p="http://schemas.openxmlformats.org/presentationml/2006/main">
   <p:cSld>
@@ -11264,7 +12064,7 @@
           <p:cNvPr id="2" name="Заголовок 1">
             <a:extLst>
               <a:ext uri="{FF2B5EF4-FFF2-40B4-BE49-F238E27FC236}">
-                <a16:creationId xmlns:a16="http://schemas.microsoft.com/office/drawing/2014/main" id="{14ED87CA-3DEB-410E-800F-FAB6FEFC6430}"/>
+                <a16:creationId xmlns:a16="http://schemas.microsoft.com/office/drawing/2014/main" id="{F4FA1C96-46D8-40FB-951B-A0BD5E0B7187}"/>
               </a:ext>
             </a:extLst>
           </p:cNvPr>
@@ -11286,11 +12086,11 @@
               </a:lnSpc>
             </a:pPr>
             <a:r>
-              <a:rPr lang="en-US" sz="3000" dirty="0"/>
-              <a:t>Constructor</a:t>
+              <a:rPr lang="en-US" sz="4000" b="1" dirty="0"/>
+              <a:t>Class body and method definitions</a:t>
             </a:r>
             <a:br>
-              <a:rPr lang="en-US" sz="3000" dirty="0"/>
+              <a:rPr lang="en-US" sz="4000" b="1" dirty="0"/>
             </a:br>
             <a:r>
               <a:rPr lang="en-US" sz="2400" dirty="0">
@@ -11298,64 +12098,7 @@
                 <a:ea typeface="Open Sans" panose="020B0604020202020204" charset="0"/>
                 <a:cs typeface="Open Sans" panose="020B0604020202020204" charset="0"/>
               </a:rPr>
-              <a:t>The constructor method is a special method for creating and initializing an object created with a class. There can only be one special method with the name "constructor" in a class. A </a:t>
-            </a:r>
-            <a:r>
-              <a:rPr lang="en-US" sz="2400" dirty="0">
-                <a:solidFill>
-                  <a:srgbClr val="FF0000"/>
-                </a:solidFill>
-                <a:latin typeface="Open Sans" panose="020B0604020202020204" charset="0"/>
-                <a:ea typeface="Open Sans" panose="020B0604020202020204" charset="0"/>
-                <a:cs typeface="Open Sans" panose="020B0604020202020204" charset="0"/>
-              </a:rPr>
-              <a:t>SyntaxError</a:t>
-            </a:r>
-            <a:r>
-              <a:rPr lang="en-US" sz="2400" dirty="0">
-                <a:latin typeface="Open Sans" panose="020B0604020202020204" charset="0"/>
-                <a:ea typeface="Open Sans" panose="020B0604020202020204" charset="0"/>
-                <a:cs typeface="Open Sans" panose="020B0604020202020204" charset="0"/>
-              </a:rPr>
-              <a:t> will be thrown if the class contains more than one occurrence of a constructor method.</a:t>
-            </a:r>
-            <a:br>
-              <a:rPr lang="en-US" sz="2400" dirty="0">
-                <a:latin typeface="Open Sans" panose="020B0604020202020204" charset="0"/>
-                <a:ea typeface="Open Sans" panose="020B0604020202020204" charset="0"/>
-                <a:cs typeface="Open Sans" panose="020B0604020202020204" charset="0"/>
-              </a:rPr>
-            </a:br>
-            <a:br>
-              <a:rPr lang="en-US" sz="2400" dirty="0">
-                <a:latin typeface="Open Sans" panose="020B0604020202020204" charset="0"/>
-                <a:ea typeface="Open Sans" panose="020B0604020202020204" charset="0"/>
-                <a:cs typeface="Open Sans" panose="020B0604020202020204" charset="0"/>
-              </a:rPr>
-            </a:br>
-            <a:r>
-              <a:rPr lang="en-US" sz="2400" dirty="0">
-                <a:latin typeface="Open Sans" panose="020B0604020202020204" charset="0"/>
-                <a:ea typeface="Open Sans" panose="020B0604020202020204" charset="0"/>
-                <a:cs typeface="Open Sans" panose="020B0604020202020204" charset="0"/>
-              </a:rPr>
-              <a:t>A constructor can use the </a:t>
-            </a:r>
-            <a:r>
-              <a:rPr lang="en-US" sz="2400" b="1" dirty="0">
-                <a:latin typeface="Open Sans" panose="020B0604020202020204" charset="0"/>
-                <a:ea typeface="Open Sans" panose="020B0604020202020204" charset="0"/>
-                <a:cs typeface="Open Sans" panose="020B0604020202020204" charset="0"/>
-              </a:rPr>
-              <a:t>super</a:t>
-            </a:r>
-            <a:r>
-              <a:rPr lang="en-US" sz="2400" dirty="0">
-                <a:latin typeface="Open Sans" panose="020B0604020202020204" charset="0"/>
-                <a:ea typeface="Open Sans" panose="020B0604020202020204" charset="0"/>
-                <a:cs typeface="Open Sans" panose="020B0604020202020204" charset="0"/>
-              </a:rPr>
-              <a:t> keyword to call the constructor of the super class.</a:t>
+              <a:t>The body of a class is the part that is in curly brackets {}. This is where you define class members, such as methods or constructor.</a:t>
             </a:r>
             <a:endParaRPr lang="uk-UA" sz="2400" dirty="0">
               <a:latin typeface="Open Sans" panose="020B0604020202020204" charset="0"/>
@@ -11368,7 +12111,7 @@
     </p:spTree>
     <p:extLst>
       <p:ext uri="{BB962C8B-B14F-4D97-AF65-F5344CB8AC3E}">
-        <p14:creationId xmlns:p14="http://schemas.microsoft.com/office/powerpoint/2010/main" val="3583978474"/>
+        <p14:creationId xmlns:p14="http://schemas.microsoft.com/office/powerpoint/2010/main" val="1113609595"/>
       </p:ext>
     </p:extLst>
   </p:cSld>

--- a/presentations/Classes.pptx
+++ b/presentations/Classes.pptx
@@ -5,7 +5,7 @@
     <p:sldMasterId id="2147483656" r:id="rId4"/>
   </p:sldMasterIdLst>
   <p:notesMasterIdLst>
-    <p:notesMasterId r:id="rId36"/>
+    <p:notesMasterId r:id="rId41"/>
   </p:notesMasterIdLst>
   <p:sldIdLst>
     <p:sldId id="258" r:id="rId5"/>
@@ -22,44 +22,49 @@
     <p:sldId id="271" r:id="rId16"/>
     <p:sldId id="272" r:id="rId17"/>
     <p:sldId id="274" r:id="rId18"/>
-    <p:sldId id="273" r:id="rId19"/>
-    <p:sldId id="275" r:id="rId20"/>
-    <p:sldId id="276" r:id="rId21"/>
-    <p:sldId id="277" r:id="rId22"/>
-    <p:sldId id="278" r:id="rId23"/>
-    <p:sldId id="279" r:id="rId24"/>
-    <p:sldId id="280" r:id="rId25"/>
-    <p:sldId id="289" r:id="rId26"/>
-    <p:sldId id="281" r:id="rId27"/>
-    <p:sldId id="286" r:id="rId28"/>
-    <p:sldId id="287" r:id="rId29"/>
-    <p:sldId id="282" r:id="rId30"/>
-    <p:sldId id="283" r:id="rId31"/>
-    <p:sldId id="284" r:id="rId32"/>
-    <p:sldId id="285" r:id="rId33"/>
-    <p:sldId id="288" r:id="rId34"/>
-    <p:sldId id="262" r:id="rId35"/>
+    <p:sldId id="294" r:id="rId19"/>
+    <p:sldId id="295" r:id="rId20"/>
+    <p:sldId id="296" r:id="rId21"/>
+    <p:sldId id="273" r:id="rId22"/>
+    <p:sldId id="275" r:id="rId23"/>
+    <p:sldId id="276" r:id="rId24"/>
+    <p:sldId id="277" r:id="rId25"/>
+    <p:sldId id="278" r:id="rId26"/>
+    <p:sldId id="279" r:id="rId27"/>
+    <p:sldId id="280" r:id="rId28"/>
+    <p:sldId id="289" r:id="rId29"/>
+    <p:sldId id="286" r:id="rId30"/>
+    <p:sldId id="287" r:id="rId31"/>
+    <p:sldId id="281" r:id="rId32"/>
+    <p:sldId id="282" r:id="rId33"/>
+    <p:sldId id="292" r:id="rId34"/>
+    <p:sldId id="283" r:id="rId35"/>
+    <p:sldId id="284" r:id="rId36"/>
+    <p:sldId id="285" r:id="rId37"/>
+    <p:sldId id="293" r:id="rId38"/>
+    <p:sldId id="288" r:id="rId39"/>
+    <p:sldId id="262" r:id="rId40"/>
   </p:sldIdLst>
   <p:sldSz cx="12192000" cy="6858000"/>
   <p:notesSz cx="6858000" cy="9144000"/>
   <p:embeddedFontLst>
     <p:embeddedFont>
       <p:font typeface="Calibri" panose="020F0502020204030204" pitchFamily="34" charset="0"/>
-      <p:regular r:id="rId37"/>
-      <p:bold r:id="rId38"/>
-      <p:italic r:id="rId39"/>
-      <p:boldItalic r:id="rId40"/>
+      <p:regular r:id="rId42"/>
+      <p:bold r:id="rId43"/>
+      <p:italic r:id="rId44"/>
+      <p:boldItalic r:id="rId45"/>
     </p:embeddedFont>
     <p:embeddedFont>
       <p:font typeface="Open Sans" panose="020B0604020202020204" charset="0"/>
-      <p:regular r:id="rId41"/>
-      <p:bold r:id="rId42"/>
-      <p:italic r:id="rId43"/>
-      <p:boldItalic r:id="rId44"/>
+      <p:regular r:id="rId46"/>
+      <p:bold r:id="rId47"/>
+      <p:italic r:id="rId48"/>
+      <p:boldItalic r:id="rId49"/>
     </p:embeddedFont>
     <p:embeddedFont>
       <p:font typeface="Proxima Nova Black" panose="020B0604020202020204" charset="0"/>
-      <p:bold r:id="rId45"/>
+      <p:bold r:id="rId50"/>
     </p:embeddedFont>
   </p:embeddedFontLst>
   <p:defaultTextStyle>
@@ -176,6 +181,9 @@
             <p14:sldId id="271"/>
             <p14:sldId id="272"/>
             <p14:sldId id="274"/>
+            <p14:sldId id="294"/>
+            <p14:sldId id="295"/>
+            <p14:sldId id="296"/>
             <p14:sldId id="273"/>
             <p14:sldId id="275"/>
             <p14:sldId id="276"/>
@@ -184,13 +192,15 @@
             <p14:sldId id="279"/>
             <p14:sldId id="280"/>
             <p14:sldId id="289"/>
-            <p14:sldId id="281"/>
             <p14:sldId id="286"/>
             <p14:sldId id="287"/>
+            <p14:sldId id="281"/>
             <p14:sldId id="282"/>
+            <p14:sldId id="292"/>
             <p14:sldId id="283"/>
             <p14:sldId id="284"/>
             <p14:sldId id="285"/>
+            <p14:sldId id="293"/>
             <p14:sldId id="288"/>
             <p14:sldId id="262"/>
           </p14:sldIdLst>
@@ -286,7 +296,7 @@
           <a:p>
             <a:fld id="{66798AA2-1685-42F9-B308-E0EDFDECAB3C}" type="datetimeFigureOut">
               <a:rPr lang="uk-UA" smtClean="0"/>
-              <a:t>22.03.2020</a:t>
+              <a:t>23.03.2020</a:t>
             </a:fld>
             <a:endParaRPr lang="uk-UA"/>
           </a:p>
@@ -995,7 +1005,7 @@
           <a:lstStyle/>
           <a:p>
             <a:r>
-              <a:rPr lang="uk-UA" sz="1200" b="0" i="0" kern="1200" noProof="0" dirty="0">
+              <a:rPr lang="en-US" sz="1200" b="0" i="0" kern="1200" dirty="0">
                 <a:solidFill>
                   <a:schemeClr val="tx1"/>
                 </a:solidFill>
@@ -1004,11 +1014,123 @@
                 <a:ea typeface="+mn-ea"/>
                 <a:cs typeface="+mn-cs"/>
               </a:rPr>
-              <a:t>Властивості екземпляра повинні визначатися всередині методів класу</a:t>
-            </a:r>
-          </a:p>
-          <a:p>
-            <a:endParaRPr lang="uk-UA" sz="1200" b="0" i="0" kern="1200" noProof="0" dirty="0">
+              <a:t>Rabbit extends Animal creates two [[Prototype]] references:</a:t>
+            </a:r>
+          </a:p>
+          <a:p>
+            <a:r>
+              <a:rPr lang="en-US" sz="1200" b="0" i="0" kern="1200" dirty="0">
+                <a:solidFill>
+                  <a:schemeClr val="tx1"/>
+                </a:solidFill>
+                <a:effectLst/>
+                <a:latin typeface="+mn-lt"/>
+                <a:ea typeface="+mn-ea"/>
+                <a:cs typeface="+mn-cs"/>
+              </a:rPr>
+              <a:t>Rabbit function </a:t>
+            </a:r>
+            <a:r>
+              <a:rPr lang="en-US" sz="1200" b="0" i="0" kern="1200" dirty="0" err="1">
+                <a:solidFill>
+                  <a:schemeClr val="tx1"/>
+                </a:solidFill>
+                <a:effectLst/>
+                <a:latin typeface="+mn-lt"/>
+                <a:ea typeface="+mn-ea"/>
+                <a:cs typeface="+mn-cs"/>
+              </a:rPr>
+              <a:t>prototypally</a:t>
+            </a:r>
+            <a:r>
+              <a:rPr lang="en-US" sz="1200" b="0" i="0" kern="1200" dirty="0">
+                <a:solidFill>
+                  <a:schemeClr val="tx1"/>
+                </a:solidFill>
+                <a:effectLst/>
+                <a:latin typeface="+mn-lt"/>
+                <a:ea typeface="+mn-ea"/>
+                <a:cs typeface="+mn-cs"/>
+              </a:rPr>
+              <a:t> inherits from Animal function.</a:t>
+            </a:r>
+          </a:p>
+          <a:p>
+            <a:r>
+              <a:rPr lang="en-US" sz="1200" b="0" i="0" kern="1200" dirty="0" err="1">
+                <a:solidFill>
+                  <a:schemeClr val="tx1"/>
+                </a:solidFill>
+                <a:effectLst/>
+                <a:latin typeface="+mn-lt"/>
+                <a:ea typeface="+mn-ea"/>
+                <a:cs typeface="+mn-cs"/>
+              </a:rPr>
+              <a:t>Rabbit.prototype</a:t>
+            </a:r>
+            <a:r>
+              <a:rPr lang="en-US" sz="1200" b="0" i="0" kern="1200" dirty="0">
+                <a:solidFill>
+                  <a:schemeClr val="tx1"/>
+                </a:solidFill>
+                <a:effectLst/>
+                <a:latin typeface="+mn-lt"/>
+                <a:ea typeface="+mn-ea"/>
+                <a:cs typeface="+mn-cs"/>
+              </a:rPr>
+              <a:t> </a:t>
+            </a:r>
+            <a:r>
+              <a:rPr lang="en-US" sz="1200" b="0" i="0" kern="1200" dirty="0" err="1">
+                <a:solidFill>
+                  <a:schemeClr val="tx1"/>
+                </a:solidFill>
+                <a:effectLst/>
+                <a:latin typeface="+mn-lt"/>
+                <a:ea typeface="+mn-ea"/>
+                <a:cs typeface="+mn-cs"/>
+              </a:rPr>
+              <a:t>prototypally</a:t>
+            </a:r>
+            <a:r>
+              <a:rPr lang="en-US" sz="1200" b="0" i="0" kern="1200" dirty="0">
+                <a:solidFill>
+                  <a:schemeClr val="tx1"/>
+                </a:solidFill>
+                <a:effectLst/>
+                <a:latin typeface="+mn-lt"/>
+                <a:ea typeface="+mn-ea"/>
+                <a:cs typeface="+mn-cs"/>
+              </a:rPr>
+              <a:t> inherits from </a:t>
+            </a:r>
+            <a:r>
+              <a:rPr lang="en-US" sz="1200" b="0" i="0" kern="1200" dirty="0" err="1">
+                <a:solidFill>
+                  <a:schemeClr val="tx1"/>
+                </a:solidFill>
+                <a:effectLst/>
+                <a:latin typeface="+mn-lt"/>
+                <a:ea typeface="+mn-ea"/>
+                <a:cs typeface="+mn-cs"/>
+              </a:rPr>
+              <a:t>Animal.prototype</a:t>
+            </a:r>
+            <a:r>
+              <a:rPr lang="en-US" sz="1200" b="0" i="0" kern="1200" dirty="0">
+                <a:solidFill>
+                  <a:schemeClr val="tx1"/>
+                </a:solidFill>
+                <a:effectLst/>
+                <a:latin typeface="+mn-lt"/>
+                <a:ea typeface="+mn-ea"/>
+                <a:cs typeface="+mn-cs"/>
+              </a:rPr>
+              <a:t>.</a:t>
+            </a:r>
+          </a:p>
+          <a:p>
+            <a:endParaRPr lang="en-US" sz="1200" b="0" i="0" kern="1200" dirty="0">
               <a:solidFill>
                 <a:schemeClr val="tx1"/>
               </a:solidFill>
@@ -1020,7 +1142,7 @@
           </a:p>
           <a:p>
             <a:r>
-              <a:rPr lang="uk-UA" sz="1200" b="0" i="0" kern="1200" noProof="0" dirty="0">
+              <a:rPr lang="en-US" sz="1200" b="0" i="0" kern="1200" dirty="0">
                 <a:solidFill>
                   <a:schemeClr val="tx1"/>
                 </a:solidFill>
@@ -1029,9 +1151,11 @@
                 <a:ea typeface="+mn-ea"/>
                 <a:cs typeface="+mn-cs"/>
               </a:rPr>
-              <a:t>Статичні (на боці класу) властивості-значення та прототипні властивості-значення повинні визначатися за межами оголошення класу</a:t>
-            </a:r>
-            <a:endParaRPr lang="uk-UA" noProof="0" dirty="0"/>
+              <a:t>As a result, inheritance works both for regular and static methods.</a:t>
+            </a:r>
+          </a:p>
+          <a:p>
+            <a:endParaRPr lang="uk-UA" dirty="0"/>
           </a:p>
         </p:txBody>
       </p:sp>
@@ -1052,7 +1176,7 @@
           <a:p>
             <a:fld id="{C6B9B3CE-BC21-41F4-8896-5AF0EBA9693C}" type="slidenum">
               <a:rPr lang="uk-UA" smtClean="0"/>
-              <a:t>17</a:t>
+              <a:t>16</a:t>
             </a:fld>
             <a:endParaRPr lang="uk-UA"/>
           </a:p>
@@ -1061,7 +1185,7 @@
     </p:spTree>
     <p:extLst>
       <p:ext uri="{BB962C8B-B14F-4D97-AF65-F5344CB8AC3E}">
-        <p14:creationId xmlns:p14="http://schemas.microsoft.com/office/powerpoint/2010/main" val="3296748290"/>
+        <p14:creationId xmlns:p14="http://schemas.microsoft.com/office/powerpoint/2010/main" val="913605463"/>
       </p:ext>
     </p:extLst>
   </p:cSld>
@@ -1116,7 +1240,7 @@
           <a:lstStyle/>
           <a:p>
             <a:r>
-              <a:rPr lang="uk-UA" sz="1200" b="0" i="0" kern="1200" dirty="0">
+              <a:rPr lang="uk-UA" sz="1200" b="0" i="0" kern="1200" noProof="0" dirty="0">
                 <a:solidFill>
                   <a:schemeClr val="tx1"/>
                 </a:solidFill>
@@ -1125,10 +1249,23 @@
                 <a:ea typeface="+mn-ea"/>
                 <a:cs typeface="+mn-cs"/>
               </a:rPr>
-              <a:t>Оголошення публічних та приватних полів є </a:t>
-            </a:r>
-            <a:r>
-              <a:rPr lang="uk-UA" sz="1200" b="0" i="0" u="none" strike="noStrike" kern="1200" dirty="0">
+              <a:t>Властивості екземпляра повинні визначатися всередині методів класу</a:t>
+            </a:r>
+          </a:p>
+          <a:p>
+            <a:endParaRPr lang="uk-UA" sz="1200" b="0" i="0" kern="1200" noProof="0" dirty="0">
+              <a:solidFill>
+                <a:schemeClr val="tx1"/>
+              </a:solidFill>
+              <a:effectLst/>
+              <a:latin typeface="+mn-lt"/>
+              <a:ea typeface="+mn-ea"/>
+              <a:cs typeface="+mn-cs"/>
+            </a:endParaRPr>
+          </a:p>
+          <a:p>
+            <a:r>
+              <a:rPr lang="uk-UA" sz="1200" b="0" i="0" kern="1200" noProof="0" dirty="0">
                 <a:solidFill>
                   <a:schemeClr val="tx1"/>
                 </a:solidFill>
@@ -1136,134 +1273,10 @@
                 <a:latin typeface="+mn-lt"/>
                 <a:ea typeface="+mn-ea"/>
                 <a:cs typeface="+mn-cs"/>
-                <a:hlinkClick r:id="rId3"/>
-              </a:rPr>
-              <a:t>експериментальною функціональністю (</a:t>
-            </a:r>
-            <a:r>
-              <a:rPr lang="en-US" sz="1200" b="0" i="0" u="none" strike="noStrike" kern="1200" dirty="0">
-                <a:solidFill>
-                  <a:schemeClr val="tx1"/>
-                </a:solidFill>
-                <a:effectLst/>
-                <a:latin typeface="+mn-lt"/>
-                <a:ea typeface="+mn-ea"/>
-                <a:cs typeface="+mn-cs"/>
-                <a:hlinkClick r:id="rId3"/>
-              </a:rPr>
-              <a:t>stage 3)</a:t>
-            </a:r>
-            <a:r>
-              <a:rPr lang="en-US" sz="1200" b="0" i="0" kern="1200" dirty="0">
-                <a:solidFill>
-                  <a:schemeClr val="tx1"/>
-                </a:solidFill>
-                <a:effectLst/>
-                <a:latin typeface="+mn-lt"/>
-                <a:ea typeface="+mn-ea"/>
-                <a:cs typeface="+mn-cs"/>
-              </a:rPr>
-              <a:t>, </a:t>
-            </a:r>
-            <a:r>
-              <a:rPr lang="uk-UA" sz="1200" b="0" i="0" kern="1200" dirty="0">
-                <a:solidFill>
-                  <a:schemeClr val="tx1"/>
-                </a:solidFill>
-                <a:effectLst/>
-                <a:latin typeface="+mn-lt"/>
-                <a:ea typeface="+mn-ea"/>
-                <a:cs typeface="+mn-cs"/>
-              </a:rPr>
-              <a:t>запропонованою на </a:t>
-            </a:r>
-            <a:r>
-              <a:rPr lang="en-US" sz="1200" b="0" i="0" u="none" strike="noStrike" kern="1200" dirty="0">
-                <a:solidFill>
-                  <a:schemeClr val="tx1"/>
-                </a:solidFill>
-                <a:effectLst/>
-                <a:latin typeface="+mn-lt"/>
-                <a:ea typeface="+mn-ea"/>
-                <a:cs typeface="+mn-cs"/>
-                <a:hlinkClick r:id="rId4"/>
-              </a:rPr>
-              <a:t>TC39</a:t>
-            </a:r>
-            <a:r>
-              <a:rPr lang="en-US" sz="1200" b="0" i="0" kern="1200" dirty="0">
-                <a:solidFill>
-                  <a:schemeClr val="tx1"/>
-                </a:solidFill>
-                <a:effectLst/>
-                <a:latin typeface="+mn-lt"/>
-                <a:ea typeface="+mn-ea"/>
-                <a:cs typeface="+mn-cs"/>
-              </a:rPr>
-              <a:t>, </a:t>
-            </a:r>
-            <a:r>
-              <a:rPr lang="uk-UA" sz="1200" b="0" i="0" kern="1200" dirty="0">
-                <a:solidFill>
-                  <a:schemeClr val="tx1"/>
-                </a:solidFill>
-                <a:effectLst/>
-                <a:latin typeface="+mn-lt"/>
-                <a:ea typeface="+mn-ea"/>
-                <a:cs typeface="+mn-cs"/>
-              </a:rPr>
-              <a:t>комітеті стандартів </a:t>
-            </a:r>
-            <a:r>
-              <a:rPr lang="en-US" sz="1200" b="0" i="0" kern="1200" dirty="0">
-                <a:solidFill>
-                  <a:schemeClr val="tx1"/>
-                </a:solidFill>
-                <a:effectLst/>
-                <a:latin typeface="+mn-lt"/>
-                <a:ea typeface="+mn-ea"/>
-                <a:cs typeface="+mn-cs"/>
-              </a:rPr>
-              <a:t>JavaScript. </a:t>
-            </a:r>
-            <a:r>
-              <a:rPr lang="uk-UA" sz="1200" b="0" i="0" kern="1200" dirty="0">
-                <a:solidFill>
-                  <a:schemeClr val="tx1"/>
-                </a:solidFill>
-                <a:effectLst/>
-                <a:latin typeface="+mn-lt"/>
-                <a:ea typeface="+mn-ea"/>
-                <a:cs typeface="+mn-cs"/>
-              </a:rPr>
-              <a:t>Підтримка у переглядачах є обмеженою, але функціональність можна використовувати через збирачі пакетів з системами на кшталт </a:t>
-            </a:r>
-            <a:r>
-              <a:rPr lang="en-US" sz="1200" b="0" i="0" u="none" strike="noStrike" kern="1200" dirty="0">
-                <a:solidFill>
-                  <a:schemeClr val="tx1"/>
-                </a:solidFill>
-                <a:effectLst/>
-                <a:latin typeface="+mn-lt"/>
-                <a:ea typeface="+mn-ea"/>
-                <a:cs typeface="+mn-cs"/>
-                <a:hlinkClick r:id="rId5"/>
-              </a:rPr>
-              <a:t>Babel</a:t>
-            </a:r>
-            <a:r>
-              <a:rPr lang="en-US" sz="1200" b="0" i="0" kern="1200" dirty="0">
-                <a:solidFill>
-                  <a:schemeClr val="tx1"/>
-                </a:solidFill>
-                <a:effectLst/>
-                <a:latin typeface="+mn-lt"/>
-                <a:ea typeface="+mn-ea"/>
-                <a:cs typeface="+mn-cs"/>
-              </a:rPr>
-              <a:t>.</a:t>
-            </a:r>
-            <a:endParaRPr lang="uk-UA" dirty="0"/>
+              </a:rPr>
+              <a:t>Статичні (на боці класу) властивості-значення та прототипні властивості-значення повинні визначатися за межами оголошення класу</a:t>
+            </a:r>
+            <a:endParaRPr lang="uk-UA" noProof="0" dirty="0"/>
           </a:p>
         </p:txBody>
       </p:sp>
@@ -1284,7 +1297,7 @@
           <a:p>
             <a:fld id="{C6B9B3CE-BC21-41F4-8896-5AF0EBA9693C}" type="slidenum">
               <a:rPr lang="uk-UA" smtClean="0"/>
-              <a:t>18</a:t>
+              <a:t>20</a:t>
             </a:fld>
             <a:endParaRPr lang="uk-UA"/>
           </a:p>
@@ -1293,7 +1306,7 @@
     </p:spTree>
     <p:extLst>
       <p:ext uri="{BB962C8B-B14F-4D97-AF65-F5344CB8AC3E}">
-        <p14:creationId xmlns:p14="http://schemas.microsoft.com/office/powerpoint/2010/main" val="2600733341"/>
+        <p14:creationId xmlns:p14="http://schemas.microsoft.com/office/powerpoint/2010/main" val="3296748290"/>
       </p:ext>
     </p:extLst>
   </p:cSld>
@@ -1348,7 +1361,7 @@
           <a:lstStyle/>
           <a:p>
             <a:r>
-              <a:rPr lang="uk-UA" sz="1200" b="0" i="0" kern="1200" noProof="0" dirty="0">
+              <a:rPr lang="uk-UA" sz="1200" b="0" i="0" kern="1200" dirty="0">
                 <a:solidFill>
                   <a:schemeClr val="tx1"/>
                 </a:solidFill>
@@ -1357,10 +1370,10 @@
                 <a:ea typeface="+mn-ea"/>
                 <a:cs typeface="+mn-cs"/>
               </a:rPr>
-              <a:t>З оголошенням полів заздалегідь оголошення класу стає більш </a:t>
-            </a:r>
-            <a:r>
-              <a:rPr lang="uk-UA" sz="1200" b="0" i="0" kern="1200" noProof="0" dirty="0" err="1">
+              <a:t>Оголошення публічних та приватних полів є </a:t>
+            </a:r>
+            <a:r>
+              <a:rPr lang="uk-UA" sz="1200" b="0" i="0" u="none" strike="noStrike" kern="1200" dirty="0">
                 <a:solidFill>
                   <a:schemeClr val="tx1"/>
                 </a:solidFill>
@@ -1368,11 +1381,12 @@
                 <a:latin typeface="+mn-lt"/>
                 <a:ea typeface="+mn-ea"/>
                 <a:cs typeface="+mn-cs"/>
-              </a:rPr>
-              <a:t>самозадокументованим</a:t>
-            </a:r>
-            <a:r>
-              <a:rPr lang="uk-UA" sz="1200" b="0" i="0" kern="1200" noProof="0" dirty="0">
+                <a:hlinkClick r:id="rId3"/>
+              </a:rPr>
+              <a:t>експериментальною функціональністю (</a:t>
+            </a:r>
+            <a:r>
+              <a:rPr lang="en-US" sz="1200" b="0" i="0" u="none" strike="noStrike" kern="1200" dirty="0">
                 <a:solidFill>
                   <a:schemeClr val="tx1"/>
                 </a:solidFill>
@@ -1380,13 +1394,12 @@
                 <a:latin typeface="+mn-lt"/>
                 <a:ea typeface="+mn-ea"/>
                 <a:cs typeface="+mn-cs"/>
-              </a:rPr>
-              <a:t>, а поля завжди присутні.</a:t>
-            </a:r>
-          </a:p>
-          <a:p>
-            <a:r>
-              <a:rPr lang="uk-UA" sz="1200" b="0" i="0" kern="1200" noProof="0" dirty="0">
+                <a:hlinkClick r:id="rId3"/>
+              </a:rPr>
+              <a:t>stage 3)</a:t>
+            </a:r>
+            <a:r>
+              <a:rPr lang="en-US" sz="1200" b="0" i="0" kern="1200" dirty="0">
                 <a:solidFill>
                   <a:schemeClr val="tx1"/>
                 </a:solidFill>
@@ -1395,11 +1408,107 @@
                 <a:ea typeface="+mn-ea"/>
                 <a:cs typeface="+mn-cs"/>
               </a:rPr>
-              <a:t>Як бачимо, оголошені поля можуть мати або не мати значення за замовчуванням.</a:t>
-            </a:r>
-          </a:p>
-          <a:p>
-            <a:endParaRPr lang="uk-UA" noProof="0" dirty="0"/>
+              <a:t>, </a:t>
+            </a:r>
+            <a:r>
+              <a:rPr lang="uk-UA" sz="1200" b="0" i="0" kern="1200" dirty="0">
+                <a:solidFill>
+                  <a:schemeClr val="tx1"/>
+                </a:solidFill>
+                <a:effectLst/>
+                <a:latin typeface="+mn-lt"/>
+                <a:ea typeface="+mn-ea"/>
+                <a:cs typeface="+mn-cs"/>
+              </a:rPr>
+              <a:t>запропонованою на </a:t>
+            </a:r>
+            <a:r>
+              <a:rPr lang="en-US" sz="1200" b="0" i="0" u="none" strike="noStrike" kern="1200" dirty="0">
+                <a:solidFill>
+                  <a:schemeClr val="tx1"/>
+                </a:solidFill>
+                <a:effectLst/>
+                <a:latin typeface="+mn-lt"/>
+                <a:ea typeface="+mn-ea"/>
+                <a:cs typeface="+mn-cs"/>
+                <a:hlinkClick r:id="rId4"/>
+              </a:rPr>
+              <a:t>TC39</a:t>
+            </a:r>
+            <a:r>
+              <a:rPr lang="en-US" sz="1200" b="0" i="0" kern="1200" dirty="0">
+                <a:solidFill>
+                  <a:schemeClr val="tx1"/>
+                </a:solidFill>
+                <a:effectLst/>
+                <a:latin typeface="+mn-lt"/>
+                <a:ea typeface="+mn-ea"/>
+                <a:cs typeface="+mn-cs"/>
+              </a:rPr>
+              <a:t>, </a:t>
+            </a:r>
+            <a:r>
+              <a:rPr lang="uk-UA" sz="1200" b="0" i="0" kern="1200" dirty="0">
+                <a:solidFill>
+                  <a:schemeClr val="tx1"/>
+                </a:solidFill>
+                <a:effectLst/>
+                <a:latin typeface="+mn-lt"/>
+                <a:ea typeface="+mn-ea"/>
+                <a:cs typeface="+mn-cs"/>
+              </a:rPr>
+              <a:t>комітеті стандартів </a:t>
+            </a:r>
+            <a:r>
+              <a:rPr lang="en-US" sz="1200" b="0" i="0" kern="1200" dirty="0">
+                <a:solidFill>
+                  <a:schemeClr val="tx1"/>
+                </a:solidFill>
+                <a:effectLst/>
+                <a:latin typeface="+mn-lt"/>
+                <a:ea typeface="+mn-ea"/>
+                <a:cs typeface="+mn-cs"/>
+              </a:rPr>
+              <a:t>JavaScript. </a:t>
+            </a:r>
+            <a:r>
+              <a:rPr lang="uk-UA" sz="1200" b="0" i="0" kern="1200" dirty="0">
+                <a:solidFill>
+                  <a:schemeClr val="tx1"/>
+                </a:solidFill>
+                <a:effectLst/>
+                <a:latin typeface="+mn-lt"/>
+                <a:ea typeface="+mn-ea"/>
+                <a:cs typeface="+mn-cs"/>
+              </a:rPr>
+              <a:t>Підтримка у переглядачах є обмеженою, але функціональність можна використовувати через збирачі пакетів з системами на кшталт </a:t>
+            </a:r>
+            <a:r>
+              <a:rPr lang="en-US" sz="1200" b="0" i="0" u="none" strike="noStrike" kern="1200" dirty="0">
+                <a:solidFill>
+                  <a:schemeClr val="tx1"/>
+                </a:solidFill>
+                <a:effectLst/>
+                <a:latin typeface="+mn-lt"/>
+                <a:ea typeface="+mn-ea"/>
+                <a:cs typeface="+mn-cs"/>
+                <a:hlinkClick r:id="rId5"/>
+              </a:rPr>
+              <a:t>Babel</a:t>
+            </a:r>
+            <a:r>
+              <a:rPr lang="en-US" sz="1200" b="0" i="0" kern="1200" dirty="0">
+                <a:solidFill>
+                  <a:schemeClr val="tx1"/>
+                </a:solidFill>
+                <a:effectLst/>
+                <a:latin typeface="+mn-lt"/>
+                <a:ea typeface="+mn-ea"/>
+                <a:cs typeface="+mn-cs"/>
+              </a:rPr>
+              <a:t>.</a:t>
+            </a:r>
+            <a:endParaRPr lang="uk-UA" dirty="0"/>
           </a:p>
         </p:txBody>
       </p:sp>
@@ -1420,7 +1529,7 @@
           <a:p>
             <a:fld id="{C6B9B3CE-BC21-41F4-8896-5AF0EBA9693C}" type="slidenum">
               <a:rPr lang="uk-UA" smtClean="0"/>
-              <a:t>19</a:t>
+              <a:t>21</a:t>
             </a:fld>
             <a:endParaRPr lang="uk-UA"/>
           </a:p>
@@ -1429,7 +1538,7 @@
     </p:spTree>
     <p:extLst>
       <p:ext uri="{BB962C8B-B14F-4D97-AF65-F5344CB8AC3E}">
-        <p14:creationId xmlns:p14="http://schemas.microsoft.com/office/powerpoint/2010/main" val="4118397583"/>
+        <p14:creationId xmlns:p14="http://schemas.microsoft.com/office/powerpoint/2010/main" val="2600733341"/>
       </p:ext>
     </p:extLst>
   </p:cSld>
@@ -1493,30 +1602,20 @@
                 <a:ea typeface="+mn-ea"/>
                 <a:cs typeface="+mn-cs"/>
               </a:rPr>
-              <a:t>Буде помилкою посилатися на приватні поля поза межами класу; вони доступні для читання або запису тільки всередині тіла класу. Визначаючи щось, невидиме за межами класу, ви забезпечуєте умови, за яких користувачі ваших класів не зможуть покладатися на внутрішні властивості, які можуть змінюватись між версіями.</a:t>
-            </a:r>
-            <a:endParaRPr lang="en-US" sz="1200" b="0" i="0" kern="1200" noProof="0" dirty="0">
-              <a:solidFill>
-                <a:schemeClr val="tx1"/>
-              </a:solidFill>
-              <a:effectLst/>
-              <a:latin typeface="+mn-lt"/>
-              <a:ea typeface="+mn-ea"/>
-              <a:cs typeface="+mn-cs"/>
-            </a:endParaRPr>
-          </a:p>
-          <a:p>
-            <a:endParaRPr lang="uk-UA" sz="1200" b="0" i="0" kern="1200" noProof="0" dirty="0">
-              <a:solidFill>
-                <a:schemeClr val="tx1"/>
-              </a:solidFill>
-              <a:effectLst/>
-              <a:latin typeface="+mn-lt"/>
-              <a:ea typeface="+mn-ea"/>
-              <a:cs typeface="+mn-cs"/>
-            </a:endParaRPr>
-          </a:p>
-          <a:p>
+              <a:t>З оголошенням полів заздалегідь оголошення класу стає більш </a:t>
+            </a:r>
+            <a:r>
+              <a:rPr lang="uk-UA" sz="1200" b="0" i="0" kern="1200" noProof="0" dirty="0" err="1">
+                <a:solidFill>
+                  <a:schemeClr val="tx1"/>
+                </a:solidFill>
+                <a:effectLst/>
+                <a:latin typeface="+mn-lt"/>
+                <a:ea typeface="+mn-ea"/>
+                <a:cs typeface="+mn-cs"/>
+              </a:rPr>
+              <a:t>самозадокументованим</a:t>
+            </a:r>
             <a:r>
               <a:rPr lang="uk-UA" sz="1200" b="0" i="0" kern="1200" noProof="0" dirty="0">
                 <a:solidFill>
@@ -1527,7 +1626,7 @@
                 <a:ea typeface="+mn-ea"/>
                 <a:cs typeface="+mn-cs"/>
               </a:rPr>
-              <a:t>Приватні поля можуть оголошуватися лише одразу при оголошенні полів.</a:t>
+              <a:t>, а поля завжди присутні.</a:t>
             </a:r>
           </a:p>
           <a:p>
@@ -1541,8 +1640,11 @@
                 <a:ea typeface="+mn-ea"/>
                 <a:cs typeface="+mn-cs"/>
               </a:rPr>
-              <a:t>Приватні поля не можуть створюватись пізніше через присвоювання, як це роблять нормальні властивості.</a:t>
-            </a:r>
+              <a:t>Як бачимо, оголошені поля можуть мати або не мати значення за замовчуванням.</a:t>
+            </a:r>
+          </a:p>
+          <a:p>
+            <a:endParaRPr lang="uk-UA" noProof="0" dirty="0"/>
           </a:p>
         </p:txBody>
       </p:sp>
@@ -1563,7 +1665,7 @@
           <a:p>
             <a:fld id="{C6B9B3CE-BC21-41F4-8896-5AF0EBA9693C}" type="slidenum">
               <a:rPr lang="uk-UA" smtClean="0"/>
-              <a:t>21</a:t>
+              <a:t>22</a:t>
             </a:fld>
             <a:endParaRPr lang="uk-UA"/>
           </a:p>
@@ -1572,7 +1674,7 @@
     </p:spTree>
     <p:extLst>
       <p:ext uri="{BB962C8B-B14F-4D97-AF65-F5344CB8AC3E}">
-        <p14:creationId xmlns:p14="http://schemas.microsoft.com/office/powerpoint/2010/main" val="2948871792"/>
+        <p14:creationId xmlns:p14="http://schemas.microsoft.com/office/powerpoint/2010/main" val="4118397583"/>
       </p:ext>
     </p:extLst>
   </p:cSld>
@@ -1636,21 +1738,30 @@
                 <a:ea typeface="+mn-ea"/>
                 <a:cs typeface="+mn-cs"/>
               </a:rPr>
-              <a:t>Ключове слово </a:t>
-            </a:r>
-            <a:r>
-              <a:rPr lang="uk-UA" sz="1200" u="none" strike="noStrike" kern="1200" noProof="0" dirty="0" err="1">
-                <a:solidFill>
-                  <a:schemeClr val="tx1"/>
-                </a:solidFill>
-                <a:effectLst/>
-                <a:latin typeface="+mn-lt"/>
-                <a:ea typeface="+mn-ea"/>
-                <a:cs typeface="+mn-cs"/>
-                <a:hlinkClick r:id="rId3"/>
-              </a:rPr>
-              <a:t>extends</a:t>
-            </a:r>
+              <a:t>Буде помилкою посилатися на приватні поля поза межами класу; вони доступні для читання або запису тільки всередині тіла класу. Визначаючи щось, невидиме за межами класу, ви забезпечуєте умови, за яких користувачі ваших класів не зможуть покладатися на внутрішні властивості, які можуть змінюватись між версіями.</a:t>
+            </a:r>
+            <a:endParaRPr lang="en-US" sz="1200" b="0" i="0" kern="1200" noProof="0" dirty="0">
+              <a:solidFill>
+                <a:schemeClr val="tx1"/>
+              </a:solidFill>
+              <a:effectLst/>
+              <a:latin typeface="+mn-lt"/>
+              <a:ea typeface="+mn-ea"/>
+              <a:cs typeface="+mn-cs"/>
+            </a:endParaRPr>
+          </a:p>
+          <a:p>
+            <a:endParaRPr lang="uk-UA" sz="1200" b="0" i="0" kern="1200" noProof="0" dirty="0">
+              <a:solidFill>
+                <a:schemeClr val="tx1"/>
+              </a:solidFill>
+              <a:effectLst/>
+              <a:latin typeface="+mn-lt"/>
+              <a:ea typeface="+mn-ea"/>
+              <a:cs typeface="+mn-cs"/>
+            </a:endParaRPr>
+          </a:p>
+          <a:p>
             <a:r>
               <a:rPr lang="uk-UA" sz="1200" b="0" i="0" kern="1200" noProof="0" dirty="0">
                 <a:solidFill>
@@ -1661,32 +1772,10 @@
                 <a:ea typeface="+mn-ea"/>
                 <a:cs typeface="+mn-cs"/>
               </a:rPr>
-              <a:t> використовують у </a:t>
-            </a:r>
-            <a:r>
-              <a:rPr lang="en-US" sz="1200" dirty="0">
-                <a:latin typeface="Open Sans" panose="020B0604020202020204" charset="0"/>
-                <a:ea typeface="Open Sans" panose="020B0604020202020204" charset="0"/>
-                <a:cs typeface="Open Sans" panose="020B0604020202020204" charset="0"/>
-              </a:rPr>
-              <a:t>class declarations a</a:t>
-            </a:r>
-            <a:r>
-              <a:rPr lang="uk-UA" sz="1200">
-                <a:latin typeface="Open Sans" panose="020B0604020202020204" charset="0"/>
-                <a:ea typeface="Open Sans" panose="020B0604020202020204" charset="0"/>
-                <a:cs typeface="Open Sans" panose="020B0604020202020204" charset="0"/>
-              </a:rPr>
-              <a:t>бо</a:t>
-            </a:r>
-            <a:r>
-              <a:rPr lang="en-US" sz="1200">
-                <a:latin typeface="Open Sans" panose="020B0604020202020204" charset="0"/>
-                <a:ea typeface="Open Sans" panose="020B0604020202020204" charset="0"/>
-                <a:cs typeface="Open Sans" panose="020B0604020202020204" charset="0"/>
-              </a:rPr>
-              <a:t> class expressions</a:t>
-            </a:r>
+              <a:t>Приватні поля можуть оголошуватися лише одразу при оголошенні полів.</a:t>
+            </a:r>
+          </a:p>
+          <a:p>
             <a:r>
               <a:rPr lang="uk-UA" sz="1200" b="0" i="0" kern="1200" noProof="0" dirty="0">
                 <a:solidFill>
@@ -1697,71 +1786,8 @@
                 <a:ea typeface="+mn-ea"/>
                 <a:cs typeface="+mn-cs"/>
               </a:rPr>
-              <a:t>, щоб створити клас, як дочірній від іншого класу.</a:t>
-            </a:r>
-          </a:p>
-          <a:p>
-            <a:r>
-              <a:rPr lang="uk-UA" sz="1200" b="0" i="0" kern="1200" noProof="0" dirty="0">
-                <a:solidFill>
-                  <a:schemeClr val="tx1"/>
-                </a:solidFill>
-                <a:effectLst/>
-                <a:latin typeface="+mn-lt"/>
-                <a:ea typeface="+mn-ea"/>
-                <a:cs typeface="+mn-cs"/>
-              </a:rPr>
-              <a:t>Якщо у підкласі присутній конструктор, він має спочатку викликати </a:t>
-            </a:r>
-            <a:r>
-              <a:rPr lang="uk-UA" sz="1200" b="0" i="0" kern="1200" noProof="0" dirty="0" err="1">
-                <a:solidFill>
-                  <a:schemeClr val="tx1"/>
-                </a:solidFill>
-                <a:effectLst/>
-                <a:latin typeface="+mn-lt"/>
-                <a:ea typeface="+mn-ea"/>
-                <a:cs typeface="+mn-cs"/>
-              </a:rPr>
-              <a:t>super</a:t>
-            </a:r>
-            <a:r>
-              <a:rPr lang="uk-UA" sz="1200" b="0" i="0" kern="1200" noProof="0" dirty="0">
-                <a:solidFill>
-                  <a:schemeClr val="tx1"/>
-                </a:solidFill>
-                <a:effectLst/>
-                <a:latin typeface="+mn-lt"/>
-                <a:ea typeface="+mn-ea"/>
-                <a:cs typeface="+mn-cs"/>
-              </a:rPr>
-              <a:t>(), перед використанням "</a:t>
-            </a:r>
-            <a:r>
-              <a:rPr lang="uk-UA" sz="1200" b="0" i="0" kern="1200" noProof="0" dirty="0" err="1">
-                <a:solidFill>
-                  <a:schemeClr val="tx1"/>
-                </a:solidFill>
-                <a:effectLst/>
-                <a:latin typeface="+mn-lt"/>
-                <a:ea typeface="+mn-ea"/>
-                <a:cs typeface="+mn-cs"/>
-              </a:rPr>
-              <a:t>this</a:t>
-            </a:r>
-            <a:r>
-              <a:rPr lang="uk-UA" sz="1200" b="0" i="0" kern="1200" noProof="0" dirty="0">
-                <a:solidFill>
-                  <a:schemeClr val="tx1"/>
-                </a:solidFill>
-                <a:effectLst/>
-                <a:latin typeface="+mn-lt"/>
-                <a:ea typeface="+mn-ea"/>
-                <a:cs typeface="+mn-cs"/>
-              </a:rPr>
-              <a:t>".</a:t>
-            </a:r>
-            <a:endParaRPr lang="uk-UA" noProof="0" dirty="0"/>
+              <a:t>Приватні поля не можуть створюватись пізніше через присвоювання, як це роблять нормальні властивості.</a:t>
+            </a:r>
           </a:p>
         </p:txBody>
       </p:sp>
@@ -1782,7 +1808,7 @@
           <a:p>
             <a:fld id="{C6B9B3CE-BC21-41F4-8896-5AF0EBA9693C}" type="slidenum">
               <a:rPr lang="uk-UA" smtClean="0"/>
-              <a:t>23</a:t>
+              <a:t>24</a:t>
             </a:fld>
             <a:endParaRPr lang="uk-UA"/>
           </a:p>
@@ -1791,7 +1817,7 @@
     </p:spTree>
     <p:extLst>
       <p:ext uri="{BB962C8B-B14F-4D97-AF65-F5344CB8AC3E}">
-        <p14:creationId xmlns:p14="http://schemas.microsoft.com/office/powerpoint/2010/main" val="2145653742"/>
+        <p14:creationId xmlns:p14="http://schemas.microsoft.com/office/powerpoint/2010/main" val="2948871792"/>
       </p:ext>
     </p:extLst>
   </p:cSld>
@@ -1845,7 +1871,142 @@
           <a:bodyPr/>
           <a:lstStyle/>
           <a:p>
-            <a:endParaRPr lang="uk-UA" dirty="0"/>
+            <a:r>
+              <a:rPr lang="uk-UA" sz="1200" b="0" i="0" kern="1200" noProof="0" dirty="0">
+                <a:solidFill>
+                  <a:schemeClr val="tx1"/>
+                </a:solidFill>
+                <a:effectLst/>
+                <a:latin typeface="+mn-lt"/>
+                <a:ea typeface="+mn-ea"/>
+                <a:cs typeface="+mn-cs"/>
+              </a:rPr>
+              <a:t>Ключове слово </a:t>
+            </a:r>
+            <a:r>
+              <a:rPr lang="uk-UA" sz="1200" u="none" strike="noStrike" kern="1200" noProof="0" dirty="0" err="1">
+                <a:solidFill>
+                  <a:schemeClr val="tx1"/>
+                </a:solidFill>
+                <a:effectLst/>
+                <a:latin typeface="+mn-lt"/>
+                <a:ea typeface="+mn-ea"/>
+                <a:cs typeface="+mn-cs"/>
+                <a:hlinkClick r:id="rId3"/>
+              </a:rPr>
+              <a:t>extends</a:t>
+            </a:r>
+            <a:r>
+              <a:rPr lang="uk-UA" sz="1200" b="0" i="0" kern="1200" noProof="0" dirty="0">
+                <a:solidFill>
+                  <a:schemeClr val="tx1"/>
+                </a:solidFill>
+                <a:effectLst/>
+                <a:latin typeface="+mn-lt"/>
+                <a:ea typeface="+mn-ea"/>
+                <a:cs typeface="+mn-cs"/>
+              </a:rPr>
+              <a:t> використовують у </a:t>
+            </a:r>
+            <a:r>
+              <a:rPr lang="en-US" sz="1200" dirty="0">
+                <a:latin typeface="Open Sans" panose="020B0604020202020204" charset="0"/>
+                <a:ea typeface="Open Sans" panose="020B0604020202020204" charset="0"/>
+                <a:cs typeface="Open Sans" panose="020B0604020202020204" charset="0"/>
+              </a:rPr>
+              <a:t>class declarations a</a:t>
+            </a:r>
+            <a:r>
+              <a:rPr lang="uk-UA" sz="1200">
+                <a:latin typeface="Open Sans" panose="020B0604020202020204" charset="0"/>
+                <a:ea typeface="Open Sans" panose="020B0604020202020204" charset="0"/>
+                <a:cs typeface="Open Sans" panose="020B0604020202020204" charset="0"/>
+              </a:rPr>
+              <a:t>бо</a:t>
+            </a:r>
+            <a:r>
+              <a:rPr lang="en-US" sz="1200">
+                <a:latin typeface="Open Sans" panose="020B0604020202020204" charset="0"/>
+                <a:ea typeface="Open Sans" panose="020B0604020202020204" charset="0"/>
+                <a:cs typeface="Open Sans" panose="020B0604020202020204" charset="0"/>
+              </a:rPr>
+              <a:t> class expressions</a:t>
+            </a:r>
+            <a:r>
+              <a:rPr lang="uk-UA" sz="1200" b="0" i="0" kern="1200" noProof="0" dirty="0">
+                <a:solidFill>
+                  <a:schemeClr val="tx1"/>
+                </a:solidFill>
+                <a:effectLst/>
+                <a:latin typeface="+mn-lt"/>
+                <a:ea typeface="+mn-ea"/>
+                <a:cs typeface="+mn-cs"/>
+              </a:rPr>
+              <a:t>, щоб створити клас, як дочірній від іншого класу.</a:t>
+            </a:r>
+          </a:p>
+          <a:p>
+            <a:r>
+              <a:rPr lang="uk-UA" sz="1200" b="0" i="0" kern="1200" noProof="0" dirty="0">
+                <a:solidFill>
+                  <a:schemeClr val="tx1"/>
+                </a:solidFill>
+                <a:effectLst/>
+                <a:latin typeface="+mn-lt"/>
+                <a:ea typeface="+mn-ea"/>
+                <a:cs typeface="+mn-cs"/>
+              </a:rPr>
+              <a:t>Якщо у підкласі присутній конструктор, він має спочатку викликати </a:t>
+            </a:r>
+            <a:r>
+              <a:rPr lang="uk-UA" sz="1200" b="0" i="0" kern="1200" noProof="0" dirty="0" err="1">
+                <a:solidFill>
+                  <a:schemeClr val="tx1"/>
+                </a:solidFill>
+                <a:effectLst/>
+                <a:latin typeface="+mn-lt"/>
+                <a:ea typeface="+mn-ea"/>
+                <a:cs typeface="+mn-cs"/>
+              </a:rPr>
+              <a:t>super</a:t>
+            </a:r>
+            <a:r>
+              <a:rPr lang="uk-UA" sz="1200" b="0" i="0" kern="1200" noProof="0" dirty="0">
+                <a:solidFill>
+                  <a:schemeClr val="tx1"/>
+                </a:solidFill>
+                <a:effectLst/>
+                <a:latin typeface="+mn-lt"/>
+                <a:ea typeface="+mn-ea"/>
+                <a:cs typeface="+mn-cs"/>
+              </a:rPr>
+              <a:t>(), перед використанням "</a:t>
+            </a:r>
+            <a:r>
+              <a:rPr lang="uk-UA" sz="1200" b="0" i="0" kern="1200" noProof="0" dirty="0" err="1">
+                <a:solidFill>
+                  <a:schemeClr val="tx1"/>
+                </a:solidFill>
+                <a:effectLst/>
+                <a:latin typeface="+mn-lt"/>
+                <a:ea typeface="+mn-ea"/>
+                <a:cs typeface="+mn-cs"/>
+              </a:rPr>
+              <a:t>this</a:t>
+            </a:r>
+            <a:r>
+              <a:rPr lang="uk-UA" sz="1200" b="0" i="0" kern="1200" noProof="0" dirty="0">
+                <a:solidFill>
+                  <a:schemeClr val="tx1"/>
+                </a:solidFill>
+                <a:effectLst/>
+                <a:latin typeface="+mn-lt"/>
+                <a:ea typeface="+mn-ea"/>
+                <a:cs typeface="+mn-cs"/>
+              </a:rPr>
+              <a:t>".</a:t>
+            </a:r>
+            <a:endParaRPr lang="uk-UA" noProof="0" dirty="0"/>
           </a:p>
         </p:txBody>
       </p:sp>
@@ -1866,7 +2027,91 @@
           <a:p>
             <a:fld id="{C6B9B3CE-BC21-41F4-8896-5AF0EBA9693C}" type="slidenum">
               <a:rPr lang="uk-UA" smtClean="0"/>
-              <a:t>26</a:t>
+              <a:t>28</a:t>
+            </a:fld>
+            <a:endParaRPr lang="uk-UA"/>
+          </a:p>
+        </p:txBody>
+      </p:sp>
+    </p:spTree>
+    <p:extLst>
+      <p:ext uri="{BB962C8B-B14F-4D97-AF65-F5344CB8AC3E}">
+        <p14:creationId xmlns:p14="http://schemas.microsoft.com/office/powerpoint/2010/main" val="2145653742"/>
+      </p:ext>
+    </p:extLst>
+  </p:cSld>
+  <p:clrMapOvr>
+    <a:masterClrMapping/>
+  </p:clrMapOvr>
+</p:notes>
+</file>
+
+<file path=ppt/notesSlides/notesSlide17.xml><?xml version="1.0" encoding="utf-8"?>
+<p:notes xmlns:a="http://schemas.openxmlformats.org/drawingml/2006/main" xmlns:r="http://schemas.openxmlformats.org/officeDocument/2006/relationships" xmlns:p="http://schemas.openxmlformats.org/presentationml/2006/main">
+  <p:cSld>
+    <p:spTree>
+      <p:nvGrpSpPr>
+        <p:cNvPr id="1" name=""/>
+        <p:cNvGrpSpPr/>
+        <p:nvPr/>
+      </p:nvGrpSpPr>
+      <p:grpSpPr>
+        <a:xfrm>
+          <a:off x="0" y="0"/>
+          <a:ext cx="0" cy="0"/>
+          <a:chOff x="0" y="0"/>
+          <a:chExt cx="0" cy="0"/>
+        </a:xfrm>
+      </p:grpSpPr>
+      <p:sp>
+        <p:nvSpPr>
+          <p:cNvPr id="2" name="Образ слайда 1"/>
+          <p:cNvSpPr>
+            <a:spLocks noGrp="1" noRot="1" noChangeAspect="1"/>
+          </p:cNvSpPr>
+          <p:nvPr>
+            <p:ph type="sldImg"/>
+          </p:nvPr>
+        </p:nvSpPr>
+        <p:spPr/>
+      </p:sp>
+      <p:sp>
+        <p:nvSpPr>
+          <p:cNvPr id="3" name="Заметки 2"/>
+          <p:cNvSpPr>
+            <a:spLocks noGrp="1"/>
+          </p:cNvSpPr>
+          <p:nvPr>
+            <p:ph type="body" idx="1"/>
+          </p:nvPr>
+        </p:nvSpPr>
+        <p:spPr/>
+        <p:txBody>
+          <a:bodyPr/>
+          <a:lstStyle/>
+          <a:p>
+            <a:endParaRPr lang="uk-UA" dirty="0"/>
+          </a:p>
+        </p:txBody>
+      </p:sp>
+      <p:sp>
+        <p:nvSpPr>
+          <p:cNvPr id="4" name="Номер слайда 3"/>
+          <p:cNvSpPr>
+            <a:spLocks noGrp="1"/>
+          </p:cNvSpPr>
+          <p:nvPr>
+            <p:ph type="sldNum" sz="quarter" idx="5"/>
+          </p:nvPr>
+        </p:nvSpPr>
+        <p:spPr/>
+        <p:txBody>
+          <a:bodyPr/>
+          <a:lstStyle/>
+          <a:p>
+            <a:fld id="{C6B9B3CE-BC21-41F4-8896-5AF0EBA9693C}" type="slidenum">
+              <a:rPr lang="uk-UA" smtClean="0"/>
+              <a:t>29</a:t>
             </a:fld>
             <a:endParaRPr lang="uk-UA"/>
           </a:p>
@@ -1876,6 +2121,220 @@
     <p:extLst>
       <p:ext uri="{BB962C8B-B14F-4D97-AF65-F5344CB8AC3E}">
         <p14:creationId xmlns:p14="http://schemas.microsoft.com/office/powerpoint/2010/main" val="1864716982"/>
+      </p:ext>
+    </p:extLst>
+  </p:cSld>
+  <p:clrMapOvr>
+    <a:masterClrMapping/>
+  </p:clrMapOvr>
+</p:notes>
+</file>
+
+<file path=ppt/notesSlides/notesSlide18.xml><?xml version="1.0" encoding="utf-8"?>
+<p:notes xmlns:a="http://schemas.openxmlformats.org/drawingml/2006/main" xmlns:r="http://schemas.openxmlformats.org/officeDocument/2006/relationships" xmlns:p="http://schemas.openxmlformats.org/presentationml/2006/main">
+  <p:cSld>
+    <p:spTree>
+      <p:nvGrpSpPr>
+        <p:cNvPr id="1" name=""/>
+        <p:cNvGrpSpPr/>
+        <p:nvPr/>
+      </p:nvGrpSpPr>
+      <p:grpSpPr>
+        <a:xfrm>
+          <a:off x="0" y="0"/>
+          <a:ext cx="0" cy="0"/>
+          <a:chOff x="0" y="0"/>
+          <a:chExt cx="0" cy="0"/>
+        </a:xfrm>
+      </p:grpSpPr>
+      <p:sp>
+        <p:nvSpPr>
+          <p:cNvPr id="2" name="Образ слайда 1"/>
+          <p:cNvSpPr>
+            <a:spLocks noGrp="1" noRot="1" noChangeAspect="1"/>
+          </p:cNvSpPr>
+          <p:nvPr>
+            <p:ph type="sldImg"/>
+          </p:nvPr>
+        </p:nvSpPr>
+        <p:spPr/>
+      </p:sp>
+      <p:sp>
+        <p:nvSpPr>
+          <p:cNvPr id="3" name="Заметки 2"/>
+          <p:cNvSpPr>
+            <a:spLocks noGrp="1"/>
+          </p:cNvSpPr>
+          <p:nvPr>
+            <p:ph type="body" idx="1"/>
+          </p:nvPr>
+        </p:nvSpPr>
+        <p:spPr/>
+        <p:txBody>
+          <a:bodyPr/>
+          <a:lstStyle/>
+          <a:p>
+            <a:r>
+              <a:rPr lang="en-US" sz="1200" b="0" i="0" kern="1200" dirty="0">
+                <a:solidFill>
+                  <a:schemeClr val="tx1"/>
+                </a:solidFill>
+                <a:effectLst/>
+                <a:latin typeface="+mn-lt"/>
+                <a:ea typeface="+mn-ea"/>
+                <a:cs typeface="+mn-cs"/>
+              </a:rPr>
+              <a:t>The rabbit object (has no run).</a:t>
+            </a:r>
+            <a:endParaRPr lang="uk-UA" sz="1200" b="0" i="0" kern="1200" dirty="0">
+              <a:solidFill>
+                <a:schemeClr val="tx1"/>
+              </a:solidFill>
+              <a:effectLst/>
+              <a:latin typeface="+mn-lt"/>
+              <a:ea typeface="+mn-ea"/>
+              <a:cs typeface="+mn-cs"/>
+            </a:endParaRPr>
+          </a:p>
+          <a:p>
+            <a:endParaRPr lang="en-US" sz="1200" b="0" i="0" kern="1200" dirty="0">
+              <a:solidFill>
+                <a:schemeClr val="tx1"/>
+              </a:solidFill>
+              <a:effectLst/>
+              <a:latin typeface="+mn-lt"/>
+              <a:ea typeface="+mn-ea"/>
+              <a:cs typeface="+mn-cs"/>
+            </a:endParaRPr>
+          </a:p>
+          <a:p>
+            <a:r>
+              <a:rPr lang="en-US" sz="1200" b="0" i="0" kern="1200" dirty="0">
+                <a:solidFill>
+                  <a:schemeClr val="tx1"/>
+                </a:solidFill>
+                <a:effectLst/>
+                <a:latin typeface="+mn-lt"/>
+                <a:ea typeface="+mn-ea"/>
+                <a:cs typeface="+mn-cs"/>
+              </a:rPr>
+              <a:t>Its prototype, that is </a:t>
+            </a:r>
+            <a:r>
+              <a:rPr lang="en-US" sz="1200" b="0" i="0" kern="1200" dirty="0" err="1">
+                <a:solidFill>
+                  <a:schemeClr val="tx1"/>
+                </a:solidFill>
+                <a:effectLst/>
+                <a:latin typeface="+mn-lt"/>
+                <a:ea typeface="+mn-ea"/>
+                <a:cs typeface="+mn-cs"/>
+              </a:rPr>
+              <a:t>Rabbit.prototype</a:t>
+            </a:r>
+            <a:r>
+              <a:rPr lang="en-US" sz="1200" b="0" i="0" kern="1200" dirty="0">
+                <a:solidFill>
+                  <a:schemeClr val="tx1"/>
+                </a:solidFill>
+                <a:effectLst/>
+                <a:latin typeface="+mn-lt"/>
+                <a:ea typeface="+mn-ea"/>
+                <a:cs typeface="+mn-cs"/>
+              </a:rPr>
+              <a:t> (has hide, but not run).</a:t>
+            </a:r>
+            <a:endParaRPr lang="uk-UA" sz="1200" b="0" i="0" kern="1200" dirty="0">
+              <a:solidFill>
+                <a:schemeClr val="tx1"/>
+              </a:solidFill>
+              <a:effectLst/>
+              <a:latin typeface="+mn-lt"/>
+              <a:ea typeface="+mn-ea"/>
+              <a:cs typeface="+mn-cs"/>
+            </a:endParaRPr>
+          </a:p>
+          <a:p>
+            <a:endParaRPr lang="en-US" sz="1200" b="0" i="0" kern="1200" dirty="0">
+              <a:solidFill>
+                <a:schemeClr val="tx1"/>
+              </a:solidFill>
+              <a:effectLst/>
+              <a:latin typeface="+mn-lt"/>
+              <a:ea typeface="+mn-ea"/>
+              <a:cs typeface="+mn-cs"/>
+            </a:endParaRPr>
+          </a:p>
+          <a:p>
+            <a:r>
+              <a:rPr lang="en-US" sz="1200" b="0" i="0" kern="1200" dirty="0">
+                <a:solidFill>
+                  <a:schemeClr val="tx1"/>
+                </a:solidFill>
+                <a:effectLst/>
+                <a:latin typeface="+mn-lt"/>
+                <a:ea typeface="+mn-ea"/>
+                <a:cs typeface="+mn-cs"/>
+              </a:rPr>
+              <a:t>Its prototype, that is (due to extends) </a:t>
+            </a:r>
+            <a:r>
+              <a:rPr lang="en-US" sz="1200" b="0" i="0" kern="1200" dirty="0" err="1">
+                <a:solidFill>
+                  <a:schemeClr val="tx1"/>
+                </a:solidFill>
+                <a:effectLst/>
+                <a:latin typeface="+mn-lt"/>
+                <a:ea typeface="+mn-ea"/>
+                <a:cs typeface="+mn-cs"/>
+              </a:rPr>
+              <a:t>Animal.prototype</a:t>
+            </a:r>
+            <a:r>
+              <a:rPr lang="en-US" sz="1200" b="0" i="0" kern="1200" dirty="0">
+                <a:solidFill>
+                  <a:schemeClr val="tx1"/>
+                </a:solidFill>
+                <a:effectLst/>
+                <a:latin typeface="+mn-lt"/>
+                <a:ea typeface="+mn-ea"/>
+                <a:cs typeface="+mn-cs"/>
+              </a:rPr>
+              <a:t>, that finally has the run method.</a:t>
+            </a:r>
+          </a:p>
+          <a:p>
+            <a:endParaRPr lang="uk-UA" dirty="0"/>
+          </a:p>
+        </p:txBody>
+      </p:sp>
+      <p:sp>
+        <p:nvSpPr>
+          <p:cNvPr id="4" name="Номер слайда 3"/>
+          <p:cNvSpPr>
+            <a:spLocks noGrp="1"/>
+          </p:cNvSpPr>
+          <p:nvPr>
+            <p:ph type="sldNum" sz="quarter" idx="5"/>
+          </p:nvPr>
+        </p:nvSpPr>
+        <p:spPr/>
+        <p:txBody>
+          <a:bodyPr/>
+          <a:lstStyle/>
+          <a:p>
+            <a:fld id="{C6B9B3CE-BC21-41F4-8896-5AF0EBA9693C}" type="slidenum">
+              <a:rPr lang="uk-UA" smtClean="0"/>
+              <a:t>30</a:t>
+            </a:fld>
+            <a:endParaRPr lang="uk-UA"/>
+          </a:p>
+        </p:txBody>
+      </p:sp>
+    </p:spTree>
+    <p:extLst>
+      <p:ext uri="{BB962C8B-B14F-4D97-AF65-F5344CB8AC3E}">
+        <p14:creationId xmlns:p14="http://schemas.microsoft.com/office/powerpoint/2010/main" val="1830879273"/>
       </p:ext>
     </p:extLst>
   </p:cSld>
@@ -8812,6 +9271,308 @@
           <p:cNvPr id="2" name="Заголовок 1">
             <a:extLst>
               <a:ext uri="{FF2B5EF4-FFF2-40B4-BE49-F238E27FC236}">
+                <a16:creationId xmlns:a16="http://schemas.microsoft.com/office/drawing/2014/main" id="{47ABD95A-0C03-40A7-95E7-EFB68F0AA596}"/>
+              </a:ext>
+            </a:extLst>
+          </p:cNvPr>
+          <p:cNvSpPr>
+            <a:spLocks noGrp="1"/>
+          </p:cNvSpPr>
+          <p:nvPr>
+            <p:ph type="title"/>
+          </p:nvPr>
+        </p:nvSpPr>
+        <p:spPr/>
+        <p:txBody>
+          <a:bodyPr/>
+          <a:lstStyle/>
+          <a:p>
+            <a:pPr>
+              <a:lnSpc>
+                <a:spcPct val="100000"/>
+              </a:lnSpc>
+            </a:pPr>
+            <a:r>
+              <a:rPr lang="en-US" sz="2400" dirty="0"/>
+              <a:t>Inheritance of static properties and methods</a:t>
+            </a:r>
+            <a:endParaRPr lang="uk-UA" sz="2400" dirty="0"/>
+          </a:p>
+        </p:txBody>
+      </p:sp>
+      <p:pic>
+        <p:nvPicPr>
+          <p:cNvPr id="5" name="Рисунок 4">
+            <a:extLst>
+              <a:ext uri="{FF2B5EF4-FFF2-40B4-BE49-F238E27FC236}">
+                <a16:creationId xmlns:a16="http://schemas.microsoft.com/office/drawing/2014/main" id="{2C0EA0CA-0903-4415-A2AC-90208485D7B9}"/>
+              </a:ext>
+            </a:extLst>
+          </p:cNvPr>
+          <p:cNvPicPr>
+            <a:picLocks noChangeAspect="1"/>
+          </p:cNvPicPr>
+          <p:nvPr/>
+        </p:nvPicPr>
+        <p:blipFill>
+          <a:blip r:embed="rId2">
+            <a:extLst>
+              <a:ext uri="{28A0092B-C50C-407E-A947-70E740481C1C}">
+                <a14:useLocalDpi xmlns:a14="http://schemas.microsoft.com/office/drawing/2010/main" val="0"/>
+              </a:ext>
+            </a:extLst>
+          </a:blip>
+          <a:stretch>
+            <a:fillRect/>
+          </a:stretch>
+        </p:blipFill>
+        <p:spPr>
+          <a:xfrm>
+            <a:off x="1689286" y="1552457"/>
+            <a:ext cx="8813427" cy="3753086"/>
+          </a:xfrm>
+          <a:prstGeom prst="rect">
+            <a:avLst/>
+          </a:prstGeom>
+        </p:spPr>
+      </p:pic>
+    </p:spTree>
+    <p:extLst>
+      <p:ext uri="{BB962C8B-B14F-4D97-AF65-F5344CB8AC3E}">
+        <p14:creationId xmlns:p14="http://schemas.microsoft.com/office/powerpoint/2010/main" val="340881595"/>
+      </p:ext>
+    </p:extLst>
+  </p:cSld>
+  <p:clrMapOvr>
+    <a:masterClrMapping/>
+  </p:clrMapOvr>
+</p:sld>
+</file>
+
+<file path=ppt/slides/slide16.xml><?xml version="1.0" encoding="utf-8"?>
+<p:sld xmlns:a="http://schemas.openxmlformats.org/drawingml/2006/main" xmlns:r="http://schemas.openxmlformats.org/officeDocument/2006/relationships" xmlns:p="http://schemas.openxmlformats.org/presentationml/2006/main">
+  <p:cSld>
+    <p:spTree>
+      <p:nvGrpSpPr>
+        <p:cNvPr id="1" name=""/>
+        <p:cNvGrpSpPr/>
+        <p:nvPr/>
+      </p:nvGrpSpPr>
+      <p:grpSpPr>
+        <a:xfrm>
+          <a:off x="0" y="0"/>
+          <a:ext cx="0" cy="0"/>
+          <a:chOff x="0" y="0"/>
+          <a:chExt cx="0" cy="0"/>
+        </a:xfrm>
+      </p:grpSpPr>
+      <p:sp>
+        <p:nvSpPr>
+          <p:cNvPr id="2" name="Заголовок 1">
+            <a:extLst>
+              <a:ext uri="{FF2B5EF4-FFF2-40B4-BE49-F238E27FC236}">
+                <a16:creationId xmlns:a16="http://schemas.microsoft.com/office/drawing/2014/main" id="{DB278BF7-BEF9-483E-B307-57058478DA6D}"/>
+              </a:ext>
+            </a:extLst>
+          </p:cNvPr>
+          <p:cNvSpPr>
+            <a:spLocks noGrp="1"/>
+          </p:cNvSpPr>
+          <p:nvPr>
+            <p:ph type="title"/>
+          </p:nvPr>
+        </p:nvSpPr>
+        <p:spPr/>
+        <p:txBody>
+          <a:bodyPr/>
+          <a:lstStyle/>
+          <a:p>
+            <a:pPr>
+              <a:lnSpc>
+                <a:spcPct val="100000"/>
+              </a:lnSpc>
+            </a:pPr>
+            <a:r>
+              <a:rPr lang="en-US" sz="2400" dirty="0">
+                <a:latin typeface="Open Sans" panose="020B0604020202020204" charset="0"/>
+                <a:ea typeface="Open Sans" panose="020B0604020202020204" charset="0"/>
+                <a:cs typeface="Open Sans" panose="020B0604020202020204" charset="0"/>
+              </a:rPr>
+              <a:t>extends gives Rabbit the [[Prototype]] reference to Animal</a:t>
+            </a:r>
+            <a:endParaRPr lang="uk-UA" sz="2400" dirty="0">
+              <a:latin typeface="Open Sans" panose="020B0604020202020204" charset="0"/>
+              <a:ea typeface="Open Sans" panose="020B0604020202020204" charset="0"/>
+              <a:cs typeface="Open Sans" panose="020B0604020202020204" charset="0"/>
+            </a:endParaRPr>
+          </a:p>
+        </p:txBody>
+      </p:sp>
+      <p:pic>
+        <p:nvPicPr>
+          <p:cNvPr id="6" name="Рисунок 5">
+            <a:extLst>
+              <a:ext uri="{FF2B5EF4-FFF2-40B4-BE49-F238E27FC236}">
+                <a16:creationId xmlns:a16="http://schemas.microsoft.com/office/drawing/2014/main" id="{180BA85C-69E1-44AD-9CF1-8052376109E9}"/>
+              </a:ext>
+            </a:extLst>
+          </p:cNvPr>
+          <p:cNvPicPr>
+            <a:picLocks noChangeAspect="1"/>
+          </p:cNvPicPr>
+          <p:nvPr/>
+        </p:nvPicPr>
+        <p:blipFill>
+          <a:blip r:embed="rId3">
+            <a:extLst>
+              <a:ext uri="{28A0092B-C50C-407E-A947-70E740481C1C}">
+                <a14:useLocalDpi xmlns:a14="http://schemas.microsoft.com/office/drawing/2010/main" val="0"/>
+              </a:ext>
+            </a:extLst>
+          </a:blip>
+          <a:stretch>
+            <a:fillRect/>
+          </a:stretch>
+        </p:blipFill>
+        <p:spPr>
+          <a:xfrm>
+            <a:off x="3057364" y="1371600"/>
+            <a:ext cx="6077271" cy="4143595"/>
+          </a:xfrm>
+          <a:prstGeom prst="rect">
+            <a:avLst/>
+          </a:prstGeom>
+        </p:spPr>
+      </p:pic>
+    </p:spTree>
+    <p:extLst>
+      <p:ext uri="{BB962C8B-B14F-4D97-AF65-F5344CB8AC3E}">
+        <p14:creationId xmlns:p14="http://schemas.microsoft.com/office/powerpoint/2010/main" val="27441973"/>
+      </p:ext>
+    </p:extLst>
+  </p:cSld>
+  <p:clrMapOvr>
+    <a:masterClrMapping/>
+  </p:clrMapOvr>
+</p:sld>
+</file>
+
+<file path=ppt/slides/slide17.xml><?xml version="1.0" encoding="utf-8"?>
+<p:sld xmlns:a="http://schemas.openxmlformats.org/drawingml/2006/main" xmlns:r="http://schemas.openxmlformats.org/officeDocument/2006/relationships" xmlns:p="http://schemas.openxmlformats.org/presentationml/2006/main">
+  <p:cSld>
+    <p:spTree>
+      <p:nvGrpSpPr>
+        <p:cNvPr id="1" name=""/>
+        <p:cNvGrpSpPr/>
+        <p:nvPr/>
+      </p:nvGrpSpPr>
+      <p:grpSpPr>
+        <a:xfrm>
+          <a:off x="0" y="0"/>
+          <a:ext cx="0" cy="0"/>
+          <a:chOff x="0" y="0"/>
+          <a:chExt cx="0" cy="0"/>
+        </a:xfrm>
+      </p:grpSpPr>
+      <p:sp>
+        <p:nvSpPr>
+          <p:cNvPr id="2" name="Заголовок 1">
+            <a:extLst>
+              <a:ext uri="{FF2B5EF4-FFF2-40B4-BE49-F238E27FC236}">
+                <a16:creationId xmlns:a16="http://schemas.microsoft.com/office/drawing/2014/main" id="{EFC619C8-988E-4C54-8493-B0E4BB843997}"/>
+              </a:ext>
+            </a:extLst>
+          </p:cNvPr>
+          <p:cNvSpPr>
+            <a:spLocks noGrp="1"/>
+          </p:cNvSpPr>
+          <p:nvPr>
+            <p:ph type="title"/>
+          </p:nvPr>
+        </p:nvSpPr>
+        <p:spPr/>
+        <p:txBody>
+          <a:bodyPr/>
+          <a:lstStyle/>
+          <a:p>
+            <a:r>
+              <a:rPr lang="uk-UA" sz="100" dirty="0"/>
+              <a:t>.</a:t>
+            </a:r>
+          </a:p>
+        </p:txBody>
+      </p:sp>
+      <p:pic>
+        <p:nvPicPr>
+          <p:cNvPr id="6" name="Рисунок 5">
+            <a:extLst>
+              <a:ext uri="{FF2B5EF4-FFF2-40B4-BE49-F238E27FC236}">
+                <a16:creationId xmlns:a16="http://schemas.microsoft.com/office/drawing/2014/main" id="{C3C06EF3-2590-43E6-BC50-52D1A5A49DE9}"/>
+              </a:ext>
+            </a:extLst>
+          </p:cNvPr>
+          <p:cNvPicPr>
+            <a:picLocks noChangeAspect="1"/>
+          </p:cNvPicPr>
+          <p:nvPr/>
+        </p:nvPicPr>
+        <p:blipFill>
+          <a:blip r:embed="rId2">
+            <a:extLst>
+              <a:ext uri="{28A0092B-C50C-407E-A947-70E740481C1C}">
+                <a14:useLocalDpi xmlns:a14="http://schemas.microsoft.com/office/drawing/2010/main" val="0"/>
+              </a:ext>
+            </a:extLst>
+          </a:blip>
+          <a:stretch>
+            <a:fillRect/>
+          </a:stretch>
+        </p:blipFill>
+        <p:spPr>
+          <a:xfrm>
+            <a:off x="1842322" y="1959714"/>
+            <a:ext cx="8507355" cy="2252770"/>
+          </a:xfrm>
+          <a:prstGeom prst="rect">
+            <a:avLst/>
+          </a:prstGeom>
+        </p:spPr>
+      </p:pic>
+    </p:spTree>
+    <p:extLst>
+      <p:ext uri="{BB962C8B-B14F-4D97-AF65-F5344CB8AC3E}">
+        <p14:creationId xmlns:p14="http://schemas.microsoft.com/office/powerpoint/2010/main" val="2353374206"/>
+      </p:ext>
+    </p:extLst>
+  </p:cSld>
+  <p:clrMapOvr>
+    <a:masterClrMapping/>
+  </p:clrMapOvr>
+</p:sld>
+</file>
+
+<file path=ppt/slides/slide18.xml><?xml version="1.0" encoding="utf-8"?>
+<p:sld xmlns:a="http://schemas.openxmlformats.org/drawingml/2006/main" xmlns:r="http://schemas.openxmlformats.org/officeDocument/2006/relationships" xmlns:p="http://schemas.openxmlformats.org/presentationml/2006/main">
+  <p:cSld>
+    <p:spTree>
+      <p:nvGrpSpPr>
+        <p:cNvPr id="1" name=""/>
+        <p:cNvGrpSpPr/>
+        <p:nvPr/>
+      </p:nvGrpSpPr>
+      <p:grpSpPr>
+        <a:xfrm>
+          <a:off x="0" y="0"/>
+          <a:ext cx="0" cy="0"/>
+          <a:chOff x="0" y="0"/>
+          <a:chExt cx="0" cy="0"/>
+        </a:xfrm>
+      </p:grpSpPr>
+      <p:sp>
+        <p:nvSpPr>
+          <p:cNvPr id="2" name="Заголовок 1">
+            <a:extLst>
+              <a:ext uri="{FF2B5EF4-FFF2-40B4-BE49-F238E27FC236}">
                 <a16:creationId xmlns:a16="http://schemas.microsoft.com/office/drawing/2014/main" id="{62EBCD23-4FD0-4BD6-AFE8-21E45751C9DF}"/>
               </a:ext>
             </a:extLst>
@@ -8869,7 +9630,7 @@
 </p:sld>
 </file>
 
-<file path=ppt/slides/slide16.xml><?xml version="1.0" encoding="utf-8"?>
+<file path=ppt/slides/slide19.xml><?xml version="1.0" encoding="utf-8"?>
 <p:sld xmlns:a="http://schemas.openxmlformats.org/drawingml/2006/main" xmlns:r="http://schemas.openxmlformats.org/officeDocument/2006/relationships" xmlns:p="http://schemas.openxmlformats.org/presentationml/2006/main">
   <p:cSld>
     <p:spTree>
@@ -8969,7 +9730,164 @@
 </p:sld>
 </file>
 
-<file path=ppt/slides/slide17.xml><?xml version="1.0" encoding="utf-8"?>
+<file path=ppt/slides/slide2.xml><?xml version="1.0" encoding="utf-8"?>
+<p:sld xmlns:a="http://schemas.openxmlformats.org/drawingml/2006/main" xmlns:r="http://schemas.openxmlformats.org/officeDocument/2006/relationships" xmlns:p="http://schemas.openxmlformats.org/presentationml/2006/main">
+  <p:cSld>
+    <p:spTree>
+      <p:nvGrpSpPr>
+        <p:cNvPr id="1" name=""/>
+        <p:cNvGrpSpPr/>
+        <p:nvPr/>
+      </p:nvGrpSpPr>
+      <p:grpSpPr>
+        <a:xfrm>
+          <a:off x="0" y="0"/>
+          <a:ext cx="0" cy="0"/>
+          <a:chOff x="0" y="0"/>
+          <a:chExt cx="0" cy="0"/>
+        </a:xfrm>
+      </p:grpSpPr>
+      <p:sp>
+        <p:nvSpPr>
+          <p:cNvPr id="2" name="Заголовок 1">
+            <a:extLst>
+              <a:ext uri="{FF2B5EF4-FFF2-40B4-BE49-F238E27FC236}">
+                <a16:creationId xmlns:a16="http://schemas.microsoft.com/office/drawing/2014/main" id="{0CA5CCC3-D23A-4BF6-B939-EACBA3F2B33B}"/>
+              </a:ext>
+            </a:extLst>
+          </p:cNvPr>
+          <p:cNvSpPr>
+            <a:spLocks noGrp="1"/>
+          </p:cNvSpPr>
+          <p:nvPr>
+            <p:ph type="title"/>
+          </p:nvPr>
+        </p:nvSpPr>
+        <p:spPr/>
+        <p:txBody>
+          <a:bodyPr/>
+          <a:lstStyle/>
+          <a:p>
+            <a:pPr>
+              <a:lnSpc>
+                <a:spcPct val="100000"/>
+              </a:lnSpc>
+            </a:pPr>
+            <a:r>
+              <a:rPr lang="en-US" sz="3000" dirty="0"/>
+              <a:t>Not just a syntactic sugar</a:t>
+            </a:r>
+            <a:br>
+              <a:rPr lang="en-US" sz="3000" dirty="0"/>
+            </a:br>
+            <a:r>
+              <a:rPr lang="en-US" sz="2400" dirty="0">
+                <a:latin typeface="Open Sans" panose="020B0604020202020204" charset="0"/>
+                <a:ea typeface="Open Sans" panose="020B0604020202020204" charset="0"/>
+                <a:cs typeface="Open Sans" panose="020B0604020202020204" charset="0"/>
+              </a:rPr>
+              <a:t>1</a:t>
+            </a:r>
+            <a:r>
+              <a:rPr lang="uk-UA" sz="2400" dirty="0">
+                <a:latin typeface="Open Sans" panose="020B0604020202020204" charset="0"/>
+                <a:ea typeface="Open Sans" panose="020B0604020202020204" charset="0"/>
+                <a:cs typeface="Open Sans" panose="020B0604020202020204" charset="0"/>
+              </a:rPr>
+              <a:t>. </a:t>
+            </a:r>
+            <a:r>
+              <a:rPr lang="en-US" sz="2400" dirty="0">
+                <a:latin typeface="Open Sans" panose="020B0604020202020204" charset="0"/>
+                <a:ea typeface="Open Sans" panose="020B0604020202020204" charset="0"/>
+                <a:cs typeface="Open Sans" panose="020B0604020202020204" charset="0"/>
+              </a:rPr>
+              <a:t>a function created by class is labelled by a special internal property [[</a:t>
+            </a:r>
+            <a:r>
+              <a:rPr lang="en-US" sz="2400" dirty="0" err="1">
+                <a:latin typeface="Open Sans" panose="020B0604020202020204" charset="0"/>
+                <a:ea typeface="Open Sans" panose="020B0604020202020204" charset="0"/>
+                <a:cs typeface="Open Sans" panose="020B0604020202020204" charset="0"/>
+              </a:rPr>
+              <a:t>FunctionKind</a:t>
+            </a:r>
+            <a:r>
+              <a:rPr lang="en-US" sz="2400" dirty="0">
+                <a:latin typeface="Open Sans" panose="020B0604020202020204" charset="0"/>
+                <a:ea typeface="Open Sans" panose="020B0604020202020204" charset="0"/>
+                <a:cs typeface="Open Sans" panose="020B0604020202020204" charset="0"/>
+              </a:rPr>
+              <a:t>]]:"</a:t>
+            </a:r>
+            <a:r>
+              <a:rPr lang="en-US" sz="2400" dirty="0" err="1">
+                <a:latin typeface="Open Sans" panose="020B0604020202020204" charset="0"/>
+                <a:ea typeface="Open Sans" panose="020B0604020202020204" charset="0"/>
+                <a:cs typeface="Open Sans" panose="020B0604020202020204" charset="0"/>
+              </a:rPr>
+              <a:t>classConstructor</a:t>
+            </a:r>
+            <a:r>
+              <a:rPr lang="en-US" sz="2400" dirty="0">
+                <a:latin typeface="Open Sans" panose="020B0604020202020204" charset="0"/>
+                <a:ea typeface="Open Sans" panose="020B0604020202020204" charset="0"/>
+                <a:cs typeface="Open Sans" panose="020B0604020202020204" charset="0"/>
+              </a:rPr>
+              <a:t>“</a:t>
+            </a:r>
+            <a:br>
+              <a:rPr lang="en-US" sz="2400" dirty="0">
+                <a:latin typeface="Open Sans" panose="020B0604020202020204" charset="0"/>
+                <a:ea typeface="Open Sans" panose="020B0604020202020204" charset="0"/>
+                <a:cs typeface="Open Sans" panose="020B0604020202020204" charset="0"/>
+              </a:rPr>
+            </a:br>
+            <a:r>
+              <a:rPr lang="en-US" sz="2400" dirty="0">
+                <a:latin typeface="Open Sans" panose="020B0604020202020204" charset="0"/>
+                <a:ea typeface="Open Sans" panose="020B0604020202020204" charset="0"/>
+                <a:cs typeface="Open Sans" panose="020B0604020202020204" charset="0"/>
+              </a:rPr>
+              <a:t>2. class methods are non-enumerable</a:t>
+            </a:r>
+            <a:br>
+              <a:rPr lang="en-US" sz="2400" dirty="0">
+                <a:latin typeface="Open Sans" panose="020B0604020202020204" charset="0"/>
+                <a:ea typeface="Open Sans" panose="020B0604020202020204" charset="0"/>
+                <a:cs typeface="Open Sans" panose="020B0604020202020204" charset="0"/>
+              </a:rPr>
+            </a:br>
+            <a:r>
+              <a:rPr lang="en-US" sz="2400" dirty="0">
+                <a:latin typeface="Open Sans" panose="020B0604020202020204" charset="0"/>
+                <a:ea typeface="Open Sans" panose="020B0604020202020204" charset="0"/>
+                <a:cs typeface="Open Sans" panose="020B0604020202020204" charset="0"/>
+              </a:rPr>
+              <a:t>3. classes always use strict</a:t>
+            </a:r>
+            <a:endParaRPr lang="uk-UA" sz="2400" dirty="0">
+              <a:latin typeface="Open Sans" panose="020B0604020202020204" charset="0"/>
+              <a:ea typeface="Open Sans" panose="020B0604020202020204" charset="0"/>
+              <a:cs typeface="Open Sans" panose="020B0604020202020204" charset="0"/>
+            </a:endParaRPr>
+          </a:p>
+        </p:txBody>
+      </p:sp>
+    </p:spTree>
+    <p:extLst>
+      <p:ext uri="{BB962C8B-B14F-4D97-AF65-F5344CB8AC3E}">
+        <p14:creationId xmlns:p14="http://schemas.microsoft.com/office/powerpoint/2010/main" val="1913834728"/>
+      </p:ext>
+    </p:extLst>
+  </p:cSld>
+  <p:clrMapOvr>
+    <a:masterClrMapping/>
+  </p:clrMapOvr>
+</p:sld>
+</file>
+
+<file path=ppt/slides/slide20.xml><?xml version="1.0" encoding="utf-8"?>
 <p:sld xmlns:a="http://schemas.openxmlformats.org/drawingml/2006/main" xmlns:r="http://schemas.openxmlformats.org/officeDocument/2006/relationships" xmlns:p="http://schemas.openxmlformats.org/presentationml/2006/main">
   <p:cSld>
     <p:spTree>
@@ -9221,7 +10139,7 @@
 </p:sld>
 </file>
 
-<file path=ppt/slides/slide18.xml><?xml version="1.0" encoding="utf-8"?>
+<file path=ppt/slides/slide21.xml><?xml version="1.0" encoding="utf-8"?>
 <p:sld xmlns:a="http://schemas.openxmlformats.org/drawingml/2006/main" xmlns:r="http://schemas.openxmlformats.org/officeDocument/2006/relationships" xmlns:p="http://schemas.openxmlformats.org/presentationml/2006/main">
   <p:cSld>
     <p:spTree>
@@ -9479,7 +10397,7 @@
 </p:sld>
 </file>
 
-<file path=ppt/slides/slide19.xml><?xml version="1.0" encoding="utf-8"?>
+<file path=ppt/slides/slide22.xml><?xml version="1.0" encoding="utf-8"?>
 <p:sld xmlns:a="http://schemas.openxmlformats.org/drawingml/2006/main" xmlns:r="http://schemas.openxmlformats.org/officeDocument/2006/relationships" xmlns:p="http://schemas.openxmlformats.org/presentationml/2006/main">
   <p:cSld>
     <p:spTree>
@@ -9664,164 +10582,7 @@
 </p:sld>
 </file>
 
-<file path=ppt/slides/slide2.xml><?xml version="1.0" encoding="utf-8"?>
-<p:sld xmlns:a="http://schemas.openxmlformats.org/drawingml/2006/main" xmlns:r="http://schemas.openxmlformats.org/officeDocument/2006/relationships" xmlns:p="http://schemas.openxmlformats.org/presentationml/2006/main">
-  <p:cSld>
-    <p:spTree>
-      <p:nvGrpSpPr>
-        <p:cNvPr id="1" name=""/>
-        <p:cNvGrpSpPr/>
-        <p:nvPr/>
-      </p:nvGrpSpPr>
-      <p:grpSpPr>
-        <a:xfrm>
-          <a:off x="0" y="0"/>
-          <a:ext cx="0" cy="0"/>
-          <a:chOff x="0" y="0"/>
-          <a:chExt cx="0" cy="0"/>
-        </a:xfrm>
-      </p:grpSpPr>
-      <p:sp>
-        <p:nvSpPr>
-          <p:cNvPr id="2" name="Заголовок 1">
-            <a:extLst>
-              <a:ext uri="{FF2B5EF4-FFF2-40B4-BE49-F238E27FC236}">
-                <a16:creationId xmlns:a16="http://schemas.microsoft.com/office/drawing/2014/main" id="{0CA5CCC3-D23A-4BF6-B939-EACBA3F2B33B}"/>
-              </a:ext>
-            </a:extLst>
-          </p:cNvPr>
-          <p:cNvSpPr>
-            <a:spLocks noGrp="1"/>
-          </p:cNvSpPr>
-          <p:nvPr>
-            <p:ph type="title"/>
-          </p:nvPr>
-        </p:nvSpPr>
-        <p:spPr/>
-        <p:txBody>
-          <a:bodyPr/>
-          <a:lstStyle/>
-          <a:p>
-            <a:pPr>
-              <a:lnSpc>
-                <a:spcPct val="100000"/>
-              </a:lnSpc>
-            </a:pPr>
-            <a:r>
-              <a:rPr lang="en-US" sz="3000" dirty="0"/>
-              <a:t>Not just a syntactic sugar</a:t>
-            </a:r>
-            <a:br>
-              <a:rPr lang="en-US" sz="3000" dirty="0"/>
-            </a:br>
-            <a:r>
-              <a:rPr lang="en-US" sz="2400" dirty="0">
-                <a:latin typeface="Open Sans" panose="020B0604020202020204" charset="0"/>
-                <a:ea typeface="Open Sans" panose="020B0604020202020204" charset="0"/>
-                <a:cs typeface="Open Sans" panose="020B0604020202020204" charset="0"/>
-              </a:rPr>
-              <a:t>1</a:t>
-            </a:r>
-            <a:r>
-              <a:rPr lang="uk-UA" sz="2400" dirty="0">
-                <a:latin typeface="Open Sans" panose="020B0604020202020204" charset="0"/>
-                <a:ea typeface="Open Sans" panose="020B0604020202020204" charset="0"/>
-                <a:cs typeface="Open Sans" panose="020B0604020202020204" charset="0"/>
-              </a:rPr>
-              <a:t>. </a:t>
-            </a:r>
-            <a:r>
-              <a:rPr lang="en-US" sz="2400" dirty="0">
-                <a:latin typeface="Open Sans" panose="020B0604020202020204" charset="0"/>
-                <a:ea typeface="Open Sans" panose="020B0604020202020204" charset="0"/>
-                <a:cs typeface="Open Sans" panose="020B0604020202020204" charset="0"/>
-              </a:rPr>
-              <a:t>a function created by class is labelled by a special internal property [[</a:t>
-            </a:r>
-            <a:r>
-              <a:rPr lang="en-US" sz="2400" dirty="0" err="1">
-                <a:latin typeface="Open Sans" panose="020B0604020202020204" charset="0"/>
-                <a:ea typeface="Open Sans" panose="020B0604020202020204" charset="0"/>
-                <a:cs typeface="Open Sans" panose="020B0604020202020204" charset="0"/>
-              </a:rPr>
-              <a:t>FunctionKind</a:t>
-            </a:r>
-            <a:r>
-              <a:rPr lang="en-US" sz="2400" dirty="0">
-                <a:latin typeface="Open Sans" panose="020B0604020202020204" charset="0"/>
-                <a:ea typeface="Open Sans" panose="020B0604020202020204" charset="0"/>
-                <a:cs typeface="Open Sans" panose="020B0604020202020204" charset="0"/>
-              </a:rPr>
-              <a:t>]]:"</a:t>
-            </a:r>
-            <a:r>
-              <a:rPr lang="en-US" sz="2400" dirty="0" err="1">
-                <a:latin typeface="Open Sans" panose="020B0604020202020204" charset="0"/>
-                <a:ea typeface="Open Sans" panose="020B0604020202020204" charset="0"/>
-                <a:cs typeface="Open Sans" panose="020B0604020202020204" charset="0"/>
-              </a:rPr>
-              <a:t>classConstructor</a:t>
-            </a:r>
-            <a:r>
-              <a:rPr lang="en-US" sz="2400" dirty="0">
-                <a:latin typeface="Open Sans" panose="020B0604020202020204" charset="0"/>
-                <a:ea typeface="Open Sans" panose="020B0604020202020204" charset="0"/>
-                <a:cs typeface="Open Sans" panose="020B0604020202020204" charset="0"/>
-              </a:rPr>
-              <a:t>“</a:t>
-            </a:r>
-            <a:br>
-              <a:rPr lang="en-US" sz="2400" dirty="0">
-                <a:latin typeface="Open Sans" panose="020B0604020202020204" charset="0"/>
-                <a:ea typeface="Open Sans" panose="020B0604020202020204" charset="0"/>
-                <a:cs typeface="Open Sans" panose="020B0604020202020204" charset="0"/>
-              </a:rPr>
-            </a:br>
-            <a:r>
-              <a:rPr lang="en-US" sz="2400" dirty="0">
-                <a:latin typeface="Open Sans" panose="020B0604020202020204" charset="0"/>
-                <a:ea typeface="Open Sans" panose="020B0604020202020204" charset="0"/>
-                <a:cs typeface="Open Sans" panose="020B0604020202020204" charset="0"/>
-              </a:rPr>
-              <a:t>2. class methods are non-enumerable</a:t>
-            </a:r>
-            <a:br>
-              <a:rPr lang="en-US" sz="2400" dirty="0">
-                <a:latin typeface="Open Sans" panose="020B0604020202020204" charset="0"/>
-                <a:ea typeface="Open Sans" panose="020B0604020202020204" charset="0"/>
-                <a:cs typeface="Open Sans" panose="020B0604020202020204" charset="0"/>
-              </a:rPr>
-            </a:br>
-            <a:r>
-              <a:rPr lang="en-US" sz="2400" dirty="0">
-                <a:latin typeface="Open Sans" panose="020B0604020202020204" charset="0"/>
-                <a:ea typeface="Open Sans" panose="020B0604020202020204" charset="0"/>
-                <a:cs typeface="Open Sans" panose="020B0604020202020204" charset="0"/>
-              </a:rPr>
-              <a:t>3. classes always use strict</a:t>
-            </a:r>
-            <a:endParaRPr lang="uk-UA" sz="2400" dirty="0">
-              <a:latin typeface="Open Sans" panose="020B0604020202020204" charset="0"/>
-              <a:ea typeface="Open Sans" panose="020B0604020202020204" charset="0"/>
-              <a:cs typeface="Open Sans" panose="020B0604020202020204" charset="0"/>
-            </a:endParaRPr>
-          </a:p>
-        </p:txBody>
-      </p:sp>
-    </p:spTree>
-    <p:extLst>
-      <p:ext uri="{BB962C8B-B14F-4D97-AF65-F5344CB8AC3E}">
-        <p14:creationId xmlns:p14="http://schemas.microsoft.com/office/powerpoint/2010/main" val="1913834728"/>
-      </p:ext>
-    </p:extLst>
-  </p:cSld>
-  <p:clrMapOvr>
-    <a:masterClrMapping/>
-  </p:clrMapOvr>
-</p:sld>
-</file>
-
-<file path=ppt/slides/slide20.xml><?xml version="1.0" encoding="utf-8"?>
+<file path=ppt/slides/slide23.xml><?xml version="1.0" encoding="utf-8"?>
 <p:sld xmlns:a="http://schemas.openxmlformats.org/drawingml/2006/main" xmlns:r="http://schemas.openxmlformats.org/officeDocument/2006/relationships" xmlns:p="http://schemas.openxmlformats.org/presentationml/2006/main">
   <p:cSld>
     <p:spTree>
@@ -9950,7 +10711,7 @@
 </p:sld>
 </file>
 
-<file path=ppt/slides/slide21.xml><?xml version="1.0" encoding="utf-8"?>
+<file path=ppt/slides/slide24.xml><?xml version="1.0" encoding="utf-8"?>
 <p:sld xmlns:a="http://schemas.openxmlformats.org/drawingml/2006/main" xmlns:r="http://schemas.openxmlformats.org/officeDocument/2006/relationships" xmlns:p="http://schemas.openxmlformats.org/presentationml/2006/main">
   <p:cSld>
     <p:spTree>
@@ -10228,7 +10989,7 @@
 </p:sld>
 </file>
 
-<file path=ppt/slides/slide22.xml><?xml version="1.0" encoding="utf-8"?>
+<file path=ppt/slides/slide25.xml><?xml version="1.0" encoding="utf-8"?>
 <p:sld xmlns:a="http://schemas.openxmlformats.org/drawingml/2006/main" xmlns:r="http://schemas.openxmlformats.org/officeDocument/2006/relationships" xmlns:p="http://schemas.openxmlformats.org/presentationml/2006/main">
   <p:cSld>
     <p:spTree>
@@ -10329,7 +11090,7 @@
 </p:sld>
 </file>
 
-<file path=ppt/slides/slide23.xml><?xml version="1.0" encoding="utf-8"?>
+<file path=ppt/slides/slide26.xml><?xml version="1.0" encoding="utf-8"?>
 <p:sld xmlns:a="http://schemas.openxmlformats.org/drawingml/2006/main" xmlns:r="http://schemas.openxmlformats.org/officeDocument/2006/relationships" xmlns:p="http://schemas.openxmlformats.org/presentationml/2006/main">
   <p:cSld>
     <p:spTree>
@@ -10351,107 +11112,6 @@
           <p:cNvPr id="2" name="Заголовок 1">
             <a:extLst>
               <a:ext uri="{FF2B5EF4-FFF2-40B4-BE49-F238E27FC236}">
-                <a16:creationId xmlns:a16="http://schemas.microsoft.com/office/drawing/2014/main" id="{78C26C71-8FA9-4DAB-8749-73FC96575522}"/>
-              </a:ext>
-            </a:extLst>
-          </p:cNvPr>
-          <p:cNvSpPr>
-            <a:spLocks noGrp="1"/>
-          </p:cNvSpPr>
-          <p:nvPr>
-            <p:ph type="title"/>
-          </p:nvPr>
-        </p:nvSpPr>
-        <p:spPr/>
-        <p:txBody>
-          <a:bodyPr/>
-          <a:lstStyle/>
-          <a:p>
-            <a:pPr>
-              <a:lnSpc>
-                <a:spcPct val="100000"/>
-              </a:lnSpc>
-            </a:pPr>
-            <a:r>
-              <a:rPr lang="en-US" sz="4000" dirty="0"/>
-              <a:t>Sub classing with extends</a:t>
-            </a:r>
-            <a:br>
-              <a:rPr lang="en-US" sz="4000" dirty="0"/>
-            </a:br>
-            <a:r>
-              <a:rPr lang="en-US" sz="2400" dirty="0">
-                <a:latin typeface="Open Sans" panose="020B0604020202020204" charset="0"/>
-                <a:ea typeface="Open Sans" panose="020B0604020202020204" charset="0"/>
-                <a:cs typeface="Open Sans" panose="020B0604020202020204" charset="0"/>
-              </a:rPr>
-              <a:t>The extends keyword is used in class declarations or class expressions to create a class as a child of another class.</a:t>
-            </a:r>
-            <a:br>
-              <a:rPr lang="en-US" sz="2400" dirty="0">
-                <a:latin typeface="Open Sans" panose="020B0604020202020204" charset="0"/>
-                <a:ea typeface="Open Sans" panose="020B0604020202020204" charset="0"/>
-                <a:cs typeface="Open Sans" panose="020B0604020202020204" charset="0"/>
-              </a:rPr>
-            </a:br>
-            <a:br>
-              <a:rPr lang="en-US" sz="2400" dirty="0">
-                <a:latin typeface="Open Sans" panose="020B0604020202020204" charset="0"/>
-                <a:ea typeface="Open Sans" panose="020B0604020202020204" charset="0"/>
-                <a:cs typeface="Open Sans" panose="020B0604020202020204" charset="0"/>
-              </a:rPr>
-            </a:br>
-            <a:r>
-              <a:rPr lang="en-US" sz="2400" dirty="0">
-                <a:latin typeface="Open Sans" panose="020B0604020202020204" charset="0"/>
-                <a:ea typeface="Open Sans" panose="020B0604020202020204" charset="0"/>
-                <a:cs typeface="Open Sans" panose="020B0604020202020204" charset="0"/>
-              </a:rPr>
-              <a:t>If there is a constructor present in the subclass, it needs to first call super() before using "this".</a:t>
-            </a:r>
-            <a:endParaRPr lang="uk-UA" sz="2400" dirty="0">
-              <a:latin typeface="Open Sans" panose="020B0604020202020204" charset="0"/>
-              <a:ea typeface="Open Sans" panose="020B0604020202020204" charset="0"/>
-              <a:cs typeface="Open Sans" panose="020B0604020202020204" charset="0"/>
-            </a:endParaRPr>
-          </a:p>
-        </p:txBody>
-      </p:sp>
-    </p:spTree>
-    <p:extLst>
-      <p:ext uri="{BB962C8B-B14F-4D97-AF65-F5344CB8AC3E}">
-        <p14:creationId xmlns:p14="http://schemas.microsoft.com/office/powerpoint/2010/main" val="3435234074"/>
-      </p:ext>
-    </p:extLst>
-  </p:cSld>
-  <p:clrMapOvr>
-    <a:masterClrMapping/>
-  </p:clrMapOvr>
-</p:sld>
-</file>
-
-<file path=ppt/slides/slide24.xml><?xml version="1.0" encoding="utf-8"?>
-<p:sld xmlns:a="http://schemas.openxmlformats.org/drawingml/2006/main" xmlns:r="http://schemas.openxmlformats.org/officeDocument/2006/relationships" xmlns:p="http://schemas.openxmlformats.org/presentationml/2006/main">
-  <p:cSld>
-    <p:spTree>
-      <p:nvGrpSpPr>
-        <p:cNvPr id="1" name=""/>
-        <p:cNvGrpSpPr/>
-        <p:nvPr/>
-      </p:nvGrpSpPr>
-      <p:grpSpPr>
-        <a:xfrm>
-          <a:off x="0" y="0"/>
-          <a:ext cx="0" cy="0"/>
-          <a:chOff x="0" y="0"/>
-          <a:chExt cx="0" cy="0"/>
-        </a:xfrm>
-      </p:grpSpPr>
-      <p:sp>
-        <p:nvSpPr>
-          <p:cNvPr id="2" name="Заголовок 1">
-            <a:extLst>
-              <a:ext uri="{FF2B5EF4-FFF2-40B4-BE49-F238E27FC236}">
                 <a16:creationId xmlns:a16="http://schemas.microsoft.com/office/drawing/2014/main" id="{01439332-D036-4D08-B171-FC0B9708DAA2}"/>
               </a:ext>
             </a:extLst>
@@ -10509,7 +11169,7 @@
 </p:sld>
 </file>
 
-<file path=ppt/slides/slide25.xml><?xml version="1.0" encoding="utf-8"?>
+<file path=ppt/slides/slide27.xml><?xml version="1.0" encoding="utf-8"?>
 <p:sld xmlns:a="http://schemas.openxmlformats.org/drawingml/2006/main" xmlns:r="http://schemas.openxmlformats.org/officeDocument/2006/relationships" xmlns:p="http://schemas.openxmlformats.org/presentationml/2006/main">
   <p:cSld>
     <p:spTree>
@@ -10609,214 +11269,6 @@
 </p:sld>
 </file>
 
-<file path=ppt/slides/slide26.xml><?xml version="1.0" encoding="utf-8"?>
-<p:sld xmlns:a="http://schemas.openxmlformats.org/drawingml/2006/main" xmlns:r="http://schemas.openxmlformats.org/officeDocument/2006/relationships" xmlns:p="http://schemas.openxmlformats.org/presentationml/2006/main">
-  <p:cSld>
-    <p:spTree>
-      <p:nvGrpSpPr>
-        <p:cNvPr id="1" name=""/>
-        <p:cNvGrpSpPr/>
-        <p:nvPr/>
-      </p:nvGrpSpPr>
-      <p:grpSpPr>
-        <a:xfrm>
-          <a:off x="0" y="0"/>
-          <a:ext cx="0" cy="0"/>
-          <a:chOff x="0" y="0"/>
-          <a:chExt cx="0" cy="0"/>
-        </a:xfrm>
-      </p:grpSpPr>
-      <p:sp>
-        <p:nvSpPr>
-          <p:cNvPr id="2" name="Заголовок 1">
-            <a:extLst>
-              <a:ext uri="{FF2B5EF4-FFF2-40B4-BE49-F238E27FC236}">
-                <a16:creationId xmlns:a16="http://schemas.microsoft.com/office/drawing/2014/main" id="{9F2AFDCD-B8F2-4F14-8BE1-E82BC89A60C2}"/>
-              </a:ext>
-            </a:extLst>
-          </p:cNvPr>
-          <p:cNvSpPr>
-            <a:spLocks noGrp="1"/>
-          </p:cNvSpPr>
-          <p:nvPr>
-            <p:ph type="title"/>
-          </p:nvPr>
-        </p:nvSpPr>
-        <p:spPr/>
-        <p:txBody>
-          <a:bodyPr/>
-          <a:lstStyle/>
-          <a:p>
-            <a:pPr>
-              <a:lnSpc>
-                <a:spcPct val="100000"/>
-              </a:lnSpc>
-            </a:pPr>
-            <a:r>
-              <a:rPr lang="en-US" sz="3000" dirty="0"/>
-              <a:t>Example</a:t>
-            </a:r>
-            <a:endParaRPr lang="uk-UA" sz="3000" dirty="0"/>
-          </a:p>
-        </p:txBody>
-      </p:sp>
-      <p:pic>
-        <p:nvPicPr>
-          <p:cNvPr id="5" name="Рисунок 4">
-            <a:extLst>
-              <a:ext uri="{FF2B5EF4-FFF2-40B4-BE49-F238E27FC236}">
-                <a16:creationId xmlns:a16="http://schemas.microsoft.com/office/drawing/2014/main" id="{C0DF9D4E-FA64-4FB6-89D3-696F59FECA57}"/>
-              </a:ext>
-            </a:extLst>
-          </p:cNvPr>
-          <p:cNvPicPr>
-            <a:picLocks noChangeAspect="1"/>
-          </p:cNvPicPr>
-          <p:nvPr/>
-        </p:nvPicPr>
-        <p:blipFill>
-          <a:blip r:embed="rId3">
-            <a:extLst>
-              <a:ext uri="{28A0092B-C50C-407E-A947-70E740481C1C}">
-                <a14:useLocalDpi xmlns:a14="http://schemas.microsoft.com/office/drawing/2010/main" val="0"/>
-              </a:ext>
-            </a:extLst>
-          </a:blip>
-          <a:stretch>
-            <a:fillRect/>
-          </a:stretch>
-        </p:blipFill>
-        <p:spPr>
-          <a:xfrm>
-            <a:off x="2370234" y="1212273"/>
-            <a:ext cx="7451532" cy="4433453"/>
-          </a:xfrm>
-          <a:prstGeom prst="rect">
-            <a:avLst/>
-          </a:prstGeom>
-        </p:spPr>
-      </p:pic>
-    </p:spTree>
-    <p:extLst>
-      <p:ext uri="{BB962C8B-B14F-4D97-AF65-F5344CB8AC3E}">
-        <p14:creationId xmlns:p14="http://schemas.microsoft.com/office/powerpoint/2010/main" val="3086600050"/>
-      </p:ext>
-    </p:extLst>
-  </p:cSld>
-  <p:clrMapOvr>
-    <a:masterClrMapping/>
-  </p:clrMapOvr>
-</p:sld>
-</file>
-
-<file path=ppt/slides/slide27.xml><?xml version="1.0" encoding="utf-8"?>
-<p:sld xmlns:a="http://schemas.openxmlformats.org/drawingml/2006/main" xmlns:r="http://schemas.openxmlformats.org/officeDocument/2006/relationships" xmlns:p="http://schemas.openxmlformats.org/presentationml/2006/main">
-  <p:cSld>
-    <p:spTree>
-      <p:nvGrpSpPr>
-        <p:cNvPr id="1" name=""/>
-        <p:cNvGrpSpPr/>
-        <p:nvPr/>
-      </p:nvGrpSpPr>
-      <p:grpSpPr>
-        <a:xfrm>
-          <a:off x="0" y="0"/>
-          <a:ext cx="0" cy="0"/>
-          <a:chOff x="0" y="0"/>
-          <a:chExt cx="0" cy="0"/>
-        </a:xfrm>
-      </p:grpSpPr>
-      <p:sp>
-        <p:nvSpPr>
-          <p:cNvPr id="2" name="Заголовок 1">
-            <a:extLst>
-              <a:ext uri="{FF2B5EF4-FFF2-40B4-BE49-F238E27FC236}">
-                <a16:creationId xmlns:a16="http://schemas.microsoft.com/office/drawing/2014/main" id="{FC4FE51D-EB1A-4E26-AAE7-15FF467122A7}"/>
-              </a:ext>
-            </a:extLst>
-          </p:cNvPr>
-          <p:cNvSpPr>
-            <a:spLocks noGrp="1"/>
-          </p:cNvSpPr>
-          <p:nvPr>
-            <p:ph type="title"/>
-          </p:nvPr>
-        </p:nvSpPr>
-        <p:spPr/>
-        <p:txBody>
-          <a:bodyPr/>
-          <a:lstStyle/>
-          <a:p>
-            <a:pPr>
-              <a:lnSpc>
-                <a:spcPct val="100000"/>
-              </a:lnSpc>
-            </a:pPr>
-            <a:r>
-              <a:rPr lang="en-US" sz="2400" dirty="0">
-                <a:latin typeface="Open Sans" panose="020B0604020202020204" charset="0"/>
-                <a:ea typeface="Open Sans" panose="020B0604020202020204" charset="0"/>
-                <a:cs typeface="Open Sans" panose="020B0604020202020204" charset="0"/>
-              </a:rPr>
-              <a:t>One may also extend traditional function-based "classes":</a:t>
-            </a:r>
-            <a:endParaRPr lang="uk-UA" sz="2400" dirty="0">
-              <a:latin typeface="Open Sans" panose="020B0604020202020204" charset="0"/>
-              <a:ea typeface="Open Sans" panose="020B0604020202020204" charset="0"/>
-              <a:cs typeface="Open Sans" panose="020B0604020202020204" charset="0"/>
-            </a:endParaRPr>
-          </a:p>
-        </p:txBody>
-      </p:sp>
-      <p:pic>
-        <p:nvPicPr>
-          <p:cNvPr id="5" name="Рисунок 4">
-            <a:extLst>
-              <a:ext uri="{FF2B5EF4-FFF2-40B4-BE49-F238E27FC236}">
-                <a16:creationId xmlns:a16="http://schemas.microsoft.com/office/drawing/2014/main" id="{F4903879-EFC9-496C-8D5D-24F3B44522F4}"/>
-              </a:ext>
-            </a:extLst>
-          </p:cNvPr>
-          <p:cNvPicPr>
-            <a:picLocks noChangeAspect="1"/>
-          </p:cNvPicPr>
-          <p:nvPr/>
-        </p:nvPicPr>
-        <p:blipFill>
-          <a:blip r:embed="rId2">
-            <a:extLst>
-              <a:ext uri="{28A0092B-C50C-407E-A947-70E740481C1C}">
-                <a14:useLocalDpi xmlns:a14="http://schemas.microsoft.com/office/drawing/2010/main" val="0"/>
-              </a:ext>
-            </a:extLst>
-          </a:blip>
-          <a:stretch>
-            <a:fillRect/>
-          </a:stretch>
-        </p:blipFill>
-        <p:spPr>
-          <a:xfrm>
-            <a:off x="1893024" y="1371600"/>
-            <a:ext cx="8405951" cy="4114800"/>
-          </a:xfrm>
-          <a:prstGeom prst="rect">
-            <a:avLst/>
-          </a:prstGeom>
-        </p:spPr>
-      </p:pic>
-    </p:spTree>
-    <p:extLst>
-      <p:ext uri="{BB962C8B-B14F-4D97-AF65-F5344CB8AC3E}">
-        <p14:creationId xmlns:p14="http://schemas.microsoft.com/office/powerpoint/2010/main" val="3821854505"/>
-      </p:ext>
-    </p:extLst>
-  </p:cSld>
-  <p:clrMapOvr>
-    <a:masterClrMapping/>
-  </p:clrMapOvr>
-</p:sld>
-</file>
-
 <file path=ppt/slides/slide28.xml><?xml version="1.0" encoding="utf-8"?>
 <p:sld xmlns:a="http://schemas.openxmlformats.org/drawingml/2006/main" xmlns:r="http://schemas.openxmlformats.org/officeDocument/2006/relationships" xmlns:p="http://schemas.openxmlformats.org/presentationml/2006/main">
   <p:cSld>
@@ -10839,7 +11291,7 @@
           <p:cNvPr id="2" name="Заголовок 1">
             <a:extLst>
               <a:ext uri="{FF2B5EF4-FFF2-40B4-BE49-F238E27FC236}">
-                <a16:creationId xmlns:a16="http://schemas.microsoft.com/office/drawing/2014/main" id="{2A59E761-BAF9-42A2-916C-77C44DF28FB5}"/>
+                <a16:creationId xmlns:a16="http://schemas.microsoft.com/office/drawing/2014/main" id="{78C26C71-8FA9-4DAB-8749-73FC96575522}"/>
               </a:ext>
             </a:extLst>
           </p:cNvPr>
@@ -10862,7 +11314,7 @@
             </a:pPr>
             <a:r>
               <a:rPr lang="en-US" sz="4000" dirty="0"/>
-              <a:t>Super class calls with super</a:t>
+              <a:t>Class inheritance</a:t>
             </a:r>
             <a:br>
               <a:rPr lang="en-US" sz="4000" dirty="0"/>
@@ -10873,7 +11325,29 @@
                 <a:ea typeface="Open Sans" panose="020B0604020202020204" charset="0"/>
                 <a:cs typeface="Open Sans" panose="020B0604020202020204" charset="0"/>
               </a:rPr>
-              <a:t>The super keyword is used to call corresponding methods of super class. This is one advantage over prototype-based inheritance.</a:t>
+              <a:t>The extends keyword is used in class declarations or class expressions to create a class as a child of another class.</a:t>
+            </a:r>
+            <a:br>
+              <a:rPr lang="en-US" sz="2400" dirty="0">
+                <a:latin typeface="Open Sans" panose="020B0604020202020204" charset="0"/>
+                <a:ea typeface="Open Sans" panose="020B0604020202020204" charset="0"/>
+                <a:cs typeface="Open Sans" panose="020B0604020202020204" charset="0"/>
+              </a:rPr>
+            </a:br>
+            <a:br>
+              <a:rPr lang="en-US" sz="2400" dirty="0">
+                <a:latin typeface="Open Sans" panose="020B0604020202020204" charset="0"/>
+                <a:ea typeface="Open Sans" panose="020B0604020202020204" charset="0"/>
+                <a:cs typeface="Open Sans" panose="020B0604020202020204" charset="0"/>
+              </a:rPr>
+            </a:br>
+            <a:r>
+              <a:rPr lang="en-US" sz="2400" dirty="0">
+                <a:latin typeface="Open Sans" panose="020B0604020202020204" charset="0"/>
+                <a:ea typeface="Open Sans" panose="020B0604020202020204" charset="0"/>
+                <a:cs typeface="Open Sans" panose="020B0604020202020204" charset="0"/>
+              </a:rPr>
+              <a:t>If there is a constructor present in the subclass, it needs to first call super() before using "this".</a:t>
             </a:r>
             <a:endParaRPr lang="uk-UA" sz="2400" dirty="0">
               <a:latin typeface="Open Sans" panose="020B0604020202020204" charset="0"/>
@@ -10886,7 +11360,7 @@
     </p:spTree>
     <p:extLst>
       <p:ext uri="{BB962C8B-B14F-4D97-AF65-F5344CB8AC3E}">
-        <p14:creationId xmlns:p14="http://schemas.microsoft.com/office/powerpoint/2010/main" val="2212749375"/>
+        <p14:creationId xmlns:p14="http://schemas.microsoft.com/office/powerpoint/2010/main" val="3435234074"/>
       </p:ext>
     </p:extLst>
   </p:cSld>
@@ -10918,7 +11392,7 @@
           <p:cNvPr id="2" name="Заголовок 1">
             <a:extLst>
               <a:ext uri="{FF2B5EF4-FFF2-40B4-BE49-F238E27FC236}">
-                <a16:creationId xmlns:a16="http://schemas.microsoft.com/office/drawing/2014/main" id="{6525FB77-80D7-4E66-8E87-EDE250739B84}"/>
+                <a16:creationId xmlns:a16="http://schemas.microsoft.com/office/drawing/2014/main" id="{9F2AFDCD-B8F2-4F14-8BE1-E82BC89A60C2}"/>
               </a:ext>
             </a:extLst>
           </p:cNvPr>
@@ -10949,10 +11423,10 @@
       </p:sp>
       <p:pic>
         <p:nvPicPr>
-          <p:cNvPr id="5" name="Рисунок 4">
+          <p:cNvPr id="4" name="Рисунок 3">
             <a:extLst>
               <a:ext uri="{FF2B5EF4-FFF2-40B4-BE49-F238E27FC236}">
-                <a16:creationId xmlns:a16="http://schemas.microsoft.com/office/drawing/2014/main" id="{0B4EE839-C10D-45C3-BE65-04F6EE6209A8}"/>
+                <a16:creationId xmlns:a16="http://schemas.microsoft.com/office/drawing/2014/main" id="{8531E5BF-B67D-4B5E-8809-7C2E8CC0CF84}"/>
               </a:ext>
             </a:extLst>
           </p:cNvPr>
@@ -10962,7 +11436,7 @@
           <p:nvPr/>
         </p:nvPicPr>
         <p:blipFill>
-          <a:blip r:embed="rId2">
+          <a:blip r:embed="rId3">
             <a:extLst>
               <a:ext uri="{28A0092B-C50C-407E-A947-70E740481C1C}">
                 <a14:useLocalDpi xmlns:a14="http://schemas.microsoft.com/office/drawing/2010/main" val="0"/>
@@ -10975,8 +11449,8 @@
         </p:blipFill>
         <p:spPr>
           <a:xfrm>
-            <a:off x="2841714" y="1226933"/>
-            <a:ext cx="6508572" cy="4404134"/>
+            <a:off x="2098965" y="1114101"/>
+            <a:ext cx="7588462" cy="4891236"/>
           </a:xfrm>
           <a:prstGeom prst="rect">
             <a:avLst/>
@@ -10986,7 +11460,7 @@
     </p:spTree>
     <p:extLst>
       <p:ext uri="{BB962C8B-B14F-4D97-AF65-F5344CB8AC3E}">
-        <p14:creationId xmlns:p14="http://schemas.microsoft.com/office/powerpoint/2010/main" val="3603824211"/>
+        <p14:creationId xmlns:p14="http://schemas.microsoft.com/office/powerpoint/2010/main" val="3086600050"/>
       </p:ext>
     </p:extLst>
   </p:cSld>
@@ -11219,6 +11693,624 @@
           <p:cNvPr id="2" name="Заголовок 1">
             <a:extLst>
               <a:ext uri="{FF2B5EF4-FFF2-40B4-BE49-F238E27FC236}">
+                <a16:creationId xmlns:a16="http://schemas.microsoft.com/office/drawing/2014/main" id="{39EEBA41-5CA0-4784-B0B3-947DEA7DEE28}"/>
+              </a:ext>
+            </a:extLst>
+          </p:cNvPr>
+          <p:cNvSpPr>
+            <a:spLocks noGrp="1"/>
+          </p:cNvSpPr>
+          <p:nvPr>
+            <p:ph type="title"/>
+          </p:nvPr>
+        </p:nvSpPr>
+        <p:spPr/>
+        <p:txBody>
+          <a:bodyPr/>
+          <a:lstStyle/>
+          <a:p>
+            <a:r>
+              <a:rPr lang="uk-UA" sz="100" dirty="0"/>
+              <a:t>.</a:t>
+            </a:r>
+          </a:p>
+        </p:txBody>
+      </p:sp>
+      <p:pic>
+        <p:nvPicPr>
+          <p:cNvPr id="5" name="Рисунок 4">
+            <a:extLst>
+              <a:ext uri="{FF2B5EF4-FFF2-40B4-BE49-F238E27FC236}">
+                <a16:creationId xmlns:a16="http://schemas.microsoft.com/office/drawing/2014/main" id="{18294ADB-E23B-4885-B889-0002162C01B8}"/>
+              </a:ext>
+            </a:extLst>
+          </p:cNvPr>
+          <p:cNvPicPr>
+            <a:picLocks noChangeAspect="1"/>
+          </p:cNvPicPr>
+          <p:nvPr/>
+        </p:nvPicPr>
+        <p:blipFill>
+          <a:blip r:embed="rId3">
+            <a:extLst>
+              <a:ext uri="{28A0092B-C50C-407E-A947-70E740481C1C}">
+                <a14:useLocalDpi xmlns:a14="http://schemas.microsoft.com/office/drawing/2010/main" val="0"/>
+              </a:ext>
+            </a:extLst>
+          </a:blip>
+          <a:stretch>
+            <a:fillRect/>
+          </a:stretch>
+        </p:blipFill>
+        <p:spPr>
+          <a:xfrm>
+            <a:off x="1974274" y="843037"/>
+            <a:ext cx="8582890" cy="4975168"/>
+          </a:xfrm>
+          <a:prstGeom prst="rect">
+            <a:avLst/>
+          </a:prstGeom>
+        </p:spPr>
+      </p:pic>
+    </p:spTree>
+    <p:extLst>
+      <p:ext uri="{BB962C8B-B14F-4D97-AF65-F5344CB8AC3E}">
+        <p14:creationId xmlns:p14="http://schemas.microsoft.com/office/powerpoint/2010/main" val="1982945345"/>
+      </p:ext>
+    </p:extLst>
+  </p:cSld>
+  <p:clrMapOvr>
+    <a:masterClrMapping/>
+  </p:clrMapOvr>
+</p:sld>
+</file>
+
+<file path=ppt/slides/slide31.xml><?xml version="1.0" encoding="utf-8"?>
+<p:sld xmlns:a="http://schemas.openxmlformats.org/drawingml/2006/main" xmlns:r="http://schemas.openxmlformats.org/officeDocument/2006/relationships" xmlns:p="http://schemas.openxmlformats.org/presentationml/2006/main">
+  <p:cSld>
+    <p:spTree>
+      <p:nvGrpSpPr>
+        <p:cNvPr id="1" name=""/>
+        <p:cNvGrpSpPr/>
+        <p:nvPr/>
+      </p:nvGrpSpPr>
+      <p:grpSpPr>
+        <a:xfrm>
+          <a:off x="0" y="0"/>
+          <a:ext cx="0" cy="0"/>
+          <a:chOff x="0" y="0"/>
+          <a:chExt cx="0" cy="0"/>
+        </a:xfrm>
+      </p:grpSpPr>
+      <p:sp>
+        <p:nvSpPr>
+          <p:cNvPr id="2" name="Заголовок 1">
+            <a:extLst>
+              <a:ext uri="{FF2B5EF4-FFF2-40B4-BE49-F238E27FC236}">
+                <a16:creationId xmlns:a16="http://schemas.microsoft.com/office/drawing/2014/main" id="{FC4FE51D-EB1A-4E26-AAE7-15FF467122A7}"/>
+              </a:ext>
+            </a:extLst>
+          </p:cNvPr>
+          <p:cNvSpPr>
+            <a:spLocks noGrp="1"/>
+          </p:cNvSpPr>
+          <p:nvPr>
+            <p:ph type="title"/>
+          </p:nvPr>
+        </p:nvSpPr>
+        <p:spPr/>
+        <p:txBody>
+          <a:bodyPr/>
+          <a:lstStyle/>
+          <a:p>
+            <a:pPr>
+              <a:lnSpc>
+                <a:spcPct val="100000"/>
+              </a:lnSpc>
+            </a:pPr>
+            <a:r>
+              <a:rPr lang="en-US" sz="2400" dirty="0">
+                <a:latin typeface="Open Sans" panose="020B0604020202020204" charset="0"/>
+                <a:ea typeface="Open Sans" panose="020B0604020202020204" charset="0"/>
+                <a:cs typeface="Open Sans" panose="020B0604020202020204" charset="0"/>
+              </a:rPr>
+              <a:t>One may also extend traditional function-based "classes":</a:t>
+            </a:r>
+            <a:endParaRPr lang="uk-UA" sz="2400" dirty="0">
+              <a:latin typeface="Open Sans" panose="020B0604020202020204" charset="0"/>
+              <a:ea typeface="Open Sans" panose="020B0604020202020204" charset="0"/>
+              <a:cs typeface="Open Sans" panose="020B0604020202020204" charset="0"/>
+            </a:endParaRPr>
+          </a:p>
+        </p:txBody>
+      </p:sp>
+      <p:pic>
+        <p:nvPicPr>
+          <p:cNvPr id="5" name="Рисунок 4">
+            <a:extLst>
+              <a:ext uri="{FF2B5EF4-FFF2-40B4-BE49-F238E27FC236}">
+                <a16:creationId xmlns:a16="http://schemas.microsoft.com/office/drawing/2014/main" id="{F4903879-EFC9-496C-8D5D-24F3B44522F4}"/>
+              </a:ext>
+            </a:extLst>
+          </p:cNvPr>
+          <p:cNvPicPr>
+            <a:picLocks noChangeAspect="1"/>
+          </p:cNvPicPr>
+          <p:nvPr/>
+        </p:nvPicPr>
+        <p:blipFill>
+          <a:blip r:embed="rId2">
+            <a:extLst>
+              <a:ext uri="{28A0092B-C50C-407E-A947-70E740481C1C}">
+                <a14:useLocalDpi xmlns:a14="http://schemas.microsoft.com/office/drawing/2010/main" val="0"/>
+              </a:ext>
+            </a:extLst>
+          </a:blip>
+          <a:stretch>
+            <a:fillRect/>
+          </a:stretch>
+        </p:blipFill>
+        <p:spPr>
+          <a:xfrm>
+            <a:off x="1893024" y="1371600"/>
+            <a:ext cx="8405951" cy="4114800"/>
+          </a:xfrm>
+          <a:prstGeom prst="rect">
+            <a:avLst/>
+          </a:prstGeom>
+        </p:spPr>
+      </p:pic>
+    </p:spTree>
+    <p:extLst>
+      <p:ext uri="{BB962C8B-B14F-4D97-AF65-F5344CB8AC3E}">
+        <p14:creationId xmlns:p14="http://schemas.microsoft.com/office/powerpoint/2010/main" val="3821854505"/>
+      </p:ext>
+    </p:extLst>
+  </p:cSld>
+  <p:clrMapOvr>
+    <a:masterClrMapping/>
+  </p:clrMapOvr>
+</p:sld>
+</file>
+
+<file path=ppt/slides/slide32.xml><?xml version="1.0" encoding="utf-8"?>
+<p:sld xmlns:a="http://schemas.openxmlformats.org/drawingml/2006/main" xmlns:r="http://schemas.openxmlformats.org/officeDocument/2006/relationships" xmlns:p="http://schemas.openxmlformats.org/presentationml/2006/main">
+  <p:cSld>
+    <p:spTree>
+      <p:nvGrpSpPr>
+        <p:cNvPr id="1" name=""/>
+        <p:cNvGrpSpPr/>
+        <p:nvPr/>
+      </p:nvGrpSpPr>
+      <p:grpSpPr>
+        <a:xfrm>
+          <a:off x="0" y="0"/>
+          <a:ext cx="0" cy="0"/>
+          <a:chOff x="0" y="0"/>
+          <a:chExt cx="0" cy="0"/>
+        </a:xfrm>
+      </p:grpSpPr>
+      <p:sp>
+        <p:nvSpPr>
+          <p:cNvPr id="2" name="Заголовок 1">
+            <a:extLst>
+              <a:ext uri="{FF2B5EF4-FFF2-40B4-BE49-F238E27FC236}">
+                <a16:creationId xmlns:a16="http://schemas.microsoft.com/office/drawing/2014/main" id="{2A59E761-BAF9-42A2-916C-77C44DF28FB5}"/>
+              </a:ext>
+            </a:extLst>
+          </p:cNvPr>
+          <p:cNvSpPr>
+            <a:spLocks noGrp="1"/>
+          </p:cNvSpPr>
+          <p:nvPr>
+            <p:ph type="title"/>
+          </p:nvPr>
+        </p:nvSpPr>
+        <p:spPr/>
+        <p:txBody>
+          <a:bodyPr/>
+          <a:lstStyle/>
+          <a:p>
+            <a:pPr>
+              <a:lnSpc>
+                <a:spcPct val="100000"/>
+              </a:lnSpc>
+            </a:pPr>
+            <a:r>
+              <a:rPr lang="en-US" sz="4000" dirty="0"/>
+              <a:t>Super class calls with super</a:t>
+            </a:r>
+            <a:br>
+              <a:rPr lang="en-US" sz="4000" dirty="0"/>
+            </a:br>
+            <a:r>
+              <a:rPr lang="en-US" sz="2400" dirty="0">
+                <a:latin typeface="Open Sans" panose="020B0604020202020204" charset="0"/>
+                <a:ea typeface="Open Sans" panose="020B0604020202020204" charset="0"/>
+                <a:cs typeface="Open Sans" panose="020B0604020202020204" charset="0"/>
+              </a:rPr>
+              <a:t>The super keyword is used to call corresponding methods of super class. This is one advantage over prototype-based inheritance.</a:t>
+            </a:r>
+            <a:endParaRPr lang="uk-UA" sz="2400" dirty="0">
+              <a:latin typeface="Open Sans" panose="020B0604020202020204" charset="0"/>
+              <a:ea typeface="Open Sans" panose="020B0604020202020204" charset="0"/>
+              <a:cs typeface="Open Sans" panose="020B0604020202020204" charset="0"/>
+            </a:endParaRPr>
+          </a:p>
+        </p:txBody>
+      </p:sp>
+    </p:spTree>
+    <p:extLst>
+      <p:ext uri="{BB962C8B-B14F-4D97-AF65-F5344CB8AC3E}">
+        <p14:creationId xmlns:p14="http://schemas.microsoft.com/office/powerpoint/2010/main" val="2212749375"/>
+      </p:ext>
+    </p:extLst>
+  </p:cSld>
+  <p:clrMapOvr>
+    <a:masterClrMapping/>
+  </p:clrMapOvr>
+</p:sld>
+</file>
+
+<file path=ppt/slides/slide33.xml><?xml version="1.0" encoding="utf-8"?>
+<p:sld xmlns:a="http://schemas.openxmlformats.org/drawingml/2006/main" xmlns:r="http://schemas.openxmlformats.org/officeDocument/2006/relationships" xmlns:p="http://schemas.openxmlformats.org/presentationml/2006/main">
+  <p:cSld>
+    <p:spTree>
+      <p:nvGrpSpPr>
+        <p:cNvPr id="1" name=""/>
+        <p:cNvGrpSpPr/>
+        <p:nvPr/>
+      </p:nvGrpSpPr>
+      <p:grpSpPr>
+        <a:xfrm>
+          <a:off x="0" y="0"/>
+          <a:ext cx="0" cy="0"/>
+          <a:chOff x="0" y="0"/>
+          <a:chExt cx="0" cy="0"/>
+        </a:xfrm>
+      </p:grpSpPr>
+      <p:sp>
+        <p:nvSpPr>
+          <p:cNvPr id="2" name="Заголовок 1">
+            <a:extLst>
+              <a:ext uri="{FF2B5EF4-FFF2-40B4-BE49-F238E27FC236}">
+                <a16:creationId xmlns:a16="http://schemas.microsoft.com/office/drawing/2014/main" id="{6525FB77-80D7-4E66-8E87-EDE250739B84}"/>
+              </a:ext>
+            </a:extLst>
+          </p:cNvPr>
+          <p:cNvSpPr>
+            <a:spLocks noGrp="1"/>
+          </p:cNvSpPr>
+          <p:nvPr>
+            <p:ph type="title"/>
+          </p:nvPr>
+        </p:nvSpPr>
+        <p:spPr/>
+        <p:txBody>
+          <a:bodyPr/>
+          <a:lstStyle/>
+          <a:p>
+            <a:pPr>
+              <a:lnSpc>
+                <a:spcPct val="100000"/>
+              </a:lnSpc>
+            </a:pPr>
+            <a:r>
+              <a:rPr lang="en-US" sz="3000" dirty="0"/>
+              <a:t>Example</a:t>
+            </a:r>
+            <a:endParaRPr lang="uk-UA" sz="3000" dirty="0"/>
+          </a:p>
+        </p:txBody>
+      </p:sp>
+      <p:pic>
+        <p:nvPicPr>
+          <p:cNvPr id="5" name="Рисунок 4">
+            <a:extLst>
+              <a:ext uri="{FF2B5EF4-FFF2-40B4-BE49-F238E27FC236}">
+                <a16:creationId xmlns:a16="http://schemas.microsoft.com/office/drawing/2014/main" id="{0B4EE839-C10D-45C3-BE65-04F6EE6209A8}"/>
+              </a:ext>
+            </a:extLst>
+          </p:cNvPr>
+          <p:cNvPicPr>
+            <a:picLocks noChangeAspect="1"/>
+          </p:cNvPicPr>
+          <p:nvPr/>
+        </p:nvPicPr>
+        <p:blipFill>
+          <a:blip r:embed="rId2">
+            <a:extLst>
+              <a:ext uri="{28A0092B-C50C-407E-A947-70E740481C1C}">
+                <a14:useLocalDpi xmlns:a14="http://schemas.microsoft.com/office/drawing/2010/main" val="0"/>
+              </a:ext>
+            </a:extLst>
+          </a:blip>
+          <a:stretch>
+            <a:fillRect/>
+          </a:stretch>
+        </p:blipFill>
+        <p:spPr>
+          <a:xfrm>
+            <a:off x="2841714" y="1226933"/>
+            <a:ext cx="6508572" cy="4404134"/>
+          </a:xfrm>
+          <a:prstGeom prst="rect">
+            <a:avLst/>
+          </a:prstGeom>
+        </p:spPr>
+      </p:pic>
+    </p:spTree>
+    <p:extLst>
+      <p:ext uri="{BB962C8B-B14F-4D97-AF65-F5344CB8AC3E}">
+        <p14:creationId xmlns:p14="http://schemas.microsoft.com/office/powerpoint/2010/main" val="3603824211"/>
+      </p:ext>
+    </p:extLst>
+  </p:cSld>
+  <p:clrMapOvr>
+    <a:masterClrMapping/>
+  </p:clrMapOvr>
+</p:sld>
+</file>
+
+<file path=ppt/slides/slide34.xml><?xml version="1.0" encoding="utf-8"?>
+<p:sld xmlns:a="http://schemas.openxmlformats.org/drawingml/2006/main" xmlns:r="http://schemas.openxmlformats.org/officeDocument/2006/relationships" xmlns:p="http://schemas.openxmlformats.org/presentationml/2006/main">
+  <p:cSld>
+    <p:spTree>
+      <p:nvGrpSpPr>
+        <p:cNvPr id="1" name=""/>
+        <p:cNvGrpSpPr/>
+        <p:nvPr/>
+      </p:nvGrpSpPr>
+      <p:grpSpPr>
+        <a:xfrm>
+          <a:off x="0" y="0"/>
+          <a:ext cx="0" cy="0"/>
+          <a:chOff x="0" y="0"/>
+          <a:chExt cx="0" cy="0"/>
+        </a:xfrm>
+      </p:grpSpPr>
+      <p:sp>
+        <p:nvSpPr>
+          <p:cNvPr id="2" name="Заголовок 1">
+            <a:extLst>
+              <a:ext uri="{FF2B5EF4-FFF2-40B4-BE49-F238E27FC236}">
+                <a16:creationId xmlns:a16="http://schemas.microsoft.com/office/drawing/2014/main" id="{4EF8FC97-A186-4C20-9898-33AA63561C70}"/>
+              </a:ext>
+            </a:extLst>
+          </p:cNvPr>
+          <p:cNvSpPr>
+            <a:spLocks noGrp="1"/>
+          </p:cNvSpPr>
+          <p:nvPr>
+            <p:ph type="title"/>
+          </p:nvPr>
+        </p:nvSpPr>
+        <p:spPr/>
+        <p:txBody>
+          <a:bodyPr/>
+          <a:lstStyle/>
+          <a:p>
+            <a:pPr>
+              <a:lnSpc>
+                <a:spcPct val="100000"/>
+              </a:lnSpc>
+            </a:pPr>
+            <a:r>
+              <a:rPr lang="en-US" sz="2400" dirty="0">
+                <a:latin typeface="Open Sans" panose="020B0604020202020204" charset="0"/>
+                <a:ea typeface="Open Sans" panose="020B0604020202020204" charset="0"/>
+                <a:cs typeface="Open Sans" panose="020B0604020202020204" charset="0"/>
+              </a:rPr>
+              <a:t>Arrow functions have no super</a:t>
+            </a:r>
+            <a:br>
+              <a:rPr lang="en-US" sz="2400" dirty="0">
+                <a:latin typeface="Open Sans" panose="020B0604020202020204" charset="0"/>
+                <a:ea typeface="Open Sans" panose="020B0604020202020204" charset="0"/>
+                <a:cs typeface="Open Sans" panose="020B0604020202020204" charset="0"/>
+              </a:rPr>
+            </a:br>
+            <a:r>
+              <a:rPr lang="en-US" sz="2400" dirty="0">
+                <a:latin typeface="Open Sans" panose="020B0604020202020204" charset="0"/>
+                <a:ea typeface="Open Sans" panose="020B0604020202020204" charset="0"/>
+                <a:cs typeface="Open Sans" panose="020B0604020202020204" charset="0"/>
+              </a:rPr>
+              <a:t>If accessed, it’s taken from the outer function. For instance:</a:t>
+            </a:r>
+            <a:br>
+              <a:rPr lang="en-US" sz="2400" dirty="0">
+                <a:latin typeface="Open Sans" panose="020B0604020202020204" charset="0"/>
+                <a:ea typeface="Open Sans" panose="020B0604020202020204" charset="0"/>
+                <a:cs typeface="Open Sans" panose="020B0604020202020204" charset="0"/>
+              </a:rPr>
+            </a:br>
+            <a:br>
+              <a:rPr lang="en-US" sz="2400" dirty="0">
+                <a:latin typeface="Open Sans" panose="020B0604020202020204" charset="0"/>
+                <a:ea typeface="Open Sans" panose="020B0604020202020204" charset="0"/>
+                <a:cs typeface="Open Sans" panose="020B0604020202020204" charset="0"/>
+              </a:rPr>
+            </a:br>
+            <a:br>
+              <a:rPr lang="en-US" sz="2400" dirty="0">
+                <a:latin typeface="Open Sans" panose="020B0604020202020204" charset="0"/>
+                <a:ea typeface="Open Sans" panose="020B0604020202020204" charset="0"/>
+                <a:cs typeface="Open Sans" panose="020B0604020202020204" charset="0"/>
+              </a:rPr>
+            </a:br>
+            <a:br>
+              <a:rPr lang="en-US" sz="2400" dirty="0">
+                <a:latin typeface="Open Sans" panose="020B0604020202020204" charset="0"/>
+                <a:ea typeface="Open Sans" panose="020B0604020202020204" charset="0"/>
+                <a:cs typeface="Open Sans" panose="020B0604020202020204" charset="0"/>
+              </a:rPr>
+            </a:br>
+            <a:br>
+              <a:rPr lang="en-US" sz="2400" dirty="0">
+                <a:latin typeface="Open Sans" panose="020B0604020202020204" charset="0"/>
+                <a:ea typeface="Open Sans" panose="020B0604020202020204" charset="0"/>
+                <a:cs typeface="Open Sans" panose="020B0604020202020204" charset="0"/>
+              </a:rPr>
+            </a:br>
+            <a:br>
+              <a:rPr lang="en-US" sz="2400" dirty="0">
+                <a:latin typeface="Open Sans" panose="020B0604020202020204" charset="0"/>
+                <a:ea typeface="Open Sans" panose="020B0604020202020204" charset="0"/>
+                <a:cs typeface="Open Sans" panose="020B0604020202020204" charset="0"/>
+              </a:rPr>
+            </a:br>
+            <a:r>
+              <a:rPr lang="en-US" sz="2400" dirty="0">
+                <a:latin typeface="Open Sans" panose="020B0604020202020204" charset="0"/>
+                <a:ea typeface="Open Sans" panose="020B0604020202020204" charset="0"/>
+                <a:cs typeface="Open Sans" panose="020B0604020202020204" charset="0"/>
+              </a:rPr>
+              <a:t>The super in the arrow function is the same as in stop(), so it works as intended. If we specified a “regular” function here, there would be an error:</a:t>
+            </a:r>
+            <a:br>
+              <a:rPr lang="en-US" sz="2400" dirty="0">
+                <a:latin typeface="Open Sans" panose="020B0604020202020204" charset="0"/>
+                <a:ea typeface="Open Sans" panose="020B0604020202020204" charset="0"/>
+                <a:cs typeface="Open Sans" panose="020B0604020202020204" charset="0"/>
+              </a:rPr>
+            </a:br>
+            <a:br>
+              <a:rPr lang="en-US" sz="2400" dirty="0">
+                <a:latin typeface="Open Sans" panose="020B0604020202020204" charset="0"/>
+                <a:ea typeface="Open Sans" panose="020B0604020202020204" charset="0"/>
+                <a:cs typeface="Open Sans" panose="020B0604020202020204" charset="0"/>
+              </a:rPr>
+            </a:br>
+            <a:br>
+              <a:rPr lang="en-US" sz="2400" dirty="0">
+                <a:latin typeface="Open Sans" panose="020B0604020202020204" charset="0"/>
+                <a:ea typeface="Open Sans" panose="020B0604020202020204" charset="0"/>
+                <a:cs typeface="Open Sans" panose="020B0604020202020204" charset="0"/>
+              </a:rPr>
+            </a:br>
+            <a:br>
+              <a:rPr lang="en-US" sz="2400" dirty="0">
+                <a:latin typeface="Open Sans" panose="020B0604020202020204" charset="0"/>
+                <a:ea typeface="Open Sans" panose="020B0604020202020204" charset="0"/>
+                <a:cs typeface="Open Sans" panose="020B0604020202020204" charset="0"/>
+              </a:rPr>
+            </a:br>
+            <a:endParaRPr lang="uk-UA" sz="2400" dirty="0">
+              <a:latin typeface="Open Sans" panose="020B0604020202020204" charset="0"/>
+              <a:ea typeface="Open Sans" panose="020B0604020202020204" charset="0"/>
+              <a:cs typeface="Open Sans" panose="020B0604020202020204" charset="0"/>
+            </a:endParaRPr>
+          </a:p>
+        </p:txBody>
+      </p:sp>
+      <p:pic>
+        <p:nvPicPr>
+          <p:cNvPr id="6" name="Рисунок 5">
+            <a:extLst>
+              <a:ext uri="{FF2B5EF4-FFF2-40B4-BE49-F238E27FC236}">
+                <a16:creationId xmlns:a16="http://schemas.microsoft.com/office/drawing/2014/main" id="{51D36150-773D-4CAA-838F-18EECF63DA1E}"/>
+              </a:ext>
+            </a:extLst>
+          </p:cNvPr>
+          <p:cNvPicPr>
+            <a:picLocks noChangeAspect="1"/>
+          </p:cNvPicPr>
+          <p:nvPr/>
+        </p:nvPicPr>
+        <p:blipFill>
+          <a:blip r:embed="rId2">
+            <a:extLst>
+              <a:ext uri="{28A0092B-C50C-407E-A947-70E740481C1C}">
+                <a14:useLocalDpi xmlns:a14="http://schemas.microsoft.com/office/drawing/2010/main" val="0"/>
+              </a:ext>
+            </a:extLst>
+          </a:blip>
+          <a:stretch>
+            <a:fillRect/>
+          </a:stretch>
+        </p:blipFill>
+        <p:spPr>
+          <a:xfrm>
+            <a:off x="1882376" y="1743006"/>
+            <a:ext cx="8427247" cy="1343093"/>
+          </a:xfrm>
+          <a:prstGeom prst="rect">
+            <a:avLst/>
+          </a:prstGeom>
+        </p:spPr>
+      </p:pic>
+      <p:pic>
+        <p:nvPicPr>
+          <p:cNvPr id="9" name="Рисунок 8">
+            <a:extLst>
+              <a:ext uri="{FF2B5EF4-FFF2-40B4-BE49-F238E27FC236}">
+                <a16:creationId xmlns:a16="http://schemas.microsoft.com/office/drawing/2014/main" id="{782096E4-FC81-493A-AF98-5522899EE336}"/>
+              </a:ext>
+            </a:extLst>
+          </p:cNvPr>
+          <p:cNvPicPr>
+            <a:picLocks noChangeAspect="1"/>
+          </p:cNvPicPr>
+          <p:nvPr/>
+        </p:nvPicPr>
+        <p:blipFill>
+          <a:blip r:embed="rId3">
+            <a:extLst>
+              <a:ext uri="{28A0092B-C50C-407E-A947-70E740481C1C}">
+                <a14:useLocalDpi xmlns:a14="http://schemas.microsoft.com/office/drawing/2010/main" val="0"/>
+              </a:ext>
+            </a:extLst>
+          </a:blip>
+          <a:stretch>
+            <a:fillRect/>
+          </a:stretch>
+        </p:blipFill>
+        <p:spPr>
+          <a:xfrm>
+            <a:off x="1882376" y="4610100"/>
+            <a:ext cx="8430871" cy="742950"/>
+          </a:xfrm>
+          <a:prstGeom prst="rect">
+            <a:avLst/>
+          </a:prstGeom>
+        </p:spPr>
+      </p:pic>
+    </p:spTree>
+    <p:extLst>
+      <p:ext uri="{BB962C8B-B14F-4D97-AF65-F5344CB8AC3E}">
+        <p14:creationId xmlns:p14="http://schemas.microsoft.com/office/powerpoint/2010/main" val="417267321"/>
+      </p:ext>
+    </p:extLst>
+  </p:cSld>
+  <p:clrMapOvr>
+    <a:masterClrMapping/>
+  </p:clrMapOvr>
+</p:sld>
+</file>
+
+<file path=ppt/slides/slide35.xml><?xml version="1.0" encoding="utf-8"?>
+<p:sld xmlns:a="http://schemas.openxmlformats.org/drawingml/2006/main" xmlns:r="http://schemas.openxmlformats.org/officeDocument/2006/relationships" xmlns:p="http://schemas.openxmlformats.org/presentationml/2006/main">
+  <p:cSld>
+    <p:spTree>
+      <p:nvGrpSpPr>
+        <p:cNvPr id="1" name=""/>
+        <p:cNvGrpSpPr/>
+        <p:nvPr/>
+      </p:nvGrpSpPr>
+      <p:grpSpPr>
+        <a:xfrm>
+          <a:off x="0" y="0"/>
+          <a:ext cx="0" cy="0"/>
+          <a:chOff x="0" y="0"/>
+          <a:chExt cx="0" cy="0"/>
+        </a:xfrm>
+      </p:grpSpPr>
+      <p:sp>
+        <p:nvSpPr>
+          <p:cNvPr id="2" name="Заголовок 1">
+            <a:extLst>
+              <a:ext uri="{FF2B5EF4-FFF2-40B4-BE49-F238E27FC236}">
                 <a16:creationId xmlns:a16="http://schemas.microsoft.com/office/drawing/2014/main" id="{E044124B-B018-4C46-89AC-4918AF746576}"/>
               </a:ext>
             </a:extLst>
@@ -11256,7 +12348,7 @@
 </p:sld>
 </file>
 
-<file path=ppt/slides/slide31.xml><?xml version="1.0" encoding="utf-8"?>
+<file path=ppt/slides/slide36.xml><?xml version="1.0" encoding="utf-8"?>
 <p:sld xmlns:a="http://schemas.openxmlformats.org/drawingml/2006/main" xmlns:r="http://schemas.openxmlformats.org/officeDocument/2006/relationships" xmlns:p="http://schemas.openxmlformats.org/presentationml/2006/main">
   <p:cSld>
     <p:spTree>
@@ -12678,15 +13770,6 @@
 </file>
 
 <file path=customXml/item1.xml><?xml version="1.0" encoding="utf-8"?>
-<?mso-contentType ?>
-<FormTemplates xmlns="http://schemas.microsoft.com/sharepoint/v3/contenttype/forms">
-  <Display>DocumentLibraryForm</Display>
-  <Edit>DocumentLibraryForm</Edit>
-  <New>DocumentLibraryForm</New>
-</FormTemplates>
-</file>
-
-<file path=customXml/item2.xml><?xml version="1.0" encoding="utf-8"?>
 <ct:contentTypeSchema xmlns:ct="http://schemas.microsoft.com/office/2006/metadata/contentType" xmlns:ma="http://schemas.microsoft.com/office/2006/metadata/properties/metaAttributes" ct:_="" ma:_="" ma:contentTypeName="Документ" ma:contentTypeID="0x0101004195FC54A15F344D83577B1CDDD67A5D" ma:contentTypeVersion="9" ma:contentTypeDescription="Создание документа." ma:contentTypeScope="" ma:versionID="961ec8db58076c7d3e9f84b9cd82fd45">
   <xsd:schema xmlns:xsd="http://www.w3.org/2001/XMLSchema" xmlns:xs="http://www.w3.org/2001/XMLSchema" xmlns:p="http://schemas.microsoft.com/office/2006/metadata/properties" xmlns:ns2="341e6018-ac0a-4dfb-8409-db9e0d25502e" xmlns:ns3="835f28f2-30f1-4728-84d2-86d96e143488" targetNamespace="http://schemas.microsoft.com/office/2006/metadata/properties" ma:root="true" ma:fieldsID="bd9f0c80ada20ee560e77d723f3ef44e" ns2:_="" ns3:_="">
     <xsd:import namespace="341e6018-ac0a-4dfb-8409-db9e0d25502e"/>
@@ -12885,7 +13968,7 @@
 </ct:contentTypeSchema>
 </file>
 
-<file path=customXml/item3.xml><?xml version="1.0" encoding="utf-8"?>
+<file path=customXml/item2.xml><?xml version="1.0" encoding="utf-8"?>
 <p:properties xmlns:p="http://schemas.microsoft.com/office/2006/metadata/properties" xmlns:xsi="http://www.w3.org/2001/XMLSchema-instance" xmlns:pc="http://schemas.microsoft.com/office/infopath/2007/PartnerControls">
   <documentManagement>
     <_x041a__x043e__x043c__x0435__x0442__x0430__x0440_ xmlns="835f28f2-30f1-4728-84d2-86d96e143488" xsi:nil="true"/>
@@ -12893,15 +13976,16 @@
 </p:properties>
 </file>
 
-<file path=customXml/itemProps1.xml><?xml version="1.0" encoding="utf-8"?>
-<ds:datastoreItem xmlns:ds="http://schemas.openxmlformats.org/officeDocument/2006/customXml" ds:itemID="{296B3B9E-03D8-4766-BF45-6129617CF026}">
-  <ds:schemaRefs>
-    <ds:schemaRef ds:uri="http://schemas.microsoft.com/sharepoint/v3/contenttype/forms"/>
-  </ds:schemaRefs>
-</ds:datastoreItem>
+<file path=customXml/item3.xml><?xml version="1.0" encoding="utf-8"?>
+<?mso-contentType ?>
+<FormTemplates xmlns="http://schemas.microsoft.com/sharepoint/v3/contenttype/forms">
+  <Display>DocumentLibraryForm</Display>
+  <Edit>DocumentLibraryForm</Edit>
+  <New>DocumentLibraryForm</New>
+</FormTemplates>
 </file>
 
-<file path=customXml/itemProps2.xml><?xml version="1.0" encoding="utf-8"?>
+<file path=customXml/itemProps1.xml><?xml version="1.0" encoding="utf-8"?>
 <ds:datastoreItem xmlns:ds="http://schemas.openxmlformats.org/officeDocument/2006/customXml" ds:itemID="{CAFDAB34-20E1-438F-BCB2-ECDA5496F36D}">
   <ds:schemaRefs>
     <ds:schemaRef ds:uri="http://schemas.microsoft.com/office/2006/metadata/contentType"/>
@@ -12920,7 +14004,7 @@
 </ds:datastoreItem>
 </file>
 
-<file path=customXml/itemProps3.xml><?xml version="1.0" encoding="utf-8"?>
+<file path=customXml/itemProps2.xml><?xml version="1.0" encoding="utf-8"?>
 <ds:datastoreItem xmlns:ds="http://schemas.openxmlformats.org/officeDocument/2006/customXml" ds:itemID="{B3A1340B-3A1B-4156-ADE3-51DF6C2C795D}">
   <ds:schemaRefs>
     <ds:schemaRef ds:uri="http://schemas.microsoft.com/office/2006/documentManagement/types"/>
@@ -12935,4 +14019,12 @@
     <ds:schemaRef ds:uri="http://www.w3.org/XML/1998/namespace"/>
   </ds:schemaRefs>
 </ds:datastoreItem>
+</file>
+
+<file path=customXml/itemProps3.xml><?xml version="1.0" encoding="utf-8"?>
+<ds:datastoreItem xmlns:ds="http://schemas.openxmlformats.org/officeDocument/2006/customXml" ds:itemID="{296B3B9E-03D8-4766-BF45-6129617CF026}">
+  <ds:schemaRefs>
+    <ds:schemaRef ds:uri="http://schemas.microsoft.com/sharepoint/v3/contenttype/forms"/>
+  </ds:schemaRefs>
+</ds:datastoreItem>
 </file>